--- a/Projeto.pptx
+++ b/Projeto.pptx
@@ -8,10 +8,1126 @@
   <p:sldIdLst>
     <p:sldId id="256" r:id="rId4"/>
     <p:sldId id="257" r:id="rId5"/>
+    <p:sldId id="258" r:id="rId6"/>
+    <p:sldId id="259" r:id="rId7"/>
+    <p:sldId id="260" r:id="rId8"/>
+    <p:sldId id="261" r:id="rId9"/>
+    <p:sldId id="262" r:id="rId10"/>
+    <p:sldId id="263" r:id="rId11"/>
   </p:sldIdLst>
   <p:sldSz cx="12192000" cy="6858000"/>
   <p:notesSz cx="7559675" cy="10691812"/>
 </p:presentation>
+</file>
+
+<file path=ppt/charts/chart1.xml><?xml version="1.0" encoding="utf-8"?>
+<c:chartSpace xmlns:c="http://schemas.openxmlformats.org/drawingml/2006/chart" xmlns:a="http://schemas.openxmlformats.org/drawingml/2006/main" xmlns:r="http://schemas.openxmlformats.org/officeDocument/2006/relationships">
+  <c:lang val="en-US"/>
+  <c:roundedCorners val="0"/>
+  <c:chart>
+    <c:title>
+      <c:tx>
+        <c:rich>
+          <a:bodyPr rot="0"/>
+          <a:lstStyle/>
+          <a:p>
+            <a:pPr>
+              <a:defRPr b="1" lang="pt-BR" sz="1600" spc="97" strike="noStrike">
+                <a:solidFill>
+                  <a:srgbClr val="f2f2f2"/>
+                </a:solidFill>
+                <a:latin typeface="Cambria"/>
+              </a:defRPr>
+            </a:pPr>
+            <a:r>
+              <a:rPr b="1" lang="pt-BR" sz="1600" spc="97" strike="noStrike">
+                <a:solidFill>
+                  <a:srgbClr val="f2f2f2"/>
+                </a:solidFill>
+                <a:latin typeface="Cambria"/>
+              </a:rPr>
+              <a:t>Gráfico de Speedup</a:t>
+            </a:r>
+          </a:p>
+        </c:rich>
+      </c:tx>
+      <c:overlay val="0"/>
+      <c:spPr>
+        <a:noFill/>
+        <a:ln w="0">
+          <a:noFill/>
+        </a:ln>
+      </c:spPr>
+    </c:title>
+    <c:autoTitleDeleted val="0"/>
+    <c:plotArea>
+      <c:barChart>
+        <c:barDir val="bar"/>
+        <c:grouping val="clustered"/>
+        <c:varyColors val="0"/>
+        <c:ser>
+          <c:idx val="0"/>
+          <c:order val="0"/>
+          <c:tx>
+            <c:strRef>
+              <c:f>label 0</c:f>
+              <c:strCache>
+                <c:ptCount val="1"/>
+                <c:pt idx="0">
+                  <c:v>Serial</c:v>
+                </c:pt>
+              </c:strCache>
+            </c:strRef>
+          </c:tx>
+          <c:spPr>
+            <a:gradFill>
+              <a:gsLst>
+                <a:gs pos="0">
+                  <a:srgbClr val="688fc4"/>
+                </a:gs>
+                <a:gs pos="100000">
+                  <a:srgbClr val="487fc1"/>
+                </a:gs>
+              </a:gsLst>
+              <a:lin ang="5400000"/>
+            </a:gradFill>
+            <a:ln w="0">
+              <a:noFill/>
+            </a:ln>
+          </c:spPr>
+          <c:invertIfNegative val="0"/>
+          <c:dLbls>
+            <c:txPr>
+              <a:bodyPr wrap="none"/>
+              <a:lstStyle/>
+              <a:p>
+                <a:pPr>
+                  <a:defRPr b="0" sz="1000" spc="-1" strike="noStrike">
+                    <a:solidFill>
+                      <a:srgbClr val="000000"/>
+                    </a:solidFill>
+                    <a:latin typeface="Cambria"/>
+                  </a:defRPr>
+                </a:pPr>
+              </a:p>
+            </c:txPr>
+            <c:dLblPos val="outEnd"/>
+            <c:showLegendKey val="0"/>
+            <c:showVal val="0"/>
+            <c:showCatName val="0"/>
+            <c:showSerName val="0"/>
+            <c:showPercent val="0"/>
+            <c:separator>; </c:separator>
+            <c:showLeaderLines val="0"/>
+            <c:extLst>
+              <c:ext xmlns:c15="http://schemas.microsoft.com/office/drawing/2012/chart" uri="{CE6537A1-D6FC-4f65-9D91-7224C49458BB}">
+                <c15:showLeaderLines val="1"/>
+              </c:ext>
+            </c:extLst>
+          </c:dLbls>
+          <c:cat>
+            <c:strRef>
+              <c:f>categories</c:f>
+              <c:strCache>
+                <c:ptCount val="1"/>
+                <c:pt idx="0">
+                  <c:v>Speedup</c:v>
+                </c:pt>
+              </c:strCache>
+            </c:strRef>
+          </c:cat>
+          <c:val>
+            <c:numRef>
+              <c:f>0</c:f>
+              <c:numCache>
+                <c:formatCode>General</c:formatCode>
+                <c:ptCount val="1"/>
+                <c:pt idx="0">
+                  <c:v>1</c:v>
+                </c:pt>
+              </c:numCache>
+            </c:numRef>
+          </c:val>
+        </c:ser>
+        <c:ser>
+          <c:idx val="1"/>
+          <c:order val="1"/>
+          <c:tx>
+            <c:strRef>
+              <c:f>label 1</c:f>
+              <c:strCache>
+                <c:ptCount val="1"/>
+                <c:pt idx="0">
+                  <c:v>OpenMP(4 Threads)</c:v>
+                </c:pt>
+              </c:strCache>
+            </c:strRef>
+          </c:tx>
+          <c:spPr>
+            <a:gradFill>
+              <a:gsLst>
+                <a:gs pos="0">
+                  <a:srgbClr val="c76866"/>
+                </a:gs>
+                <a:gs pos="100000">
+                  <a:srgbClr val="c54a47"/>
+                </a:gs>
+              </a:gsLst>
+              <a:lin ang="5400000"/>
+            </a:gradFill>
+            <a:ln w="0">
+              <a:noFill/>
+            </a:ln>
+          </c:spPr>
+          <c:invertIfNegative val="0"/>
+          <c:dLbls>
+            <c:txPr>
+              <a:bodyPr wrap="none"/>
+              <a:lstStyle/>
+              <a:p>
+                <a:pPr>
+                  <a:defRPr b="0" sz="1000" spc="-1" strike="noStrike">
+                    <a:solidFill>
+                      <a:srgbClr val="000000"/>
+                    </a:solidFill>
+                    <a:latin typeface="Cambria"/>
+                  </a:defRPr>
+                </a:pPr>
+              </a:p>
+            </c:txPr>
+            <c:dLblPos val="outEnd"/>
+            <c:showLegendKey val="0"/>
+            <c:showVal val="0"/>
+            <c:showCatName val="0"/>
+            <c:showSerName val="0"/>
+            <c:showPercent val="0"/>
+            <c:separator>; </c:separator>
+            <c:showLeaderLines val="0"/>
+            <c:extLst>
+              <c:ext xmlns:c15="http://schemas.microsoft.com/office/drawing/2012/chart" uri="{CE6537A1-D6FC-4f65-9D91-7224C49458BB}">
+                <c15:showLeaderLines val="1"/>
+              </c:ext>
+            </c:extLst>
+          </c:dLbls>
+          <c:cat>
+            <c:strRef>
+              <c:f>categories</c:f>
+              <c:strCache>
+                <c:ptCount val="1"/>
+                <c:pt idx="0">
+                  <c:v>Speedup</c:v>
+                </c:pt>
+              </c:strCache>
+            </c:strRef>
+          </c:cat>
+          <c:val>
+            <c:numRef>
+              <c:f>1</c:f>
+              <c:numCache>
+                <c:formatCode>General</c:formatCode>
+                <c:ptCount val="1"/>
+                <c:pt idx="0">
+                  <c:v>3.51</c:v>
+                </c:pt>
+              </c:numCache>
+            </c:numRef>
+          </c:val>
+        </c:ser>
+        <c:ser>
+          <c:idx val="2"/>
+          <c:order val="2"/>
+          <c:tx>
+            <c:strRef>
+              <c:f>label 2</c:f>
+              <c:strCache>
+                <c:ptCount val="1"/>
+                <c:pt idx="0">
+                  <c:v>OpenMP(2 Threads)</c:v>
+                </c:pt>
+              </c:strCache>
+            </c:strRef>
+          </c:tx>
+          <c:spPr>
+            <a:gradFill>
+              <a:gsLst>
+                <a:gs pos="0">
+                  <a:srgbClr val="a6c26f"/>
+                </a:gs>
+                <a:gs pos="100000">
+                  <a:srgbClr val="9cbf54"/>
+                </a:gs>
+              </a:gsLst>
+              <a:lin ang="5400000"/>
+            </a:gradFill>
+            <a:ln w="0">
+              <a:noFill/>
+            </a:ln>
+          </c:spPr>
+          <c:invertIfNegative val="0"/>
+          <c:dLbls>
+            <c:txPr>
+              <a:bodyPr wrap="none"/>
+              <a:lstStyle/>
+              <a:p>
+                <a:pPr>
+                  <a:defRPr b="0" sz="1000" spc="-1" strike="noStrike">
+                    <a:solidFill>
+                      <a:srgbClr val="000000"/>
+                    </a:solidFill>
+                    <a:latin typeface="Cambria"/>
+                  </a:defRPr>
+                </a:pPr>
+              </a:p>
+            </c:txPr>
+            <c:dLblPos val="outEnd"/>
+            <c:showLegendKey val="0"/>
+            <c:showVal val="0"/>
+            <c:showCatName val="0"/>
+            <c:showSerName val="0"/>
+            <c:showPercent val="0"/>
+            <c:separator>; </c:separator>
+            <c:showLeaderLines val="0"/>
+            <c:extLst>
+              <c:ext xmlns:c15="http://schemas.microsoft.com/office/drawing/2012/chart" uri="{CE6537A1-D6FC-4f65-9D91-7224C49458BB}">
+                <c15:showLeaderLines val="1"/>
+              </c:ext>
+            </c:extLst>
+          </c:dLbls>
+          <c:cat>
+            <c:strRef>
+              <c:f>categories</c:f>
+              <c:strCache>
+                <c:ptCount val="1"/>
+                <c:pt idx="0">
+                  <c:v>Speedup</c:v>
+                </c:pt>
+              </c:strCache>
+            </c:strRef>
+          </c:cat>
+          <c:val>
+            <c:numRef>
+              <c:f>2</c:f>
+              <c:numCache>
+                <c:formatCode>General</c:formatCode>
+                <c:ptCount val="1"/>
+                <c:pt idx="0">
+                  <c:v>1.83</c:v>
+                </c:pt>
+              </c:numCache>
+            </c:numRef>
+          </c:val>
+        </c:ser>
+        <c:ser>
+          <c:idx val="3"/>
+          <c:order val="3"/>
+          <c:tx>
+            <c:strRef>
+              <c:f>label 3</c:f>
+              <c:strCache>
+                <c:ptCount val="1"/>
+                <c:pt idx="0">
+                  <c:v>MPI(2 Processos)</c:v>
+                </c:pt>
+              </c:strCache>
+            </c:strRef>
+          </c:tx>
+          <c:spPr>
+            <a:gradFill>
+              <a:gsLst>
+                <a:gs pos="0">
+                  <a:srgbClr val="8e77ac"/>
+                </a:gs>
+                <a:gs pos="100000">
+                  <a:srgbClr val="7f60a4"/>
+                </a:gs>
+              </a:gsLst>
+              <a:lin ang="5400000"/>
+            </a:gradFill>
+            <a:ln w="0">
+              <a:noFill/>
+            </a:ln>
+          </c:spPr>
+          <c:invertIfNegative val="0"/>
+          <c:dLbls>
+            <c:txPr>
+              <a:bodyPr wrap="none"/>
+              <a:lstStyle/>
+              <a:p>
+                <a:pPr>
+                  <a:defRPr b="0" sz="1000" spc="-1" strike="noStrike">
+                    <a:solidFill>
+                      <a:srgbClr val="000000"/>
+                    </a:solidFill>
+                    <a:latin typeface="Cambria"/>
+                  </a:defRPr>
+                </a:pPr>
+              </a:p>
+            </c:txPr>
+            <c:dLblPos val="outEnd"/>
+            <c:showLegendKey val="0"/>
+            <c:showVal val="0"/>
+            <c:showCatName val="0"/>
+            <c:showSerName val="0"/>
+            <c:showPercent val="0"/>
+            <c:separator>; </c:separator>
+            <c:showLeaderLines val="0"/>
+            <c:extLst>
+              <c:ext xmlns:c15="http://schemas.microsoft.com/office/drawing/2012/chart" uri="{CE6537A1-D6FC-4f65-9D91-7224C49458BB}">
+                <c15:showLeaderLines val="1"/>
+              </c:ext>
+            </c:extLst>
+          </c:dLbls>
+          <c:cat>
+            <c:strRef>
+              <c:f>categories</c:f>
+              <c:strCache>
+                <c:ptCount val="1"/>
+                <c:pt idx="0">
+                  <c:v>Speedup</c:v>
+                </c:pt>
+              </c:strCache>
+            </c:strRef>
+          </c:cat>
+          <c:val>
+            <c:numRef>
+              <c:f>3</c:f>
+              <c:numCache>
+                <c:formatCode>General</c:formatCode>
+                <c:ptCount val="1"/>
+                <c:pt idx="0">
+                  <c:v>1.76</c:v>
+                </c:pt>
+              </c:numCache>
+            </c:numRef>
+          </c:val>
+        </c:ser>
+        <c:ser>
+          <c:idx val="4"/>
+          <c:order val="4"/>
+          <c:tx>
+            <c:strRef>
+              <c:f>label 4</c:f>
+              <c:strCache>
+                <c:ptCount val="1"/>
+                <c:pt idx="0">
+                  <c:v>MPI(4 Processos)</c:v>
+                </c:pt>
+              </c:strCache>
+            </c:strRef>
+          </c:tx>
+          <c:spPr>
+            <a:gradFill>
+              <a:gsLst>
+                <a:gs pos="0">
+                  <a:srgbClr val="65b5cc"/>
+                </a:gs>
+                <a:gs pos="100000">
+                  <a:srgbClr val="44afcc"/>
+                </a:gs>
+              </a:gsLst>
+              <a:lin ang="5400000"/>
+            </a:gradFill>
+            <a:ln w="0">
+              <a:noFill/>
+            </a:ln>
+          </c:spPr>
+          <c:invertIfNegative val="0"/>
+          <c:dLbls>
+            <c:txPr>
+              <a:bodyPr wrap="none"/>
+              <a:lstStyle/>
+              <a:p>
+                <a:pPr>
+                  <a:defRPr b="0" sz="1000" spc="-1" strike="noStrike">
+                    <a:solidFill>
+                      <a:srgbClr val="000000"/>
+                    </a:solidFill>
+                    <a:latin typeface="Cambria"/>
+                  </a:defRPr>
+                </a:pPr>
+              </a:p>
+            </c:txPr>
+            <c:dLblPos val="outEnd"/>
+            <c:showLegendKey val="0"/>
+            <c:showVal val="0"/>
+            <c:showCatName val="0"/>
+            <c:showSerName val="0"/>
+            <c:showPercent val="0"/>
+            <c:separator>; </c:separator>
+            <c:showLeaderLines val="0"/>
+            <c:extLst>
+              <c:ext xmlns:c15="http://schemas.microsoft.com/office/drawing/2012/chart" uri="{CE6537A1-D6FC-4f65-9D91-7224C49458BB}">
+                <c15:showLeaderLines val="1"/>
+              </c:ext>
+            </c:extLst>
+          </c:dLbls>
+          <c:cat>
+            <c:strRef>
+              <c:f>categories</c:f>
+              <c:strCache>
+                <c:ptCount val="1"/>
+                <c:pt idx="0">
+                  <c:v>Speedup</c:v>
+                </c:pt>
+              </c:strCache>
+            </c:strRef>
+          </c:cat>
+          <c:val>
+            <c:numRef>
+              <c:f>4</c:f>
+              <c:numCache>
+                <c:formatCode>General</c:formatCode>
+                <c:ptCount val="1"/>
+                <c:pt idx="0">
+                  <c:v>3.13</c:v>
+                </c:pt>
+              </c:numCache>
+            </c:numRef>
+          </c:val>
+        </c:ser>
+        <c:gapWidth val="115"/>
+        <c:overlap val="-20"/>
+        <c:axId val="13299187"/>
+        <c:axId val="48173328"/>
+      </c:barChart>
+      <c:catAx>
+        <c:axId val="13299187"/>
+        <c:scaling>
+          <c:orientation val="minMax"/>
+        </c:scaling>
+        <c:delete val="0"/>
+        <c:axPos val="b"/>
+        <c:numFmt formatCode="General" sourceLinked="0"/>
+        <c:majorTickMark val="none"/>
+        <c:minorTickMark val="none"/>
+        <c:tickLblPos val="nextTo"/>
+        <c:spPr>
+          <a:ln w="12600">
+            <a:solidFill>
+              <a:srgbClr val="f2f2f2">
+                <a:alpha val="54000"/>
+              </a:srgbClr>
+            </a:solidFill>
+            <a:round/>
+          </a:ln>
+        </c:spPr>
+        <c:txPr>
+          <a:bodyPr/>
+          <a:lstStyle/>
+          <a:p>
+            <a:pPr>
+              <a:defRPr b="0" sz="900" spc="-1" strike="noStrike">
+                <a:solidFill>
+                  <a:srgbClr val="d9d9d9"/>
+                </a:solidFill>
+                <a:latin typeface="Cambria"/>
+              </a:defRPr>
+            </a:pPr>
+          </a:p>
+        </c:txPr>
+        <c:crossAx val="48173328"/>
+        <c:crosses val="autoZero"/>
+        <c:auto val="1"/>
+        <c:lblAlgn val="ctr"/>
+        <c:lblOffset val="100"/>
+        <c:noMultiLvlLbl val="0"/>
+      </c:catAx>
+      <c:valAx>
+        <c:axId val="48173328"/>
+        <c:scaling>
+          <c:orientation val="minMax"/>
+        </c:scaling>
+        <c:delete val="0"/>
+        <c:axPos val="l"/>
+        <c:majorGridlines>
+          <c:spPr>
+            <a:ln w="9360">
+              <a:solidFill>
+                <a:srgbClr val="f2f2f2">
+                  <a:alpha val="10000"/>
+                </a:srgbClr>
+              </a:solidFill>
+              <a:round/>
+            </a:ln>
+          </c:spPr>
+        </c:majorGridlines>
+        <c:numFmt formatCode="General" sourceLinked="0"/>
+        <c:majorTickMark val="none"/>
+        <c:minorTickMark val="none"/>
+        <c:tickLblPos val="nextTo"/>
+        <c:spPr>
+          <a:ln w="9360">
+            <a:noFill/>
+          </a:ln>
+        </c:spPr>
+        <c:txPr>
+          <a:bodyPr/>
+          <a:lstStyle/>
+          <a:p>
+            <a:pPr>
+              <a:defRPr b="0" sz="900" spc="-1" strike="noStrike">
+                <a:solidFill>
+                  <a:srgbClr val="d9d9d9"/>
+                </a:solidFill>
+                <a:latin typeface="Cambria"/>
+              </a:defRPr>
+            </a:pPr>
+          </a:p>
+        </c:txPr>
+        <c:crossAx val="13299187"/>
+        <c:crosses val="autoZero"/>
+        <c:crossBetween val="between"/>
+      </c:valAx>
+      <c:spPr>
+        <a:noFill/>
+        <a:ln w="0">
+          <a:noFill/>
+        </a:ln>
+      </c:spPr>
+    </c:plotArea>
+    <c:legend>
+      <c:legendPos val="b"/>
+      <c:overlay val="0"/>
+      <c:spPr>
+        <a:noFill/>
+        <a:ln w="0">
+          <a:noFill/>
+        </a:ln>
+      </c:spPr>
+      <c:txPr>
+        <a:bodyPr/>
+        <a:lstStyle/>
+        <a:p>
+          <a:pPr>
+            <a:defRPr b="0" sz="900" spc="-1" strike="noStrike">
+              <a:solidFill>
+                <a:srgbClr val="d9d9d9"/>
+              </a:solidFill>
+              <a:latin typeface="Cambria"/>
+            </a:defRPr>
+          </a:pPr>
+        </a:p>
+      </c:txPr>
+    </c:legend>
+    <c:plotVisOnly val="1"/>
+    <c:dispBlanksAs val="gap"/>
+  </c:chart>
+  <c:spPr>
+    <a:gradFill>
+      <a:gsLst>
+        <a:gs pos="0">
+          <a:srgbClr val="595959"/>
+        </a:gs>
+        <a:gs pos="100000">
+          <a:srgbClr val="262626"/>
+        </a:gs>
+      </a:gsLst>
+      <a:path path="circle">
+        <a:fillToRect l="50000" t="50000" r="50000" b="50000"/>
+      </a:path>
+    </a:gradFill>
+    <a:ln w="9360">
+      <a:noFill/>
+    </a:ln>
+  </c:spPr>
+</c:chartSpace>
+</file>
+
+<file path=ppt/charts/chart2.xml><?xml version="1.0" encoding="utf-8"?>
+<c:chartSpace xmlns:c="http://schemas.openxmlformats.org/drawingml/2006/chart" xmlns:a="http://schemas.openxmlformats.org/drawingml/2006/main" xmlns:r="http://schemas.openxmlformats.org/officeDocument/2006/relationships">
+  <c:lang val="en-US"/>
+  <c:roundedCorners val="0"/>
+  <c:chart>
+    <c:autoTitleDeleted val="1"/>
+    <c:plotArea>
+      <c:barChart>
+        <c:barDir val="col"/>
+        <c:grouping val="clustered"/>
+        <c:varyColors val="0"/>
+        <c:ser>
+          <c:idx val="0"/>
+          <c:order val="0"/>
+          <c:tx>
+            <c:strRef>
+              <c:f>label 0</c:f>
+              <c:strCache>
+                <c:ptCount val="1"/>
+                <c:pt idx="0">
+                  <c:v>Série</c:v>
+                </c:pt>
+              </c:strCache>
+            </c:strRef>
+          </c:tx>
+          <c:spPr>
+            <a:solidFill>
+              <a:srgbClr val="004586"/>
+            </a:solidFill>
+            <a:ln w="0">
+              <a:noFill/>
+            </a:ln>
+          </c:spPr>
+          <c:invertIfNegative val="0"/>
+          <c:dLbls>
+            <c:txPr>
+              <a:bodyPr wrap="none"/>
+              <a:lstStyle/>
+              <a:p>
+                <a:pPr>
+                  <a:defRPr b="0" sz="1000" spc="-1" strike="noStrike">
+                    <a:latin typeface="Arial"/>
+                  </a:defRPr>
+                </a:pPr>
+              </a:p>
+            </c:txPr>
+            <c:dLblPos val="outEnd"/>
+            <c:showLegendKey val="0"/>
+            <c:showVal val="0"/>
+            <c:showCatName val="0"/>
+            <c:showSerName val="0"/>
+            <c:showPercent val="0"/>
+            <c:separator> </c:separator>
+            <c:showLeaderLines val="0"/>
+            <c:extLst>
+              <c:ext xmlns:c15="http://schemas.microsoft.com/office/drawing/2012/chart" uri="{CE6537A1-D6FC-4f65-9D91-7224C49458BB}">
+                <c15:showLeaderLines val="1"/>
+              </c:ext>
+            </c:extLst>
+          </c:dLbls>
+          <c:cat>
+            <c:strRef>
+              <c:f>categories</c:f>
+              <c:strCache>
+                <c:ptCount val="1"/>
+                <c:pt idx="0">
+                  <c:v>Tempo</c:v>
+                </c:pt>
+              </c:strCache>
+            </c:strRef>
+          </c:cat>
+          <c:val>
+            <c:numRef>
+              <c:f>0</c:f>
+              <c:numCache>
+                <c:formatCode>General</c:formatCode>
+                <c:ptCount val="1"/>
+                <c:pt idx="0">
+                  <c:v>7.1406</c:v>
+                </c:pt>
+              </c:numCache>
+            </c:numRef>
+          </c:val>
+        </c:ser>
+        <c:ser>
+          <c:idx val="1"/>
+          <c:order val="1"/>
+          <c:tx>
+            <c:strRef>
+              <c:f>label 3</c:f>
+              <c:strCache>
+                <c:ptCount val="1"/>
+                <c:pt idx="0">
+                  <c:v>OpenMP(2 Threads)</c:v>
+                </c:pt>
+              </c:strCache>
+            </c:strRef>
+          </c:tx>
+          <c:spPr>
+            <a:solidFill>
+              <a:srgbClr val="ff420e"/>
+            </a:solidFill>
+            <a:ln w="0">
+              <a:noFill/>
+            </a:ln>
+          </c:spPr>
+          <c:invertIfNegative val="0"/>
+          <c:dLbls>
+            <c:txPr>
+              <a:bodyPr wrap="none"/>
+              <a:lstStyle/>
+              <a:p>
+                <a:pPr>
+                  <a:defRPr b="0" sz="1000" spc="-1" strike="noStrike">
+                    <a:latin typeface="Arial"/>
+                  </a:defRPr>
+                </a:pPr>
+              </a:p>
+            </c:txPr>
+            <c:showLegendKey val="0"/>
+            <c:showVal val="0"/>
+            <c:showCatName val="0"/>
+            <c:showSerName val="0"/>
+            <c:showPercent val="0"/>
+            <c:separator> </c:separator>
+            <c:showLeaderLines val="0"/>
+            <c:extLst>
+              <c:ext xmlns:c15="http://schemas.microsoft.com/office/drawing/2012/chart" uri="{CE6537A1-D6FC-4f65-9D91-7224C49458BB}">
+                <c15:showLeaderLines val="1"/>
+              </c:ext>
+            </c:extLst>
+          </c:dLbls>
+          <c:cat>
+            <c:strRef>
+              <c:f>categories</c:f>
+              <c:strCache>
+                <c:ptCount val="1"/>
+                <c:pt idx="0">
+                  <c:v>Tempo</c:v>
+                </c:pt>
+              </c:strCache>
+            </c:strRef>
+          </c:cat>
+          <c:val>
+            <c:numRef>
+              <c:f>3</c:f>
+              <c:numCache>
+                <c:formatCode>General</c:formatCode>
+                <c:ptCount val="1"/>
+                <c:pt idx="0">
+                  <c:v>3.8976</c:v>
+                </c:pt>
+              </c:numCache>
+            </c:numRef>
+          </c:val>
+        </c:ser>
+        <c:ser>
+          <c:idx val="2"/>
+          <c:order val="2"/>
+          <c:tx>
+            <c:strRef>
+              <c:f>label 2</c:f>
+              <c:strCache>
+                <c:ptCount val="1"/>
+                <c:pt idx="0">
+                  <c:v>OpenMP(4 Threads)</c:v>
+                </c:pt>
+              </c:strCache>
+            </c:strRef>
+          </c:tx>
+          <c:spPr>
+            <a:solidFill>
+              <a:srgbClr val="579d1c"/>
+            </a:solidFill>
+            <a:ln w="0">
+              <a:noFill/>
+            </a:ln>
+          </c:spPr>
+          <c:invertIfNegative val="0"/>
+          <c:dLbls>
+            <c:txPr>
+              <a:bodyPr wrap="none"/>
+              <a:lstStyle/>
+              <a:p>
+                <a:pPr>
+                  <a:defRPr b="0" sz="1000" spc="-1" strike="noStrike">
+                    <a:latin typeface="Arial"/>
+                  </a:defRPr>
+                </a:pPr>
+              </a:p>
+            </c:txPr>
+            <c:showLegendKey val="0"/>
+            <c:showVal val="0"/>
+            <c:showCatName val="0"/>
+            <c:showSerName val="0"/>
+            <c:showPercent val="0"/>
+            <c:separator> </c:separator>
+            <c:showLeaderLines val="0"/>
+            <c:extLst>
+              <c:ext xmlns:c15="http://schemas.microsoft.com/office/drawing/2012/chart" uri="{CE6537A1-D6FC-4f65-9D91-7224C49458BB}">
+                <c15:showLeaderLines val="1"/>
+              </c:ext>
+            </c:extLst>
+          </c:dLbls>
+          <c:cat>
+            <c:strRef>
+              <c:f>categories</c:f>
+              <c:strCache>
+                <c:ptCount val="1"/>
+                <c:pt idx="0">
+                  <c:v>Tempo</c:v>
+                </c:pt>
+              </c:strCache>
+            </c:strRef>
+          </c:cat>
+          <c:val>
+            <c:numRef>
+              <c:f>2</c:f>
+              <c:numCache>
+                <c:formatCode>General</c:formatCode>
+                <c:ptCount val="1"/>
+                <c:pt idx="0">
+                  <c:v>2.0364</c:v>
+                </c:pt>
+              </c:numCache>
+            </c:numRef>
+          </c:val>
+        </c:ser>
+        <c:ser>
+          <c:idx val="3"/>
+          <c:order val="3"/>
+          <c:tx>
+            <c:strRef>
+              <c:f>label 4</c:f>
+              <c:strCache>
+                <c:ptCount val="1"/>
+                <c:pt idx="0">
+                  <c:v>MPI(2 Processos)</c:v>
+                </c:pt>
+              </c:strCache>
+            </c:strRef>
+          </c:tx>
+          <c:spPr>
+            <a:solidFill>
+              <a:srgbClr val="ffd320"/>
+            </a:solidFill>
+            <a:ln w="0">
+              <a:noFill/>
+            </a:ln>
+          </c:spPr>
+          <c:invertIfNegative val="0"/>
+          <c:dLbls>
+            <c:txPr>
+              <a:bodyPr wrap="none"/>
+              <a:lstStyle/>
+              <a:p>
+                <a:pPr>
+                  <a:defRPr b="0" sz="1000" spc="-1" strike="noStrike">
+                    <a:latin typeface="Arial"/>
+                  </a:defRPr>
+                </a:pPr>
+              </a:p>
+            </c:txPr>
+            <c:showLegendKey val="0"/>
+            <c:showVal val="0"/>
+            <c:showCatName val="0"/>
+            <c:showSerName val="0"/>
+            <c:showPercent val="0"/>
+            <c:separator> </c:separator>
+            <c:showLeaderLines val="0"/>
+            <c:extLst>
+              <c:ext xmlns:c15="http://schemas.microsoft.com/office/drawing/2012/chart" uri="{CE6537A1-D6FC-4f65-9D91-7224C49458BB}">
+                <c15:showLeaderLines val="1"/>
+              </c:ext>
+            </c:extLst>
+          </c:dLbls>
+          <c:cat>
+            <c:strRef>
+              <c:f>categories</c:f>
+              <c:strCache>
+                <c:ptCount val="1"/>
+                <c:pt idx="0">
+                  <c:v>Tempo</c:v>
+                </c:pt>
+              </c:strCache>
+            </c:strRef>
+          </c:cat>
+          <c:val>
+            <c:numRef>
+              <c:f>4</c:f>
+              <c:numCache>
+                <c:formatCode>General</c:formatCode>
+                <c:ptCount val="1"/>
+                <c:pt idx="0">
+                  <c:v>4.0452</c:v>
+                </c:pt>
+              </c:numCache>
+            </c:numRef>
+          </c:val>
+        </c:ser>
+        <c:ser>
+          <c:idx val="4"/>
+          <c:order val="4"/>
+          <c:tx>
+            <c:strRef>
+              <c:f>label 1</c:f>
+              <c:strCache>
+                <c:ptCount val="1"/>
+                <c:pt idx="0">
+                  <c:v>MPI(4 Processos)</c:v>
+                </c:pt>
+              </c:strCache>
+            </c:strRef>
+          </c:tx>
+          <c:spPr>
+            <a:solidFill>
+              <a:srgbClr val="7e0021"/>
+            </a:solidFill>
+            <a:ln w="0">
+              <a:noFill/>
+            </a:ln>
+          </c:spPr>
+          <c:invertIfNegative val="0"/>
+          <c:dLbls>
+            <c:txPr>
+              <a:bodyPr wrap="none"/>
+              <a:lstStyle/>
+              <a:p>
+                <a:pPr>
+                  <a:defRPr b="0" sz="1000" spc="-1" strike="noStrike">
+                    <a:latin typeface="Arial"/>
+                  </a:defRPr>
+                </a:pPr>
+              </a:p>
+            </c:txPr>
+            <c:showLegendKey val="0"/>
+            <c:showVal val="0"/>
+            <c:showCatName val="0"/>
+            <c:showSerName val="0"/>
+            <c:showPercent val="0"/>
+            <c:separator> </c:separator>
+            <c:showLeaderLines val="0"/>
+            <c:extLst>
+              <c:ext xmlns:c15="http://schemas.microsoft.com/office/drawing/2012/chart" uri="{CE6537A1-D6FC-4f65-9D91-7224C49458BB}">
+                <c15:showLeaderLines val="1"/>
+              </c:ext>
+            </c:extLst>
+          </c:dLbls>
+          <c:cat>
+            <c:strRef>
+              <c:f>categories</c:f>
+              <c:strCache>
+                <c:ptCount val="1"/>
+                <c:pt idx="0">
+                  <c:v>Tempo</c:v>
+                </c:pt>
+              </c:strCache>
+            </c:strRef>
+          </c:cat>
+          <c:val>
+            <c:numRef>
+              <c:f>1</c:f>
+              <c:numCache>
+                <c:formatCode>General</c:formatCode>
+                <c:ptCount val="1"/>
+                <c:pt idx="0">
+                  <c:v>2.2804</c:v>
+                </c:pt>
+              </c:numCache>
+            </c:numRef>
+          </c:val>
+        </c:ser>
+        <c:gapWidth val="100"/>
+        <c:overlap val="0"/>
+        <c:axId val="29882727"/>
+        <c:axId val="29477827"/>
+      </c:barChart>
+      <c:catAx>
+        <c:axId val="29882727"/>
+        <c:scaling>
+          <c:orientation val="minMax"/>
+        </c:scaling>
+        <c:delete val="0"/>
+        <c:axPos val="b"/>
+        <c:numFmt formatCode="[$-416]dd/mm/yyyy" sourceLinked="1"/>
+        <c:majorTickMark val="out"/>
+        <c:minorTickMark val="none"/>
+        <c:tickLblPos val="nextTo"/>
+        <c:spPr>
+          <a:ln w="0">
+            <a:solidFill>
+              <a:srgbClr val="b3b3b3"/>
+            </a:solidFill>
+          </a:ln>
+        </c:spPr>
+        <c:txPr>
+          <a:bodyPr/>
+          <a:lstStyle/>
+          <a:p>
+            <a:pPr>
+              <a:defRPr b="0" sz="1000" spc="-1" strike="noStrike">
+                <a:latin typeface="Arial"/>
+              </a:defRPr>
+            </a:pPr>
+          </a:p>
+        </c:txPr>
+        <c:crossAx val="29477827"/>
+        <c:crosses val="autoZero"/>
+        <c:auto val="1"/>
+        <c:lblAlgn val="ctr"/>
+        <c:lblOffset val="100"/>
+        <c:noMultiLvlLbl val="0"/>
+      </c:catAx>
+      <c:valAx>
+        <c:axId val="29477827"/>
+        <c:scaling>
+          <c:orientation val="minMax"/>
+        </c:scaling>
+        <c:delete val="0"/>
+        <c:axPos val="l"/>
+        <c:majorGridlines>
+          <c:spPr>
+            <a:ln w="0">
+              <a:solidFill>
+                <a:srgbClr val="b3b3b3"/>
+              </a:solidFill>
+            </a:ln>
+          </c:spPr>
+        </c:majorGridlines>
+        <c:numFmt formatCode="General" sourceLinked="1"/>
+        <c:majorTickMark val="out"/>
+        <c:minorTickMark val="none"/>
+        <c:tickLblPos val="nextTo"/>
+        <c:spPr>
+          <a:ln w="0">
+            <a:solidFill>
+              <a:srgbClr val="b3b3b3"/>
+            </a:solidFill>
+          </a:ln>
+        </c:spPr>
+        <c:txPr>
+          <a:bodyPr/>
+          <a:lstStyle/>
+          <a:p>
+            <a:pPr>
+              <a:defRPr b="0" sz="1000" spc="-1" strike="noStrike">
+                <a:latin typeface="Arial"/>
+              </a:defRPr>
+            </a:pPr>
+          </a:p>
+        </c:txPr>
+        <c:crossAx val="29882727"/>
+        <c:crosses val="autoZero"/>
+        <c:crossBetween val="between"/>
+      </c:valAx>
+      <c:spPr>
+        <a:noFill/>
+        <a:ln w="0">
+          <a:solidFill>
+            <a:srgbClr val="b3b3b3"/>
+          </a:solidFill>
+        </a:ln>
+      </c:spPr>
+    </c:plotArea>
+    <c:legend>
+      <c:legendPos val="r"/>
+      <c:overlay val="0"/>
+      <c:spPr>
+        <a:noFill/>
+        <a:ln w="0">
+          <a:noFill/>
+        </a:ln>
+      </c:spPr>
+      <c:txPr>
+        <a:bodyPr/>
+        <a:lstStyle/>
+        <a:p>
+          <a:pPr>
+            <a:defRPr b="0" sz="1000" spc="-1" strike="noStrike">
+              <a:latin typeface="Arial"/>
+            </a:defRPr>
+          </a:pPr>
+        </a:p>
+      </c:txPr>
+    </c:legend>
+    <c:plotVisOnly val="1"/>
+    <c:dispBlanksAs val="gap"/>
+  </c:chart>
+  <c:spPr>
+    <a:noFill/>
+    <a:ln w="0">
+      <a:noFill/>
+    </a:ln>
+  </c:spPr>
+</c:chartSpace>
 </file>
 
 <file path=ppt/slideLayouts/slideLayout1.xml><?xml version="1.0" encoding="utf-8"?>
@@ -55,7 +1171,7 @@
       </p:grpSpPr>
       <p:sp>
         <p:nvSpPr>
-          <p:cNvPr id="27" name="PlaceHolder 1"/>
+          <p:cNvPr id="24" name="PlaceHolder 1"/>
           <p:cNvSpPr>
             <a:spLocks noGrp="1"/>
           </p:cNvSpPr>
@@ -66,7 +1182,7 @@
         <p:spPr>
           <a:xfrm>
             <a:off x="609480" y="273600"/>
-            <a:ext cx="10972440" cy="1144800"/>
+            <a:ext cx="10972080" cy="1144440"/>
           </a:xfrm>
           <a:prstGeom prst="rect">
             <a:avLst/>
@@ -77,18 +1193,16 @@
             <a:noAutofit/>
           </a:bodyPr>
           <a:p>
-            <a:endParaRPr b="0" lang="pt-BR" sz="1800" spc="-1" strike="noStrike">
-              <a:solidFill>
-                <a:srgbClr val="ffffff"/>
-              </a:solidFill>
-              <a:latin typeface="Calibri"/>
-            </a:endParaRPr>
-          </a:p>
-        </p:txBody>
-      </p:sp>
-      <p:sp>
-        <p:nvSpPr>
-          <p:cNvPr id="28" name="PlaceHolder 2"/>
+            <a:pPr algn="ctr"/>
+            <a:endParaRPr b="0" lang="pt-BR" sz="4400" spc="-1" strike="noStrike">
+              <a:latin typeface="Arial"/>
+            </a:endParaRPr>
+          </a:p>
+        </p:txBody>
+      </p:sp>
+      <p:sp>
+        <p:nvSpPr>
+          <p:cNvPr id="25" name="PlaceHolder 2"/>
           <p:cNvSpPr>
             <a:spLocks noGrp="1"/>
           </p:cNvSpPr>
@@ -99,7 +1213,7 @@
         <p:spPr>
           <a:xfrm>
             <a:off x="609480" y="1604520"/>
-            <a:ext cx="10972440" cy="1896840"/>
+            <a:ext cx="10972080" cy="1896840"/>
           </a:xfrm>
           <a:prstGeom prst="rect">
             <a:avLst/>
@@ -110,18 +1224,15 @@
             <a:normAutofit/>
           </a:bodyPr>
           <a:p>
-            <a:endParaRPr b="0" lang="pt-BR" sz="1800" spc="-1" strike="noStrike">
-              <a:solidFill>
-                <a:srgbClr val="ffffff"/>
-              </a:solidFill>
-              <a:latin typeface="Calibri"/>
-            </a:endParaRPr>
-          </a:p>
-        </p:txBody>
-      </p:sp>
-      <p:sp>
-        <p:nvSpPr>
-          <p:cNvPr id="29" name="PlaceHolder 3"/>
+            <a:endParaRPr b="0" lang="pt-BR" sz="3200" spc="-1" strike="noStrike">
+              <a:latin typeface="Arial"/>
+            </a:endParaRPr>
+          </a:p>
+        </p:txBody>
+      </p:sp>
+      <p:sp>
+        <p:nvSpPr>
+          <p:cNvPr id="26" name="PlaceHolder 3"/>
           <p:cNvSpPr>
             <a:spLocks noGrp="1"/>
           </p:cNvSpPr>
@@ -132,7 +1243,7 @@
         <p:spPr>
           <a:xfrm>
             <a:off x="609480" y="3682080"/>
-            <a:ext cx="10972440" cy="1896840"/>
+            <a:ext cx="10972080" cy="1896840"/>
           </a:xfrm>
           <a:prstGeom prst="rect">
             <a:avLst/>
@@ -143,11 +1254,8 @@
             <a:normAutofit/>
           </a:bodyPr>
           <a:p>
-            <a:endParaRPr b="0" lang="pt-BR" sz="1800" spc="-1" strike="noStrike">
-              <a:solidFill>
-                <a:srgbClr val="ffffff"/>
-              </a:solidFill>
-              <a:latin typeface="Calibri"/>
+            <a:endParaRPr b="0" lang="pt-BR" sz="3200" spc="-1" strike="noStrike">
+              <a:latin typeface="Arial"/>
             </a:endParaRPr>
           </a:p>
         </p:txBody>
@@ -176,7 +1284,7 @@
       </p:grpSpPr>
       <p:sp>
         <p:nvSpPr>
-          <p:cNvPr id="30" name="PlaceHolder 1"/>
+          <p:cNvPr id="27" name="PlaceHolder 1"/>
           <p:cNvSpPr>
             <a:spLocks noGrp="1"/>
           </p:cNvSpPr>
@@ -187,7 +1295,7 @@
         <p:spPr>
           <a:xfrm>
             <a:off x="609480" y="273600"/>
-            <a:ext cx="10972440" cy="1144800"/>
+            <a:ext cx="10972080" cy="1144440"/>
           </a:xfrm>
           <a:prstGeom prst="rect">
             <a:avLst/>
@@ -198,18 +1306,16 @@
             <a:noAutofit/>
           </a:bodyPr>
           <a:p>
-            <a:endParaRPr b="0" lang="pt-BR" sz="1800" spc="-1" strike="noStrike">
-              <a:solidFill>
-                <a:srgbClr val="ffffff"/>
-              </a:solidFill>
-              <a:latin typeface="Calibri"/>
-            </a:endParaRPr>
-          </a:p>
-        </p:txBody>
-      </p:sp>
-      <p:sp>
-        <p:nvSpPr>
-          <p:cNvPr id="31" name="PlaceHolder 2"/>
+            <a:pPr algn="ctr"/>
+            <a:endParaRPr b="0" lang="pt-BR" sz="4400" spc="-1" strike="noStrike">
+              <a:latin typeface="Arial"/>
+            </a:endParaRPr>
+          </a:p>
+        </p:txBody>
+      </p:sp>
+      <p:sp>
+        <p:nvSpPr>
+          <p:cNvPr id="28" name="PlaceHolder 2"/>
           <p:cNvSpPr>
             <a:spLocks noGrp="1"/>
           </p:cNvSpPr>
@@ -231,18 +1337,15 @@
             <a:normAutofit/>
           </a:bodyPr>
           <a:p>
-            <a:endParaRPr b="0" lang="pt-BR" sz="1800" spc="-1" strike="noStrike">
-              <a:solidFill>
-                <a:srgbClr val="ffffff"/>
-              </a:solidFill>
-              <a:latin typeface="Calibri"/>
-            </a:endParaRPr>
-          </a:p>
-        </p:txBody>
-      </p:sp>
-      <p:sp>
-        <p:nvSpPr>
-          <p:cNvPr id="32" name="PlaceHolder 3"/>
+            <a:endParaRPr b="0" lang="pt-BR" sz="3200" spc="-1" strike="noStrike">
+              <a:latin typeface="Arial"/>
+            </a:endParaRPr>
+          </a:p>
+        </p:txBody>
+      </p:sp>
+      <p:sp>
+        <p:nvSpPr>
+          <p:cNvPr id="29" name="PlaceHolder 3"/>
           <p:cNvSpPr>
             <a:spLocks noGrp="1"/>
           </p:cNvSpPr>
@@ -264,18 +1367,15 @@
             <a:normAutofit/>
           </a:bodyPr>
           <a:p>
-            <a:endParaRPr b="0" lang="pt-BR" sz="1800" spc="-1" strike="noStrike">
-              <a:solidFill>
-                <a:srgbClr val="ffffff"/>
-              </a:solidFill>
-              <a:latin typeface="Calibri"/>
-            </a:endParaRPr>
-          </a:p>
-        </p:txBody>
-      </p:sp>
-      <p:sp>
-        <p:nvSpPr>
-          <p:cNvPr id="33" name="PlaceHolder 4"/>
+            <a:endParaRPr b="0" lang="pt-BR" sz="3200" spc="-1" strike="noStrike">
+              <a:latin typeface="Arial"/>
+            </a:endParaRPr>
+          </a:p>
+        </p:txBody>
+      </p:sp>
+      <p:sp>
+        <p:nvSpPr>
+          <p:cNvPr id="30" name="PlaceHolder 4"/>
           <p:cNvSpPr>
             <a:spLocks noGrp="1"/>
           </p:cNvSpPr>
@@ -297,18 +1397,15 @@
             <a:normAutofit/>
           </a:bodyPr>
           <a:p>
-            <a:endParaRPr b="0" lang="pt-BR" sz="1800" spc="-1" strike="noStrike">
-              <a:solidFill>
-                <a:srgbClr val="ffffff"/>
-              </a:solidFill>
-              <a:latin typeface="Calibri"/>
-            </a:endParaRPr>
-          </a:p>
-        </p:txBody>
-      </p:sp>
-      <p:sp>
-        <p:nvSpPr>
-          <p:cNvPr id="34" name="PlaceHolder 5"/>
+            <a:endParaRPr b="0" lang="pt-BR" sz="3200" spc="-1" strike="noStrike">
+              <a:latin typeface="Arial"/>
+            </a:endParaRPr>
+          </a:p>
+        </p:txBody>
+      </p:sp>
+      <p:sp>
+        <p:nvSpPr>
+          <p:cNvPr id="31" name="PlaceHolder 5"/>
           <p:cNvSpPr>
             <a:spLocks noGrp="1"/>
           </p:cNvSpPr>
@@ -330,11 +1427,8 @@
             <a:normAutofit/>
           </a:bodyPr>
           <a:p>
-            <a:endParaRPr b="0" lang="pt-BR" sz="1800" spc="-1" strike="noStrike">
-              <a:solidFill>
-                <a:srgbClr val="ffffff"/>
-              </a:solidFill>
-              <a:latin typeface="Calibri"/>
+            <a:endParaRPr b="0" lang="pt-BR" sz="3200" spc="-1" strike="noStrike">
+              <a:latin typeface="Arial"/>
             </a:endParaRPr>
           </a:p>
         </p:txBody>
@@ -363,7 +1457,7 @@
       </p:grpSpPr>
       <p:sp>
         <p:nvSpPr>
-          <p:cNvPr id="35" name="PlaceHolder 1"/>
+          <p:cNvPr id="32" name="PlaceHolder 1"/>
           <p:cNvSpPr>
             <a:spLocks noGrp="1"/>
           </p:cNvSpPr>
@@ -374,7 +1468,7 @@
         <p:spPr>
           <a:xfrm>
             <a:off x="609480" y="273600"/>
-            <a:ext cx="10972440" cy="1144800"/>
+            <a:ext cx="10972080" cy="1144440"/>
           </a:xfrm>
           <a:prstGeom prst="rect">
             <a:avLst/>
@@ -385,18 +1479,16 @@
             <a:noAutofit/>
           </a:bodyPr>
           <a:p>
-            <a:endParaRPr b="0" lang="pt-BR" sz="1800" spc="-1" strike="noStrike">
-              <a:solidFill>
-                <a:srgbClr val="ffffff"/>
-              </a:solidFill>
-              <a:latin typeface="Calibri"/>
-            </a:endParaRPr>
-          </a:p>
-        </p:txBody>
-      </p:sp>
-      <p:sp>
-        <p:nvSpPr>
-          <p:cNvPr id="36" name="PlaceHolder 2"/>
+            <a:pPr algn="ctr"/>
+            <a:endParaRPr b="0" lang="pt-BR" sz="4400" spc="-1" strike="noStrike">
+              <a:latin typeface="Arial"/>
+            </a:endParaRPr>
+          </a:p>
+        </p:txBody>
+      </p:sp>
+      <p:sp>
+        <p:nvSpPr>
+          <p:cNvPr id="33" name="PlaceHolder 2"/>
           <p:cNvSpPr>
             <a:spLocks noGrp="1"/>
           </p:cNvSpPr>
@@ -407,7 +1499,7 @@
         <p:spPr>
           <a:xfrm>
             <a:off x="609480" y="1604520"/>
-            <a:ext cx="3533040" cy="1896840"/>
+            <a:ext cx="3532680" cy="1896840"/>
           </a:xfrm>
           <a:prstGeom prst="rect">
             <a:avLst/>
@@ -418,18 +1510,15 @@
             <a:normAutofit/>
           </a:bodyPr>
           <a:p>
-            <a:endParaRPr b="0" lang="pt-BR" sz="1800" spc="-1" strike="noStrike">
-              <a:solidFill>
-                <a:srgbClr val="ffffff"/>
-              </a:solidFill>
-              <a:latin typeface="Calibri"/>
-            </a:endParaRPr>
-          </a:p>
-        </p:txBody>
-      </p:sp>
-      <p:sp>
-        <p:nvSpPr>
-          <p:cNvPr id="37" name="PlaceHolder 3"/>
+            <a:endParaRPr b="0" lang="pt-BR" sz="3200" spc="-1" strike="noStrike">
+              <a:latin typeface="Arial"/>
+            </a:endParaRPr>
+          </a:p>
+        </p:txBody>
+      </p:sp>
+      <p:sp>
+        <p:nvSpPr>
+          <p:cNvPr id="34" name="PlaceHolder 3"/>
           <p:cNvSpPr>
             <a:spLocks noGrp="1"/>
           </p:cNvSpPr>
@@ -439,8 +1528,8 @@
         </p:nvSpPr>
         <p:spPr>
           <a:xfrm>
-            <a:off x="4319640" y="1604520"/>
-            <a:ext cx="3533040" cy="1896840"/>
+            <a:off x="4319280" y="1604520"/>
+            <a:ext cx="3532680" cy="1896840"/>
           </a:xfrm>
           <a:prstGeom prst="rect">
             <a:avLst/>
@@ -451,18 +1540,15 @@
             <a:normAutofit/>
           </a:bodyPr>
           <a:p>
-            <a:endParaRPr b="0" lang="pt-BR" sz="1800" spc="-1" strike="noStrike">
-              <a:solidFill>
-                <a:srgbClr val="ffffff"/>
-              </a:solidFill>
-              <a:latin typeface="Calibri"/>
-            </a:endParaRPr>
-          </a:p>
-        </p:txBody>
-      </p:sp>
-      <p:sp>
-        <p:nvSpPr>
-          <p:cNvPr id="38" name="PlaceHolder 4"/>
+            <a:endParaRPr b="0" lang="pt-BR" sz="3200" spc="-1" strike="noStrike">
+              <a:latin typeface="Arial"/>
+            </a:endParaRPr>
+          </a:p>
+        </p:txBody>
+      </p:sp>
+      <p:sp>
+        <p:nvSpPr>
+          <p:cNvPr id="35" name="PlaceHolder 4"/>
           <p:cNvSpPr>
             <a:spLocks noGrp="1"/>
           </p:cNvSpPr>
@@ -472,8 +1558,8 @@
         </p:nvSpPr>
         <p:spPr>
           <a:xfrm>
-            <a:off x="8029800" y="1604520"/>
-            <a:ext cx="3533040" cy="1896840"/>
+            <a:off x="8028720" y="1604520"/>
+            <a:ext cx="3532680" cy="1896840"/>
           </a:xfrm>
           <a:prstGeom prst="rect">
             <a:avLst/>
@@ -484,18 +1570,15 @@
             <a:normAutofit/>
           </a:bodyPr>
           <a:p>
-            <a:endParaRPr b="0" lang="pt-BR" sz="1800" spc="-1" strike="noStrike">
-              <a:solidFill>
-                <a:srgbClr val="ffffff"/>
-              </a:solidFill>
-              <a:latin typeface="Calibri"/>
-            </a:endParaRPr>
-          </a:p>
-        </p:txBody>
-      </p:sp>
-      <p:sp>
-        <p:nvSpPr>
-          <p:cNvPr id="39" name="PlaceHolder 5"/>
+            <a:endParaRPr b="0" lang="pt-BR" sz="3200" spc="-1" strike="noStrike">
+              <a:latin typeface="Arial"/>
+            </a:endParaRPr>
+          </a:p>
+        </p:txBody>
+      </p:sp>
+      <p:sp>
+        <p:nvSpPr>
+          <p:cNvPr id="36" name="PlaceHolder 5"/>
           <p:cNvSpPr>
             <a:spLocks noGrp="1"/>
           </p:cNvSpPr>
@@ -506,7 +1589,7 @@
         <p:spPr>
           <a:xfrm>
             <a:off x="609480" y="3682080"/>
-            <a:ext cx="3533040" cy="1896840"/>
+            <a:ext cx="3532680" cy="1896840"/>
           </a:xfrm>
           <a:prstGeom prst="rect">
             <a:avLst/>
@@ -517,18 +1600,15 @@
             <a:normAutofit/>
           </a:bodyPr>
           <a:p>
-            <a:endParaRPr b="0" lang="pt-BR" sz="1800" spc="-1" strike="noStrike">
-              <a:solidFill>
-                <a:srgbClr val="ffffff"/>
-              </a:solidFill>
-              <a:latin typeface="Calibri"/>
-            </a:endParaRPr>
-          </a:p>
-        </p:txBody>
-      </p:sp>
-      <p:sp>
-        <p:nvSpPr>
-          <p:cNvPr id="40" name="PlaceHolder 6"/>
+            <a:endParaRPr b="0" lang="pt-BR" sz="3200" spc="-1" strike="noStrike">
+              <a:latin typeface="Arial"/>
+            </a:endParaRPr>
+          </a:p>
+        </p:txBody>
+      </p:sp>
+      <p:sp>
+        <p:nvSpPr>
+          <p:cNvPr id="37" name="PlaceHolder 6"/>
           <p:cNvSpPr>
             <a:spLocks noGrp="1"/>
           </p:cNvSpPr>
@@ -538,8 +1618,8 @@
         </p:nvSpPr>
         <p:spPr>
           <a:xfrm>
-            <a:off x="4319640" y="3682080"/>
-            <a:ext cx="3533040" cy="1896840"/>
+            <a:off x="4319280" y="3682080"/>
+            <a:ext cx="3532680" cy="1896840"/>
           </a:xfrm>
           <a:prstGeom prst="rect">
             <a:avLst/>
@@ -550,18 +1630,15 @@
             <a:normAutofit/>
           </a:bodyPr>
           <a:p>
-            <a:endParaRPr b="0" lang="pt-BR" sz="1800" spc="-1" strike="noStrike">
-              <a:solidFill>
-                <a:srgbClr val="ffffff"/>
-              </a:solidFill>
-              <a:latin typeface="Calibri"/>
-            </a:endParaRPr>
-          </a:p>
-        </p:txBody>
-      </p:sp>
-      <p:sp>
-        <p:nvSpPr>
-          <p:cNvPr id="41" name="PlaceHolder 7"/>
+            <a:endParaRPr b="0" lang="pt-BR" sz="3200" spc="-1" strike="noStrike">
+              <a:latin typeface="Arial"/>
+            </a:endParaRPr>
+          </a:p>
+        </p:txBody>
+      </p:sp>
+      <p:sp>
+        <p:nvSpPr>
+          <p:cNvPr id="38" name="PlaceHolder 7"/>
           <p:cNvSpPr>
             <a:spLocks noGrp="1"/>
           </p:cNvSpPr>
@@ -571,8 +1648,8 @@
         </p:nvSpPr>
         <p:spPr>
           <a:xfrm>
-            <a:off x="8029800" y="3682080"/>
-            <a:ext cx="3533040" cy="1896840"/>
+            <a:off x="8028720" y="3682080"/>
+            <a:ext cx="3532680" cy="1896840"/>
           </a:xfrm>
           <a:prstGeom prst="rect">
             <a:avLst/>
@@ -583,11 +1660,8 @@
             <a:normAutofit/>
           </a:bodyPr>
           <a:p>
-            <a:endParaRPr b="0" lang="pt-BR" sz="1800" spc="-1" strike="noStrike">
-              <a:solidFill>
-                <a:srgbClr val="ffffff"/>
-              </a:solidFill>
-              <a:latin typeface="Calibri"/>
+            <a:endParaRPr b="0" lang="pt-BR" sz="3200" spc="-1" strike="noStrike">
+              <a:latin typeface="Arial"/>
             </a:endParaRPr>
           </a:p>
         </p:txBody>
@@ -638,7 +1712,7 @@
       </p:grpSpPr>
       <p:sp>
         <p:nvSpPr>
-          <p:cNvPr id="48" name="PlaceHolder 1"/>
+          <p:cNvPr id="42" name="PlaceHolder 1"/>
           <p:cNvSpPr>
             <a:spLocks noGrp="1"/>
           </p:cNvSpPr>
@@ -649,7 +1723,7 @@
         <p:spPr>
           <a:xfrm>
             <a:off x="609480" y="273600"/>
-            <a:ext cx="10972440" cy="1144800"/>
+            <a:ext cx="10972080" cy="1144440"/>
           </a:xfrm>
           <a:prstGeom prst="rect">
             <a:avLst/>
@@ -660,18 +1734,16 @@
             <a:noAutofit/>
           </a:bodyPr>
           <a:p>
-            <a:endParaRPr b="0" lang="pt-BR" sz="1800" spc="-1" strike="noStrike">
-              <a:solidFill>
-                <a:srgbClr val="ffffff"/>
-              </a:solidFill>
-              <a:latin typeface="Calibri"/>
-            </a:endParaRPr>
-          </a:p>
-        </p:txBody>
-      </p:sp>
-      <p:sp>
-        <p:nvSpPr>
-          <p:cNvPr id="49" name="PlaceHolder 2"/>
+            <a:pPr algn="ctr"/>
+            <a:endParaRPr b="0" lang="pt-BR" sz="4400" spc="-1" strike="noStrike">
+              <a:latin typeface="Arial"/>
+            </a:endParaRPr>
+          </a:p>
+        </p:txBody>
+      </p:sp>
+      <p:sp>
+        <p:nvSpPr>
+          <p:cNvPr id="43" name="PlaceHolder 2"/>
           <p:cNvSpPr>
             <a:spLocks noGrp="1"/>
           </p:cNvSpPr>
@@ -682,7 +1754,7 @@
         <p:spPr>
           <a:xfrm>
             <a:off x="609480" y="1604520"/>
-            <a:ext cx="10972440" cy="3977280"/>
+            <a:ext cx="10972080" cy="3976920"/>
           </a:xfrm>
           <a:prstGeom prst="rect">
             <a:avLst/>
@@ -724,7 +1796,7 @@
       </p:grpSpPr>
       <p:sp>
         <p:nvSpPr>
-          <p:cNvPr id="50" name="PlaceHolder 1"/>
+          <p:cNvPr id="44" name="PlaceHolder 1"/>
           <p:cNvSpPr>
             <a:spLocks noGrp="1"/>
           </p:cNvSpPr>
@@ -735,7 +1807,7 @@
         <p:spPr>
           <a:xfrm>
             <a:off x="609480" y="273600"/>
-            <a:ext cx="10972440" cy="1144800"/>
+            <a:ext cx="10972080" cy="1144440"/>
           </a:xfrm>
           <a:prstGeom prst="rect">
             <a:avLst/>
@@ -746,18 +1818,16 @@
             <a:noAutofit/>
           </a:bodyPr>
           <a:p>
-            <a:endParaRPr b="0" lang="pt-BR" sz="1800" spc="-1" strike="noStrike">
-              <a:solidFill>
-                <a:srgbClr val="ffffff"/>
-              </a:solidFill>
-              <a:latin typeface="Calibri"/>
-            </a:endParaRPr>
-          </a:p>
-        </p:txBody>
-      </p:sp>
-      <p:sp>
-        <p:nvSpPr>
-          <p:cNvPr id="51" name="PlaceHolder 2"/>
+            <a:pPr algn="ctr"/>
+            <a:endParaRPr b="0" lang="pt-BR" sz="4400" spc="-1" strike="noStrike">
+              <a:latin typeface="Arial"/>
+            </a:endParaRPr>
+          </a:p>
+        </p:txBody>
+      </p:sp>
+      <p:sp>
+        <p:nvSpPr>
+          <p:cNvPr id="45" name="PlaceHolder 2"/>
           <p:cNvSpPr>
             <a:spLocks noGrp="1"/>
           </p:cNvSpPr>
@@ -768,7 +1838,7 @@
         <p:spPr>
           <a:xfrm>
             <a:off x="609480" y="1604520"/>
-            <a:ext cx="10972440" cy="3977280"/>
+            <a:ext cx="10972080" cy="3976920"/>
           </a:xfrm>
           <a:prstGeom prst="rect">
             <a:avLst/>
@@ -779,11 +1849,8 @@
             <a:normAutofit/>
           </a:bodyPr>
           <a:p>
-            <a:endParaRPr b="0" lang="pt-BR" sz="1800" spc="-1" strike="noStrike">
-              <a:solidFill>
-                <a:srgbClr val="ffffff"/>
-              </a:solidFill>
-              <a:latin typeface="Calibri"/>
+            <a:endParaRPr b="0" lang="pt-BR" sz="3200" spc="-1" strike="noStrike">
+              <a:latin typeface="Arial"/>
             </a:endParaRPr>
           </a:p>
         </p:txBody>
@@ -812,7 +1879,7 @@
       </p:grpSpPr>
       <p:sp>
         <p:nvSpPr>
-          <p:cNvPr id="52" name="PlaceHolder 1"/>
+          <p:cNvPr id="46" name="PlaceHolder 1"/>
           <p:cNvSpPr>
             <a:spLocks noGrp="1"/>
           </p:cNvSpPr>
@@ -823,7 +1890,7 @@
         <p:spPr>
           <a:xfrm>
             <a:off x="609480" y="273600"/>
-            <a:ext cx="10972440" cy="1144800"/>
+            <a:ext cx="10972080" cy="1144440"/>
           </a:xfrm>
           <a:prstGeom prst="rect">
             <a:avLst/>
@@ -834,18 +1901,16 @@
             <a:noAutofit/>
           </a:bodyPr>
           <a:p>
-            <a:endParaRPr b="0" lang="pt-BR" sz="1800" spc="-1" strike="noStrike">
-              <a:solidFill>
-                <a:srgbClr val="ffffff"/>
-              </a:solidFill>
-              <a:latin typeface="Calibri"/>
-            </a:endParaRPr>
-          </a:p>
-        </p:txBody>
-      </p:sp>
-      <p:sp>
-        <p:nvSpPr>
-          <p:cNvPr id="53" name="PlaceHolder 2"/>
+            <a:pPr algn="ctr"/>
+            <a:endParaRPr b="0" lang="pt-BR" sz="4400" spc="-1" strike="noStrike">
+              <a:latin typeface="Arial"/>
+            </a:endParaRPr>
+          </a:p>
+        </p:txBody>
+      </p:sp>
+      <p:sp>
+        <p:nvSpPr>
+          <p:cNvPr id="47" name="PlaceHolder 2"/>
           <p:cNvSpPr>
             <a:spLocks noGrp="1"/>
           </p:cNvSpPr>
@@ -856,7 +1921,7 @@
         <p:spPr>
           <a:xfrm>
             <a:off x="609480" y="1604520"/>
-            <a:ext cx="5354280" cy="3977280"/>
+            <a:ext cx="5354280" cy="3976920"/>
           </a:xfrm>
           <a:prstGeom prst="rect">
             <a:avLst/>
@@ -867,18 +1932,15 @@
             <a:normAutofit/>
           </a:bodyPr>
           <a:p>
-            <a:endParaRPr b="0" lang="pt-BR" sz="1800" spc="-1" strike="noStrike">
-              <a:solidFill>
-                <a:srgbClr val="ffffff"/>
-              </a:solidFill>
-              <a:latin typeface="Calibri"/>
-            </a:endParaRPr>
-          </a:p>
-        </p:txBody>
-      </p:sp>
-      <p:sp>
-        <p:nvSpPr>
-          <p:cNvPr id="54" name="PlaceHolder 3"/>
+            <a:endParaRPr b="0" lang="pt-BR" sz="3200" spc="-1" strike="noStrike">
+              <a:latin typeface="Arial"/>
+            </a:endParaRPr>
+          </a:p>
+        </p:txBody>
+      </p:sp>
+      <p:sp>
+        <p:nvSpPr>
+          <p:cNvPr id="48" name="PlaceHolder 3"/>
           <p:cNvSpPr>
             <a:spLocks noGrp="1"/>
           </p:cNvSpPr>
@@ -889,7 +1951,7 @@
         <p:spPr>
           <a:xfrm>
             <a:off x="6231960" y="1604520"/>
-            <a:ext cx="5354280" cy="3977280"/>
+            <a:ext cx="5354280" cy="3976920"/>
           </a:xfrm>
           <a:prstGeom prst="rect">
             <a:avLst/>
@@ -900,11 +1962,8 @@
             <a:normAutofit/>
           </a:bodyPr>
           <a:p>
-            <a:endParaRPr b="0" lang="pt-BR" sz="1800" spc="-1" strike="noStrike">
-              <a:solidFill>
-                <a:srgbClr val="ffffff"/>
-              </a:solidFill>
-              <a:latin typeface="Calibri"/>
+            <a:endParaRPr b="0" lang="pt-BR" sz="3200" spc="-1" strike="noStrike">
+              <a:latin typeface="Arial"/>
             </a:endParaRPr>
           </a:p>
         </p:txBody>
@@ -933,7 +1992,7 @@
       </p:grpSpPr>
       <p:sp>
         <p:nvSpPr>
-          <p:cNvPr id="55" name="PlaceHolder 1"/>
+          <p:cNvPr id="49" name="PlaceHolder 1"/>
           <p:cNvSpPr>
             <a:spLocks noGrp="1"/>
           </p:cNvSpPr>
@@ -944,7 +2003,7 @@
         <p:spPr>
           <a:xfrm>
             <a:off x="609480" y="273600"/>
-            <a:ext cx="10972440" cy="1144800"/>
+            <a:ext cx="10972080" cy="1144440"/>
           </a:xfrm>
           <a:prstGeom prst="rect">
             <a:avLst/>
@@ -955,11 +2014,9 @@
             <a:noAutofit/>
           </a:bodyPr>
           <a:p>
-            <a:endParaRPr b="0" lang="pt-BR" sz="1800" spc="-1" strike="noStrike">
-              <a:solidFill>
-                <a:srgbClr val="ffffff"/>
-              </a:solidFill>
-              <a:latin typeface="Calibri"/>
+            <a:pPr algn="ctr"/>
+            <a:endParaRPr b="0" lang="pt-BR" sz="4400" spc="-1" strike="noStrike">
+              <a:latin typeface="Arial"/>
             </a:endParaRPr>
           </a:p>
         </p:txBody>
@@ -988,7 +2045,7 @@
       </p:grpSpPr>
       <p:sp>
         <p:nvSpPr>
-          <p:cNvPr id="56" name="PlaceHolder 1"/>
+          <p:cNvPr id="50" name="PlaceHolder 1"/>
           <p:cNvSpPr>
             <a:spLocks noGrp="1"/>
           </p:cNvSpPr>
@@ -999,7 +2056,7 @@
         <p:spPr>
           <a:xfrm>
             <a:off x="609480" y="273600"/>
-            <a:ext cx="10972440" cy="5307840"/>
+            <a:ext cx="10972080" cy="5306400"/>
           </a:xfrm>
           <a:prstGeom prst="rect">
             <a:avLst/>
@@ -1041,7 +2098,7 @@
       </p:grpSpPr>
       <p:sp>
         <p:nvSpPr>
-          <p:cNvPr id="57" name="PlaceHolder 1"/>
+          <p:cNvPr id="51" name="PlaceHolder 1"/>
           <p:cNvSpPr>
             <a:spLocks noGrp="1"/>
           </p:cNvSpPr>
@@ -1052,7 +2109,7 @@
         <p:spPr>
           <a:xfrm>
             <a:off x="609480" y="273600"/>
-            <a:ext cx="10972440" cy="1144800"/>
+            <a:ext cx="10972080" cy="1144440"/>
           </a:xfrm>
           <a:prstGeom prst="rect">
             <a:avLst/>
@@ -1063,18 +2120,16 @@
             <a:noAutofit/>
           </a:bodyPr>
           <a:p>
-            <a:endParaRPr b="0" lang="pt-BR" sz="1800" spc="-1" strike="noStrike">
-              <a:solidFill>
-                <a:srgbClr val="ffffff"/>
-              </a:solidFill>
-              <a:latin typeface="Calibri"/>
-            </a:endParaRPr>
-          </a:p>
-        </p:txBody>
-      </p:sp>
-      <p:sp>
-        <p:nvSpPr>
-          <p:cNvPr id="58" name="PlaceHolder 2"/>
+            <a:pPr algn="ctr"/>
+            <a:endParaRPr b="0" lang="pt-BR" sz="4400" spc="-1" strike="noStrike">
+              <a:latin typeface="Arial"/>
+            </a:endParaRPr>
+          </a:p>
+        </p:txBody>
+      </p:sp>
+      <p:sp>
+        <p:nvSpPr>
+          <p:cNvPr id="52" name="PlaceHolder 2"/>
           <p:cNvSpPr>
             <a:spLocks noGrp="1"/>
           </p:cNvSpPr>
@@ -1096,18 +2151,15 @@
             <a:normAutofit/>
           </a:bodyPr>
           <a:p>
-            <a:endParaRPr b="0" lang="pt-BR" sz="1800" spc="-1" strike="noStrike">
-              <a:solidFill>
-                <a:srgbClr val="ffffff"/>
-              </a:solidFill>
-              <a:latin typeface="Calibri"/>
-            </a:endParaRPr>
-          </a:p>
-        </p:txBody>
-      </p:sp>
-      <p:sp>
-        <p:nvSpPr>
-          <p:cNvPr id="59" name="PlaceHolder 3"/>
+            <a:endParaRPr b="0" lang="pt-BR" sz="3200" spc="-1" strike="noStrike">
+              <a:latin typeface="Arial"/>
+            </a:endParaRPr>
+          </a:p>
+        </p:txBody>
+      </p:sp>
+      <p:sp>
+        <p:nvSpPr>
+          <p:cNvPr id="53" name="PlaceHolder 3"/>
           <p:cNvSpPr>
             <a:spLocks noGrp="1"/>
           </p:cNvSpPr>
@@ -1118,7 +2170,7 @@
         <p:spPr>
           <a:xfrm>
             <a:off x="6231960" y="1604520"/>
-            <a:ext cx="5354280" cy="3977280"/>
+            <a:ext cx="5354280" cy="3976920"/>
           </a:xfrm>
           <a:prstGeom prst="rect">
             <a:avLst/>
@@ -1129,18 +2181,15 @@
             <a:normAutofit/>
           </a:bodyPr>
           <a:p>
-            <a:endParaRPr b="0" lang="pt-BR" sz="1800" spc="-1" strike="noStrike">
-              <a:solidFill>
-                <a:srgbClr val="ffffff"/>
-              </a:solidFill>
-              <a:latin typeface="Calibri"/>
-            </a:endParaRPr>
-          </a:p>
-        </p:txBody>
-      </p:sp>
-      <p:sp>
-        <p:nvSpPr>
-          <p:cNvPr id="60" name="PlaceHolder 4"/>
+            <a:endParaRPr b="0" lang="pt-BR" sz="3200" spc="-1" strike="noStrike">
+              <a:latin typeface="Arial"/>
+            </a:endParaRPr>
+          </a:p>
+        </p:txBody>
+      </p:sp>
+      <p:sp>
+        <p:nvSpPr>
+          <p:cNvPr id="54" name="PlaceHolder 4"/>
           <p:cNvSpPr>
             <a:spLocks noGrp="1"/>
           </p:cNvSpPr>
@@ -1162,11 +2211,8 @@
             <a:normAutofit/>
           </a:bodyPr>
           <a:p>
-            <a:endParaRPr b="0" lang="pt-BR" sz="1800" spc="-1" strike="noStrike">
-              <a:solidFill>
-                <a:srgbClr val="ffffff"/>
-              </a:solidFill>
-              <a:latin typeface="Calibri"/>
+            <a:endParaRPr b="0" lang="pt-BR" sz="3200" spc="-1" strike="noStrike">
+              <a:latin typeface="Arial"/>
             </a:endParaRPr>
           </a:p>
         </p:txBody>
@@ -1195,7 +2241,7 @@
       </p:grpSpPr>
       <p:sp>
         <p:nvSpPr>
-          <p:cNvPr id="6" name="PlaceHolder 1"/>
+          <p:cNvPr id="3" name="PlaceHolder 1"/>
           <p:cNvSpPr>
             <a:spLocks noGrp="1"/>
           </p:cNvSpPr>
@@ -1206,7 +2252,7 @@
         <p:spPr>
           <a:xfrm>
             <a:off x="609480" y="273600"/>
-            <a:ext cx="10972440" cy="1144800"/>
+            <a:ext cx="10972080" cy="1144440"/>
           </a:xfrm>
           <a:prstGeom prst="rect">
             <a:avLst/>
@@ -1217,18 +2263,16 @@
             <a:noAutofit/>
           </a:bodyPr>
           <a:p>
-            <a:endParaRPr b="0" lang="pt-BR" sz="1800" spc="-1" strike="noStrike">
-              <a:solidFill>
-                <a:srgbClr val="ffffff"/>
-              </a:solidFill>
-              <a:latin typeface="Calibri"/>
-            </a:endParaRPr>
-          </a:p>
-        </p:txBody>
-      </p:sp>
-      <p:sp>
-        <p:nvSpPr>
-          <p:cNvPr id="7" name="PlaceHolder 2"/>
+            <a:pPr algn="ctr"/>
+            <a:endParaRPr b="0" lang="pt-BR" sz="4400" spc="-1" strike="noStrike">
+              <a:latin typeface="Arial"/>
+            </a:endParaRPr>
+          </a:p>
+        </p:txBody>
+      </p:sp>
+      <p:sp>
+        <p:nvSpPr>
+          <p:cNvPr id="4" name="PlaceHolder 2"/>
           <p:cNvSpPr>
             <a:spLocks noGrp="1"/>
           </p:cNvSpPr>
@@ -1239,7 +2283,7 @@
         <p:spPr>
           <a:xfrm>
             <a:off x="609480" y="1604520"/>
-            <a:ext cx="10972440" cy="3977280"/>
+            <a:ext cx="10972080" cy="3976920"/>
           </a:xfrm>
           <a:prstGeom prst="rect">
             <a:avLst/>
@@ -1281,7 +2325,7 @@
       </p:grpSpPr>
       <p:sp>
         <p:nvSpPr>
-          <p:cNvPr id="61" name="PlaceHolder 1"/>
+          <p:cNvPr id="55" name="PlaceHolder 1"/>
           <p:cNvSpPr>
             <a:spLocks noGrp="1"/>
           </p:cNvSpPr>
@@ -1292,7 +2336,7 @@
         <p:spPr>
           <a:xfrm>
             <a:off x="609480" y="273600"/>
-            <a:ext cx="10972440" cy="1144800"/>
+            <a:ext cx="10972080" cy="1144440"/>
           </a:xfrm>
           <a:prstGeom prst="rect">
             <a:avLst/>
@@ -1303,18 +2347,16 @@
             <a:noAutofit/>
           </a:bodyPr>
           <a:p>
-            <a:endParaRPr b="0" lang="pt-BR" sz="1800" spc="-1" strike="noStrike">
-              <a:solidFill>
-                <a:srgbClr val="ffffff"/>
-              </a:solidFill>
-              <a:latin typeface="Calibri"/>
-            </a:endParaRPr>
-          </a:p>
-        </p:txBody>
-      </p:sp>
-      <p:sp>
-        <p:nvSpPr>
-          <p:cNvPr id="62" name="PlaceHolder 2"/>
+            <a:pPr algn="ctr"/>
+            <a:endParaRPr b="0" lang="pt-BR" sz="4400" spc="-1" strike="noStrike">
+              <a:latin typeface="Arial"/>
+            </a:endParaRPr>
+          </a:p>
+        </p:txBody>
+      </p:sp>
+      <p:sp>
+        <p:nvSpPr>
+          <p:cNvPr id="56" name="PlaceHolder 2"/>
           <p:cNvSpPr>
             <a:spLocks noGrp="1"/>
           </p:cNvSpPr>
@@ -1325,7 +2367,7 @@
         <p:spPr>
           <a:xfrm>
             <a:off x="609480" y="1604520"/>
-            <a:ext cx="5354280" cy="3977280"/>
+            <a:ext cx="5354280" cy="3976920"/>
           </a:xfrm>
           <a:prstGeom prst="rect">
             <a:avLst/>
@@ -1336,18 +2378,15 @@
             <a:normAutofit/>
           </a:bodyPr>
           <a:p>
-            <a:endParaRPr b="0" lang="pt-BR" sz="1800" spc="-1" strike="noStrike">
-              <a:solidFill>
-                <a:srgbClr val="ffffff"/>
-              </a:solidFill>
-              <a:latin typeface="Calibri"/>
-            </a:endParaRPr>
-          </a:p>
-        </p:txBody>
-      </p:sp>
-      <p:sp>
-        <p:nvSpPr>
-          <p:cNvPr id="63" name="PlaceHolder 3"/>
+            <a:endParaRPr b="0" lang="pt-BR" sz="3200" spc="-1" strike="noStrike">
+              <a:latin typeface="Arial"/>
+            </a:endParaRPr>
+          </a:p>
+        </p:txBody>
+      </p:sp>
+      <p:sp>
+        <p:nvSpPr>
+          <p:cNvPr id="57" name="PlaceHolder 3"/>
           <p:cNvSpPr>
             <a:spLocks noGrp="1"/>
           </p:cNvSpPr>
@@ -1369,18 +2408,15 @@
             <a:normAutofit/>
           </a:bodyPr>
           <a:p>
-            <a:endParaRPr b="0" lang="pt-BR" sz="1800" spc="-1" strike="noStrike">
-              <a:solidFill>
-                <a:srgbClr val="ffffff"/>
-              </a:solidFill>
-              <a:latin typeface="Calibri"/>
-            </a:endParaRPr>
-          </a:p>
-        </p:txBody>
-      </p:sp>
-      <p:sp>
-        <p:nvSpPr>
-          <p:cNvPr id="64" name="PlaceHolder 4"/>
+            <a:endParaRPr b="0" lang="pt-BR" sz="3200" spc="-1" strike="noStrike">
+              <a:latin typeface="Arial"/>
+            </a:endParaRPr>
+          </a:p>
+        </p:txBody>
+      </p:sp>
+      <p:sp>
+        <p:nvSpPr>
+          <p:cNvPr id="58" name="PlaceHolder 4"/>
           <p:cNvSpPr>
             <a:spLocks noGrp="1"/>
           </p:cNvSpPr>
@@ -1402,11 +2438,8 @@
             <a:normAutofit/>
           </a:bodyPr>
           <a:p>
-            <a:endParaRPr b="0" lang="pt-BR" sz="1800" spc="-1" strike="noStrike">
-              <a:solidFill>
-                <a:srgbClr val="ffffff"/>
-              </a:solidFill>
-              <a:latin typeface="Calibri"/>
+            <a:endParaRPr b="0" lang="pt-BR" sz="3200" spc="-1" strike="noStrike">
+              <a:latin typeface="Arial"/>
             </a:endParaRPr>
           </a:p>
         </p:txBody>
@@ -1435,7 +2468,7 @@
       </p:grpSpPr>
       <p:sp>
         <p:nvSpPr>
-          <p:cNvPr id="65" name="PlaceHolder 1"/>
+          <p:cNvPr id="59" name="PlaceHolder 1"/>
           <p:cNvSpPr>
             <a:spLocks noGrp="1"/>
           </p:cNvSpPr>
@@ -1446,7 +2479,7 @@
         <p:spPr>
           <a:xfrm>
             <a:off x="609480" y="273600"/>
-            <a:ext cx="10972440" cy="1144800"/>
+            <a:ext cx="10972080" cy="1144440"/>
           </a:xfrm>
           <a:prstGeom prst="rect">
             <a:avLst/>
@@ -1457,18 +2490,16 @@
             <a:noAutofit/>
           </a:bodyPr>
           <a:p>
-            <a:endParaRPr b="0" lang="pt-BR" sz="1800" spc="-1" strike="noStrike">
-              <a:solidFill>
-                <a:srgbClr val="ffffff"/>
-              </a:solidFill>
-              <a:latin typeface="Calibri"/>
-            </a:endParaRPr>
-          </a:p>
-        </p:txBody>
-      </p:sp>
-      <p:sp>
-        <p:nvSpPr>
-          <p:cNvPr id="66" name="PlaceHolder 2"/>
+            <a:pPr algn="ctr"/>
+            <a:endParaRPr b="0" lang="pt-BR" sz="4400" spc="-1" strike="noStrike">
+              <a:latin typeface="Arial"/>
+            </a:endParaRPr>
+          </a:p>
+        </p:txBody>
+      </p:sp>
+      <p:sp>
+        <p:nvSpPr>
+          <p:cNvPr id="60" name="PlaceHolder 2"/>
           <p:cNvSpPr>
             <a:spLocks noGrp="1"/>
           </p:cNvSpPr>
@@ -1490,18 +2521,15 @@
             <a:normAutofit/>
           </a:bodyPr>
           <a:p>
-            <a:endParaRPr b="0" lang="pt-BR" sz="1800" spc="-1" strike="noStrike">
-              <a:solidFill>
-                <a:srgbClr val="ffffff"/>
-              </a:solidFill>
-              <a:latin typeface="Calibri"/>
-            </a:endParaRPr>
-          </a:p>
-        </p:txBody>
-      </p:sp>
-      <p:sp>
-        <p:nvSpPr>
-          <p:cNvPr id="67" name="PlaceHolder 3"/>
+            <a:endParaRPr b="0" lang="pt-BR" sz="3200" spc="-1" strike="noStrike">
+              <a:latin typeface="Arial"/>
+            </a:endParaRPr>
+          </a:p>
+        </p:txBody>
+      </p:sp>
+      <p:sp>
+        <p:nvSpPr>
+          <p:cNvPr id="61" name="PlaceHolder 3"/>
           <p:cNvSpPr>
             <a:spLocks noGrp="1"/>
           </p:cNvSpPr>
@@ -1523,18 +2551,15 @@
             <a:normAutofit/>
           </a:bodyPr>
           <a:p>
-            <a:endParaRPr b="0" lang="pt-BR" sz="1800" spc="-1" strike="noStrike">
-              <a:solidFill>
-                <a:srgbClr val="ffffff"/>
-              </a:solidFill>
-              <a:latin typeface="Calibri"/>
-            </a:endParaRPr>
-          </a:p>
-        </p:txBody>
-      </p:sp>
-      <p:sp>
-        <p:nvSpPr>
-          <p:cNvPr id="68" name="PlaceHolder 4"/>
+            <a:endParaRPr b="0" lang="pt-BR" sz="3200" spc="-1" strike="noStrike">
+              <a:latin typeface="Arial"/>
+            </a:endParaRPr>
+          </a:p>
+        </p:txBody>
+      </p:sp>
+      <p:sp>
+        <p:nvSpPr>
+          <p:cNvPr id="62" name="PlaceHolder 4"/>
           <p:cNvSpPr>
             <a:spLocks noGrp="1"/>
           </p:cNvSpPr>
@@ -1545,7 +2570,7 @@
         <p:spPr>
           <a:xfrm>
             <a:off x="609480" y="3682080"/>
-            <a:ext cx="10972440" cy="1896840"/>
+            <a:ext cx="10972080" cy="1896840"/>
           </a:xfrm>
           <a:prstGeom prst="rect">
             <a:avLst/>
@@ -1556,11 +2581,8 @@
             <a:normAutofit/>
           </a:bodyPr>
           <a:p>
-            <a:endParaRPr b="0" lang="pt-BR" sz="1800" spc="-1" strike="noStrike">
-              <a:solidFill>
-                <a:srgbClr val="ffffff"/>
-              </a:solidFill>
-              <a:latin typeface="Calibri"/>
+            <a:endParaRPr b="0" lang="pt-BR" sz="3200" spc="-1" strike="noStrike">
+              <a:latin typeface="Arial"/>
             </a:endParaRPr>
           </a:p>
         </p:txBody>
@@ -1589,7 +2611,7 @@
       </p:grpSpPr>
       <p:sp>
         <p:nvSpPr>
-          <p:cNvPr id="69" name="PlaceHolder 1"/>
+          <p:cNvPr id="63" name="PlaceHolder 1"/>
           <p:cNvSpPr>
             <a:spLocks noGrp="1"/>
           </p:cNvSpPr>
@@ -1600,7 +2622,7 @@
         <p:spPr>
           <a:xfrm>
             <a:off x="609480" y="273600"/>
-            <a:ext cx="10972440" cy="1144800"/>
+            <a:ext cx="10972080" cy="1144440"/>
           </a:xfrm>
           <a:prstGeom prst="rect">
             <a:avLst/>
@@ -1611,18 +2633,16 @@
             <a:noAutofit/>
           </a:bodyPr>
           <a:p>
-            <a:endParaRPr b="0" lang="pt-BR" sz="1800" spc="-1" strike="noStrike">
-              <a:solidFill>
-                <a:srgbClr val="ffffff"/>
-              </a:solidFill>
-              <a:latin typeface="Calibri"/>
-            </a:endParaRPr>
-          </a:p>
-        </p:txBody>
-      </p:sp>
-      <p:sp>
-        <p:nvSpPr>
-          <p:cNvPr id="70" name="PlaceHolder 2"/>
+            <a:pPr algn="ctr"/>
+            <a:endParaRPr b="0" lang="pt-BR" sz="4400" spc="-1" strike="noStrike">
+              <a:latin typeface="Arial"/>
+            </a:endParaRPr>
+          </a:p>
+        </p:txBody>
+      </p:sp>
+      <p:sp>
+        <p:nvSpPr>
+          <p:cNvPr id="64" name="PlaceHolder 2"/>
           <p:cNvSpPr>
             <a:spLocks noGrp="1"/>
           </p:cNvSpPr>
@@ -1633,7 +2653,7 @@
         <p:spPr>
           <a:xfrm>
             <a:off x="609480" y="1604520"/>
-            <a:ext cx="10972440" cy="1896840"/>
+            <a:ext cx="10972080" cy="1896840"/>
           </a:xfrm>
           <a:prstGeom prst="rect">
             <a:avLst/>
@@ -1644,18 +2664,15 @@
             <a:normAutofit/>
           </a:bodyPr>
           <a:p>
-            <a:endParaRPr b="0" lang="pt-BR" sz="1800" spc="-1" strike="noStrike">
-              <a:solidFill>
-                <a:srgbClr val="ffffff"/>
-              </a:solidFill>
-              <a:latin typeface="Calibri"/>
-            </a:endParaRPr>
-          </a:p>
-        </p:txBody>
-      </p:sp>
-      <p:sp>
-        <p:nvSpPr>
-          <p:cNvPr id="71" name="PlaceHolder 3"/>
+            <a:endParaRPr b="0" lang="pt-BR" sz="3200" spc="-1" strike="noStrike">
+              <a:latin typeface="Arial"/>
+            </a:endParaRPr>
+          </a:p>
+        </p:txBody>
+      </p:sp>
+      <p:sp>
+        <p:nvSpPr>
+          <p:cNvPr id="65" name="PlaceHolder 3"/>
           <p:cNvSpPr>
             <a:spLocks noGrp="1"/>
           </p:cNvSpPr>
@@ -1666,7 +2683,7 @@
         <p:spPr>
           <a:xfrm>
             <a:off x="609480" y="3682080"/>
-            <a:ext cx="10972440" cy="1896840"/>
+            <a:ext cx="10972080" cy="1896840"/>
           </a:xfrm>
           <a:prstGeom prst="rect">
             <a:avLst/>
@@ -1677,11 +2694,8 @@
             <a:normAutofit/>
           </a:bodyPr>
           <a:p>
-            <a:endParaRPr b="0" lang="pt-BR" sz="1800" spc="-1" strike="noStrike">
-              <a:solidFill>
-                <a:srgbClr val="ffffff"/>
-              </a:solidFill>
-              <a:latin typeface="Calibri"/>
+            <a:endParaRPr b="0" lang="pt-BR" sz="3200" spc="-1" strike="noStrike">
+              <a:latin typeface="Arial"/>
             </a:endParaRPr>
           </a:p>
         </p:txBody>
@@ -1710,7 +2724,7 @@
       </p:grpSpPr>
       <p:sp>
         <p:nvSpPr>
-          <p:cNvPr id="72" name="PlaceHolder 1"/>
+          <p:cNvPr id="66" name="PlaceHolder 1"/>
           <p:cNvSpPr>
             <a:spLocks noGrp="1"/>
           </p:cNvSpPr>
@@ -1721,7 +2735,7 @@
         <p:spPr>
           <a:xfrm>
             <a:off x="609480" y="273600"/>
-            <a:ext cx="10972440" cy="1144800"/>
+            <a:ext cx="10972080" cy="1144440"/>
           </a:xfrm>
           <a:prstGeom prst="rect">
             <a:avLst/>
@@ -1732,18 +2746,16 @@
             <a:noAutofit/>
           </a:bodyPr>
           <a:p>
-            <a:endParaRPr b="0" lang="pt-BR" sz="1800" spc="-1" strike="noStrike">
-              <a:solidFill>
-                <a:srgbClr val="ffffff"/>
-              </a:solidFill>
-              <a:latin typeface="Calibri"/>
-            </a:endParaRPr>
-          </a:p>
-        </p:txBody>
-      </p:sp>
-      <p:sp>
-        <p:nvSpPr>
-          <p:cNvPr id="73" name="PlaceHolder 2"/>
+            <a:pPr algn="ctr"/>
+            <a:endParaRPr b="0" lang="pt-BR" sz="4400" spc="-1" strike="noStrike">
+              <a:latin typeface="Arial"/>
+            </a:endParaRPr>
+          </a:p>
+        </p:txBody>
+      </p:sp>
+      <p:sp>
+        <p:nvSpPr>
+          <p:cNvPr id="67" name="PlaceHolder 2"/>
           <p:cNvSpPr>
             <a:spLocks noGrp="1"/>
           </p:cNvSpPr>
@@ -1765,18 +2777,15 @@
             <a:normAutofit/>
           </a:bodyPr>
           <a:p>
-            <a:endParaRPr b="0" lang="pt-BR" sz="1800" spc="-1" strike="noStrike">
-              <a:solidFill>
-                <a:srgbClr val="ffffff"/>
-              </a:solidFill>
-              <a:latin typeface="Calibri"/>
-            </a:endParaRPr>
-          </a:p>
-        </p:txBody>
-      </p:sp>
-      <p:sp>
-        <p:nvSpPr>
-          <p:cNvPr id="74" name="PlaceHolder 3"/>
+            <a:endParaRPr b="0" lang="pt-BR" sz="3200" spc="-1" strike="noStrike">
+              <a:latin typeface="Arial"/>
+            </a:endParaRPr>
+          </a:p>
+        </p:txBody>
+      </p:sp>
+      <p:sp>
+        <p:nvSpPr>
+          <p:cNvPr id="68" name="PlaceHolder 3"/>
           <p:cNvSpPr>
             <a:spLocks noGrp="1"/>
           </p:cNvSpPr>
@@ -1798,18 +2807,15 @@
             <a:normAutofit/>
           </a:bodyPr>
           <a:p>
-            <a:endParaRPr b="0" lang="pt-BR" sz="1800" spc="-1" strike="noStrike">
-              <a:solidFill>
-                <a:srgbClr val="ffffff"/>
-              </a:solidFill>
-              <a:latin typeface="Calibri"/>
-            </a:endParaRPr>
-          </a:p>
-        </p:txBody>
-      </p:sp>
-      <p:sp>
-        <p:nvSpPr>
-          <p:cNvPr id="75" name="PlaceHolder 4"/>
+            <a:endParaRPr b="0" lang="pt-BR" sz="3200" spc="-1" strike="noStrike">
+              <a:latin typeface="Arial"/>
+            </a:endParaRPr>
+          </a:p>
+        </p:txBody>
+      </p:sp>
+      <p:sp>
+        <p:nvSpPr>
+          <p:cNvPr id="69" name="PlaceHolder 4"/>
           <p:cNvSpPr>
             <a:spLocks noGrp="1"/>
           </p:cNvSpPr>
@@ -1831,18 +2837,15 @@
             <a:normAutofit/>
           </a:bodyPr>
           <a:p>
-            <a:endParaRPr b="0" lang="pt-BR" sz="1800" spc="-1" strike="noStrike">
-              <a:solidFill>
-                <a:srgbClr val="ffffff"/>
-              </a:solidFill>
-              <a:latin typeface="Calibri"/>
-            </a:endParaRPr>
-          </a:p>
-        </p:txBody>
-      </p:sp>
-      <p:sp>
-        <p:nvSpPr>
-          <p:cNvPr id="76" name="PlaceHolder 5"/>
+            <a:endParaRPr b="0" lang="pt-BR" sz="3200" spc="-1" strike="noStrike">
+              <a:latin typeface="Arial"/>
+            </a:endParaRPr>
+          </a:p>
+        </p:txBody>
+      </p:sp>
+      <p:sp>
+        <p:nvSpPr>
+          <p:cNvPr id="70" name="PlaceHolder 5"/>
           <p:cNvSpPr>
             <a:spLocks noGrp="1"/>
           </p:cNvSpPr>
@@ -1864,11 +2867,8 @@
             <a:normAutofit/>
           </a:bodyPr>
           <a:p>
-            <a:endParaRPr b="0" lang="pt-BR" sz="1800" spc="-1" strike="noStrike">
-              <a:solidFill>
-                <a:srgbClr val="ffffff"/>
-              </a:solidFill>
-              <a:latin typeface="Calibri"/>
+            <a:endParaRPr b="0" lang="pt-BR" sz="3200" spc="-1" strike="noStrike">
+              <a:latin typeface="Arial"/>
             </a:endParaRPr>
           </a:p>
         </p:txBody>
@@ -1897,7 +2897,7 @@
       </p:grpSpPr>
       <p:sp>
         <p:nvSpPr>
-          <p:cNvPr id="77" name="PlaceHolder 1"/>
+          <p:cNvPr id="71" name="PlaceHolder 1"/>
           <p:cNvSpPr>
             <a:spLocks noGrp="1"/>
           </p:cNvSpPr>
@@ -1908,7 +2908,7 @@
         <p:spPr>
           <a:xfrm>
             <a:off x="609480" y="273600"/>
-            <a:ext cx="10972440" cy="1144800"/>
+            <a:ext cx="10972080" cy="1144440"/>
           </a:xfrm>
           <a:prstGeom prst="rect">
             <a:avLst/>
@@ -1919,18 +2919,16 @@
             <a:noAutofit/>
           </a:bodyPr>
           <a:p>
-            <a:endParaRPr b="0" lang="pt-BR" sz="1800" spc="-1" strike="noStrike">
-              <a:solidFill>
-                <a:srgbClr val="ffffff"/>
-              </a:solidFill>
-              <a:latin typeface="Calibri"/>
-            </a:endParaRPr>
-          </a:p>
-        </p:txBody>
-      </p:sp>
-      <p:sp>
-        <p:nvSpPr>
-          <p:cNvPr id="78" name="PlaceHolder 2"/>
+            <a:pPr algn="ctr"/>
+            <a:endParaRPr b="0" lang="pt-BR" sz="4400" spc="-1" strike="noStrike">
+              <a:latin typeface="Arial"/>
+            </a:endParaRPr>
+          </a:p>
+        </p:txBody>
+      </p:sp>
+      <p:sp>
+        <p:nvSpPr>
+          <p:cNvPr id="72" name="PlaceHolder 2"/>
           <p:cNvSpPr>
             <a:spLocks noGrp="1"/>
           </p:cNvSpPr>
@@ -1941,7 +2939,7 @@
         <p:spPr>
           <a:xfrm>
             <a:off x="609480" y="1604520"/>
-            <a:ext cx="3533040" cy="1896840"/>
+            <a:ext cx="3532680" cy="1896840"/>
           </a:xfrm>
           <a:prstGeom prst="rect">
             <a:avLst/>
@@ -1952,18 +2950,15 @@
             <a:normAutofit/>
           </a:bodyPr>
           <a:p>
-            <a:endParaRPr b="0" lang="pt-BR" sz="1800" spc="-1" strike="noStrike">
-              <a:solidFill>
-                <a:srgbClr val="ffffff"/>
-              </a:solidFill>
-              <a:latin typeface="Calibri"/>
-            </a:endParaRPr>
-          </a:p>
-        </p:txBody>
-      </p:sp>
-      <p:sp>
-        <p:nvSpPr>
-          <p:cNvPr id="79" name="PlaceHolder 3"/>
+            <a:endParaRPr b="0" lang="pt-BR" sz="3200" spc="-1" strike="noStrike">
+              <a:latin typeface="Arial"/>
+            </a:endParaRPr>
+          </a:p>
+        </p:txBody>
+      </p:sp>
+      <p:sp>
+        <p:nvSpPr>
+          <p:cNvPr id="73" name="PlaceHolder 3"/>
           <p:cNvSpPr>
             <a:spLocks noGrp="1"/>
           </p:cNvSpPr>
@@ -1973,8 +2968,8 @@
         </p:nvSpPr>
         <p:spPr>
           <a:xfrm>
-            <a:off x="4319640" y="1604520"/>
-            <a:ext cx="3533040" cy="1896840"/>
+            <a:off x="4319280" y="1604520"/>
+            <a:ext cx="3532680" cy="1896840"/>
           </a:xfrm>
           <a:prstGeom prst="rect">
             <a:avLst/>
@@ -1985,18 +2980,15 @@
             <a:normAutofit/>
           </a:bodyPr>
           <a:p>
-            <a:endParaRPr b="0" lang="pt-BR" sz="1800" spc="-1" strike="noStrike">
-              <a:solidFill>
-                <a:srgbClr val="ffffff"/>
-              </a:solidFill>
-              <a:latin typeface="Calibri"/>
-            </a:endParaRPr>
-          </a:p>
-        </p:txBody>
-      </p:sp>
-      <p:sp>
-        <p:nvSpPr>
-          <p:cNvPr id="80" name="PlaceHolder 4"/>
+            <a:endParaRPr b="0" lang="pt-BR" sz="3200" spc="-1" strike="noStrike">
+              <a:latin typeface="Arial"/>
+            </a:endParaRPr>
+          </a:p>
+        </p:txBody>
+      </p:sp>
+      <p:sp>
+        <p:nvSpPr>
+          <p:cNvPr id="74" name="PlaceHolder 4"/>
           <p:cNvSpPr>
             <a:spLocks noGrp="1"/>
           </p:cNvSpPr>
@@ -2006,8 +2998,8 @@
         </p:nvSpPr>
         <p:spPr>
           <a:xfrm>
-            <a:off x="8029800" y="1604520"/>
-            <a:ext cx="3533040" cy="1896840"/>
+            <a:off x="8028720" y="1604520"/>
+            <a:ext cx="3532680" cy="1896840"/>
           </a:xfrm>
           <a:prstGeom prst="rect">
             <a:avLst/>
@@ -2018,18 +3010,15 @@
             <a:normAutofit/>
           </a:bodyPr>
           <a:p>
-            <a:endParaRPr b="0" lang="pt-BR" sz="1800" spc="-1" strike="noStrike">
-              <a:solidFill>
-                <a:srgbClr val="ffffff"/>
-              </a:solidFill>
-              <a:latin typeface="Calibri"/>
-            </a:endParaRPr>
-          </a:p>
-        </p:txBody>
-      </p:sp>
-      <p:sp>
-        <p:nvSpPr>
-          <p:cNvPr id="81" name="PlaceHolder 5"/>
+            <a:endParaRPr b="0" lang="pt-BR" sz="3200" spc="-1" strike="noStrike">
+              <a:latin typeface="Arial"/>
+            </a:endParaRPr>
+          </a:p>
+        </p:txBody>
+      </p:sp>
+      <p:sp>
+        <p:nvSpPr>
+          <p:cNvPr id="75" name="PlaceHolder 5"/>
           <p:cNvSpPr>
             <a:spLocks noGrp="1"/>
           </p:cNvSpPr>
@@ -2040,7 +3029,7 @@
         <p:spPr>
           <a:xfrm>
             <a:off x="609480" y="3682080"/>
-            <a:ext cx="3533040" cy="1896840"/>
+            <a:ext cx="3532680" cy="1896840"/>
           </a:xfrm>
           <a:prstGeom prst="rect">
             <a:avLst/>
@@ -2051,18 +3040,15 @@
             <a:normAutofit/>
           </a:bodyPr>
           <a:p>
-            <a:endParaRPr b="0" lang="pt-BR" sz="1800" spc="-1" strike="noStrike">
-              <a:solidFill>
-                <a:srgbClr val="ffffff"/>
-              </a:solidFill>
-              <a:latin typeface="Calibri"/>
-            </a:endParaRPr>
-          </a:p>
-        </p:txBody>
-      </p:sp>
-      <p:sp>
-        <p:nvSpPr>
-          <p:cNvPr id="82" name="PlaceHolder 6"/>
+            <a:endParaRPr b="0" lang="pt-BR" sz="3200" spc="-1" strike="noStrike">
+              <a:latin typeface="Arial"/>
+            </a:endParaRPr>
+          </a:p>
+        </p:txBody>
+      </p:sp>
+      <p:sp>
+        <p:nvSpPr>
+          <p:cNvPr id="76" name="PlaceHolder 6"/>
           <p:cNvSpPr>
             <a:spLocks noGrp="1"/>
           </p:cNvSpPr>
@@ -2072,8 +3058,8 @@
         </p:nvSpPr>
         <p:spPr>
           <a:xfrm>
-            <a:off x="4319640" y="3682080"/>
-            <a:ext cx="3533040" cy="1896840"/>
+            <a:off x="4319280" y="3682080"/>
+            <a:ext cx="3532680" cy="1896840"/>
           </a:xfrm>
           <a:prstGeom prst="rect">
             <a:avLst/>
@@ -2084,18 +3070,15 @@
             <a:normAutofit/>
           </a:bodyPr>
           <a:p>
-            <a:endParaRPr b="0" lang="pt-BR" sz="1800" spc="-1" strike="noStrike">
-              <a:solidFill>
-                <a:srgbClr val="ffffff"/>
-              </a:solidFill>
-              <a:latin typeface="Calibri"/>
-            </a:endParaRPr>
-          </a:p>
-        </p:txBody>
-      </p:sp>
-      <p:sp>
-        <p:nvSpPr>
-          <p:cNvPr id="83" name="PlaceHolder 7"/>
+            <a:endParaRPr b="0" lang="pt-BR" sz="3200" spc="-1" strike="noStrike">
+              <a:latin typeface="Arial"/>
+            </a:endParaRPr>
+          </a:p>
+        </p:txBody>
+      </p:sp>
+      <p:sp>
+        <p:nvSpPr>
+          <p:cNvPr id="77" name="PlaceHolder 7"/>
           <p:cNvSpPr>
             <a:spLocks noGrp="1"/>
           </p:cNvSpPr>
@@ -2105,8 +3088,8 @@
         </p:nvSpPr>
         <p:spPr>
           <a:xfrm>
-            <a:off x="8029800" y="3682080"/>
-            <a:ext cx="3533040" cy="1896840"/>
+            <a:off x="8028720" y="3682080"/>
+            <a:ext cx="3532680" cy="1896840"/>
           </a:xfrm>
           <a:prstGeom prst="rect">
             <a:avLst/>
@@ -2117,11 +3100,8 @@
             <a:normAutofit/>
           </a:bodyPr>
           <a:p>
-            <a:endParaRPr b="0" lang="pt-BR" sz="1800" spc="-1" strike="noStrike">
-              <a:solidFill>
-                <a:srgbClr val="ffffff"/>
-              </a:solidFill>
-              <a:latin typeface="Calibri"/>
+            <a:endParaRPr b="0" lang="pt-BR" sz="3200" spc="-1" strike="noStrike">
+              <a:latin typeface="Arial"/>
             </a:endParaRPr>
           </a:p>
         </p:txBody>
@@ -2150,7 +3130,7 @@
       </p:grpSpPr>
       <p:sp>
         <p:nvSpPr>
-          <p:cNvPr id="8" name="PlaceHolder 1"/>
+          <p:cNvPr id="5" name="PlaceHolder 1"/>
           <p:cNvSpPr>
             <a:spLocks noGrp="1"/>
           </p:cNvSpPr>
@@ -2161,7 +3141,7 @@
         <p:spPr>
           <a:xfrm>
             <a:off x="609480" y="273600"/>
-            <a:ext cx="10972440" cy="1144800"/>
+            <a:ext cx="10972080" cy="1144440"/>
           </a:xfrm>
           <a:prstGeom prst="rect">
             <a:avLst/>
@@ -2172,18 +3152,16 @@
             <a:noAutofit/>
           </a:bodyPr>
           <a:p>
-            <a:endParaRPr b="0" lang="pt-BR" sz="1800" spc="-1" strike="noStrike">
-              <a:solidFill>
-                <a:srgbClr val="ffffff"/>
-              </a:solidFill>
-              <a:latin typeface="Calibri"/>
-            </a:endParaRPr>
-          </a:p>
-        </p:txBody>
-      </p:sp>
-      <p:sp>
-        <p:nvSpPr>
-          <p:cNvPr id="9" name="PlaceHolder 2"/>
+            <a:pPr algn="ctr"/>
+            <a:endParaRPr b="0" lang="pt-BR" sz="4400" spc="-1" strike="noStrike">
+              <a:latin typeface="Arial"/>
+            </a:endParaRPr>
+          </a:p>
+        </p:txBody>
+      </p:sp>
+      <p:sp>
+        <p:nvSpPr>
+          <p:cNvPr id="6" name="PlaceHolder 2"/>
           <p:cNvSpPr>
             <a:spLocks noGrp="1"/>
           </p:cNvSpPr>
@@ -2194,7 +3172,7 @@
         <p:spPr>
           <a:xfrm>
             <a:off x="609480" y="1604520"/>
-            <a:ext cx="10972440" cy="3977280"/>
+            <a:ext cx="10972080" cy="3976920"/>
           </a:xfrm>
           <a:prstGeom prst="rect">
             <a:avLst/>
@@ -2205,11 +3183,8 @@
             <a:normAutofit/>
           </a:bodyPr>
           <a:p>
-            <a:endParaRPr b="0" lang="pt-BR" sz="1800" spc="-1" strike="noStrike">
-              <a:solidFill>
-                <a:srgbClr val="ffffff"/>
-              </a:solidFill>
-              <a:latin typeface="Calibri"/>
+            <a:endParaRPr b="0" lang="pt-BR" sz="3200" spc="-1" strike="noStrike">
+              <a:latin typeface="Arial"/>
             </a:endParaRPr>
           </a:p>
         </p:txBody>
@@ -2238,7 +3213,7 @@
       </p:grpSpPr>
       <p:sp>
         <p:nvSpPr>
-          <p:cNvPr id="10" name="PlaceHolder 1"/>
+          <p:cNvPr id="7" name="PlaceHolder 1"/>
           <p:cNvSpPr>
             <a:spLocks noGrp="1"/>
           </p:cNvSpPr>
@@ -2249,7 +3224,7 @@
         <p:spPr>
           <a:xfrm>
             <a:off x="609480" y="273600"/>
-            <a:ext cx="10972440" cy="1144800"/>
+            <a:ext cx="10972080" cy="1144440"/>
           </a:xfrm>
           <a:prstGeom prst="rect">
             <a:avLst/>
@@ -2260,18 +3235,16 @@
             <a:noAutofit/>
           </a:bodyPr>
           <a:p>
-            <a:endParaRPr b="0" lang="pt-BR" sz="1800" spc="-1" strike="noStrike">
-              <a:solidFill>
-                <a:srgbClr val="ffffff"/>
-              </a:solidFill>
-              <a:latin typeface="Calibri"/>
-            </a:endParaRPr>
-          </a:p>
-        </p:txBody>
-      </p:sp>
-      <p:sp>
-        <p:nvSpPr>
-          <p:cNvPr id="11" name="PlaceHolder 2"/>
+            <a:pPr algn="ctr"/>
+            <a:endParaRPr b="0" lang="pt-BR" sz="4400" spc="-1" strike="noStrike">
+              <a:latin typeface="Arial"/>
+            </a:endParaRPr>
+          </a:p>
+        </p:txBody>
+      </p:sp>
+      <p:sp>
+        <p:nvSpPr>
+          <p:cNvPr id="8" name="PlaceHolder 2"/>
           <p:cNvSpPr>
             <a:spLocks noGrp="1"/>
           </p:cNvSpPr>
@@ -2282,7 +3255,7 @@
         <p:spPr>
           <a:xfrm>
             <a:off x="609480" y="1604520"/>
-            <a:ext cx="5354280" cy="3977280"/>
+            <a:ext cx="5354280" cy="3976920"/>
           </a:xfrm>
           <a:prstGeom prst="rect">
             <a:avLst/>
@@ -2293,18 +3266,15 @@
             <a:normAutofit/>
           </a:bodyPr>
           <a:p>
-            <a:endParaRPr b="0" lang="pt-BR" sz="1800" spc="-1" strike="noStrike">
-              <a:solidFill>
-                <a:srgbClr val="ffffff"/>
-              </a:solidFill>
-              <a:latin typeface="Calibri"/>
-            </a:endParaRPr>
-          </a:p>
-        </p:txBody>
-      </p:sp>
-      <p:sp>
-        <p:nvSpPr>
-          <p:cNvPr id="12" name="PlaceHolder 3"/>
+            <a:endParaRPr b="0" lang="pt-BR" sz="3200" spc="-1" strike="noStrike">
+              <a:latin typeface="Arial"/>
+            </a:endParaRPr>
+          </a:p>
+        </p:txBody>
+      </p:sp>
+      <p:sp>
+        <p:nvSpPr>
+          <p:cNvPr id="9" name="PlaceHolder 3"/>
           <p:cNvSpPr>
             <a:spLocks noGrp="1"/>
           </p:cNvSpPr>
@@ -2315,7 +3285,7 @@
         <p:spPr>
           <a:xfrm>
             <a:off x="6231960" y="1604520"/>
-            <a:ext cx="5354280" cy="3977280"/>
+            <a:ext cx="5354280" cy="3976920"/>
           </a:xfrm>
           <a:prstGeom prst="rect">
             <a:avLst/>
@@ -2326,11 +3296,8 @@
             <a:normAutofit/>
           </a:bodyPr>
           <a:p>
-            <a:endParaRPr b="0" lang="pt-BR" sz="1800" spc="-1" strike="noStrike">
-              <a:solidFill>
-                <a:srgbClr val="ffffff"/>
-              </a:solidFill>
-              <a:latin typeface="Calibri"/>
+            <a:endParaRPr b="0" lang="pt-BR" sz="3200" spc="-1" strike="noStrike">
+              <a:latin typeface="Arial"/>
             </a:endParaRPr>
           </a:p>
         </p:txBody>
@@ -2359,7 +3326,7 @@
       </p:grpSpPr>
       <p:sp>
         <p:nvSpPr>
-          <p:cNvPr id="13" name="PlaceHolder 1"/>
+          <p:cNvPr id="10" name="PlaceHolder 1"/>
           <p:cNvSpPr>
             <a:spLocks noGrp="1"/>
           </p:cNvSpPr>
@@ -2370,7 +3337,7 @@
         <p:spPr>
           <a:xfrm>
             <a:off x="609480" y="273600"/>
-            <a:ext cx="10972440" cy="1144800"/>
+            <a:ext cx="10972080" cy="1144440"/>
           </a:xfrm>
           <a:prstGeom prst="rect">
             <a:avLst/>
@@ -2381,11 +3348,9 @@
             <a:noAutofit/>
           </a:bodyPr>
           <a:p>
-            <a:endParaRPr b="0" lang="pt-BR" sz="1800" spc="-1" strike="noStrike">
-              <a:solidFill>
-                <a:srgbClr val="ffffff"/>
-              </a:solidFill>
-              <a:latin typeface="Calibri"/>
+            <a:pPr algn="ctr"/>
+            <a:endParaRPr b="0" lang="pt-BR" sz="4400" spc="-1" strike="noStrike">
+              <a:latin typeface="Arial"/>
             </a:endParaRPr>
           </a:p>
         </p:txBody>
@@ -2414,7 +3379,7 @@
       </p:grpSpPr>
       <p:sp>
         <p:nvSpPr>
-          <p:cNvPr id="14" name="PlaceHolder 1"/>
+          <p:cNvPr id="11" name="PlaceHolder 1"/>
           <p:cNvSpPr>
             <a:spLocks noGrp="1"/>
           </p:cNvSpPr>
@@ -2425,7 +3390,7 @@
         <p:spPr>
           <a:xfrm>
             <a:off x="609480" y="273600"/>
-            <a:ext cx="10972440" cy="5307840"/>
+            <a:ext cx="10972080" cy="5306400"/>
           </a:xfrm>
           <a:prstGeom prst="rect">
             <a:avLst/>
@@ -2467,7 +3432,7 @@
       </p:grpSpPr>
       <p:sp>
         <p:nvSpPr>
-          <p:cNvPr id="15" name="PlaceHolder 1"/>
+          <p:cNvPr id="12" name="PlaceHolder 1"/>
           <p:cNvSpPr>
             <a:spLocks noGrp="1"/>
           </p:cNvSpPr>
@@ -2478,7 +3443,7 @@
         <p:spPr>
           <a:xfrm>
             <a:off x="609480" y="273600"/>
-            <a:ext cx="10972440" cy="1144800"/>
+            <a:ext cx="10972080" cy="1144440"/>
           </a:xfrm>
           <a:prstGeom prst="rect">
             <a:avLst/>
@@ -2489,18 +3454,16 @@
             <a:noAutofit/>
           </a:bodyPr>
           <a:p>
-            <a:endParaRPr b="0" lang="pt-BR" sz="1800" spc="-1" strike="noStrike">
-              <a:solidFill>
-                <a:srgbClr val="ffffff"/>
-              </a:solidFill>
-              <a:latin typeface="Calibri"/>
-            </a:endParaRPr>
-          </a:p>
-        </p:txBody>
-      </p:sp>
-      <p:sp>
-        <p:nvSpPr>
-          <p:cNvPr id="16" name="PlaceHolder 2"/>
+            <a:pPr algn="ctr"/>
+            <a:endParaRPr b="0" lang="pt-BR" sz="4400" spc="-1" strike="noStrike">
+              <a:latin typeface="Arial"/>
+            </a:endParaRPr>
+          </a:p>
+        </p:txBody>
+      </p:sp>
+      <p:sp>
+        <p:nvSpPr>
+          <p:cNvPr id="13" name="PlaceHolder 2"/>
           <p:cNvSpPr>
             <a:spLocks noGrp="1"/>
           </p:cNvSpPr>
@@ -2522,18 +3485,15 @@
             <a:normAutofit/>
           </a:bodyPr>
           <a:p>
-            <a:endParaRPr b="0" lang="pt-BR" sz="1800" spc="-1" strike="noStrike">
-              <a:solidFill>
-                <a:srgbClr val="ffffff"/>
-              </a:solidFill>
-              <a:latin typeface="Calibri"/>
-            </a:endParaRPr>
-          </a:p>
-        </p:txBody>
-      </p:sp>
-      <p:sp>
-        <p:nvSpPr>
-          <p:cNvPr id="17" name="PlaceHolder 3"/>
+            <a:endParaRPr b="0" lang="pt-BR" sz="3200" spc="-1" strike="noStrike">
+              <a:latin typeface="Arial"/>
+            </a:endParaRPr>
+          </a:p>
+        </p:txBody>
+      </p:sp>
+      <p:sp>
+        <p:nvSpPr>
+          <p:cNvPr id="14" name="PlaceHolder 3"/>
           <p:cNvSpPr>
             <a:spLocks noGrp="1"/>
           </p:cNvSpPr>
@@ -2544,7 +3504,7 @@
         <p:spPr>
           <a:xfrm>
             <a:off x="6231960" y="1604520"/>
-            <a:ext cx="5354280" cy="3977280"/>
+            <a:ext cx="5354280" cy="3976920"/>
           </a:xfrm>
           <a:prstGeom prst="rect">
             <a:avLst/>
@@ -2555,18 +3515,15 @@
             <a:normAutofit/>
           </a:bodyPr>
           <a:p>
-            <a:endParaRPr b="0" lang="pt-BR" sz="1800" spc="-1" strike="noStrike">
-              <a:solidFill>
-                <a:srgbClr val="ffffff"/>
-              </a:solidFill>
-              <a:latin typeface="Calibri"/>
-            </a:endParaRPr>
-          </a:p>
-        </p:txBody>
-      </p:sp>
-      <p:sp>
-        <p:nvSpPr>
-          <p:cNvPr id="18" name="PlaceHolder 4"/>
+            <a:endParaRPr b="0" lang="pt-BR" sz="3200" spc="-1" strike="noStrike">
+              <a:latin typeface="Arial"/>
+            </a:endParaRPr>
+          </a:p>
+        </p:txBody>
+      </p:sp>
+      <p:sp>
+        <p:nvSpPr>
+          <p:cNvPr id="15" name="PlaceHolder 4"/>
           <p:cNvSpPr>
             <a:spLocks noGrp="1"/>
           </p:cNvSpPr>
@@ -2588,11 +3545,8 @@
             <a:normAutofit/>
           </a:bodyPr>
           <a:p>
-            <a:endParaRPr b="0" lang="pt-BR" sz="1800" spc="-1" strike="noStrike">
-              <a:solidFill>
-                <a:srgbClr val="ffffff"/>
-              </a:solidFill>
-              <a:latin typeface="Calibri"/>
+            <a:endParaRPr b="0" lang="pt-BR" sz="3200" spc="-1" strike="noStrike">
+              <a:latin typeface="Arial"/>
             </a:endParaRPr>
           </a:p>
         </p:txBody>
@@ -2621,7 +3575,7 @@
       </p:grpSpPr>
       <p:sp>
         <p:nvSpPr>
-          <p:cNvPr id="19" name="PlaceHolder 1"/>
+          <p:cNvPr id="16" name="PlaceHolder 1"/>
           <p:cNvSpPr>
             <a:spLocks noGrp="1"/>
           </p:cNvSpPr>
@@ -2632,7 +3586,7 @@
         <p:spPr>
           <a:xfrm>
             <a:off x="609480" y="273600"/>
-            <a:ext cx="10972440" cy="1144800"/>
+            <a:ext cx="10972080" cy="1144440"/>
           </a:xfrm>
           <a:prstGeom prst="rect">
             <a:avLst/>
@@ -2643,18 +3597,16 @@
             <a:noAutofit/>
           </a:bodyPr>
           <a:p>
-            <a:endParaRPr b="0" lang="pt-BR" sz="1800" spc="-1" strike="noStrike">
-              <a:solidFill>
-                <a:srgbClr val="ffffff"/>
-              </a:solidFill>
-              <a:latin typeface="Calibri"/>
-            </a:endParaRPr>
-          </a:p>
-        </p:txBody>
-      </p:sp>
-      <p:sp>
-        <p:nvSpPr>
-          <p:cNvPr id="20" name="PlaceHolder 2"/>
+            <a:pPr algn="ctr"/>
+            <a:endParaRPr b="0" lang="pt-BR" sz="4400" spc="-1" strike="noStrike">
+              <a:latin typeface="Arial"/>
+            </a:endParaRPr>
+          </a:p>
+        </p:txBody>
+      </p:sp>
+      <p:sp>
+        <p:nvSpPr>
+          <p:cNvPr id="17" name="PlaceHolder 2"/>
           <p:cNvSpPr>
             <a:spLocks noGrp="1"/>
           </p:cNvSpPr>
@@ -2665,7 +3617,7 @@
         <p:spPr>
           <a:xfrm>
             <a:off x="609480" y="1604520"/>
-            <a:ext cx="5354280" cy="3977280"/>
+            <a:ext cx="5354280" cy="3976920"/>
           </a:xfrm>
           <a:prstGeom prst="rect">
             <a:avLst/>
@@ -2676,18 +3628,15 @@
             <a:normAutofit/>
           </a:bodyPr>
           <a:p>
-            <a:endParaRPr b="0" lang="pt-BR" sz="1800" spc="-1" strike="noStrike">
-              <a:solidFill>
-                <a:srgbClr val="ffffff"/>
-              </a:solidFill>
-              <a:latin typeface="Calibri"/>
-            </a:endParaRPr>
-          </a:p>
-        </p:txBody>
-      </p:sp>
-      <p:sp>
-        <p:nvSpPr>
-          <p:cNvPr id="21" name="PlaceHolder 3"/>
+            <a:endParaRPr b="0" lang="pt-BR" sz="3200" spc="-1" strike="noStrike">
+              <a:latin typeface="Arial"/>
+            </a:endParaRPr>
+          </a:p>
+        </p:txBody>
+      </p:sp>
+      <p:sp>
+        <p:nvSpPr>
+          <p:cNvPr id="18" name="PlaceHolder 3"/>
           <p:cNvSpPr>
             <a:spLocks noGrp="1"/>
           </p:cNvSpPr>
@@ -2709,18 +3658,15 @@
             <a:normAutofit/>
           </a:bodyPr>
           <a:p>
-            <a:endParaRPr b="0" lang="pt-BR" sz="1800" spc="-1" strike="noStrike">
-              <a:solidFill>
-                <a:srgbClr val="ffffff"/>
-              </a:solidFill>
-              <a:latin typeface="Calibri"/>
-            </a:endParaRPr>
-          </a:p>
-        </p:txBody>
-      </p:sp>
-      <p:sp>
-        <p:nvSpPr>
-          <p:cNvPr id="22" name="PlaceHolder 4"/>
+            <a:endParaRPr b="0" lang="pt-BR" sz="3200" spc="-1" strike="noStrike">
+              <a:latin typeface="Arial"/>
+            </a:endParaRPr>
+          </a:p>
+        </p:txBody>
+      </p:sp>
+      <p:sp>
+        <p:nvSpPr>
+          <p:cNvPr id="19" name="PlaceHolder 4"/>
           <p:cNvSpPr>
             <a:spLocks noGrp="1"/>
           </p:cNvSpPr>
@@ -2742,11 +3688,8 @@
             <a:normAutofit/>
           </a:bodyPr>
           <a:p>
-            <a:endParaRPr b="0" lang="pt-BR" sz="1800" spc="-1" strike="noStrike">
-              <a:solidFill>
-                <a:srgbClr val="ffffff"/>
-              </a:solidFill>
-              <a:latin typeface="Calibri"/>
+            <a:endParaRPr b="0" lang="pt-BR" sz="3200" spc="-1" strike="noStrike">
+              <a:latin typeface="Arial"/>
             </a:endParaRPr>
           </a:p>
         </p:txBody>
@@ -2775,7 +3718,7 @@
       </p:grpSpPr>
       <p:sp>
         <p:nvSpPr>
-          <p:cNvPr id="23" name="PlaceHolder 1"/>
+          <p:cNvPr id="20" name="PlaceHolder 1"/>
           <p:cNvSpPr>
             <a:spLocks noGrp="1"/>
           </p:cNvSpPr>
@@ -2786,7 +3729,7 @@
         <p:spPr>
           <a:xfrm>
             <a:off x="609480" y="273600"/>
-            <a:ext cx="10972440" cy="1144800"/>
+            <a:ext cx="10972080" cy="1144440"/>
           </a:xfrm>
           <a:prstGeom prst="rect">
             <a:avLst/>
@@ -2797,18 +3740,16 @@
             <a:noAutofit/>
           </a:bodyPr>
           <a:p>
-            <a:endParaRPr b="0" lang="pt-BR" sz="1800" spc="-1" strike="noStrike">
-              <a:solidFill>
-                <a:srgbClr val="ffffff"/>
-              </a:solidFill>
-              <a:latin typeface="Calibri"/>
-            </a:endParaRPr>
-          </a:p>
-        </p:txBody>
-      </p:sp>
-      <p:sp>
-        <p:nvSpPr>
-          <p:cNvPr id="24" name="PlaceHolder 2"/>
+            <a:pPr algn="ctr"/>
+            <a:endParaRPr b="0" lang="pt-BR" sz="4400" spc="-1" strike="noStrike">
+              <a:latin typeface="Arial"/>
+            </a:endParaRPr>
+          </a:p>
+        </p:txBody>
+      </p:sp>
+      <p:sp>
+        <p:nvSpPr>
+          <p:cNvPr id="21" name="PlaceHolder 2"/>
           <p:cNvSpPr>
             <a:spLocks noGrp="1"/>
           </p:cNvSpPr>
@@ -2830,18 +3771,15 @@
             <a:normAutofit/>
           </a:bodyPr>
           <a:p>
-            <a:endParaRPr b="0" lang="pt-BR" sz="1800" spc="-1" strike="noStrike">
-              <a:solidFill>
-                <a:srgbClr val="ffffff"/>
-              </a:solidFill>
-              <a:latin typeface="Calibri"/>
-            </a:endParaRPr>
-          </a:p>
-        </p:txBody>
-      </p:sp>
-      <p:sp>
-        <p:nvSpPr>
-          <p:cNvPr id="25" name="PlaceHolder 3"/>
+            <a:endParaRPr b="0" lang="pt-BR" sz="3200" spc="-1" strike="noStrike">
+              <a:latin typeface="Arial"/>
+            </a:endParaRPr>
+          </a:p>
+        </p:txBody>
+      </p:sp>
+      <p:sp>
+        <p:nvSpPr>
+          <p:cNvPr id="22" name="PlaceHolder 3"/>
           <p:cNvSpPr>
             <a:spLocks noGrp="1"/>
           </p:cNvSpPr>
@@ -2863,18 +3801,15 @@
             <a:normAutofit/>
           </a:bodyPr>
           <a:p>
-            <a:endParaRPr b="0" lang="pt-BR" sz="1800" spc="-1" strike="noStrike">
-              <a:solidFill>
-                <a:srgbClr val="ffffff"/>
-              </a:solidFill>
-              <a:latin typeface="Calibri"/>
-            </a:endParaRPr>
-          </a:p>
-        </p:txBody>
-      </p:sp>
-      <p:sp>
-        <p:nvSpPr>
-          <p:cNvPr id="26" name="PlaceHolder 4"/>
+            <a:endParaRPr b="0" lang="pt-BR" sz="3200" spc="-1" strike="noStrike">
+              <a:latin typeface="Arial"/>
+            </a:endParaRPr>
+          </a:p>
+        </p:txBody>
+      </p:sp>
+      <p:sp>
+        <p:nvSpPr>
+          <p:cNvPr id="23" name="PlaceHolder 4"/>
           <p:cNvSpPr>
             <a:spLocks noGrp="1"/>
           </p:cNvSpPr>
@@ -2885,7 +3820,7 @@
         <p:spPr>
           <a:xfrm>
             <a:off x="609480" y="3682080"/>
-            <a:ext cx="10972440" cy="1896840"/>
+            <a:ext cx="10972080" cy="1896840"/>
           </a:xfrm>
           <a:prstGeom prst="rect">
             <a:avLst/>
@@ -2896,11 +3831,8 @@
             <a:normAutofit/>
           </a:bodyPr>
           <a:p>
-            <a:endParaRPr b="0" lang="pt-BR" sz="1800" spc="-1" strike="noStrike">
-              <a:solidFill>
-                <a:srgbClr val="ffffff"/>
-              </a:solidFill>
-              <a:latin typeface="Calibri"/>
+            <a:endParaRPr b="0" lang="pt-BR" sz="3200" spc="-1" strike="noStrike">
+              <a:latin typeface="Arial"/>
             </a:endParaRPr>
           </a:p>
         </p:txBody>
@@ -2948,7 +3880,7 @@
         <p:spPr>
           <a:xfrm>
             <a:off x="0" y="0"/>
-            <a:ext cx="12188520" cy="6855840"/>
+            <a:ext cx="12188160" cy="6855480"/>
           </a:xfrm>
           <a:prstGeom prst="rect">
             <a:avLst/>
@@ -2970,37 +3902,26 @@
         </p:nvSpPr>
         <p:spPr>
           <a:xfrm>
-            <a:off x="3962520" y="1964160"/>
-            <a:ext cx="7197480" cy="2421000"/>
-          </a:xfrm>
-          <a:prstGeom prst="rect">
-            <a:avLst/>
-          </a:prstGeom>
-        </p:spPr>
-        <p:txBody>
-          <a:bodyPr anchor="b">
-            <a:normAutofit/>
-          </a:bodyPr>
-          <a:p>
-            <a:pPr algn="r">
-              <a:lnSpc>
-                <a:spcPct val="100000"/>
-              </a:lnSpc>
-            </a:pPr>
+            <a:off x="609480" y="273600"/>
+            <a:ext cx="10972080" cy="1144440"/>
+          </a:xfrm>
+          <a:prstGeom prst="rect">
+            <a:avLst/>
+          </a:prstGeom>
+        </p:spPr>
+        <p:txBody>
+          <a:bodyPr lIns="0" rIns="0" tIns="0" bIns="0" anchor="ctr">
+            <a:noAutofit/>
+          </a:bodyPr>
+          <a:p>
             <a:r>
-              <a:rPr b="0" lang="pt-BR" sz="4800" spc="-1" strike="noStrike" cap="all">
-                <a:solidFill>
-                  <a:srgbClr val="ffffff"/>
-                </a:solidFill>
-                <a:latin typeface="Calibri Light"/>
+              <a:rPr b="0" lang="pt-BR" sz="1800" spc="-1" strike="noStrike">
+                <a:latin typeface="Arial"/>
               </a:rPr>
-              <a:t>Clique para editar o título mestre</a:t>
+              <a:t>Clique para editar o formato do texto do título</a:t>
             </a:r>
-            <a:endParaRPr b="0" lang="pt-BR" sz="4800" spc="-1" strike="noStrike">
-              <a:solidFill>
-                <a:srgbClr val="ffffff"/>
-              </a:solidFill>
-              <a:latin typeface="Calibri"/>
+            <a:endParaRPr b="0" lang="pt-BR" sz="1800" spc="-1" strike="noStrike">
+              <a:latin typeface="Arial"/>
             </a:endParaRPr>
           </a:p>
         </p:txBody>
@@ -3008,124 +3929,6 @@
       <p:sp>
         <p:nvSpPr>
           <p:cNvPr id="2" name="PlaceHolder 2"/>
-          <p:cNvSpPr>
-            <a:spLocks noGrp="1"/>
-          </p:cNvSpPr>
-          <p:nvPr>
-            <p:ph type="dt"/>
-          </p:nvPr>
-        </p:nvSpPr>
-        <p:spPr>
-          <a:xfrm>
-            <a:off x="8932680" y="5870520"/>
-            <a:ext cx="1599840" cy="377640"/>
-          </a:xfrm>
-          <a:prstGeom prst="rect">
-            <a:avLst/>
-          </a:prstGeom>
-        </p:spPr>
-        <p:txBody>
-          <a:bodyPr anchor="ctr">
-            <a:noAutofit/>
-          </a:bodyPr>
-          <a:p>
-            <a:pPr algn="r">
-              <a:lnSpc>
-                <a:spcPct val="100000"/>
-              </a:lnSpc>
-            </a:pPr>
-            <a:fld id="{0EF813CF-4FE2-4280-B8A8-A962781D8AD9}" type="datetime">
-              <a:rPr b="0" lang="pt-BR" sz="1000" spc="-1" strike="noStrike">
-                <a:solidFill>
-                  <a:srgbClr val="ffffff"/>
-                </a:solidFill>
-                <a:latin typeface="Calibri"/>
-              </a:rPr>
-              <a:t>18/05/23</a:t>
-            </a:fld>
-            <a:endParaRPr b="0" lang="pt-BR" sz="1000" spc="-1" strike="noStrike">
-              <a:latin typeface="Times New Roman"/>
-            </a:endParaRPr>
-          </a:p>
-        </p:txBody>
-      </p:sp>
-      <p:sp>
-        <p:nvSpPr>
-          <p:cNvPr id="3" name="PlaceHolder 3"/>
-          <p:cNvSpPr>
-            <a:spLocks noGrp="1"/>
-          </p:cNvSpPr>
-          <p:nvPr>
-            <p:ph type="ftr"/>
-          </p:nvPr>
-        </p:nvSpPr>
-        <p:spPr>
-          <a:xfrm>
-            <a:off x="3962520" y="5870520"/>
-            <a:ext cx="4893480" cy="377640"/>
-          </a:xfrm>
-          <a:prstGeom prst="rect">
-            <a:avLst/>
-          </a:prstGeom>
-        </p:spPr>
-        <p:txBody>
-          <a:bodyPr anchor="ctr">
-            <a:noAutofit/>
-          </a:bodyPr>
-          <a:p>
-            <a:endParaRPr b="0" lang="pt-BR" sz="2400" spc="-1" strike="noStrike">
-              <a:latin typeface="Times New Roman"/>
-            </a:endParaRPr>
-          </a:p>
-        </p:txBody>
-      </p:sp>
-      <p:sp>
-        <p:nvSpPr>
-          <p:cNvPr id="4" name="PlaceHolder 4"/>
-          <p:cNvSpPr>
-            <a:spLocks noGrp="1"/>
-          </p:cNvSpPr>
-          <p:nvPr>
-            <p:ph type="sldNum"/>
-          </p:nvPr>
-        </p:nvSpPr>
-        <p:spPr>
-          <a:xfrm>
-            <a:off x="10608840" y="5870520"/>
-            <a:ext cx="550800" cy="377640"/>
-          </a:xfrm>
-          <a:prstGeom prst="rect">
-            <a:avLst/>
-          </a:prstGeom>
-        </p:spPr>
-        <p:txBody>
-          <a:bodyPr anchor="ctr">
-            <a:noAutofit/>
-          </a:bodyPr>
-          <a:p>
-            <a:pPr algn="r">
-              <a:lnSpc>
-                <a:spcPct val="100000"/>
-              </a:lnSpc>
-            </a:pPr>
-            <a:fld id="{640AC2E5-D35F-4DCA-899B-E1200EFE80F7}" type="slidenum">
-              <a:rPr b="0" lang="pt-BR" sz="1000" spc="-1" strike="noStrike">
-                <a:solidFill>
-                  <a:srgbClr val="ffffff"/>
-                </a:solidFill>
-                <a:latin typeface="Calibri"/>
-              </a:rPr>
-              <a:t>&lt;número&gt;</a:t>
-            </a:fld>
-            <a:endParaRPr b="0" lang="pt-BR" sz="1000" spc="-1" strike="noStrike">
-              <a:latin typeface="Times New Roman"/>
-            </a:endParaRPr>
-          </a:p>
-        </p:txBody>
-      </p:sp>
-      <p:sp>
-        <p:nvSpPr>
-          <p:cNvPr id="5" name="PlaceHolder 5"/>
           <p:cNvSpPr>
             <a:spLocks noGrp="1"/>
           </p:cNvSpPr>
@@ -3159,19 +3962,13 @@
               <a:buChar char=""/>
             </a:pPr>
             <a:r>
-              <a:rPr b="0" lang="pt-BR" sz="1800" spc="-1" strike="noStrike">
-                <a:solidFill>
-                  <a:srgbClr val="ffffff"/>
-                </a:solidFill>
-                <a:latin typeface="Calibri"/>
+              <a:rPr b="0" lang="pt-BR" sz="3200" spc="-1" strike="noStrike">
+                <a:latin typeface="Arial"/>
               </a:rPr>
               <a:t>Clique para editar o formato do texto da estrutura de tópicos</a:t>
             </a:r>
-            <a:endParaRPr b="0" lang="pt-BR" sz="1800" spc="-1" strike="noStrike">
-              <a:solidFill>
-                <a:srgbClr val="ffffff"/>
-              </a:solidFill>
-              <a:latin typeface="Calibri"/>
+            <a:endParaRPr b="0" lang="pt-BR" sz="3200" spc="-1" strike="noStrike">
+              <a:latin typeface="Arial"/>
             </a:endParaRPr>
           </a:p>
           <a:p>
@@ -3187,19 +3984,13 @@
               <a:buChar char=""/>
             </a:pPr>
             <a:r>
-              <a:rPr b="0" lang="pt-BR" sz="1400" spc="-1" strike="noStrike">
-                <a:solidFill>
-                  <a:srgbClr val="ffffff"/>
-                </a:solidFill>
-                <a:latin typeface="Calibri"/>
+              <a:rPr b="0" lang="pt-BR" sz="2800" spc="-1" strike="noStrike">
+                <a:latin typeface="Arial"/>
               </a:rPr>
               <a:t>2.º nível da estrutura de tópicos</a:t>
             </a:r>
-            <a:endParaRPr b="0" lang="pt-BR" sz="1400" spc="-1" strike="noStrike">
-              <a:solidFill>
-                <a:srgbClr val="ffffff"/>
-              </a:solidFill>
-              <a:latin typeface="Calibri"/>
+            <a:endParaRPr b="0" lang="pt-BR" sz="2800" spc="-1" strike="noStrike">
+              <a:latin typeface="Arial"/>
             </a:endParaRPr>
           </a:p>
           <a:p>
@@ -3215,19 +4006,13 @@
               <a:buChar char=""/>
             </a:pPr>
             <a:r>
-              <a:rPr b="0" lang="pt-BR" sz="1200" spc="-1" strike="noStrike">
-                <a:solidFill>
-                  <a:srgbClr val="ffffff"/>
-                </a:solidFill>
-                <a:latin typeface="Calibri"/>
+              <a:rPr b="0" lang="pt-BR" sz="2400" spc="-1" strike="noStrike">
+                <a:latin typeface="Arial"/>
               </a:rPr>
               <a:t>3.º nível da estrutura de tópicos</a:t>
             </a:r>
-            <a:endParaRPr b="0" lang="pt-BR" sz="1200" spc="-1" strike="noStrike">
-              <a:solidFill>
-                <a:srgbClr val="ffffff"/>
-              </a:solidFill>
-              <a:latin typeface="Calibri"/>
+            <a:endParaRPr b="0" lang="pt-BR" sz="2400" spc="-1" strike="noStrike">
+              <a:latin typeface="Arial"/>
             </a:endParaRPr>
           </a:p>
           <a:p>
@@ -3243,19 +4028,13 @@
               <a:buChar char=""/>
             </a:pPr>
             <a:r>
-              <a:rPr b="0" lang="pt-BR" sz="1200" spc="-1" strike="noStrike">
-                <a:solidFill>
-                  <a:srgbClr val="ffffff"/>
-                </a:solidFill>
-                <a:latin typeface="Calibri"/>
+              <a:rPr b="0" lang="pt-BR" sz="2000" spc="-1" strike="noStrike">
+                <a:latin typeface="Arial"/>
               </a:rPr>
               <a:t>4.º nível da estrutura de tópicos</a:t>
             </a:r>
-            <a:endParaRPr b="0" lang="pt-BR" sz="1200" spc="-1" strike="noStrike">
-              <a:solidFill>
-                <a:srgbClr val="ffffff"/>
-              </a:solidFill>
-              <a:latin typeface="Calibri"/>
+            <a:endParaRPr b="0" lang="pt-BR" sz="2000" spc="-1" strike="noStrike">
+              <a:latin typeface="Arial"/>
             </a:endParaRPr>
           </a:p>
           <a:p>
@@ -3272,18 +4051,12 @@
             </a:pPr>
             <a:r>
               <a:rPr b="0" lang="pt-BR" sz="2000" spc="-1" strike="noStrike">
-                <a:solidFill>
-                  <a:srgbClr val="ffffff"/>
-                </a:solidFill>
-                <a:latin typeface="Calibri"/>
+                <a:latin typeface="Arial"/>
               </a:rPr>
               <a:t>5.º nível da estrutura de tópicos</a:t>
             </a:r>
             <a:endParaRPr b="0" lang="pt-BR" sz="2000" spc="-1" strike="noStrike">
-              <a:solidFill>
-                <a:srgbClr val="ffffff"/>
-              </a:solidFill>
-              <a:latin typeface="Calibri"/>
+              <a:latin typeface="Arial"/>
             </a:endParaRPr>
           </a:p>
           <a:p>
@@ -3300,18 +4073,12 @@
             </a:pPr>
             <a:r>
               <a:rPr b="0" lang="pt-BR" sz="2000" spc="-1" strike="noStrike">
-                <a:solidFill>
-                  <a:srgbClr val="ffffff"/>
-                </a:solidFill>
-                <a:latin typeface="Calibri"/>
+                <a:latin typeface="Arial"/>
               </a:rPr>
               <a:t>6.º nível da estrutura de tópicos</a:t>
             </a:r>
             <a:endParaRPr b="0" lang="pt-BR" sz="2000" spc="-1" strike="noStrike">
-              <a:solidFill>
-                <a:srgbClr val="ffffff"/>
-              </a:solidFill>
-              <a:latin typeface="Calibri"/>
+              <a:latin typeface="Arial"/>
             </a:endParaRPr>
           </a:p>
           <a:p>
@@ -3328,18 +4095,12 @@
             </a:pPr>
             <a:r>
               <a:rPr b="0" lang="pt-BR" sz="2000" spc="-1" strike="noStrike">
-                <a:solidFill>
-                  <a:srgbClr val="ffffff"/>
-                </a:solidFill>
-                <a:latin typeface="Calibri"/>
+                <a:latin typeface="Arial"/>
               </a:rPr>
               <a:t>7.º nível da estrutura de tópicos</a:t>
             </a:r>
             <a:endParaRPr b="0" lang="pt-BR" sz="2000" spc="-1" strike="noStrike">
-              <a:solidFill>
-                <a:srgbClr val="ffffff"/>
-              </a:solidFill>
-              <a:latin typeface="Calibri"/>
+              <a:latin typeface="Arial"/>
             </a:endParaRPr>
           </a:p>
         </p:txBody>
@@ -3391,7 +4152,7 @@
       </p:grpSpPr>
       <p:pic>
         <p:nvPicPr>
-          <p:cNvPr id="42" name="Picture 4" descr="Celestia-R1---OverlayContentHD.png"/>
+          <p:cNvPr id="39" name="Picture 4" descr="Celestia-R1---OverlayContentHD.png"/>
           <p:cNvPicPr/>
           <p:nvPr/>
         </p:nvPicPr>
@@ -3402,7 +4163,7 @@
         <p:spPr>
           <a:xfrm>
             <a:off x="0" y="0"/>
-            <a:ext cx="12188520" cy="6855840"/>
+            <a:ext cx="12188160" cy="6855480"/>
           </a:xfrm>
           <a:prstGeom prst="rect">
             <a:avLst/>
@@ -3414,125 +4175,7 @@
       </p:pic>
       <p:sp>
         <p:nvSpPr>
-          <p:cNvPr id="43" name="PlaceHolder 1"/>
-          <p:cNvSpPr>
-            <a:spLocks noGrp="1"/>
-          </p:cNvSpPr>
-          <p:nvPr>
-            <p:ph type="dt"/>
-          </p:nvPr>
-        </p:nvSpPr>
-        <p:spPr>
-          <a:xfrm>
-            <a:off x="8589600" y="5870520"/>
-            <a:ext cx="1599840" cy="377640"/>
-          </a:xfrm>
-          <a:prstGeom prst="rect">
-            <a:avLst/>
-          </a:prstGeom>
-        </p:spPr>
-        <p:txBody>
-          <a:bodyPr anchor="ctr">
-            <a:noAutofit/>
-          </a:bodyPr>
-          <a:p>
-            <a:pPr algn="r">
-              <a:lnSpc>
-                <a:spcPct val="100000"/>
-              </a:lnSpc>
-            </a:pPr>
-            <a:fld id="{E9B06943-35E0-490B-93EB-92EB2CF31EBA}" type="datetime">
-              <a:rPr b="0" lang="pt-BR" sz="1000" spc="-1" strike="noStrike">
-                <a:solidFill>
-                  <a:srgbClr val="ffffff"/>
-                </a:solidFill>
-                <a:latin typeface="Calibri"/>
-              </a:rPr>
-              <a:t>18/05/23</a:t>
-            </a:fld>
-            <a:endParaRPr b="0" lang="pt-BR" sz="1000" spc="-1" strike="noStrike">
-              <a:latin typeface="Times New Roman"/>
-            </a:endParaRPr>
-          </a:p>
-        </p:txBody>
-      </p:sp>
-      <p:sp>
-        <p:nvSpPr>
-          <p:cNvPr id="44" name="PlaceHolder 2"/>
-          <p:cNvSpPr>
-            <a:spLocks noGrp="1"/>
-          </p:cNvSpPr>
-          <p:nvPr>
-            <p:ph type="ftr"/>
-          </p:nvPr>
-        </p:nvSpPr>
-        <p:spPr>
-          <a:xfrm>
-            <a:off x="685800" y="5870520"/>
-            <a:ext cx="7827120" cy="377640"/>
-          </a:xfrm>
-          <a:prstGeom prst="rect">
-            <a:avLst/>
-          </a:prstGeom>
-        </p:spPr>
-        <p:txBody>
-          <a:bodyPr anchor="ctr">
-            <a:noAutofit/>
-          </a:bodyPr>
-          <a:p>
-            <a:endParaRPr b="0" lang="pt-BR" sz="2400" spc="-1" strike="noStrike">
-              <a:latin typeface="Times New Roman"/>
-            </a:endParaRPr>
-          </a:p>
-        </p:txBody>
-      </p:sp>
-      <p:sp>
-        <p:nvSpPr>
-          <p:cNvPr id="45" name="PlaceHolder 3"/>
-          <p:cNvSpPr>
-            <a:spLocks noGrp="1"/>
-          </p:cNvSpPr>
-          <p:nvPr>
-            <p:ph type="sldNum"/>
-          </p:nvPr>
-        </p:nvSpPr>
-        <p:spPr>
-          <a:xfrm>
-            <a:off x="10266120" y="5870520"/>
-            <a:ext cx="550800" cy="377640"/>
-          </a:xfrm>
-          <a:prstGeom prst="rect">
-            <a:avLst/>
-          </a:prstGeom>
-        </p:spPr>
-        <p:txBody>
-          <a:bodyPr anchor="ctr">
-            <a:noAutofit/>
-          </a:bodyPr>
-          <a:p>
-            <a:pPr algn="r">
-              <a:lnSpc>
-                <a:spcPct val="100000"/>
-              </a:lnSpc>
-            </a:pPr>
-            <a:fld id="{5811E311-C261-4B8B-B93B-C0C7F815509F}" type="slidenum">
-              <a:rPr b="0" lang="pt-BR" sz="1000" spc="-1" strike="noStrike">
-                <a:solidFill>
-                  <a:srgbClr val="ffffff"/>
-                </a:solidFill>
-                <a:latin typeface="Calibri"/>
-              </a:rPr>
-              <a:t>&lt;número&gt;</a:t>
-            </a:fld>
-            <a:endParaRPr b="0" lang="pt-BR" sz="1000" spc="-1" strike="noStrike">
-              <a:latin typeface="Times New Roman"/>
-            </a:endParaRPr>
-          </a:p>
-        </p:txBody>
-      </p:sp>
-      <p:sp>
-        <p:nvSpPr>
-          <p:cNvPr id="46" name="PlaceHolder 4"/>
+          <p:cNvPr id="40" name="PlaceHolder 1"/>
           <p:cNvSpPr>
             <a:spLocks noGrp="1"/>
           </p:cNvSpPr>
@@ -3543,7 +4186,7 @@
         <p:spPr>
           <a:xfrm>
             <a:off x="609480" y="273600"/>
-            <a:ext cx="10972440" cy="1144800"/>
+            <a:ext cx="10972080" cy="1144440"/>
           </a:xfrm>
           <a:prstGeom prst="rect">
             <a:avLst/>
@@ -3556,25 +4199,19 @@
           <a:p>
             <a:r>
               <a:rPr b="0" lang="pt-BR" sz="1800" spc="-1" strike="noStrike">
-                <a:solidFill>
-                  <a:srgbClr val="ffffff"/>
-                </a:solidFill>
-                <a:latin typeface="Calibri"/>
+                <a:latin typeface="Arial"/>
               </a:rPr>
               <a:t>Clique para editar o formato do texto do título</a:t>
             </a:r>
             <a:endParaRPr b="0" lang="pt-BR" sz="1800" spc="-1" strike="noStrike">
-              <a:solidFill>
-                <a:srgbClr val="ffffff"/>
-              </a:solidFill>
-              <a:latin typeface="Calibri"/>
-            </a:endParaRPr>
-          </a:p>
-        </p:txBody>
-      </p:sp>
-      <p:sp>
-        <p:nvSpPr>
-          <p:cNvPr id="47" name="PlaceHolder 5"/>
+              <a:latin typeface="Arial"/>
+            </a:endParaRPr>
+          </a:p>
+        </p:txBody>
+      </p:sp>
+      <p:sp>
+        <p:nvSpPr>
+          <p:cNvPr id="41" name="PlaceHolder 2"/>
           <p:cNvSpPr>
             <a:spLocks noGrp="1"/>
           </p:cNvSpPr>
@@ -3585,7 +4222,7 @@
         <p:spPr>
           <a:xfrm>
             <a:off x="609480" y="1604520"/>
-            <a:ext cx="10972440" cy="3977280"/>
+            <a:ext cx="10972080" cy="3976920"/>
           </a:xfrm>
           <a:prstGeom prst="rect">
             <a:avLst/>
@@ -3609,18 +4246,12 @@
             </a:pPr>
             <a:r>
               <a:rPr b="0" lang="pt-BR" sz="1800" spc="-1" strike="noStrike">
-                <a:solidFill>
-                  <a:srgbClr val="ffffff"/>
-                </a:solidFill>
-                <a:latin typeface="Calibri"/>
+                <a:latin typeface="Arial"/>
               </a:rPr>
               <a:t>Clique para editar o formato do texto da estrutura de tópicos</a:t>
             </a:r>
             <a:endParaRPr b="0" lang="pt-BR" sz="1800" spc="-1" strike="noStrike">
-              <a:solidFill>
-                <a:srgbClr val="ffffff"/>
-              </a:solidFill>
-              <a:latin typeface="Calibri"/>
+              <a:latin typeface="Arial"/>
             </a:endParaRPr>
           </a:p>
           <a:p>
@@ -3636,19 +4267,13 @@
               <a:buChar char=""/>
             </a:pPr>
             <a:r>
-              <a:rPr b="0" lang="pt-BR" sz="1400" spc="-1" strike="noStrike">
-                <a:solidFill>
-                  <a:srgbClr val="ffffff"/>
-                </a:solidFill>
-                <a:latin typeface="Calibri"/>
+              <a:rPr b="0" lang="pt-BR" sz="1800" spc="-1" strike="noStrike">
+                <a:latin typeface="Arial"/>
               </a:rPr>
               <a:t>2.º nível da estrutura de tópicos</a:t>
             </a:r>
-            <a:endParaRPr b="0" lang="pt-BR" sz="1400" spc="-1" strike="noStrike">
-              <a:solidFill>
-                <a:srgbClr val="ffffff"/>
-              </a:solidFill>
-              <a:latin typeface="Calibri"/>
+            <a:endParaRPr b="0" lang="pt-BR" sz="1800" spc="-1" strike="noStrike">
+              <a:latin typeface="Arial"/>
             </a:endParaRPr>
           </a:p>
           <a:p>
@@ -3664,19 +4289,13 @@
               <a:buChar char=""/>
             </a:pPr>
             <a:r>
-              <a:rPr b="0" lang="pt-BR" sz="1200" spc="-1" strike="noStrike">
-                <a:solidFill>
-                  <a:srgbClr val="ffffff"/>
-                </a:solidFill>
-                <a:latin typeface="Calibri"/>
+              <a:rPr b="0" lang="pt-BR" sz="1800" spc="-1" strike="noStrike">
+                <a:latin typeface="Arial"/>
               </a:rPr>
               <a:t>3.º nível da estrutura de tópicos</a:t>
             </a:r>
-            <a:endParaRPr b="0" lang="pt-BR" sz="1200" spc="-1" strike="noStrike">
-              <a:solidFill>
-                <a:srgbClr val="ffffff"/>
-              </a:solidFill>
-              <a:latin typeface="Calibri"/>
+            <a:endParaRPr b="0" lang="pt-BR" sz="1800" spc="-1" strike="noStrike">
+              <a:latin typeface="Arial"/>
             </a:endParaRPr>
           </a:p>
           <a:p>
@@ -3692,19 +4311,13 @@
               <a:buChar char=""/>
             </a:pPr>
             <a:r>
-              <a:rPr b="0" lang="pt-BR" sz="1200" spc="-1" strike="noStrike">
-                <a:solidFill>
-                  <a:srgbClr val="ffffff"/>
-                </a:solidFill>
-                <a:latin typeface="Calibri"/>
+              <a:rPr b="0" lang="pt-BR" sz="1800" spc="-1" strike="noStrike">
+                <a:latin typeface="Arial"/>
               </a:rPr>
               <a:t>4.º nível da estrutura de tópicos</a:t>
             </a:r>
-            <a:endParaRPr b="0" lang="pt-BR" sz="1200" spc="-1" strike="noStrike">
-              <a:solidFill>
-                <a:srgbClr val="ffffff"/>
-              </a:solidFill>
-              <a:latin typeface="Calibri"/>
+            <a:endParaRPr b="0" lang="pt-BR" sz="1800" spc="-1" strike="noStrike">
+              <a:latin typeface="Arial"/>
             </a:endParaRPr>
           </a:p>
           <a:p>
@@ -3720,19 +4333,13 @@
               <a:buChar char=""/>
             </a:pPr>
             <a:r>
-              <a:rPr b="0" lang="pt-BR" sz="2000" spc="-1" strike="noStrike">
-                <a:solidFill>
-                  <a:srgbClr val="ffffff"/>
-                </a:solidFill>
-                <a:latin typeface="Calibri"/>
+              <a:rPr b="0" lang="pt-BR" sz="1800" spc="-1" strike="noStrike">
+                <a:latin typeface="Arial"/>
               </a:rPr>
               <a:t>5.º nível da estrutura de tópicos</a:t>
             </a:r>
-            <a:endParaRPr b="0" lang="pt-BR" sz="2000" spc="-1" strike="noStrike">
-              <a:solidFill>
-                <a:srgbClr val="ffffff"/>
-              </a:solidFill>
-              <a:latin typeface="Calibri"/>
+            <a:endParaRPr b="0" lang="pt-BR" sz="1800" spc="-1" strike="noStrike">
+              <a:latin typeface="Arial"/>
             </a:endParaRPr>
           </a:p>
           <a:p>
@@ -3748,19 +4355,13 @@
               <a:buChar char=""/>
             </a:pPr>
             <a:r>
-              <a:rPr b="0" lang="pt-BR" sz="2000" spc="-1" strike="noStrike">
-                <a:solidFill>
-                  <a:srgbClr val="ffffff"/>
-                </a:solidFill>
-                <a:latin typeface="Calibri"/>
+              <a:rPr b="0" lang="pt-BR" sz="1800" spc="-1" strike="noStrike">
+                <a:latin typeface="Arial"/>
               </a:rPr>
               <a:t>6.º nível da estrutura de tópicos</a:t>
             </a:r>
-            <a:endParaRPr b="0" lang="pt-BR" sz="2000" spc="-1" strike="noStrike">
-              <a:solidFill>
-                <a:srgbClr val="ffffff"/>
-              </a:solidFill>
-              <a:latin typeface="Calibri"/>
+            <a:endParaRPr b="0" lang="pt-BR" sz="1800" spc="-1" strike="noStrike">
+              <a:latin typeface="Arial"/>
             </a:endParaRPr>
           </a:p>
           <a:p>
@@ -3776,19 +4377,13 @@
               <a:buChar char=""/>
             </a:pPr>
             <a:r>
-              <a:rPr b="0" lang="pt-BR" sz="2000" spc="-1" strike="noStrike">
-                <a:solidFill>
-                  <a:srgbClr val="ffffff"/>
-                </a:solidFill>
-                <a:latin typeface="Calibri"/>
+              <a:rPr b="0" lang="pt-BR" sz="1800" spc="-1" strike="noStrike">
+                <a:latin typeface="Arial"/>
               </a:rPr>
               <a:t>7.º nível da estrutura de tópicos</a:t>
             </a:r>
-            <a:endParaRPr b="0" lang="pt-BR" sz="2000" spc="-1" strike="noStrike">
-              <a:solidFill>
-                <a:srgbClr val="ffffff"/>
-              </a:solidFill>
-              <a:latin typeface="Calibri"/>
+            <a:endParaRPr b="0" lang="pt-BR" sz="1800" spc="-1" strike="noStrike">
+              <a:latin typeface="Arial"/>
             </a:endParaRPr>
           </a:p>
         </p:txBody>
@@ -3832,14 +4427,14 @@
       </p:grpSpPr>
       <p:sp>
         <p:nvSpPr>
-          <p:cNvPr id="84" name="TextShape 1"/>
-          <p:cNvSpPr txBox="1"/>
+          <p:cNvPr id="78" name="CustomShape 1"/>
+          <p:cNvSpPr/>
           <p:nvPr/>
         </p:nvSpPr>
         <p:spPr>
           <a:xfrm>
             <a:off x="3962520" y="1964160"/>
-            <a:ext cx="7197480" cy="2421000"/>
+            <a:ext cx="7197120" cy="2420640"/>
           </a:xfrm>
           <a:prstGeom prst="rect">
             <a:avLst/>
@@ -3849,8 +4444,14 @@
             <a:noFill/>
           </a:ln>
         </p:spPr>
-        <p:txBody>
-          <a:bodyPr anchor="b">
+        <p:style>
+          <a:lnRef idx="0"/>
+          <a:fillRef idx="0"/>
+          <a:effectRef idx="0"/>
+          <a:fontRef idx="minor"/>
+        </p:style>
+        <p:txBody>
+          <a:bodyPr lIns="90000" rIns="90000" tIns="45000" bIns="45000" anchor="b">
             <a:normAutofit/>
           </a:bodyPr>
           <a:p>
@@ -3879,24 +4480,21 @@
               <a:t>Concorrente</a:t>
             </a:r>
             <a:endParaRPr b="0" lang="pt-BR" sz="4800" spc="-1" strike="noStrike">
-              <a:solidFill>
-                <a:srgbClr val="ffffff"/>
-              </a:solidFill>
-              <a:latin typeface="Calibri"/>
-            </a:endParaRPr>
-          </a:p>
-        </p:txBody>
-      </p:sp>
-      <p:sp>
-        <p:nvSpPr>
-          <p:cNvPr id="85" name="TextShape 2"/>
-          <p:cNvSpPr txBox="1"/>
+              <a:latin typeface="Arial"/>
+            </a:endParaRPr>
+          </a:p>
+        </p:txBody>
+      </p:sp>
+      <p:sp>
+        <p:nvSpPr>
+          <p:cNvPr id="79" name="CustomShape 2"/>
+          <p:cNvSpPr/>
           <p:nvPr/>
         </p:nvSpPr>
         <p:spPr>
           <a:xfrm>
             <a:off x="3962520" y="4385880"/>
-            <a:ext cx="7197480" cy="1405080"/>
+            <a:ext cx="7197120" cy="1404720"/>
           </a:xfrm>
           <a:prstGeom prst="rect">
             <a:avLst/>
@@ -3906,8 +4504,14 @@
             <a:noFill/>
           </a:ln>
         </p:spPr>
-        <p:txBody>
-          <a:bodyPr>
+        <p:style>
+          <a:lnRef idx="0"/>
+          <a:fillRef idx="0"/>
+          <a:effectRef idx="0"/>
+          <a:fontRef idx="minor"/>
+        </p:style>
+        <p:txBody>
+          <a:bodyPr lIns="90000" rIns="90000" tIns="45000" bIns="45000">
             <a:noAutofit/>
           </a:bodyPr>
           <a:p>
@@ -4010,14 +4614,14 @@
       </p:grpSpPr>
       <p:sp>
         <p:nvSpPr>
-          <p:cNvPr id="86" name="TextShape 1"/>
-          <p:cNvSpPr txBox="1"/>
+          <p:cNvPr id="80" name="CustomShape 1"/>
+          <p:cNvSpPr/>
           <p:nvPr/>
         </p:nvSpPr>
         <p:spPr>
           <a:xfrm>
             <a:off x="609480" y="137160"/>
-            <a:ext cx="10972440" cy="1418040"/>
+            <a:ext cx="10972080" cy="1417680"/>
           </a:xfrm>
           <a:prstGeom prst="rect">
             <a:avLst/>
@@ -4027,11 +4631,22 @@
             <a:noFill/>
           </a:ln>
         </p:spPr>
+        <p:style>
+          <a:lnRef idx="0"/>
+          <a:fillRef idx="0"/>
+          <a:effectRef idx="0"/>
+          <a:fontRef idx="minor"/>
+        </p:style>
         <p:txBody>
           <a:bodyPr lIns="0" rIns="0" tIns="0" bIns="0" anchor="ctr">
             <a:noAutofit/>
           </a:bodyPr>
           <a:p>
+            <a:pPr>
+              <a:lnSpc>
+                <a:spcPct val="100000"/>
+              </a:lnSpc>
+            </a:pPr>
             <a:r>
               <a:rPr b="0" lang="pt-BR" sz="4800" spc="-1" strike="noStrike">
                 <a:solidFill>
@@ -4051,24 +4666,21 @@
               <a:t>Especificações                                 </a:t>
             </a:r>
             <a:endParaRPr b="0" lang="pt-BR" sz="4800" spc="-1" strike="noStrike">
-              <a:solidFill>
-                <a:srgbClr val="ffffff"/>
-              </a:solidFill>
-              <a:latin typeface="Calibri"/>
-            </a:endParaRPr>
-          </a:p>
-        </p:txBody>
-      </p:sp>
-      <p:sp>
-        <p:nvSpPr>
-          <p:cNvPr id="87" name="TextShape 2"/>
-          <p:cNvSpPr txBox="1"/>
+              <a:latin typeface="Arial"/>
+            </a:endParaRPr>
+          </a:p>
+        </p:txBody>
+      </p:sp>
+      <p:sp>
+        <p:nvSpPr>
+          <p:cNvPr id="81" name="CustomShape 2"/>
+          <p:cNvSpPr/>
           <p:nvPr/>
         </p:nvSpPr>
         <p:spPr>
           <a:xfrm>
             <a:off x="540000" y="1782720"/>
-            <a:ext cx="10972440" cy="3977280"/>
+            <a:ext cx="10972080" cy="3976920"/>
           </a:xfrm>
           <a:prstGeom prst="rect">
             <a:avLst/>
@@ -4078,21 +4690,24 @@
             <a:noFill/>
           </a:ln>
         </p:spPr>
+        <p:style>
+          <a:lnRef idx="0"/>
+          <a:fillRef idx="0"/>
+          <a:effectRef idx="0"/>
+          <a:fontRef idx="minor"/>
+        </p:style>
         <p:txBody>
           <a:bodyPr lIns="0" rIns="0" tIns="0" bIns="0">
             <a:normAutofit/>
           </a:bodyPr>
           <a:p>
-            <a:pPr marL="432000" indent="-324000">
+            <a:pPr>
+              <a:lnSpc>
+                <a:spcPct val="100000"/>
+              </a:lnSpc>
               <a:spcBef>
                 <a:spcPts val="1417"/>
               </a:spcBef>
-              <a:buClr>
-                <a:srgbClr val="000000"/>
-              </a:buClr>
-              <a:buSzPct val="45000"/>
-              <a:buFont typeface="Wingdings" charset="2"/>
-              <a:buChar char=""/>
             </a:pPr>
             <a:r>
               <a:rPr b="1" lang="pt-BR" sz="1800" spc="-1" strike="noStrike">
@@ -4115,31 +4730,154 @@
             <a:r>
               <a:rPr b="0" lang="pt-BR" sz="1800" spc="-1" strike="noStrike">
                 <a:solidFill>
+                  <a:srgbClr val="481d32"/>
+                </a:solidFill>
+                <a:latin typeface="Calibri"/>
+                <a:ea typeface="Bitstream Vera Sans"/>
+                <a:hlinkClick r:id="rId1"/>
+              </a:rPr>
+              <a:t>https://github.com/Mestos/CC0021-Exercicios/blob/master/projeto_serie.c</a:t>
+            </a:r>
+            <a:endParaRPr b="0" lang="pt-BR" sz="1800" spc="-1" strike="noStrike">
+              <a:latin typeface="Arial"/>
+            </a:endParaRPr>
+          </a:p>
+          <a:p>
+            <a:pPr>
+              <a:lnSpc>
+                <a:spcPct val="100000"/>
+              </a:lnSpc>
+              <a:spcBef>
+                <a:spcPts val="1417"/>
+              </a:spcBef>
+            </a:pPr>
+            <a:r>
+              <a:rPr b="0" lang="pt-BR" sz="1800" spc="-1" strike="noStrike">
+                <a:solidFill>
                   <a:srgbClr val="ffffff"/>
                 </a:solidFill>
                 <a:latin typeface="Calibri"/>
-                <a:hlinkClick r:id="rId1"/>
+                <a:ea typeface="Bitstream Vera Sans"/>
               </a:rPr>
-              <a:t>https://github.com/Mestos/CC0021-Exercicios</a:t>
+              <a:t>	</a:t>
+            </a:r>
+            <a:r>
+              <a:rPr b="0" lang="pt-BR" sz="1800" spc="-1" strike="noStrike">
+                <a:solidFill>
+                  <a:srgbClr val="ffffff"/>
+                </a:solidFill>
+                <a:latin typeface="Calibri"/>
+                <a:ea typeface="Bitstream Vera Sans"/>
+              </a:rPr>
+              <a:t>	</a:t>
+            </a:r>
+            <a:r>
+              <a:rPr b="0" lang="pt-BR" sz="1800" spc="-1" strike="noStrike">
+                <a:solidFill>
+                  <a:srgbClr val="ffffff"/>
+                </a:solidFill>
+                <a:latin typeface="Calibri"/>
+                <a:ea typeface="Bitstream Vera Sans"/>
+              </a:rPr>
+              <a:t>	</a:t>
+            </a:r>
+            <a:r>
+              <a:rPr b="0" lang="pt-BR" sz="1800" spc="-1" strike="noStrike">
+                <a:solidFill>
+                  <a:srgbClr val="ffffff"/>
+                </a:solidFill>
+                <a:latin typeface="Calibri"/>
+                <a:ea typeface="Bitstream Vera Sans"/>
+              </a:rPr>
+              <a:t>    </a:t>
+            </a:r>
+            <a:r>
+              <a:rPr b="0" lang="pt-BR" sz="1800" spc="-1" strike="noStrike">
+                <a:solidFill>
+                  <a:srgbClr val="481d32"/>
+                </a:solidFill>
+                <a:latin typeface="Calibri"/>
+                <a:ea typeface="Bitstream Vera Sans"/>
+                <a:hlinkClick r:id="rId2"/>
+              </a:rPr>
+              <a:t>https://github.com/Mestos/CC0021-Exercicios/blob/master/projeto_mpi.c</a:t>
             </a:r>
             <a:endParaRPr b="0" lang="pt-BR" sz="1800" spc="-1" strike="noStrike">
-              <a:solidFill>
-                <a:srgbClr val="ffffff"/>
-              </a:solidFill>
-              <a:latin typeface="Calibri"/>
-            </a:endParaRPr>
-          </a:p>
-          <a:p>
-            <a:pPr marL="432000" indent="-324000">
+              <a:latin typeface="Arial"/>
+            </a:endParaRPr>
+          </a:p>
+          <a:p>
+            <a:pPr>
+              <a:lnSpc>
+                <a:spcPct val="100000"/>
+              </a:lnSpc>
               <a:spcBef>
                 <a:spcPts val="1417"/>
               </a:spcBef>
-              <a:buClr>
-                <a:srgbClr val="000000"/>
-              </a:buClr>
-              <a:buSzPct val="45000"/>
-              <a:buFont typeface="Wingdings" charset="2"/>
-              <a:buChar char=""/>
+            </a:pPr>
+            <a:r>
+              <a:rPr b="0" lang="pt-BR" sz="1800" spc="-1" strike="noStrike">
+                <a:solidFill>
+                  <a:srgbClr val="ffffff"/>
+                </a:solidFill>
+                <a:latin typeface="Calibri"/>
+                <a:ea typeface="Bitstream Vera Sans"/>
+              </a:rPr>
+              <a:t>	</a:t>
+            </a:r>
+            <a:r>
+              <a:rPr b="0" lang="pt-BR" sz="1800" spc="-1" strike="noStrike">
+                <a:solidFill>
+                  <a:srgbClr val="ffffff"/>
+                </a:solidFill>
+                <a:latin typeface="Calibri"/>
+                <a:ea typeface="Bitstream Vera Sans"/>
+              </a:rPr>
+              <a:t>	</a:t>
+            </a:r>
+            <a:r>
+              <a:rPr b="0" lang="pt-BR" sz="1800" spc="-1" strike="noStrike">
+                <a:solidFill>
+                  <a:srgbClr val="ffffff"/>
+                </a:solidFill>
+                <a:latin typeface="Calibri"/>
+                <a:ea typeface="Bitstream Vera Sans"/>
+              </a:rPr>
+              <a:t>	</a:t>
+            </a:r>
+            <a:r>
+              <a:rPr b="0" lang="pt-BR" sz="1800" spc="-1" strike="noStrike">
+                <a:solidFill>
+                  <a:srgbClr val="ffffff"/>
+                </a:solidFill>
+                <a:latin typeface="Calibri"/>
+                <a:ea typeface="Bitstream Vera Sans"/>
+              </a:rPr>
+              <a:t>    </a:t>
+            </a:r>
+            <a:r>
+              <a:rPr b="0" lang="pt-BR" sz="1800" spc="-1" strike="noStrike">
+                <a:solidFill>
+                  <a:srgbClr val="481d32"/>
+                </a:solidFill>
+                <a:latin typeface="Calibri"/>
+                <a:ea typeface="Bitstream Vera Sans"/>
+                <a:hlinkClick r:id="rId3"/>
+              </a:rPr>
+              <a:t>https://github.com/Mestos/CC0021-Exercicios/blob/master/projeto_mp.c</a:t>
+            </a:r>
+            <a:endParaRPr b="0" lang="pt-BR" sz="1800" spc="-1" strike="noStrike">
+              <a:latin typeface="Arial"/>
+            </a:endParaRPr>
+          </a:p>
+          <a:p>
+            <a:pPr>
+              <a:lnSpc>
+                <a:spcPct val="100000"/>
+              </a:lnSpc>
+              <a:spcBef>
+                <a:spcPts val="1417"/>
+              </a:spcBef>
             </a:pPr>
             <a:r>
               <a:rPr b="1" lang="pt-BR" sz="1800" spc="-1" strike="noStrike">
@@ -4156,18 +4894,19 @@
                   <a:srgbClr val="ffffff"/>
                 </a:solidFill>
                 <a:latin typeface="Calibri"/>
+                <a:ea typeface="Bitstream Vera Sans"/>
               </a:rPr>
-              <a:t>Intel Core i3/ 8G RAM ou no laboratório</a:t>
+              <a:t>Intel® Core™ i5-8500T CPU 2.1GHz</a:t>
             </a:r>
             <a:endParaRPr b="0" lang="pt-BR" sz="1800" spc="-1" strike="noStrike">
-              <a:solidFill>
-                <a:srgbClr val="ffffff"/>
-              </a:solidFill>
-              <a:latin typeface="Calibri"/>
-            </a:endParaRPr>
-          </a:p>
-          <a:p>
-            <a:pPr marL="432000" indent="-324000">
+              <a:latin typeface="Arial"/>
+            </a:endParaRPr>
+          </a:p>
+          <a:p>
+            <a:pPr marL="432000" indent="-323640">
+              <a:lnSpc>
+                <a:spcPct val="100000"/>
+              </a:lnSpc>
               <a:spcBef>
                 <a:spcPts val="1417"/>
               </a:spcBef>
@@ -4194,17 +4933,350 @@
                 </a:solidFill>
                 <a:latin typeface="Calibri"/>
               </a:rPr>
-              <a:t>: Linguagem C utilizando OpenMP com 3 threads e MPICH com 3 processos, ambos com entrada de 100.000.000</a:t>
+              <a:t>: Linguagem C utilizando OpenMP com 2-4 threads e MPICH com 2-4 processos, ambos com entrada de 150.000.000</a:t>
             </a:r>
             <a:endParaRPr b="0" lang="pt-BR" sz="1800" spc="-1" strike="noStrike">
-              <a:solidFill>
-                <a:srgbClr val="ffffff"/>
-              </a:solidFill>
-              <a:latin typeface="Calibri"/>
-            </a:endParaRPr>
-          </a:p>
-          <a:p>
-            <a:pPr marL="432000" indent="-324000">
+              <a:latin typeface="Arial"/>
+            </a:endParaRPr>
+          </a:p>
+          <a:p>
+            <a:pPr>
+              <a:lnSpc>
+                <a:spcPct val="100000"/>
+              </a:lnSpc>
+              <a:spcBef>
+                <a:spcPts val="1417"/>
+              </a:spcBef>
+            </a:pPr>
+            <a:r>
+              <a:rPr b="1" lang="pt-BR" sz="1800" spc="-1" strike="noStrike">
+                <a:solidFill>
+                  <a:srgbClr val="ffffff"/>
+                </a:solidFill>
+                <a:latin typeface="Calibri"/>
+              </a:rPr>
+              <a:t>O problema: </a:t>
+            </a:r>
+            <a:r>
+              <a:rPr b="0" lang="pt-BR" sz="1800" spc="-1" strike="noStrike">
+                <a:solidFill>
+                  <a:srgbClr val="ffffff"/>
+                </a:solidFill>
+                <a:latin typeface="Calibri"/>
+              </a:rPr>
+              <a:t>O código irá receber um vetor representando um estoque de livros com 20 gêneros e separá-los por gênero, mostrando quantos livros há de cada gênero, ou seja, será feita a l</a:t>
+            </a:r>
+            <a:r>
+              <a:rPr b="0" lang="pt-BR" sz="1800" spc="-1" strike="noStrike">
+                <a:solidFill>
+                  <a:srgbClr val="ffffff"/>
+                </a:solidFill>
+                <a:latin typeface="Calibri"/>
+                <a:ea typeface="Bitstream Vera Sans"/>
+              </a:rPr>
+              <a:t>eitura de um vetor aleatório de inteiros de tamanho 150.000.000 contendo valores de 0 a 19 e exibir quantas vezes cada um desses valores aparece no vetor.</a:t>
+            </a:r>
+            <a:endParaRPr b="0" lang="pt-BR" sz="1800" spc="-1" strike="noStrike">
+              <a:latin typeface="Arial"/>
+            </a:endParaRPr>
+          </a:p>
+        </p:txBody>
+      </p:sp>
+    </p:spTree>
+  </p:cSld>
+  <mc:AlternateContent>
+    <mc:Choice Requires="p14">
+      <p:transition spd="slow" p14:dur="2000"/>
+    </mc:Choice>
+    <mc:Fallback>
+      <p:transition spd="slow"/>
+    </mc:Fallback>
+  </mc:AlternateContent>
+</p:sld>
+</file>
+
+<file path=ppt/slides/slide3.xml><?xml version="1.0" encoding="utf-8"?>
+<p:sld xmlns:a="http://schemas.openxmlformats.org/drawingml/2006/main" xmlns:p="http://schemas.openxmlformats.org/presentationml/2006/main" xmlns:r="http://schemas.openxmlformats.org/officeDocument/2006/relationships" xmlns:p14="http://schemas.microsoft.com/office/powerpoint/2010/main" xmlns:p15="http://schemas.microsoft.com/office/powerpoint/2012/main" xmlns:mc="http://schemas.openxmlformats.org/markup-compatibility/2006">
+  <p:cSld>
+    <p:spTree>
+      <p:nvGrpSpPr>
+        <p:cNvPr id="1" name=""/>
+        <p:cNvGrpSpPr/>
+        <p:nvPr/>
+      </p:nvGrpSpPr>
+      <p:grpSpPr>
+        <a:xfrm>
+          <a:off x="0" y="0"/>
+          <a:ext cx="0" cy="0"/>
+          <a:chOff x="0" y="0"/>
+          <a:chExt cx="0" cy="0"/>
+        </a:xfrm>
+      </p:grpSpPr>
+      <p:sp>
+        <p:nvSpPr>
+          <p:cNvPr id="82" name="TextShape 1"/>
+          <p:cNvSpPr txBox="1"/>
+          <p:nvPr/>
+        </p:nvSpPr>
+        <p:spPr>
+          <a:xfrm>
+            <a:off x="609480" y="273600"/>
+            <a:ext cx="10972080" cy="1144440"/>
+          </a:xfrm>
+          <a:prstGeom prst="rect">
+            <a:avLst/>
+          </a:prstGeom>
+          <a:noFill/>
+          <a:ln w="0">
+            <a:noFill/>
+          </a:ln>
+        </p:spPr>
+        <p:txBody>
+          <a:bodyPr lIns="0" rIns="0" tIns="0" bIns="0" anchor="ctr">
+            <a:noAutofit/>
+          </a:bodyPr>
+          <a:p>
+            <a:pPr algn="ctr"/>
+            <a:r>
+              <a:rPr b="0" lang="pt-BR" sz="4400" spc="-1" strike="noStrike">
+                <a:latin typeface="Arial"/>
+              </a:rPr>
+              <a:t>Algoritmos</a:t>
+            </a:r>
+            <a:endParaRPr b="0" lang="pt-BR" sz="4400" spc="-1" strike="noStrike">
+              <a:latin typeface="Arial"/>
+            </a:endParaRPr>
+          </a:p>
+        </p:txBody>
+      </p:sp>
+      <p:sp>
+        <p:nvSpPr>
+          <p:cNvPr id="83" name="TextShape 2"/>
+          <p:cNvSpPr txBox="1"/>
+          <p:nvPr/>
+        </p:nvSpPr>
+        <p:spPr>
+          <a:xfrm>
+            <a:off x="609480" y="1604520"/>
+            <a:ext cx="10972080" cy="3976920"/>
+          </a:xfrm>
+          <a:prstGeom prst="rect">
+            <a:avLst/>
+          </a:prstGeom>
+          <a:noFill/>
+          <a:ln w="0">
+            <a:noFill/>
+          </a:ln>
+        </p:spPr>
+        <p:txBody>
+          <a:bodyPr lIns="0" rIns="0" tIns="0" bIns="0">
+            <a:normAutofit/>
+          </a:bodyPr>
+          <a:p>
+            <a:pPr>
+              <a:lnSpc>
+                <a:spcPct val="100000"/>
+              </a:lnSpc>
+              <a:spcBef>
+                <a:spcPts val="1417"/>
+              </a:spcBef>
+            </a:pPr>
+            <a:endParaRPr b="0" lang="pt-BR" sz="1500" spc="-1" strike="noStrike">
+              <a:latin typeface="Arial"/>
+            </a:endParaRPr>
+          </a:p>
+          <a:p>
+            <a:pPr algn="ctr">
+              <a:lnSpc>
+                <a:spcPct val="100000"/>
+              </a:lnSpc>
+              <a:spcBef>
+                <a:spcPts val="1417"/>
+              </a:spcBef>
+            </a:pPr>
+            <a:r>
+              <a:rPr b="1" lang="pt-BR" sz="2400" spc="-1" strike="noStrike">
+                <a:solidFill>
+                  <a:srgbClr val="861141"/>
+                </a:solidFill>
+                <a:latin typeface="Arial"/>
+              </a:rPr>
+              <a:t>Serial</a:t>
+            </a:r>
+            <a:endParaRPr b="0" lang="pt-BR" sz="2400" spc="-1" strike="noStrike">
+              <a:latin typeface="Arial"/>
+            </a:endParaRPr>
+          </a:p>
+          <a:p>
+            <a:pPr>
+              <a:lnSpc>
+                <a:spcPct val="100000"/>
+              </a:lnSpc>
+              <a:spcBef>
+                <a:spcPts val="1417"/>
+              </a:spcBef>
+            </a:pPr>
+            <a:r>
+              <a:rPr b="0" lang="pt-BR" sz="1500" spc="-1" strike="noStrike">
+                <a:latin typeface="Arial"/>
+              </a:rPr>
+              <a:t>-Cria um vetor v de tamanho 150.000.000 com números aleatórios de 0 a 1</a:t>
+            </a:r>
+            <a:endParaRPr b="0" lang="pt-BR" sz="1500" spc="-1" strike="noStrike">
+              <a:latin typeface="Arial"/>
+            </a:endParaRPr>
+          </a:p>
+          <a:p>
+            <a:pPr>
+              <a:lnSpc>
+                <a:spcPct val="100000"/>
+              </a:lnSpc>
+              <a:spcBef>
+                <a:spcPts val="1417"/>
+              </a:spcBef>
+            </a:pPr>
+            <a:r>
+              <a:rPr b="0" lang="pt-BR" sz="1500" spc="-1" strike="noStrike">
+                <a:latin typeface="Arial"/>
+              </a:rPr>
+              <a:t>-Cria um vetor c de tamanho 20 com valor 0 em todas as posições</a:t>
+            </a:r>
+            <a:endParaRPr b="0" lang="pt-BR" sz="1500" spc="-1" strike="noStrike">
+              <a:latin typeface="Arial"/>
+            </a:endParaRPr>
+          </a:p>
+          <a:p>
+            <a:pPr>
+              <a:lnSpc>
+                <a:spcPct val="100000"/>
+              </a:lnSpc>
+              <a:spcBef>
+                <a:spcPts val="1417"/>
+              </a:spcBef>
+            </a:pPr>
+            <a:r>
+              <a:rPr b="0" lang="pt-BR" sz="1500" spc="-1" strike="noStrike">
+                <a:latin typeface="Arial"/>
+              </a:rPr>
+              <a:t>-Percorre v e, para cada posição i de v, verifica qual das posições j de c corresponde ao inteiro contido em i e incrementa o valor contido em j em 1.</a:t>
+            </a:r>
+            <a:endParaRPr b="0" lang="pt-BR" sz="1500" spc="-1" strike="noStrike">
+              <a:latin typeface="Arial"/>
+            </a:endParaRPr>
+          </a:p>
+          <a:p>
+            <a:pPr>
+              <a:lnSpc>
+                <a:spcPct val="100000"/>
+              </a:lnSpc>
+              <a:spcBef>
+                <a:spcPts val="1417"/>
+              </a:spcBef>
+            </a:pPr>
+            <a:r>
+              <a:rPr b="0" lang="pt-BR" sz="1500" spc="-1" strike="noStrike">
+                <a:latin typeface="Arial"/>
+              </a:rPr>
+              <a:t>-Percorre c e imprime o valor de cada posição dele, com as posições representando cada inteiro possível</a:t>
+            </a:r>
+            <a:endParaRPr b="0" lang="pt-BR" sz="1500" spc="-1" strike="noStrike">
+              <a:latin typeface="Arial"/>
+            </a:endParaRPr>
+          </a:p>
+        </p:txBody>
+      </p:sp>
+    </p:spTree>
+  </p:cSld>
+  <mc:AlternateContent>
+    <mc:Choice Requires="p14">
+      <p:transition spd="slow" p14:dur="2000"/>
+    </mc:Choice>
+    <mc:Fallback>
+      <p:transition spd="slow"/>
+    </mc:Fallback>
+  </mc:AlternateContent>
+</p:sld>
+</file>
+
+<file path=ppt/slides/slide4.xml><?xml version="1.0" encoding="utf-8"?>
+<p:sld xmlns:a="http://schemas.openxmlformats.org/drawingml/2006/main" xmlns:p="http://schemas.openxmlformats.org/presentationml/2006/main" xmlns:r="http://schemas.openxmlformats.org/officeDocument/2006/relationships" xmlns:p14="http://schemas.microsoft.com/office/powerpoint/2010/main" xmlns:p15="http://schemas.microsoft.com/office/powerpoint/2012/main" xmlns:mc="http://schemas.openxmlformats.org/markup-compatibility/2006">
+  <p:cSld>
+    <p:spTree>
+      <p:nvGrpSpPr>
+        <p:cNvPr id="1" name=""/>
+        <p:cNvGrpSpPr/>
+        <p:nvPr/>
+      </p:nvGrpSpPr>
+      <p:grpSpPr>
+        <a:xfrm>
+          <a:off x="0" y="0"/>
+          <a:ext cx="0" cy="0"/>
+          <a:chOff x="0" y="0"/>
+          <a:chExt cx="0" cy="0"/>
+        </a:xfrm>
+      </p:grpSpPr>
+      <p:sp>
+        <p:nvSpPr>
+          <p:cNvPr id="84" name="TextShape 1"/>
+          <p:cNvSpPr txBox="1"/>
+          <p:nvPr/>
+        </p:nvSpPr>
+        <p:spPr>
+          <a:xfrm>
+            <a:off x="609480" y="273600"/>
+            <a:ext cx="10972080" cy="1144440"/>
+          </a:xfrm>
+          <a:prstGeom prst="rect">
+            <a:avLst/>
+          </a:prstGeom>
+          <a:noFill/>
+          <a:ln w="0">
+            <a:noFill/>
+          </a:ln>
+        </p:spPr>
+        <p:txBody>
+          <a:bodyPr lIns="0" rIns="0" tIns="0" bIns="0" anchor="ctr">
+            <a:noAutofit/>
+          </a:bodyPr>
+          <a:p>
+            <a:pPr algn="ctr"/>
+            <a:r>
+              <a:rPr b="0" lang="pt-BR" sz="4400" spc="-1" strike="noStrike">
+                <a:latin typeface="Arial"/>
+              </a:rPr>
+              <a:t>Algoritmos</a:t>
+            </a:r>
+            <a:endParaRPr b="0" lang="pt-BR" sz="4400" spc="-1" strike="noStrike">
+              <a:latin typeface="Arial"/>
+            </a:endParaRPr>
+          </a:p>
+        </p:txBody>
+      </p:sp>
+      <p:sp>
+        <p:nvSpPr>
+          <p:cNvPr id="85" name="TextShape 2"/>
+          <p:cNvSpPr txBox="1"/>
+          <p:nvPr/>
+        </p:nvSpPr>
+        <p:spPr>
+          <a:xfrm>
+            <a:off x="609480" y="1604520"/>
+            <a:ext cx="10972080" cy="3976920"/>
+          </a:xfrm>
+          <a:prstGeom prst="rect">
+            <a:avLst/>
+          </a:prstGeom>
+          <a:noFill/>
+          <a:ln w="0">
+            <a:noFill/>
+          </a:ln>
+        </p:spPr>
+        <p:txBody>
+          <a:bodyPr lIns="0" rIns="0" tIns="0" bIns="0">
+            <a:normAutofit fontScale="31000"/>
+          </a:bodyPr>
+          <a:p>
+            <a:pPr marL="432000" indent="-324000" algn="ctr">
               <a:spcBef>
                 <a:spcPts val="1417"/>
               </a:spcBef>
@@ -4216,28 +5288,2260 @@
               <a:buChar char=""/>
             </a:pPr>
             <a:r>
-              <a:rPr b="1" lang="pt-BR" sz="1800" spc="-1" strike="noStrike">
+              <a:rPr b="1" lang="pt-BR" sz="3200" spc="-1" strike="noStrike">
                 <a:solidFill>
-                  <a:srgbClr val="ffffff"/>
+                  <a:srgbClr val="861141"/>
                 </a:solidFill>
-                <a:latin typeface="Calibri"/>
+                <a:latin typeface="Arial"/>
               </a:rPr>
-              <a:t>Resumo: </a:t>
+              <a:t>Paralelo em OpenMP</a:t>
             </a:r>
+            <a:endParaRPr b="1" lang="pt-BR" sz="3200" spc="-1" strike="noStrike">
+              <a:solidFill>
+                <a:srgbClr val="861141"/>
+              </a:solidFill>
+              <a:latin typeface="Arial"/>
+            </a:endParaRPr>
+          </a:p>
+          <a:p>
+            <a:pPr>
+              <a:lnSpc>
+                <a:spcPct val="100000"/>
+              </a:lnSpc>
+              <a:spcBef>
+                <a:spcPts val="1417"/>
+              </a:spcBef>
+            </a:pPr>
             <a:r>
-              <a:rPr b="0" lang="pt-BR" sz="1800" spc="-1" strike="noStrike">
+              <a:rPr b="0" lang="pt-BR" sz="3200" spc="-1" strike="noStrike">
                 <a:solidFill>
-                  <a:srgbClr val="ffffff"/>
+                  <a:srgbClr val="000000"/>
                 </a:solidFill>
-                <a:latin typeface="Calibri"/>
+                <a:latin typeface="Arial"/>
               </a:rPr>
-              <a:t>O código irá receber um vetor representando um estoque de livros com gêneros variados e separá-los por gênero, mostrando quantos livros há de cada gênero.</a:t>
+              <a:t>-Cria um vetor v de tamanho 150.000.000 com números aleatórios de 0 a 19</a:t>
             </a:r>
-            <a:endParaRPr b="0" lang="pt-BR" sz="1800" spc="-1" strike="noStrike">
-              <a:solidFill>
-                <a:srgbClr val="ffffff"/>
-              </a:solidFill>
-              <a:latin typeface="Calibri"/>
+            <a:endParaRPr b="0" lang="pt-BR" sz="3200" spc="-1" strike="noStrike">
+              <a:latin typeface="Arial"/>
+            </a:endParaRPr>
+          </a:p>
+          <a:p>
+            <a:pPr>
+              <a:lnSpc>
+                <a:spcPct val="100000"/>
+              </a:lnSpc>
+              <a:spcBef>
+                <a:spcPts val="1417"/>
+              </a:spcBef>
+            </a:pPr>
+            <a:r>
+              <a:rPr b="0" lang="pt-BR" sz="3200" spc="-1" strike="noStrike">
+                <a:solidFill>
+                  <a:srgbClr val="000000"/>
+                </a:solidFill>
+                <a:latin typeface="Arial"/>
+              </a:rPr>
+              <a:t>-Cria um vetor c de tamanho 20 com valor 0 em todas as posições</a:t>
+            </a:r>
+            <a:endParaRPr b="0" lang="pt-BR" sz="3200" spc="-1" strike="noStrike">
+              <a:latin typeface="Arial"/>
+            </a:endParaRPr>
+          </a:p>
+          <a:p>
+            <a:pPr>
+              <a:lnSpc>
+                <a:spcPct val="100000"/>
+              </a:lnSpc>
+              <a:spcBef>
+                <a:spcPts val="1417"/>
+              </a:spcBef>
+            </a:pPr>
+            <a:r>
+              <a:rPr b="0" lang="pt-BR" sz="3200" spc="-1" strike="noStrike">
+                <a:solidFill>
+                  <a:srgbClr val="000000"/>
+                </a:solidFill>
+                <a:latin typeface="Arial"/>
+              </a:rPr>
+              <a:t>-Cria uma região paralela com n threads</a:t>
+            </a:r>
+            <a:endParaRPr b="0" lang="pt-BR" sz="3200" spc="-1" strike="noStrike">
+              <a:latin typeface="Arial"/>
+            </a:endParaRPr>
+          </a:p>
+          <a:p>
+            <a:pPr>
+              <a:lnSpc>
+                <a:spcPct val="100000"/>
+              </a:lnSpc>
+              <a:spcBef>
+                <a:spcPts val="1417"/>
+              </a:spcBef>
+            </a:pPr>
+            <a:r>
+              <a:rPr b="0" lang="pt-BR" sz="3200" spc="-1" strike="noStrike">
+                <a:solidFill>
+                  <a:srgbClr val="000000"/>
+                </a:solidFill>
+                <a:latin typeface="Arial"/>
+              </a:rPr>
+              <a:t>-Cria um vetor c’ de mesmo tamanho que c para cada thread, com mesmo valor de c em cada posição</a:t>
+            </a:r>
+            <a:endParaRPr b="0" lang="pt-BR" sz="3200" spc="-1" strike="noStrike">
+              <a:latin typeface="Arial"/>
+            </a:endParaRPr>
+          </a:p>
+          <a:p>
+            <a:pPr>
+              <a:lnSpc>
+                <a:spcPct val="100000"/>
+              </a:lnSpc>
+              <a:spcBef>
+                <a:spcPts val="1417"/>
+              </a:spcBef>
+            </a:pPr>
+            <a:r>
+              <a:rPr b="0" lang="pt-BR" sz="3200" spc="-1" strike="noStrike">
+                <a:solidFill>
+                  <a:srgbClr val="000000"/>
+                </a:solidFill>
+                <a:latin typeface="Arial"/>
+              </a:rPr>
+              <a:t>- Faz as threads percorrerem cada uma um pedaço de v, fazendo o mesmo processo de incremento em c’ com seu pedaço de v</a:t>
+            </a:r>
+            <a:endParaRPr b="0" lang="pt-BR" sz="3200" spc="-1" strike="noStrike">
+              <a:latin typeface="Arial"/>
+            </a:endParaRPr>
+          </a:p>
+          <a:p>
+            <a:pPr>
+              <a:lnSpc>
+                <a:spcPct val="100000"/>
+              </a:lnSpc>
+              <a:spcBef>
+                <a:spcPts val="1417"/>
+              </a:spcBef>
+            </a:pPr>
+            <a:r>
+              <a:rPr b="0" lang="pt-BR" sz="3200" spc="-1" strike="noStrike">
+                <a:solidFill>
+                  <a:srgbClr val="000000"/>
+                </a:solidFill>
+                <a:latin typeface="Arial"/>
+              </a:rPr>
+              <a:t>-Cria uma região crítica onde, para cada posição j, c recebe a soma dos valores de todos os c’ em j em sua posição j</a:t>
+            </a:r>
+            <a:endParaRPr b="0" lang="pt-BR" sz="3200" spc="-1" strike="noStrike">
+              <a:latin typeface="Arial"/>
+            </a:endParaRPr>
+          </a:p>
+          <a:p>
+            <a:pPr>
+              <a:lnSpc>
+                <a:spcPct val="100000"/>
+              </a:lnSpc>
+              <a:spcBef>
+                <a:spcPts val="1417"/>
+              </a:spcBef>
+            </a:pPr>
+            <a:r>
+              <a:rPr b="0" lang="pt-BR" sz="3200" spc="-1" strike="noStrike">
+                <a:solidFill>
+                  <a:srgbClr val="000000"/>
+                </a:solidFill>
+                <a:latin typeface="Arial"/>
+              </a:rPr>
+              <a:t>-Percorre c e imprime o valor de cada posição dele (fora da região paralela), com as posições representando cada inteiro possível</a:t>
+            </a:r>
+            <a:endParaRPr b="0" lang="pt-BR" sz="3200" spc="-1" strike="noStrike">
+              <a:latin typeface="Arial"/>
+            </a:endParaRPr>
+          </a:p>
+        </p:txBody>
+      </p:sp>
+    </p:spTree>
+  </p:cSld>
+  <mc:AlternateContent>
+    <mc:Choice Requires="p14">
+      <p:transition spd="slow" p14:dur="2000"/>
+    </mc:Choice>
+    <mc:Fallback>
+      <p:transition spd="slow"/>
+    </mc:Fallback>
+  </mc:AlternateContent>
+</p:sld>
+</file>
+
+<file path=ppt/slides/slide5.xml><?xml version="1.0" encoding="utf-8"?>
+<p:sld xmlns:a="http://schemas.openxmlformats.org/drawingml/2006/main" xmlns:p="http://schemas.openxmlformats.org/presentationml/2006/main" xmlns:r="http://schemas.openxmlformats.org/officeDocument/2006/relationships" xmlns:p14="http://schemas.microsoft.com/office/powerpoint/2010/main" xmlns:p15="http://schemas.microsoft.com/office/powerpoint/2012/main" xmlns:mc="http://schemas.openxmlformats.org/markup-compatibility/2006">
+  <p:cSld>
+    <p:spTree>
+      <p:nvGrpSpPr>
+        <p:cNvPr id="1" name=""/>
+        <p:cNvGrpSpPr/>
+        <p:nvPr/>
+      </p:nvGrpSpPr>
+      <p:grpSpPr>
+        <a:xfrm>
+          <a:off x="0" y="0"/>
+          <a:ext cx="0" cy="0"/>
+          <a:chOff x="0" y="0"/>
+          <a:chExt cx="0" cy="0"/>
+        </a:xfrm>
+      </p:grpSpPr>
+      <p:sp>
+        <p:nvSpPr>
+          <p:cNvPr id="86" name="TextShape 1"/>
+          <p:cNvSpPr txBox="1"/>
+          <p:nvPr/>
+        </p:nvSpPr>
+        <p:spPr>
+          <a:xfrm>
+            <a:off x="609480" y="273600"/>
+            <a:ext cx="10972080" cy="1144440"/>
+          </a:xfrm>
+          <a:prstGeom prst="rect">
+            <a:avLst/>
+          </a:prstGeom>
+          <a:noFill/>
+          <a:ln w="0">
+            <a:noFill/>
+          </a:ln>
+        </p:spPr>
+        <p:txBody>
+          <a:bodyPr lIns="0" rIns="0" tIns="0" bIns="0" anchor="ctr">
+            <a:noAutofit/>
+          </a:bodyPr>
+          <a:p>
+            <a:pPr algn="ctr"/>
+            <a:r>
+              <a:rPr b="0" lang="pt-BR" sz="4400" spc="-1" strike="noStrike">
+                <a:latin typeface="Arial"/>
+              </a:rPr>
+              <a:t>Algoritmos</a:t>
+            </a:r>
+            <a:endParaRPr b="0" lang="pt-BR" sz="4400" spc="-1" strike="noStrike">
+              <a:latin typeface="Arial"/>
+            </a:endParaRPr>
+          </a:p>
+        </p:txBody>
+      </p:sp>
+      <p:sp>
+        <p:nvSpPr>
+          <p:cNvPr id="87" name="TextShape 2"/>
+          <p:cNvSpPr txBox="1"/>
+          <p:nvPr/>
+        </p:nvSpPr>
+        <p:spPr>
+          <a:xfrm>
+            <a:off x="609480" y="1604520"/>
+            <a:ext cx="10972080" cy="3976920"/>
+          </a:xfrm>
+          <a:prstGeom prst="rect">
+            <a:avLst/>
+          </a:prstGeom>
+          <a:noFill/>
+          <a:ln w="0">
+            <a:noFill/>
+          </a:ln>
+        </p:spPr>
+        <p:txBody>
+          <a:bodyPr lIns="0" rIns="0" tIns="0" bIns="0">
+            <a:normAutofit fontScale="27000"/>
+          </a:bodyPr>
+          <a:p>
+            <a:pPr marL="432000" indent="-324000" algn="ctr">
+              <a:spcBef>
+                <a:spcPts val="1417"/>
+              </a:spcBef>
+              <a:buClr>
+                <a:srgbClr val="000000"/>
+              </a:buClr>
+              <a:buSzPct val="45000"/>
+              <a:buFont typeface="Wingdings" charset="2"/>
+              <a:buChar char=""/>
+            </a:pPr>
+            <a:r>
+              <a:rPr b="1" lang="pt-BR" sz="3200" spc="-1" strike="noStrike">
+                <a:solidFill>
+                  <a:srgbClr val="861141"/>
+                </a:solidFill>
+                <a:latin typeface="Arial"/>
+              </a:rPr>
+              <a:t>Paralelo em MPI</a:t>
+            </a:r>
+            <a:endParaRPr b="0" lang="pt-BR" sz="3200" spc="-1" strike="noStrike">
+              <a:latin typeface="Arial"/>
+            </a:endParaRPr>
+          </a:p>
+          <a:p>
+            <a:pPr>
+              <a:lnSpc>
+                <a:spcPct val="100000"/>
+              </a:lnSpc>
+              <a:spcBef>
+                <a:spcPts val="1417"/>
+              </a:spcBef>
+            </a:pPr>
+            <a:r>
+              <a:rPr b="0" lang="pt-BR" sz="3200" spc="-1" strike="noStrike">
+                <a:latin typeface="Arial"/>
+              </a:rPr>
+              <a:t>-Cria um vetor v de tamanho 150.000.000 com números aleatórios de 0 a 19 em um dos processos (geralmente rank 0)</a:t>
+            </a:r>
+            <a:endParaRPr b="0" lang="pt-BR" sz="3200" spc="-1" strike="noStrike">
+              <a:latin typeface="Arial"/>
+            </a:endParaRPr>
+          </a:p>
+          <a:p>
+            <a:pPr>
+              <a:lnSpc>
+                <a:spcPct val="100000"/>
+              </a:lnSpc>
+              <a:spcBef>
+                <a:spcPts val="1417"/>
+              </a:spcBef>
+            </a:pPr>
+            <a:r>
+              <a:rPr b="0" lang="pt-BR" sz="3200" spc="-1" strike="noStrike">
+                <a:latin typeface="Arial"/>
+              </a:rPr>
+              <a:t>-Cria um vetor c de tamanho 20 com valor 0 em todas as posições para cada processo</a:t>
+            </a:r>
+            <a:endParaRPr b="0" lang="pt-BR" sz="3200" spc="-1" strike="noStrike">
+              <a:latin typeface="Arial"/>
+            </a:endParaRPr>
+          </a:p>
+          <a:p>
+            <a:pPr>
+              <a:lnSpc>
+                <a:spcPct val="100000"/>
+              </a:lnSpc>
+              <a:spcBef>
+                <a:spcPts val="1417"/>
+              </a:spcBef>
+            </a:pPr>
+            <a:r>
+              <a:rPr b="0" lang="pt-BR" sz="3200" spc="-1" strike="noStrike">
+                <a:latin typeface="Arial"/>
+              </a:rPr>
+              <a:t>- Cria um subvetor sub para cada processo</a:t>
+            </a:r>
+            <a:endParaRPr b="0" lang="pt-BR" sz="3200" spc="-1" strike="noStrike">
+              <a:latin typeface="Arial"/>
+            </a:endParaRPr>
+          </a:p>
+          <a:p>
+            <a:pPr>
+              <a:lnSpc>
+                <a:spcPct val="100000"/>
+              </a:lnSpc>
+              <a:spcBef>
+                <a:spcPts val="1417"/>
+              </a:spcBef>
+            </a:pPr>
+            <a:r>
+              <a:rPr b="0" lang="pt-BR" sz="3200" spc="-1" strike="noStrike">
+                <a:latin typeface="Arial"/>
+              </a:rPr>
+              <a:t>- Divide v entre os sub</a:t>
+            </a:r>
+            <a:endParaRPr b="0" lang="pt-BR" sz="3200" spc="-1" strike="noStrike">
+              <a:latin typeface="Arial"/>
+            </a:endParaRPr>
+          </a:p>
+          <a:p>
+            <a:pPr>
+              <a:lnSpc>
+                <a:spcPct val="100000"/>
+              </a:lnSpc>
+              <a:spcBef>
+                <a:spcPts val="1417"/>
+              </a:spcBef>
+            </a:pPr>
+            <a:r>
+              <a:rPr b="0" lang="pt-BR" sz="3200" spc="-1" strike="noStrike">
+                <a:latin typeface="Arial"/>
+              </a:rPr>
+              <a:t>-Cada processo realiza a mesma ação do serial, só que com um vetor menor para percorrer</a:t>
+            </a:r>
+            <a:endParaRPr b="0" lang="pt-BR" sz="3200" spc="-1" strike="noStrike">
+              <a:latin typeface="Arial"/>
+            </a:endParaRPr>
+          </a:p>
+          <a:p>
+            <a:pPr>
+              <a:lnSpc>
+                <a:spcPct val="100000"/>
+              </a:lnSpc>
+              <a:spcBef>
+                <a:spcPts val="1417"/>
+              </a:spcBef>
+            </a:pPr>
+            <a:r>
+              <a:rPr b="0" lang="pt-BR" sz="3200" spc="-1" strike="noStrike">
+                <a:latin typeface="Arial"/>
+              </a:rPr>
+              <a:t>- Cria, em apenas um dos processos, um vetor c’ de tamanho 20 com valor 0 em todas as posições</a:t>
+            </a:r>
+            <a:endParaRPr b="0" lang="pt-BR" sz="3200" spc="-1" strike="noStrike">
+              <a:latin typeface="Arial"/>
+            </a:endParaRPr>
+          </a:p>
+          <a:p>
+            <a:pPr>
+              <a:lnSpc>
+                <a:spcPct val="100000"/>
+              </a:lnSpc>
+              <a:spcBef>
+                <a:spcPts val="1417"/>
+              </a:spcBef>
+            </a:pPr>
+            <a:r>
+              <a:rPr b="0" lang="pt-BR" sz="3200" spc="-1" strike="noStrike">
+                <a:latin typeface="Arial"/>
+              </a:rPr>
+              <a:t>- Para cada posição j, é executada a soma dos valores de cada c em j e o resultado enviado para a respectiva posição em c’</a:t>
+            </a:r>
+            <a:endParaRPr b="0" lang="pt-BR" sz="3200" spc="-1" strike="noStrike">
+              <a:latin typeface="Arial"/>
+            </a:endParaRPr>
+          </a:p>
+          <a:p>
+            <a:pPr>
+              <a:lnSpc>
+                <a:spcPct val="100000"/>
+              </a:lnSpc>
+              <a:spcBef>
+                <a:spcPts val="1417"/>
+              </a:spcBef>
+            </a:pPr>
+            <a:r>
+              <a:rPr b="0" lang="pt-BR" sz="3200" spc="-1" strike="noStrike">
+                <a:latin typeface="Arial"/>
+              </a:rPr>
+              <a:t>-Percorre c’ e imprime os valores de cada posição sua, com as posições representando os inteiros possíveis</a:t>
+            </a:r>
+            <a:endParaRPr b="0" lang="pt-BR" sz="3200" spc="-1" strike="noStrike">
+              <a:latin typeface="Arial"/>
+            </a:endParaRPr>
+          </a:p>
+        </p:txBody>
+      </p:sp>
+    </p:spTree>
+  </p:cSld>
+  <mc:AlternateContent>
+    <mc:Choice Requires="p14">
+      <p:transition spd="slow" p14:dur="2000"/>
+    </mc:Choice>
+    <mc:Fallback>
+      <p:transition spd="slow"/>
+    </mc:Fallback>
+  </mc:AlternateContent>
+</p:sld>
+</file>
+
+<file path=ppt/slides/slide6.xml><?xml version="1.0" encoding="utf-8"?>
+<p:sld xmlns:a="http://schemas.openxmlformats.org/drawingml/2006/main" xmlns:p="http://schemas.openxmlformats.org/presentationml/2006/main" xmlns:r="http://schemas.openxmlformats.org/officeDocument/2006/relationships" xmlns:p14="http://schemas.microsoft.com/office/powerpoint/2010/main" xmlns:p15="http://schemas.microsoft.com/office/powerpoint/2012/main" xmlns:mc="http://schemas.openxmlformats.org/markup-compatibility/2006">
+  <p:cSld>
+    <p:spTree>
+      <p:nvGrpSpPr>
+        <p:cNvPr id="1" name=""/>
+        <p:cNvGrpSpPr/>
+        <p:nvPr/>
+      </p:nvGrpSpPr>
+      <p:grpSpPr>
+        <a:xfrm>
+          <a:off x="0" y="0"/>
+          <a:ext cx="0" cy="0"/>
+          <a:chOff x="0" y="0"/>
+          <a:chExt cx="0" cy="0"/>
+        </a:xfrm>
+      </p:grpSpPr>
+      <p:sp>
+        <p:nvSpPr>
+          <p:cNvPr id="88" name="TextShape 1"/>
+          <p:cNvSpPr txBox="1"/>
+          <p:nvPr/>
+        </p:nvSpPr>
+        <p:spPr>
+          <a:xfrm>
+            <a:off x="609480" y="273600"/>
+            <a:ext cx="10972080" cy="1144440"/>
+          </a:xfrm>
+          <a:prstGeom prst="rect">
+            <a:avLst/>
+          </a:prstGeom>
+          <a:noFill/>
+          <a:ln w="0">
+            <a:noFill/>
+          </a:ln>
+        </p:spPr>
+        <p:txBody>
+          <a:bodyPr lIns="0" rIns="0" tIns="0" bIns="0" anchor="ctr">
+            <a:noAutofit/>
+          </a:bodyPr>
+          <a:p>
+            <a:pPr algn="ctr"/>
+            <a:r>
+              <a:rPr b="0" lang="pt-BR" sz="4400" spc="-1" strike="noStrike">
+                <a:latin typeface="Arial"/>
+              </a:rPr>
+              <a:t>Dados</a:t>
+            </a:r>
+            <a:endParaRPr b="0" lang="pt-BR" sz="4400" spc="-1" strike="noStrike">
+              <a:latin typeface="Arial"/>
+            </a:endParaRPr>
+          </a:p>
+        </p:txBody>
+      </p:sp>
+      <p:graphicFrame>
+        <p:nvGraphicFramePr>
+          <p:cNvPr id="89" name="Table 2"/>
+          <p:cNvGraphicFramePr/>
+          <p:nvPr/>
+        </p:nvGraphicFramePr>
+        <p:xfrm>
+          <a:off x="609480" y="1604520"/>
+          <a:ext cx="10971720" cy="3435480"/>
+        </p:xfrm>
+        <a:graphic>
+          <a:graphicData uri="http://schemas.openxmlformats.org/drawingml/2006/table">
+            <a:tbl>
+              <a:tblPr/>
+              <a:tblGrid>
+                <a:gridCol w="2194200"/>
+                <a:gridCol w="2194200"/>
+                <a:gridCol w="2194200"/>
+                <a:gridCol w="2194200"/>
+                <a:gridCol w="2195280"/>
+              </a:tblGrid>
+              <a:tr h="572040">
+                <a:tc>
+                  <a:txBody>
+                    <a:bodyPr lIns="90000" rIns="90000" tIns="46800" bIns="46800">
+                      <a:noAutofit/>
+                    </a:bodyPr>
+                    <a:p>
+                      <a:pPr algn="ctr">
+                        <a:lnSpc>
+                          <a:spcPct val="100000"/>
+                        </a:lnSpc>
+                      </a:pPr>
+                      <a:r>
+                        <a:rPr b="1" lang="pt-BR" sz="1800" spc="-1" strike="noStrike">
+                          <a:latin typeface="Arial"/>
+                          <a:ea typeface="Bitstream Vera Sans"/>
+                        </a:rPr>
+                        <a:t>Algoritmo</a:t>
+                      </a:r>
+                      <a:endParaRPr b="1" lang="pt-BR" sz="1800" spc="-1" strike="noStrike">
+                        <a:latin typeface="Times New Roman"/>
+                      </a:endParaRPr>
+                    </a:p>
+                  </a:txBody>
+                  <a:tcPr marL="90000" marR="90000">
+                    <a:lnL w="720">
+                      <a:solidFill>
+                        <a:srgbClr val="ffffff"/>
+                      </a:solidFill>
+                    </a:lnL>
+                    <a:lnR w="720">
+                      <a:solidFill>
+                        <a:srgbClr val="ffffff"/>
+                      </a:solidFill>
+                    </a:lnR>
+                    <a:lnT w="720">
+                      <a:solidFill>
+                        <a:srgbClr val="ffffff"/>
+                      </a:solidFill>
+                    </a:lnT>
+                    <a:lnB w="720">
+                      <a:solidFill>
+                        <a:srgbClr val="ffffff"/>
+                      </a:solidFill>
+                    </a:lnB>
+                    <a:solidFill>
+                      <a:srgbClr val="0066cc"/>
+                    </a:solidFill>
+                  </a:tcPr>
+                </a:tc>
+                <a:tc>
+                  <a:txBody>
+                    <a:bodyPr lIns="90000" rIns="90000" tIns="46800" bIns="46800">
+                      <a:noAutofit/>
+                    </a:bodyPr>
+                    <a:p>
+                      <a:pPr algn="ctr">
+                        <a:lnSpc>
+                          <a:spcPct val="100000"/>
+                        </a:lnSpc>
+                      </a:pPr>
+                      <a:r>
+                        <a:rPr b="1" lang="pt-BR" sz="1800" spc="-1" strike="noStrike">
+                          <a:latin typeface="Arial"/>
+                          <a:ea typeface="Bitstream Vera Sans"/>
+                        </a:rPr>
+                        <a:t>Quantidade de elementos</a:t>
+                      </a:r>
+                      <a:endParaRPr b="1" lang="pt-BR" sz="1800" spc="-1" strike="noStrike">
+                        <a:latin typeface="Times New Roman"/>
+                      </a:endParaRPr>
+                    </a:p>
+                  </a:txBody>
+                  <a:tcPr marL="90000" marR="90000">
+                    <a:lnL w="720">
+                      <a:solidFill>
+                        <a:srgbClr val="ffffff"/>
+                      </a:solidFill>
+                    </a:lnL>
+                    <a:lnR w="720">
+                      <a:solidFill>
+                        <a:srgbClr val="ffffff"/>
+                      </a:solidFill>
+                    </a:lnR>
+                    <a:lnT w="720">
+                      <a:solidFill>
+                        <a:srgbClr val="ffffff"/>
+                      </a:solidFill>
+                    </a:lnT>
+                    <a:lnB w="720">
+                      <a:solidFill>
+                        <a:srgbClr val="ffffff"/>
+                      </a:solidFill>
+                    </a:lnB>
+                    <a:solidFill>
+                      <a:srgbClr val="0066cc"/>
+                    </a:solidFill>
+                  </a:tcPr>
+                </a:tc>
+                <a:tc>
+                  <a:txBody>
+                    <a:bodyPr lIns="90000" rIns="90000" tIns="46800" bIns="46800">
+                      <a:noAutofit/>
+                    </a:bodyPr>
+                    <a:p>
+                      <a:pPr algn="ctr">
+                        <a:lnSpc>
+                          <a:spcPct val="100000"/>
+                        </a:lnSpc>
+                      </a:pPr>
+                      <a:r>
+                        <a:rPr b="1" lang="pt-BR" sz="1800" spc="-1" strike="noStrike">
+                          <a:latin typeface="Arial"/>
+                          <a:ea typeface="Bitstream Vera Sans"/>
+                        </a:rPr>
+                        <a:t>Tempo (segundos)</a:t>
+                      </a:r>
+                      <a:endParaRPr b="1" lang="pt-BR" sz="1800" spc="-1" strike="noStrike">
+                        <a:latin typeface="Times New Roman"/>
+                      </a:endParaRPr>
+                    </a:p>
+                  </a:txBody>
+                  <a:tcPr marL="90000" marR="90000">
+                    <a:lnL w="720">
+                      <a:solidFill>
+                        <a:srgbClr val="ffffff"/>
+                      </a:solidFill>
+                    </a:lnL>
+                    <a:lnR w="720">
+                      <a:solidFill>
+                        <a:srgbClr val="ffffff"/>
+                      </a:solidFill>
+                    </a:lnR>
+                    <a:lnT w="720">
+                      <a:solidFill>
+                        <a:srgbClr val="ffffff"/>
+                      </a:solidFill>
+                    </a:lnT>
+                    <a:lnB w="720">
+                      <a:solidFill>
+                        <a:srgbClr val="ffffff"/>
+                      </a:solidFill>
+                    </a:lnB>
+                    <a:solidFill>
+                      <a:srgbClr val="0066cc"/>
+                    </a:solidFill>
+                  </a:tcPr>
+                </a:tc>
+                <a:tc>
+                  <a:txBody>
+                    <a:bodyPr lIns="90000" rIns="90000" tIns="46800" bIns="46800">
+                      <a:noAutofit/>
+                    </a:bodyPr>
+                    <a:p>
+                      <a:pPr algn="ctr">
+                        <a:lnSpc>
+                          <a:spcPct val="100000"/>
+                        </a:lnSpc>
+                      </a:pPr>
+                      <a:r>
+                        <a:rPr b="1" lang="pt-BR" sz="1800" spc="-1" strike="noStrike">
+                          <a:latin typeface="Arial"/>
+                          <a:ea typeface="Bitstream Vera Sans"/>
+                        </a:rPr>
+                        <a:t>Speedup</a:t>
+                      </a:r>
+                      <a:endParaRPr b="1" lang="pt-BR" sz="1800" spc="-1" strike="noStrike">
+                        <a:latin typeface="Times New Roman"/>
+                      </a:endParaRPr>
+                    </a:p>
+                  </a:txBody>
+                  <a:tcPr marL="90000" marR="90000">
+                    <a:lnL w="720">
+                      <a:solidFill>
+                        <a:srgbClr val="ffffff"/>
+                      </a:solidFill>
+                    </a:lnL>
+                    <a:lnR w="720">
+                      <a:solidFill>
+                        <a:srgbClr val="ffffff"/>
+                      </a:solidFill>
+                    </a:lnR>
+                    <a:lnT w="720">
+                      <a:solidFill>
+                        <a:srgbClr val="ffffff"/>
+                      </a:solidFill>
+                    </a:lnT>
+                    <a:lnB w="720">
+                      <a:solidFill>
+                        <a:srgbClr val="ffffff"/>
+                      </a:solidFill>
+                    </a:lnB>
+                    <a:solidFill>
+                      <a:srgbClr val="0066cc"/>
+                    </a:solidFill>
+                  </a:tcPr>
+                </a:tc>
+                <a:tc>
+                  <a:txBody>
+                    <a:bodyPr lIns="90000" rIns="90000" tIns="46800" bIns="46800">
+                      <a:noAutofit/>
+                    </a:bodyPr>
+                    <a:p>
+                      <a:r>
+                        <a:rPr b="1" lang="pt-BR" sz="1800" spc="-1" strike="noStrike">
+                          <a:latin typeface="Arial"/>
+                        </a:rPr>
+                        <a:t>         </a:t>
+                      </a:r>
+                      <a:r>
+                        <a:rPr b="1" lang="pt-BR" sz="1800" spc="-1" strike="noStrike">
+                          <a:latin typeface="Arial"/>
+                        </a:rPr>
+                        <a:t>Eficiência</a:t>
+                      </a:r>
+                      <a:endParaRPr b="0" lang="pt-BR" sz="1800" spc="-1" strike="noStrike">
+                        <a:latin typeface="Arial"/>
+                      </a:endParaRPr>
+                    </a:p>
+                  </a:txBody>
+                  <a:tcPr marL="90000" marR="90000">
+                    <a:lnL w="720">
+                      <a:solidFill>
+                        <a:srgbClr val="ffffff"/>
+                      </a:solidFill>
+                    </a:lnL>
+                    <a:lnR w="720">
+                      <a:solidFill>
+                        <a:srgbClr val="ffffff"/>
+                      </a:solidFill>
+                    </a:lnR>
+                    <a:lnT w="720">
+                      <a:solidFill>
+                        <a:srgbClr val="ffffff"/>
+                      </a:solidFill>
+                    </a:lnT>
+                    <a:lnB w="720">
+                      <a:solidFill>
+                        <a:srgbClr val="ffffff"/>
+                      </a:solidFill>
+                    </a:lnB>
+                    <a:solidFill>
+                      <a:srgbClr val="0066cc"/>
+                    </a:solidFill>
+                  </a:tcPr>
+                </a:tc>
+              </a:tr>
+              <a:tr h="572040">
+                <a:tc>
+                  <a:txBody>
+                    <a:bodyPr lIns="90000" rIns="90000" tIns="46800" bIns="46800">
+                      <a:noAutofit/>
+                    </a:bodyPr>
+                    <a:p>
+                      <a:pPr algn="ctr">
+                        <a:lnSpc>
+                          <a:spcPct val="100000"/>
+                        </a:lnSpc>
+                      </a:pPr>
+                      <a:r>
+                        <a:rPr b="0" lang="pt-BR" sz="1800" spc="-1" strike="noStrike">
+                          <a:latin typeface="Arial"/>
+                          <a:ea typeface="Bitstream Vera Sans"/>
+                        </a:rPr>
+                        <a:t>Sequencial</a:t>
+                      </a:r>
+                      <a:endParaRPr b="0" lang="pt-BR" sz="1800" spc="-1" strike="noStrike">
+                        <a:latin typeface="Times New Roman"/>
+                      </a:endParaRPr>
+                    </a:p>
+                  </a:txBody>
+                  <a:tcPr marL="90000" marR="90000">
+                    <a:lnL w="720">
+                      <a:solidFill>
+                        <a:srgbClr val="ffffff"/>
+                      </a:solidFill>
+                    </a:lnL>
+                    <a:lnR w="720">
+                      <a:solidFill>
+                        <a:srgbClr val="ffffff"/>
+                      </a:solidFill>
+                    </a:lnR>
+                    <a:lnT w="720">
+                      <a:solidFill>
+                        <a:srgbClr val="ffffff"/>
+                      </a:solidFill>
+                    </a:lnT>
+                    <a:lnB w="720">
+                      <a:solidFill>
+                        <a:srgbClr val="ffffff"/>
+                      </a:solidFill>
+                    </a:lnB>
+                    <a:solidFill>
+                      <a:srgbClr val="0099ff"/>
+                    </a:solidFill>
+                  </a:tcPr>
+                </a:tc>
+                <a:tc>
+                  <a:txBody>
+                    <a:bodyPr lIns="90000" rIns="90000" tIns="46800" bIns="46800">
+                      <a:noAutofit/>
+                    </a:bodyPr>
+                    <a:p>
+                      <a:pPr algn="ctr">
+                        <a:lnSpc>
+                          <a:spcPct val="100000"/>
+                        </a:lnSpc>
+                      </a:pPr>
+                      <a:r>
+                        <a:rPr b="0" lang="pt-BR" sz="1800" spc="-1" strike="noStrike">
+                          <a:latin typeface="Arial"/>
+                          <a:ea typeface="Bitstream Vera Sans"/>
+                        </a:rPr>
+                        <a:t>150.000.000</a:t>
+                      </a:r>
+                      <a:endParaRPr b="0" lang="pt-BR" sz="1800" spc="-1" strike="noStrike">
+                        <a:latin typeface="Times New Roman"/>
+                      </a:endParaRPr>
+                    </a:p>
+                  </a:txBody>
+                  <a:tcPr marL="90000" marR="90000">
+                    <a:lnL w="720">
+                      <a:solidFill>
+                        <a:srgbClr val="ffffff"/>
+                      </a:solidFill>
+                    </a:lnL>
+                    <a:lnR w="720">
+                      <a:solidFill>
+                        <a:srgbClr val="ffffff"/>
+                      </a:solidFill>
+                    </a:lnR>
+                    <a:lnT w="720">
+                      <a:solidFill>
+                        <a:srgbClr val="ffffff"/>
+                      </a:solidFill>
+                    </a:lnT>
+                    <a:lnB w="720">
+                      <a:solidFill>
+                        <a:srgbClr val="ffffff"/>
+                      </a:solidFill>
+                    </a:lnB>
+                    <a:solidFill>
+                      <a:srgbClr val="0099ff"/>
+                    </a:solidFill>
+                  </a:tcPr>
+                </a:tc>
+                <a:tc>
+                  <a:txBody>
+                    <a:bodyPr lIns="90000" rIns="90000" tIns="46800" bIns="46800">
+                      <a:noAutofit/>
+                    </a:bodyPr>
+                    <a:p>
+                      <a:pPr algn="ctr">
+                        <a:lnSpc>
+                          <a:spcPct val="100000"/>
+                        </a:lnSpc>
+                      </a:pPr>
+                      <a:r>
+                        <a:rPr b="0" lang="pt-BR" sz="1800" spc="-1" strike="noStrike">
+                          <a:latin typeface="Arial"/>
+                          <a:ea typeface="Bitstream Vera Sans"/>
+                        </a:rPr>
+                        <a:t>7.1406</a:t>
+                      </a:r>
+                      <a:endParaRPr b="0" lang="pt-BR" sz="1800" spc="-1" strike="noStrike">
+                        <a:latin typeface="Times New Roman"/>
+                      </a:endParaRPr>
+                    </a:p>
+                  </a:txBody>
+                  <a:tcPr marL="90000" marR="90000">
+                    <a:lnL w="720">
+                      <a:solidFill>
+                        <a:srgbClr val="ffffff"/>
+                      </a:solidFill>
+                    </a:lnL>
+                    <a:lnR w="720">
+                      <a:solidFill>
+                        <a:srgbClr val="ffffff"/>
+                      </a:solidFill>
+                    </a:lnR>
+                    <a:lnT w="720">
+                      <a:solidFill>
+                        <a:srgbClr val="ffffff"/>
+                      </a:solidFill>
+                    </a:lnT>
+                    <a:lnB w="720">
+                      <a:solidFill>
+                        <a:srgbClr val="ffffff"/>
+                      </a:solidFill>
+                    </a:lnB>
+                    <a:solidFill>
+                      <a:srgbClr val="0099ff"/>
+                    </a:solidFill>
+                  </a:tcPr>
+                </a:tc>
+                <a:tc>
+                  <a:txBody>
+                    <a:bodyPr lIns="90000" rIns="90000" tIns="46800" bIns="46800">
+                      <a:noAutofit/>
+                    </a:bodyPr>
+                    <a:p>
+                      <a:pPr algn="ctr">
+                        <a:lnSpc>
+                          <a:spcPct val="100000"/>
+                        </a:lnSpc>
+                      </a:pPr>
+                      <a:r>
+                        <a:rPr b="0" lang="pt-BR" sz="1800" spc="-1" strike="noStrike">
+                          <a:latin typeface="Arial"/>
+                          <a:ea typeface="Bitstream Vera Sans"/>
+                        </a:rPr>
+                        <a:t>1.0x</a:t>
+                      </a:r>
+                      <a:endParaRPr b="0" lang="pt-BR" sz="1800" spc="-1" strike="noStrike">
+                        <a:latin typeface="Times New Roman"/>
+                      </a:endParaRPr>
+                    </a:p>
+                  </a:txBody>
+                  <a:tcPr marL="90000" marR="90000">
+                    <a:lnL w="720">
+                      <a:solidFill>
+                        <a:srgbClr val="ffffff"/>
+                      </a:solidFill>
+                    </a:lnL>
+                    <a:lnR w="720">
+                      <a:solidFill>
+                        <a:srgbClr val="ffffff"/>
+                      </a:solidFill>
+                    </a:lnR>
+                    <a:lnT w="720">
+                      <a:solidFill>
+                        <a:srgbClr val="ffffff"/>
+                      </a:solidFill>
+                    </a:lnT>
+                    <a:lnB w="720">
+                      <a:solidFill>
+                        <a:srgbClr val="ffffff"/>
+                      </a:solidFill>
+                    </a:lnB>
+                    <a:solidFill>
+                      <a:srgbClr val="0099ff"/>
+                    </a:solidFill>
+                  </a:tcPr>
+                </a:tc>
+                <a:tc>
+                  <a:txBody>
+                    <a:bodyPr lIns="90000" rIns="90000" tIns="46800" bIns="46800">
+                      <a:noAutofit/>
+                    </a:bodyPr>
+                    <a:p>
+                      <a:r>
+                        <a:rPr b="0" lang="pt-BR" sz="1800" spc="-1" strike="noStrike">
+                          <a:latin typeface="Arial"/>
+                        </a:rPr>
+                        <a:t>             </a:t>
+                      </a:r>
+                      <a:r>
+                        <a:rPr b="0" lang="pt-BR" sz="1800" spc="-1" strike="noStrike">
+                          <a:latin typeface="Arial"/>
+                        </a:rPr>
+                        <a:t>-------</a:t>
+                      </a:r>
+                      <a:endParaRPr b="0" lang="pt-BR" sz="1800" spc="-1" strike="noStrike">
+                        <a:latin typeface="Arial"/>
+                      </a:endParaRPr>
+                    </a:p>
+                  </a:txBody>
+                  <a:tcPr marL="90000" marR="90000">
+                    <a:lnL w="720">
+                      <a:solidFill>
+                        <a:srgbClr val="ffffff"/>
+                      </a:solidFill>
+                    </a:lnL>
+                    <a:lnR w="720">
+                      <a:solidFill>
+                        <a:srgbClr val="ffffff"/>
+                      </a:solidFill>
+                    </a:lnR>
+                    <a:lnT w="720">
+                      <a:solidFill>
+                        <a:srgbClr val="ffffff"/>
+                      </a:solidFill>
+                    </a:lnT>
+                    <a:lnB w="720">
+                      <a:solidFill>
+                        <a:srgbClr val="ffffff"/>
+                      </a:solidFill>
+                    </a:lnB>
+                    <a:solidFill>
+                      <a:srgbClr val="0099ff"/>
+                    </a:solidFill>
+                  </a:tcPr>
+                </a:tc>
+              </a:tr>
+              <a:tr h="572040">
+                <a:tc>
+                  <a:txBody>
+                    <a:bodyPr lIns="90000" rIns="90000" tIns="46800" bIns="46800">
+                      <a:noAutofit/>
+                    </a:bodyPr>
+                    <a:p>
+                      <a:pPr algn="ctr">
+                        <a:lnSpc>
+                          <a:spcPct val="100000"/>
+                        </a:lnSpc>
+                      </a:pPr>
+                      <a:r>
+                        <a:rPr b="0" lang="pt-BR" sz="1800" spc="-1" strike="noStrike">
+                          <a:latin typeface="Arial"/>
+                          <a:ea typeface="Bitstream Vera Sans"/>
+                        </a:rPr>
+                        <a:t>OpenMP (4 threads)</a:t>
+                      </a:r>
+                      <a:endParaRPr b="0" lang="pt-BR" sz="1800" spc="-1" strike="noStrike">
+                        <a:latin typeface="Times New Roman"/>
+                      </a:endParaRPr>
+                    </a:p>
+                  </a:txBody>
+                  <a:tcPr marL="90000" marR="90000">
+                    <a:lnL w="720">
+                      <a:solidFill>
+                        <a:srgbClr val="ffffff"/>
+                      </a:solidFill>
+                    </a:lnL>
+                    <a:lnR w="720">
+                      <a:solidFill>
+                        <a:srgbClr val="ffffff"/>
+                      </a:solidFill>
+                    </a:lnR>
+                    <a:lnT w="720">
+                      <a:solidFill>
+                        <a:srgbClr val="ffffff"/>
+                      </a:solidFill>
+                    </a:lnT>
+                    <a:lnB w="720">
+                      <a:solidFill>
+                        <a:srgbClr val="ffffff"/>
+                      </a:solidFill>
+                    </a:lnB>
+                    <a:solidFill>
+                      <a:srgbClr val="99ccff"/>
+                    </a:solidFill>
+                  </a:tcPr>
+                </a:tc>
+                <a:tc>
+                  <a:txBody>
+                    <a:bodyPr lIns="90000" rIns="90000" tIns="46800" bIns="46800">
+                      <a:noAutofit/>
+                    </a:bodyPr>
+                    <a:p>
+                      <a:pPr algn="ctr">
+                        <a:lnSpc>
+                          <a:spcPct val="100000"/>
+                        </a:lnSpc>
+                      </a:pPr>
+                      <a:r>
+                        <a:rPr b="0" lang="pt-BR" sz="1800" spc="-1" strike="noStrike">
+                          <a:latin typeface="Arial"/>
+                          <a:ea typeface="Bitstream Vera Sans"/>
+                        </a:rPr>
+                        <a:t>150.000.000</a:t>
+                      </a:r>
+                      <a:endParaRPr b="0" lang="pt-BR" sz="1800" spc="-1" strike="noStrike">
+                        <a:latin typeface="Times New Roman"/>
+                      </a:endParaRPr>
+                    </a:p>
+                  </a:txBody>
+                  <a:tcPr marL="90000" marR="90000">
+                    <a:lnL w="720">
+                      <a:solidFill>
+                        <a:srgbClr val="ffffff"/>
+                      </a:solidFill>
+                    </a:lnL>
+                    <a:lnR w="720">
+                      <a:solidFill>
+                        <a:srgbClr val="ffffff"/>
+                      </a:solidFill>
+                    </a:lnR>
+                    <a:lnT w="720">
+                      <a:solidFill>
+                        <a:srgbClr val="ffffff"/>
+                      </a:solidFill>
+                    </a:lnT>
+                    <a:lnB w="720">
+                      <a:solidFill>
+                        <a:srgbClr val="ffffff"/>
+                      </a:solidFill>
+                    </a:lnB>
+                    <a:solidFill>
+                      <a:srgbClr val="99ccff"/>
+                    </a:solidFill>
+                  </a:tcPr>
+                </a:tc>
+                <a:tc>
+                  <a:txBody>
+                    <a:bodyPr lIns="90000" rIns="90000" tIns="46800" bIns="46800">
+                      <a:noAutofit/>
+                    </a:bodyPr>
+                    <a:p>
+                      <a:pPr algn="ctr">
+                        <a:lnSpc>
+                          <a:spcPct val="100000"/>
+                        </a:lnSpc>
+                      </a:pPr>
+                      <a:r>
+                        <a:rPr b="0" lang="pt-BR" sz="1800" spc="-1" strike="noStrike">
+                          <a:latin typeface="Arial"/>
+                          <a:ea typeface="Bitstream Vera Sans"/>
+                        </a:rPr>
+                        <a:t>2,0364</a:t>
+                      </a:r>
+                      <a:endParaRPr b="0" lang="pt-BR" sz="1800" spc="-1" strike="noStrike">
+                        <a:latin typeface="Times New Roman"/>
+                      </a:endParaRPr>
+                    </a:p>
+                  </a:txBody>
+                  <a:tcPr marL="90000" marR="90000">
+                    <a:lnL w="720">
+                      <a:solidFill>
+                        <a:srgbClr val="ffffff"/>
+                      </a:solidFill>
+                    </a:lnL>
+                    <a:lnR w="720">
+                      <a:solidFill>
+                        <a:srgbClr val="ffffff"/>
+                      </a:solidFill>
+                    </a:lnR>
+                    <a:lnT w="720">
+                      <a:solidFill>
+                        <a:srgbClr val="ffffff"/>
+                      </a:solidFill>
+                    </a:lnT>
+                    <a:lnB w="720">
+                      <a:solidFill>
+                        <a:srgbClr val="ffffff"/>
+                      </a:solidFill>
+                    </a:lnB>
+                    <a:solidFill>
+                      <a:srgbClr val="99ccff"/>
+                    </a:solidFill>
+                  </a:tcPr>
+                </a:tc>
+                <a:tc>
+                  <a:txBody>
+                    <a:bodyPr lIns="90000" rIns="90000" tIns="46800" bIns="46800">
+                      <a:noAutofit/>
+                    </a:bodyPr>
+                    <a:p>
+                      <a:pPr algn="ctr">
+                        <a:lnSpc>
+                          <a:spcPct val="100000"/>
+                        </a:lnSpc>
+                      </a:pPr>
+                      <a:r>
+                        <a:rPr b="0" lang="pt-BR" sz="1800" spc="-1" strike="noStrike">
+                          <a:latin typeface="Arial"/>
+                          <a:ea typeface="Bitstream Vera Sans"/>
+                        </a:rPr>
+                        <a:t>3.51x</a:t>
+                      </a:r>
+                      <a:endParaRPr b="0" lang="pt-BR" sz="1800" spc="-1" strike="noStrike">
+                        <a:latin typeface="Times New Roman"/>
+                      </a:endParaRPr>
+                    </a:p>
+                  </a:txBody>
+                  <a:tcPr marL="90000" marR="90000">
+                    <a:lnL w="720">
+                      <a:solidFill>
+                        <a:srgbClr val="ffffff"/>
+                      </a:solidFill>
+                    </a:lnL>
+                    <a:lnR w="720">
+                      <a:solidFill>
+                        <a:srgbClr val="ffffff"/>
+                      </a:solidFill>
+                    </a:lnR>
+                    <a:lnT w="720">
+                      <a:solidFill>
+                        <a:srgbClr val="ffffff"/>
+                      </a:solidFill>
+                    </a:lnT>
+                    <a:lnB w="720">
+                      <a:solidFill>
+                        <a:srgbClr val="ffffff"/>
+                      </a:solidFill>
+                    </a:lnB>
+                    <a:solidFill>
+                      <a:srgbClr val="99ccff"/>
+                    </a:solidFill>
+                  </a:tcPr>
+                </a:tc>
+                <a:tc>
+                  <a:txBody>
+                    <a:bodyPr lIns="90000" rIns="90000" tIns="46800" bIns="46800">
+                      <a:noAutofit/>
+                    </a:bodyPr>
+                    <a:p>
+                      <a:pPr>
+                        <a:lnSpc>
+                          <a:spcPct val="100000"/>
+                        </a:lnSpc>
+                      </a:pPr>
+                      <a:r>
+                        <a:rPr b="0" lang="pt-BR" sz="1800" spc="-1" strike="noStrike">
+                          <a:latin typeface="Arial"/>
+                          <a:ea typeface="Bitstream Vera Sans"/>
+                        </a:rPr>
+                        <a:t>          </a:t>
+                      </a:r>
+                      <a:r>
+                        <a:rPr b="0" lang="pt-BR" sz="1800" spc="-1" strike="noStrike">
+                          <a:latin typeface="Arial"/>
+                          <a:ea typeface="Bitstream Vera Sans"/>
+                        </a:rPr>
+                        <a:t>87,75%</a:t>
+                      </a:r>
+                      <a:endParaRPr b="0" lang="pt-BR" sz="1800" spc="-1" strike="noStrike">
+                        <a:latin typeface="Times New Roman"/>
+                      </a:endParaRPr>
+                    </a:p>
+                  </a:txBody>
+                  <a:tcPr marL="90000" marR="90000">
+                    <a:lnL w="720">
+                      <a:solidFill>
+                        <a:srgbClr val="ffffff"/>
+                      </a:solidFill>
+                    </a:lnL>
+                    <a:lnR w="720">
+                      <a:solidFill>
+                        <a:srgbClr val="ffffff"/>
+                      </a:solidFill>
+                    </a:lnR>
+                    <a:lnT w="720">
+                      <a:solidFill>
+                        <a:srgbClr val="ffffff"/>
+                      </a:solidFill>
+                    </a:lnT>
+                    <a:lnB w="720">
+                      <a:solidFill>
+                        <a:srgbClr val="ffffff"/>
+                      </a:solidFill>
+                    </a:lnB>
+                    <a:solidFill>
+                      <a:srgbClr val="99ccff"/>
+                    </a:solidFill>
+                  </a:tcPr>
+                </a:tc>
+              </a:tr>
+              <a:tr h="572040">
+                <a:tc>
+                  <a:txBody>
+                    <a:bodyPr lIns="90000" rIns="90000" tIns="46800" bIns="46800">
+                      <a:noAutofit/>
+                    </a:bodyPr>
+                    <a:p>
+                      <a:pPr algn="ctr">
+                        <a:lnSpc>
+                          <a:spcPct val="100000"/>
+                        </a:lnSpc>
+                      </a:pPr>
+                      <a:r>
+                        <a:rPr b="0" lang="pt-BR" sz="1800" spc="-1" strike="noStrike">
+                          <a:latin typeface="Arial"/>
+                          <a:ea typeface="Bitstream Vera Sans"/>
+                        </a:rPr>
+                        <a:t>OpenMP (2 threads)</a:t>
+                      </a:r>
+                      <a:endParaRPr b="0" lang="pt-BR" sz="1800" spc="-1" strike="noStrike">
+                        <a:latin typeface="Times New Roman"/>
+                      </a:endParaRPr>
+                    </a:p>
+                  </a:txBody>
+                  <a:tcPr marL="90000" marR="90000">
+                    <a:lnL w="720">
+                      <a:solidFill>
+                        <a:srgbClr val="ffffff"/>
+                      </a:solidFill>
+                    </a:lnL>
+                    <a:lnR w="720">
+                      <a:solidFill>
+                        <a:srgbClr val="ffffff"/>
+                      </a:solidFill>
+                    </a:lnR>
+                    <a:lnT w="720">
+                      <a:solidFill>
+                        <a:srgbClr val="ffffff"/>
+                      </a:solidFill>
+                    </a:lnT>
+                    <a:lnB w="720">
+                      <a:solidFill>
+                        <a:srgbClr val="ffffff"/>
+                      </a:solidFill>
+                    </a:lnB>
+                    <a:solidFill>
+                      <a:srgbClr val="0099ff"/>
+                    </a:solidFill>
+                  </a:tcPr>
+                </a:tc>
+                <a:tc>
+                  <a:txBody>
+                    <a:bodyPr lIns="90000" rIns="90000" tIns="46800" bIns="46800">
+                      <a:noAutofit/>
+                    </a:bodyPr>
+                    <a:p>
+                      <a:pPr algn="ctr">
+                        <a:lnSpc>
+                          <a:spcPct val="100000"/>
+                        </a:lnSpc>
+                      </a:pPr>
+                      <a:r>
+                        <a:rPr b="0" lang="pt-BR" sz="1800" spc="-1" strike="noStrike">
+                          <a:latin typeface="Arial"/>
+                          <a:ea typeface="Bitstream Vera Sans"/>
+                        </a:rPr>
+                        <a:t>150.000.000</a:t>
+                      </a:r>
+                      <a:endParaRPr b="0" lang="pt-BR" sz="1800" spc="-1" strike="noStrike">
+                        <a:latin typeface="Times New Roman"/>
+                      </a:endParaRPr>
+                    </a:p>
+                  </a:txBody>
+                  <a:tcPr marL="90000" marR="90000">
+                    <a:lnL w="720">
+                      <a:solidFill>
+                        <a:srgbClr val="ffffff"/>
+                      </a:solidFill>
+                    </a:lnL>
+                    <a:lnR w="720">
+                      <a:solidFill>
+                        <a:srgbClr val="ffffff"/>
+                      </a:solidFill>
+                    </a:lnR>
+                    <a:lnT w="720">
+                      <a:solidFill>
+                        <a:srgbClr val="ffffff"/>
+                      </a:solidFill>
+                    </a:lnT>
+                    <a:lnB w="720">
+                      <a:solidFill>
+                        <a:srgbClr val="ffffff"/>
+                      </a:solidFill>
+                    </a:lnB>
+                    <a:solidFill>
+                      <a:srgbClr val="0099ff"/>
+                    </a:solidFill>
+                  </a:tcPr>
+                </a:tc>
+                <a:tc>
+                  <a:txBody>
+                    <a:bodyPr lIns="90000" rIns="90000" tIns="46800" bIns="46800">
+                      <a:noAutofit/>
+                    </a:bodyPr>
+                    <a:p>
+                      <a:pPr algn="ctr">
+                        <a:lnSpc>
+                          <a:spcPct val="100000"/>
+                        </a:lnSpc>
+                      </a:pPr>
+                      <a:r>
+                        <a:rPr b="0" lang="pt-BR" sz="1800" spc="-1" strike="noStrike">
+                          <a:latin typeface="Arial"/>
+                          <a:ea typeface="Bitstream Vera Sans"/>
+                        </a:rPr>
+                        <a:t>3.8976</a:t>
+                      </a:r>
+                      <a:endParaRPr b="0" lang="pt-BR" sz="1800" spc="-1" strike="noStrike">
+                        <a:latin typeface="Times New Roman"/>
+                      </a:endParaRPr>
+                    </a:p>
+                  </a:txBody>
+                  <a:tcPr marL="90000" marR="90000">
+                    <a:lnL w="720">
+                      <a:solidFill>
+                        <a:srgbClr val="ffffff"/>
+                      </a:solidFill>
+                    </a:lnL>
+                    <a:lnR w="720">
+                      <a:solidFill>
+                        <a:srgbClr val="ffffff"/>
+                      </a:solidFill>
+                    </a:lnR>
+                    <a:lnT w="720">
+                      <a:solidFill>
+                        <a:srgbClr val="ffffff"/>
+                      </a:solidFill>
+                    </a:lnT>
+                    <a:lnB w="720">
+                      <a:solidFill>
+                        <a:srgbClr val="ffffff"/>
+                      </a:solidFill>
+                    </a:lnB>
+                    <a:solidFill>
+                      <a:srgbClr val="0099ff"/>
+                    </a:solidFill>
+                  </a:tcPr>
+                </a:tc>
+                <a:tc>
+                  <a:txBody>
+                    <a:bodyPr lIns="90000" rIns="90000" tIns="46800" bIns="46800">
+                      <a:noAutofit/>
+                    </a:bodyPr>
+                    <a:p>
+                      <a:pPr algn="ctr">
+                        <a:lnSpc>
+                          <a:spcPct val="100000"/>
+                        </a:lnSpc>
+                      </a:pPr>
+                      <a:r>
+                        <a:rPr b="0" lang="pt-BR" sz="1800" spc="-1" strike="noStrike">
+                          <a:latin typeface="Arial"/>
+                          <a:ea typeface="Bitstream Vera Sans"/>
+                        </a:rPr>
+                        <a:t>1.83x</a:t>
+                      </a:r>
+                      <a:endParaRPr b="0" lang="pt-BR" sz="1800" spc="-1" strike="noStrike">
+                        <a:latin typeface="Times New Roman"/>
+                      </a:endParaRPr>
+                    </a:p>
+                  </a:txBody>
+                  <a:tcPr marL="90000" marR="90000">
+                    <a:lnL w="720">
+                      <a:solidFill>
+                        <a:srgbClr val="ffffff"/>
+                      </a:solidFill>
+                    </a:lnL>
+                    <a:lnR w="720">
+                      <a:solidFill>
+                        <a:srgbClr val="ffffff"/>
+                      </a:solidFill>
+                    </a:lnR>
+                    <a:lnT w="720">
+                      <a:solidFill>
+                        <a:srgbClr val="ffffff"/>
+                      </a:solidFill>
+                    </a:lnT>
+                    <a:lnB w="720">
+                      <a:solidFill>
+                        <a:srgbClr val="ffffff"/>
+                      </a:solidFill>
+                    </a:lnB>
+                    <a:solidFill>
+                      <a:srgbClr val="0099ff"/>
+                    </a:solidFill>
+                  </a:tcPr>
+                </a:tc>
+                <a:tc>
+                  <a:txBody>
+                    <a:bodyPr lIns="90000" rIns="90000" tIns="46800" bIns="46800">
+                      <a:noAutofit/>
+                    </a:bodyPr>
+                    <a:p>
+                      <a:pPr>
+                        <a:lnSpc>
+                          <a:spcPct val="100000"/>
+                        </a:lnSpc>
+                      </a:pPr>
+                      <a:r>
+                        <a:rPr b="0" lang="pt-BR" sz="1800" spc="-1" strike="noStrike">
+                          <a:latin typeface="Arial"/>
+                          <a:ea typeface="Bitstream Vera Sans"/>
+                        </a:rPr>
+                        <a:t>          </a:t>
+                      </a:r>
+                      <a:r>
+                        <a:rPr b="0" lang="pt-BR" sz="1800" spc="-1" strike="noStrike">
+                          <a:latin typeface="Arial"/>
+                          <a:ea typeface="Bitstream Vera Sans"/>
+                        </a:rPr>
+                        <a:t>91,5% </a:t>
+                      </a:r>
+                      <a:endParaRPr b="0" lang="pt-BR" sz="1800" spc="-1" strike="noStrike">
+                        <a:latin typeface="Times New Roman"/>
+                      </a:endParaRPr>
+                    </a:p>
+                  </a:txBody>
+                  <a:tcPr marL="90000" marR="90000">
+                    <a:lnL w="720">
+                      <a:solidFill>
+                        <a:srgbClr val="ffffff"/>
+                      </a:solidFill>
+                    </a:lnL>
+                    <a:lnR w="720">
+                      <a:solidFill>
+                        <a:srgbClr val="ffffff"/>
+                      </a:solidFill>
+                    </a:lnR>
+                    <a:lnT w="720">
+                      <a:solidFill>
+                        <a:srgbClr val="ffffff"/>
+                      </a:solidFill>
+                    </a:lnT>
+                    <a:lnB w="720">
+                      <a:solidFill>
+                        <a:srgbClr val="ffffff"/>
+                      </a:solidFill>
+                    </a:lnB>
+                    <a:solidFill>
+                      <a:srgbClr val="0099ff"/>
+                    </a:solidFill>
+                  </a:tcPr>
+                </a:tc>
+              </a:tr>
+              <a:tr h="572040">
+                <a:tc>
+                  <a:txBody>
+                    <a:bodyPr lIns="90000" rIns="90000" tIns="46800" bIns="46800">
+                      <a:noAutofit/>
+                    </a:bodyPr>
+                    <a:p>
+                      <a:pPr algn="ctr">
+                        <a:lnSpc>
+                          <a:spcPct val="100000"/>
+                        </a:lnSpc>
+                      </a:pPr>
+                      <a:r>
+                        <a:rPr b="0" lang="pt-BR" sz="1800" spc="-1" strike="noStrike">
+                          <a:latin typeface="Arial"/>
+                          <a:ea typeface="Bitstream Vera Sans"/>
+                        </a:rPr>
+                        <a:t>MPI (2 processos)</a:t>
+                      </a:r>
+                      <a:endParaRPr b="0" lang="pt-BR" sz="1800" spc="-1" strike="noStrike">
+                        <a:latin typeface="Times New Roman"/>
+                      </a:endParaRPr>
+                    </a:p>
+                  </a:txBody>
+                  <a:tcPr marL="90000" marR="90000">
+                    <a:lnL w="720">
+                      <a:solidFill>
+                        <a:srgbClr val="ffffff"/>
+                      </a:solidFill>
+                    </a:lnL>
+                    <a:lnR w="720">
+                      <a:solidFill>
+                        <a:srgbClr val="ffffff"/>
+                      </a:solidFill>
+                    </a:lnR>
+                    <a:lnT w="720">
+                      <a:solidFill>
+                        <a:srgbClr val="ffffff"/>
+                      </a:solidFill>
+                    </a:lnT>
+                    <a:lnB w="720">
+                      <a:solidFill>
+                        <a:srgbClr val="ffffff"/>
+                      </a:solidFill>
+                    </a:lnB>
+                    <a:solidFill>
+                      <a:srgbClr val="99ccff"/>
+                    </a:solidFill>
+                  </a:tcPr>
+                </a:tc>
+                <a:tc>
+                  <a:txBody>
+                    <a:bodyPr lIns="90000" rIns="90000" tIns="46800" bIns="46800">
+                      <a:noAutofit/>
+                    </a:bodyPr>
+                    <a:p>
+                      <a:pPr algn="ctr">
+                        <a:lnSpc>
+                          <a:spcPct val="100000"/>
+                        </a:lnSpc>
+                      </a:pPr>
+                      <a:r>
+                        <a:rPr b="0" lang="pt-BR" sz="1800" spc="-1" strike="noStrike">
+                          <a:latin typeface="Arial"/>
+                          <a:ea typeface="Bitstream Vera Sans"/>
+                        </a:rPr>
+                        <a:t>150.000.000</a:t>
+                      </a:r>
+                      <a:endParaRPr b="0" lang="pt-BR" sz="1800" spc="-1" strike="noStrike">
+                        <a:latin typeface="Times New Roman"/>
+                      </a:endParaRPr>
+                    </a:p>
+                  </a:txBody>
+                  <a:tcPr marL="90000" marR="90000">
+                    <a:lnL w="720">
+                      <a:solidFill>
+                        <a:srgbClr val="ffffff"/>
+                      </a:solidFill>
+                    </a:lnL>
+                    <a:lnR w="720">
+                      <a:solidFill>
+                        <a:srgbClr val="ffffff"/>
+                      </a:solidFill>
+                    </a:lnR>
+                    <a:lnT w="720">
+                      <a:solidFill>
+                        <a:srgbClr val="ffffff"/>
+                      </a:solidFill>
+                    </a:lnT>
+                    <a:lnB w="720">
+                      <a:solidFill>
+                        <a:srgbClr val="ffffff"/>
+                      </a:solidFill>
+                    </a:lnB>
+                    <a:solidFill>
+                      <a:srgbClr val="99ccff"/>
+                    </a:solidFill>
+                  </a:tcPr>
+                </a:tc>
+                <a:tc>
+                  <a:txBody>
+                    <a:bodyPr lIns="90000" rIns="90000" tIns="46800" bIns="46800">
+                      <a:noAutofit/>
+                    </a:bodyPr>
+                    <a:p>
+                      <a:pPr algn="ctr">
+                        <a:lnSpc>
+                          <a:spcPct val="100000"/>
+                        </a:lnSpc>
+                      </a:pPr>
+                      <a:r>
+                        <a:rPr b="0" lang="pt-BR" sz="1800" spc="-1" strike="noStrike">
+                          <a:latin typeface="Arial"/>
+                          <a:ea typeface="Bitstream Vera Sans"/>
+                        </a:rPr>
+                        <a:t>4.0452</a:t>
+                      </a:r>
+                      <a:endParaRPr b="0" lang="pt-BR" sz="1800" spc="-1" strike="noStrike">
+                        <a:latin typeface="Times New Roman"/>
+                      </a:endParaRPr>
+                    </a:p>
+                  </a:txBody>
+                  <a:tcPr marL="90000" marR="90000">
+                    <a:lnL w="720">
+                      <a:solidFill>
+                        <a:srgbClr val="ffffff"/>
+                      </a:solidFill>
+                    </a:lnL>
+                    <a:lnR w="720">
+                      <a:solidFill>
+                        <a:srgbClr val="ffffff"/>
+                      </a:solidFill>
+                    </a:lnR>
+                    <a:lnT w="720">
+                      <a:solidFill>
+                        <a:srgbClr val="ffffff"/>
+                      </a:solidFill>
+                    </a:lnT>
+                    <a:lnB w="720">
+                      <a:solidFill>
+                        <a:srgbClr val="ffffff"/>
+                      </a:solidFill>
+                    </a:lnB>
+                    <a:solidFill>
+                      <a:srgbClr val="99ccff"/>
+                    </a:solidFill>
+                  </a:tcPr>
+                </a:tc>
+                <a:tc>
+                  <a:txBody>
+                    <a:bodyPr lIns="90000" rIns="90000" tIns="46800" bIns="46800">
+                      <a:noAutofit/>
+                    </a:bodyPr>
+                    <a:p>
+                      <a:pPr algn="ctr">
+                        <a:lnSpc>
+                          <a:spcPct val="100000"/>
+                        </a:lnSpc>
+                      </a:pPr>
+                      <a:r>
+                        <a:rPr b="0" lang="pt-BR" sz="1800" spc="-1" strike="noStrike">
+                          <a:latin typeface="Arial"/>
+                          <a:ea typeface="Bitstream Vera Sans"/>
+                        </a:rPr>
+                        <a:t>1.76x</a:t>
+                      </a:r>
+                      <a:endParaRPr b="0" lang="pt-BR" sz="1800" spc="-1" strike="noStrike">
+                        <a:latin typeface="Times New Roman"/>
+                      </a:endParaRPr>
+                    </a:p>
+                  </a:txBody>
+                  <a:tcPr marL="90000" marR="90000">
+                    <a:lnL w="720">
+                      <a:solidFill>
+                        <a:srgbClr val="ffffff"/>
+                      </a:solidFill>
+                    </a:lnL>
+                    <a:lnR w="720">
+                      <a:solidFill>
+                        <a:srgbClr val="ffffff"/>
+                      </a:solidFill>
+                    </a:lnR>
+                    <a:lnT w="720">
+                      <a:solidFill>
+                        <a:srgbClr val="ffffff"/>
+                      </a:solidFill>
+                    </a:lnT>
+                    <a:lnB w="720">
+                      <a:solidFill>
+                        <a:srgbClr val="ffffff"/>
+                      </a:solidFill>
+                    </a:lnB>
+                    <a:solidFill>
+                      <a:srgbClr val="99ccff"/>
+                    </a:solidFill>
+                  </a:tcPr>
+                </a:tc>
+                <a:tc>
+                  <a:txBody>
+                    <a:bodyPr lIns="90000" rIns="90000" tIns="46800" bIns="46800">
+                      <a:noAutofit/>
+                    </a:bodyPr>
+                    <a:p>
+                      <a:r>
+                        <a:rPr b="0" lang="pt-BR" sz="2400" spc="-1" strike="noStrike">
+                          <a:latin typeface="Times New Roman"/>
+                        </a:rPr>
+                        <a:t>          </a:t>
+                      </a:r>
+                      <a:r>
+                        <a:rPr b="0" lang="pt-BR" sz="1800" spc="-1" strike="noStrike">
+                          <a:latin typeface="Arial"/>
+                          <a:ea typeface="Bitstream Vera Sans"/>
+                        </a:rPr>
+                        <a:t>88%</a:t>
+                      </a:r>
+                      <a:endParaRPr b="0" lang="pt-BR" sz="1800" spc="-1" strike="noStrike">
+                        <a:latin typeface="Times New Roman"/>
+                      </a:endParaRPr>
+                    </a:p>
+                  </a:txBody>
+                  <a:tcPr marL="90000" marR="90000">
+                    <a:lnL w="720">
+                      <a:solidFill>
+                        <a:srgbClr val="ffffff"/>
+                      </a:solidFill>
+                    </a:lnL>
+                    <a:lnR w="720">
+                      <a:solidFill>
+                        <a:srgbClr val="ffffff"/>
+                      </a:solidFill>
+                    </a:lnR>
+                    <a:lnT w="720">
+                      <a:solidFill>
+                        <a:srgbClr val="ffffff"/>
+                      </a:solidFill>
+                    </a:lnT>
+                    <a:lnB w="720">
+                      <a:solidFill>
+                        <a:srgbClr val="ffffff"/>
+                      </a:solidFill>
+                    </a:lnB>
+                    <a:solidFill>
+                      <a:srgbClr val="99ccff"/>
+                    </a:solidFill>
+                  </a:tcPr>
+                </a:tc>
+              </a:tr>
+              <a:tr h="575280">
+                <a:tc>
+                  <a:txBody>
+                    <a:bodyPr lIns="90000" rIns="90000" tIns="46800" bIns="46800">
+                      <a:noAutofit/>
+                    </a:bodyPr>
+                    <a:p>
+                      <a:pPr algn="ctr">
+                        <a:lnSpc>
+                          <a:spcPct val="100000"/>
+                        </a:lnSpc>
+                      </a:pPr>
+                      <a:r>
+                        <a:rPr b="0" lang="pt-BR" sz="1800" spc="-1" strike="noStrike">
+                          <a:latin typeface="Arial"/>
+                          <a:ea typeface="Bitstream Vera Sans"/>
+                        </a:rPr>
+                        <a:t>MPI (4 processos)</a:t>
+                      </a:r>
+                      <a:endParaRPr b="0" lang="pt-BR" sz="1800" spc="-1" strike="noStrike">
+                        <a:latin typeface="Times New Roman"/>
+                      </a:endParaRPr>
+                    </a:p>
+                  </a:txBody>
+                  <a:tcPr marL="90000" marR="90000">
+                    <a:lnL w="720">
+                      <a:solidFill>
+                        <a:srgbClr val="ffffff"/>
+                      </a:solidFill>
+                    </a:lnL>
+                    <a:lnR w="720">
+                      <a:solidFill>
+                        <a:srgbClr val="ffffff"/>
+                      </a:solidFill>
+                    </a:lnR>
+                    <a:lnT w="720">
+                      <a:solidFill>
+                        <a:srgbClr val="ffffff"/>
+                      </a:solidFill>
+                    </a:lnT>
+                    <a:lnB w="720">
+                      <a:solidFill>
+                        <a:srgbClr val="ffffff"/>
+                      </a:solidFill>
+                    </a:lnB>
+                    <a:solidFill>
+                      <a:srgbClr val="0099ff"/>
+                    </a:solidFill>
+                  </a:tcPr>
+                </a:tc>
+                <a:tc>
+                  <a:txBody>
+                    <a:bodyPr lIns="90000" rIns="90000" tIns="46800" bIns="46800">
+                      <a:noAutofit/>
+                    </a:bodyPr>
+                    <a:p>
+                      <a:pPr algn="ctr">
+                        <a:lnSpc>
+                          <a:spcPct val="100000"/>
+                        </a:lnSpc>
+                      </a:pPr>
+                      <a:r>
+                        <a:rPr b="0" lang="pt-BR" sz="1800" spc="-1" strike="noStrike">
+                          <a:latin typeface="Arial"/>
+                          <a:ea typeface="Bitstream Vera Sans"/>
+                        </a:rPr>
+                        <a:t>150.000.000</a:t>
+                      </a:r>
+                      <a:endParaRPr b="0" lang="pt-BR" sz="1800" spc="-1" strike="noStrike">
+                        <a:latin typeface="Times New Roman"/>
+                      </a:endParaRPr>
+                    </a:p>
+                  </a:txBody>
+                  <a:tcPr marL="90000" marR="90000">
+                    <a:lnL w="720">
+                      <a:solidFill>
+                        <a:srgbClr val="ffffff"/>
+                      </a:solidFill>
+                    </a:lnL>
+                    <a:lnR w="720">
+                      <a:solidFill>
+                        <a:srgbClr val="ffffff"/>
+                      </a:solidFill>
+                    </a:lnR>
+                    <a:lnT w="720">
+                      <a:solidFill>
+                        <a:srgbClr val="ffffff"/>
+                      </a:solidFill>
+                    </a:lnT>
+                    <a:lnB w="720">
+                      <a:solidFill>
+                        <a:srgbClr val="ffffff"/>
+                      </a:solidFill>
+                    </a:lnB>
+                    <a:solidFill>
+                      <a:srgbClr val="0099ff"/>
+                    </a:solidFill>
+                  </a:tcPr>
+                </a:tc>
+                <a:tc>
+                  <a:txBody>
+                    <a:bodyPr lIns="90000" rIns="90000" tIns="46800" bIns="46800">
+                      <a:noAutofit/>
+                    </a:bodyPr>
+                    <a:p>
+                      <a:pPr algn="ctr">
+                        <a:lnSpc>
+                          <a:spcPct val="100000"/>
+                        </a:lnSpc>
+                      </a:pPr>
+                      <a:r>
+                        <a:rPr b="0" lang="pt-BR" sz="1800" spc="-1" strike="noStrike">
+                          <a:latin typeface="Arial"/>
+                          <a:ea typeface="Bitstream Vera Sans"/>
+                        </a:rPr>
+                        <a:t>2.2804</a:t>
+                      </a:r>
+                      <a:endParaRPr b="0" lang="pt-BR" sz="1800" spc="-1" strike="noStrike">
+                        <a:latin typeface="Times New Roman"/>
+                      </a:endParaRPr>
+                    </a:p>
+                  </a:txBody>
+                  <a:tcPr marL="90000" marR="90000">
+                    <a:lnL w="720">
+                      <a:solidFill>
+                        <a:srgbClr val="ffffff"/>
+                      </a:solidFill>
+                    </a:lnL>
+                    <a:lnR w="720">
+                      <a:solidFill>
+                        <a:srgbClr val="ffffff"/>
+                      </a:solidFill>
+                    </a:lnR>
+                    <a:lnT w="720">
+                      <a:solidFill>
+                        <a:srgbClr val="ffffff"/>
+                      </a:solidFill>
+                    </a:lnT>
+                    <a:lnB w="720">
+                      <a:solidFill>
+                        <a:srgbClr val="ffffff"/>
+                      </a:solidFill>
+                    </a:lnB>
+                    <a:solidFill>
+                      <a:srgbClr val="0099ff"/>
+                    </a:solidFill>
+                  </a:tcPr>
+                </a:tc>
+                <a:tc>
+                  <a:txBody>
+                    <a:bodyPr lIns="90000" rIns="90000" tIns="46800" bIns="46800">
+                      <a:noAutofit/>
+                    </a:bodyPr>
+                    <a:p>
+                      <a:pPr algn="ctr">
+                        <a:lnSpc>
+                          <a:spcPct val="100000"/>
+                        </a:lnSpc>
+                      </a:pPr>
+                      <a:r>
+                        <a:rPr b="0" lang="pt-BR" sz="1800" spc="-1" strike="noStrike">
+                          <a:latin typeface="Arial"/>
+                          <a:ea typeface="Bitstream Vera Sans"/>
+                        </a:rPr>
+                        <a:t>3.13x</a:t>
+                      </a:r>
+                      <a:endParaRPr b="0" lang="pt-BR" sz="1800" spc="-1" strike="noStrike">
+                        <a:latin typeface="Times New Roman"/>
+                      </a:endParaRPr>
+                    </a:p>
+                  </a:txBody>
+                  <a:tcPr marL="90000" marR="90000">
+                    <a:lnL w="720">
+                      <a:solidFill>
+                        <a:srgbClr val="ffffff"/>
+                      </a:solidFill>
+                    </a:lnL>
+                    <a:lnR w="720">
+                      <a:solidFill>
+                        <a:srgbClr val="ffffff"/>
+                      </a:solidFill>
+                    </a:lnR>
+                    <a:lnT w="720">
+                      <a:solidFill>
+                        <a:srgbClr val="ffffff"/>
+                      </a:solidFill>
+                    </a:lnT>
+                    <a:lnB w="720">
+                      <a:solidFill>
+                        <a:srgbClr val="ffffff"/>
+                      </a:solidFill>
+                    </a:lnB>
+                    <a:solidFill>
+                      <a:srgbClr val="0099ff"/>
+                    </a:solidFill>
+                  </a:tcPr>
+                </a:tc>
+                <a:tc>
+                  <a:txBody>
+                    <a:bodyPr lIns="90000" rIns="90000" tIns="46800" bIns="46800">
+                      <a:noAutofit/>
+                    </a:bodyPr>
+                    <a:p>
+                      <a:r>
+                        <a:rPr b="0" lang="pt-BR" sz="2400" spc="-1" strike="noStrike">
+                          <a:latin typeface="Times New Roman"/>
+                        </a:rPr>
+                        <a:t>        </a:t>
+                      </a:r>
+                      <a:r>
+                        <a:rPr b="0" lang="pt-BR" sz="1800" spc="-1" strike="noStrike">
+                          <a:latin typeface="Arial"/>
+                          <a:ea typeface="Bitstream Vera Sans"/>
+                        </a:rPr>
+                        <a:t>78,25%</a:t>
+                      </a:r>
+                      <a:endParaRPr b="0" lang="pt-BR" sz="1800" spc="-1" strike="noStrike">
+                        <a:latin typeface="Times New Roman"/>
+                      </a:endParaRPr>
+                    </a:p>
+                  </a:txBody>
+                  <a:tcPr marL="90000" marR="90000">
+                    <a:lnL w="720">
+                      <a:solidFill>
+                        <a:srgbClr val="ffffff"/>
+                      </a:solidFill>
+                    </a:lnL>
+                    <a:lnR w="720">
+                      <a:solidFill>
+                        <a:srgbClr val="ffffff"/>
+                      </a:solidFill>
+                    </a:lnR>
+                    <a:lnT w="720">
+                      <a:solidFill>
+                        <a:srgbClr val="ffffff"/>
+                      </a:solidFill>
+                    </a:lnT>
+                    <a:lnB w="720">
+                      <a:solidFill>
+                        <a:srgbClr val="ffffff"/>
+                      </a:solidFill>
+                    </a:lnB>
+                    <a:solidFill>
+                      <a:srgbClr val="0099ff"/>
+                    </a:solidFill>
+                  </a:tcPr>
+                </a:tc>
+              </a:tr>
+            </a:tbl>
+          </a:graphicData>
+        </a:graphic>
+      </p:graphicFrame>
+    </p:spTree>
+  </p:cSld>
+  <mc:AlternateContent>
+    <mc:Choice Requires="p14">
+      <p:transition spd="slow" p14:dur="2000"/>
+    </mc:Choice>
+    <mc:Fallback>
+      <p:transition spd="slow"/>
+    </mc:Fallback>
+  </mc:AlternateContent>
+</p:sld>
+</file>
+
+<file path=ppt/slides/slide7.xml><?xml version="1.0" encoding="utf-8"?>
+<p:sld xmlns:a="http://schemas.openxmlformats.org/drawingml/2006/main" xmlns:p="http://schemas.openxmlformats.org/presentationml/2006/main" xmlns:r="http://schemas.openxmlformats.org/officeDocument/2006/relationships" xmlns:p14="http://schemas.microsoft.com/office/powerpoint/2010/main" xmlns:p15="http://schemas.microsoft.com/office/powerpoint/2012/main" xmlns:mc="http://schemas.openxmlformats.org/markup-compatibility/2006">
+  <p:cSld>
+    <p:spTree>
+      <p:nvGrpSpPr>
+        <p:cNvPr id="1" name=""/>
+        <p:cNvGrpSpPr/>
+        <p:nvPr/>
+      </p:nvGrpSpPr>
+      <p:grpSpPr>
+        <a:xfrm>
+          <a:off x="0" y="0"/>
+          <a:ext cx="0" cy="0"/>
+          <a:chOff x="0" y="0"/>
+          <a:chExt cx="0" cy="0"/>
+        </a:xfrm>
+      </p:grpSpPr>
+      <p:sp>
+        <p:nvSpPr>
+          <p:cNvPr id="90" name="TextShape 1"/>
+          <p:cNvSpPr txBox="1"/>
+          <p:nvPr/>
+        </p:nvSpPr>
+        <p:spPr>
+          <a:xfrm>
+            <a:off x="609480" y="273600"/>
+            <a:ext cx="10972080" cy="1144440"/>
+          </a:xfrm>
+          <a:prstGeom prst="rect">
+            <a:avLst/>
+          </a:prstGeom>
+          <a:noFill/>
+          <a:ln w="0">
+            <a:noFill/>
+          </a:ln>
+        </p:spPr>
+        <p:txBody>
+          <a:bodyPr lIns="0" rIns="0" tIns="0" bIns="0" anchor="ctr">
+            <a:noAutofit/>
+          </a:bodyPr>
+          <a:p>
+            <a:pPr algn="ctr"/>
+            <a:r>
+              <a:rPr b="0" lang="pt-BR" sz="4400" spc="-1" strike="noStrike">
+                <a:latin typeface="Arial"/>
+              </a:rPr>
+              <a:t>Gráficos</a:t>
+            </a:r>
+            <a:endParaRPr b="0" lang="pt-BR" sz="4400" spc="-1" strike="noStrike">
+              <a:latin typeface="Arial"/>
+            </a:endParaRPr>
+          </a:p>
+        </p:txBody>
+      </p:sp>
+      <p:graphicFrame>
+        <p:nvGraphicFramePr>
+          <p:cNvPr id="91" name=""/>
+          <p:cNvGraphicFramePr/>
+          <p:nvPr/>
+        </p:nvGraphicFramePr>
+        <p:xfrm>
+          <a:off x="720000" y="1980000"/>
+          <a:ext cx="4571640" cy="2742840"/>
+        </p:xfrm>
+        <a:graphic>
+          <a:graphicData uri="http://schemas.openxmlformats.org/drawingml/2006/chart">
+            <c:chart xmlns:c="http://schemas.openxmlformats.org/drawingml/2006/chart" xmlns:r="http://schemas.openxmlformats.org/officeDocument/2006/relationships" r:id="rId1"/>
+          </a:graphicData>
+        </a:graphic>
+      </p:graphicFrame>
+      <p:graphicFrame>
+        <p:nvGraphicFramePr>
+          <p:cNvPr id="92" name=""/>
+          <p:cNvGraphicFramePr/>
+          <p:nvPr/>
+        </p:nvGraphicFramePr>
+        <p:xfrm>
+          <a:off x="5783760" y="1895040"/>
+          <a:ext cx="5754240" cy="3240360"/>
+        </p:xfrm>
+        <a:graphic>
+          <a:graphicData uri="http://schemas.openxmlformats.org/drawingml/2006/chart">
+            <c:chart xmlns:c="http://schemas.openxmlformats.org/drawingml/2006/chart" xmlns:r="http://schemas.openxmlformats.org/officeDocument/2006/relationships" r:id="rId2"/>
+          </a:graphicData>
+        </a:graphic>
+      </p:graphicFrame>
+    </p:spTree>
+  </p:cSld>
+  <mc:AlternateContent>
+    <mc:Choice Requires="p14">
+      <p:transition spd="slow" p14:dur="2000"/>
+    </mc:Choice>
+    <mc:Fallback>
+      <p:transition spd="slow"/>
+    </mc:Fallback>
+  </mc:AlternateContent>
+</p:sld>
+</file>
+
+<file path=ppt/slides/slide8.xml><?xml version="1.0" encoding="utf-8"?>
+<p:sld xmlns:a="http://schemas.openxmlformats.org/drawingml/2006/main" xmlns:p="http://schemas.openxmlformats.org/presentationml/2006/main" xmlns:r="http://schemas.openxmlformats.org/officeDocument/2006/relationships" xmlns:p14="http://schemas.microsoft.com/office/powerpoint/2010/main" xmlns:p15="http://schemas.microsoft.com/office/powerpoint/2012/main" xmlns:mc="http://schemas.openxmlformats.org/markup-compatibility/2006">
+  <p:cSld>
+    <p:spTree>
+      <p:nvGrpSpPr>
+        <p:cNvPr id="1" name=""/>
+        <p:cNvGrpSpPr/>
+        <p:nvPr/>
+      </p:nvGrpSpPr>
+      <p:grpSpPr>
+        <a:xfrm>
+          <a:off x="0" y="0"/>
+          <a:ext cx="0" cy="0"/>
+          <a:chOff x="0" y="0"/>
+          <a:chExt cx="0" cy="0"/>
+        </a:xfrm>
+      </p:grpSpPr>
+      <p:sp>
+        <p:nvSpPr>
+          <p:cNvPr id="93" name="TextShape 1"/>
+          <p:cNvSpPr txBox="1"/>
+          <p:nvPr/>
+        </p:nvSpPr>
+        <p:spPr>
+          <a:xfrm>
+            <a:off x="609480" y="273600"/>
+            <a:ext cx="10972080" cy="1144440"/>
+          </a:xfrm>
+          <a:prstGeom prst="rect">
+            <a:avLst/>
+          </a:prstGeom>
+          <a:noFill/>
+          <a:ln w="0">
+            <a:noFill/>
+          </a:ln>
+        </p:spPr>
+        <p:txBody>
+          <a:bodyPr lIns="0" rIns="0" tIns="0" bIns="0" anchor="ctr">
+            <a:noAutofit/>
+          </a:bodyPr>
+          <a:p>
+            <a:pPr algn="ctr"/>
+            <a:r>
+              <a:rPr b="0" lang="pt-BR" sz="4400" spc="-1" strike="noStrike">
+                <a:latin typeface="Arial"/>
+              </a:rPr>
+              <a:t>Referências</a:t>
+            </a:r>
+            <a:endParaRPr b="0" lang="pt-BR" sz="4400" spc="-1" strike="noStrike">
+              <a:latin typeface="Arial"/>
+            </a:endParaRPr>
+          </a:p>
+        </p:txBody>
+      </p:sp>
+      <p:sp>
+        <p:nvSpPr>
+          <p:cNvPr id="94" name="TextShape 2"/>
+          <p:cNvSpPr txBox="1"/>
+          <p:nvPr/>
+        </p:nvSpPr>
+        <p:spPr>
+          <a:xfrm>
+            <a:off x="609480" y="1604520"/>
+            <a:ext cx="10972080" cy="3976920"/>
+          </a:xfrm>
+          <a:prstGeom prst="rect">
+            <a:avLst/>
+          </a:prstGeom>
+          <a:noFill/>
+          <a:ln w="0">
+            <a:noFill/>
+          </a:ln>
+        </p:spPr>
+        <p:txBody>
+          <a:bodyPr lIns="0" rIns="0" tIns="0" bIns="0">
+            <a:normAutofit/>
+          </a:bodyPr>
+          <a:p>
+            <a:r>
+              <a:rPr b="0" lang="pt-BR" sz="2000" spc="-1" strike="noStrike">
+                <a:solidFill>
+                  <a:srgbClr val="481d32"/>
+                </a:solidFill>
+                <a:latin typeface="Arial"/>
+                <a:ea typeface="Bitstream Vera Sans"/>
+                <a:hlinkClick r:id="rId1"/>
+              </a:rPr>
+              <a:t>https://sci01-ter-jne.ufca.edu.br/computacao/course/view.php?id=12</a:t>
+            </a:r>
+            <a:endParaRPr b="0" lang="pt-BR" sz="2000" spc="-1" strike="noStrike">
+              <a:latin typeface="Arial"/>
+            </a:endParaRPr>
+          </a:p>
+          <a:p>
+            <a:r>
+              <a:rPr b="0" lang="pt-BR" sz="2000" spc="-1" strike="noStrike">
+                <a:solidFill>
+                  <a:srgbClr val="481d32"/>
+                </a:solidFill>
+                <a:latin typeface="Arial"/>
+                <a:ea typeface="Bitstream Vera Sans"/>
+                <a:hlinkClick r:id="rId2"/>
+              </a:rPr>
+              <a:t>https://stackoverflow.com/questions/20413995/reducing-on-array-in-openmp</a:t>
+            </a:r>
+            <a:endParaRPr b="0" lang="pt-BR" sz="2000" spc="-1" strike="noStrike">
+              <a:latin typeface="Arial"/>
+            </a:endParaRPr>
+          </a:p>
+          <a:p>
+            <a:endParaRPr b="0" lang="pt-BR" sz="2000" spc="-1" strike="noStrike">
+              <a:latin typeface="Arial"/>
             </a:endParaRPr>
           </a:p>
         </p:txBody>

--- a/Projeto.pptx
+++ b/Projeto.pptx
@@ -4,16 +4,21 @@
   <p:sldMasterIdLst>
     <p:sldMasterId id="2147483648" r:id="rId2"/>
     <p:sldMasterId id="2147483661" r:id="rId3"/>
+    <p:sldMasterId id="2147483674" r:id="rId4"/>
+    <p:sldMasterId id="2147483687" r:id="rId5"/>
   </p:sldMasterIdLst>
   <p:sldIdLst>
-    <p:sldId id="256" r:id="rId4"/>
-    <p:sldId id="257" r:id="rId5"/>
-    <p:sldId id="258" r:id="rId6"/>
-    <p:sldId id="259" r:id="rId7"/>
-    <p:sldId id="260" r:id="rId8"/>
-    <p:sldId id="261" r:id="rId9"/>
-    <p:sldId id="262" r:id="rId10"/>
-    <p:sldId id="263" r:id="rId11"/>
+    <p:sldId id="256" r:id="rId6"/>
+    <p:sldId id="257" r:id="rId7"/>
+    <p:sldId id="258" r:id="rId8"/>
+    <p:sldId id="259" r:id="rId9"/>
+    <p:sldId id="260" r:id="rId10"/>
+    <p:sldId id="261" r:id="rId11"/>
+    <p:sldId id="262" r:id="rId12"/>
+    <p:sldId id="263" r:id="rId13"/>
+    <p:sldId id="264" r:id="rId14"/>
+    <p:sldId id="265" r:id="rId15"/>
+    <p:sldId id="266" r:id="rId16"/>
   </p:sldIdLst>
   <p:sldSz cx="12192000" cy="6858000"/>
   <p:notesSz cx="7559675" cy="10691812"/>
@@ -32,19 +37,21 @@
           <a:lstStyle/>
           <a:p>
             <a:pPr>
-              <a:defRPr b="1" lang="pt-BR" sz="1600" spc="97" strike="noStrike">
+              <a:defRPr b="1" lang="pt-BR" sz="1600" spc="94" strike="noStrike">
                 <a:solidFill>
                   <a:srgbClr val="f2f2f2"/>
                 </a:solidFill>
                 <a:latin typeface="Cambria"/>
+                <a:ea typeface="DejaVu Sans"/>
               </a:defRPr>
             </a:pPr>
             <a:r>
-              <a:rPr b="1" lang="pt-BR" sz="1600" spc="97" strike="noStrike">
+              <a:rPr b="1" lang="pt-BR" sz="1600" spc="94" strike="noStrike">
                 <a:solidFill>
                   <a:srgbClr val="f2f2f2"/>
                 </a:solidFill>
                 <a:latin typeface="Cambria"/>
+                <a:ea typeface="DejaVu Sans"/>
               </a:rPr>
               <a:t>Gráfico de Speedup</a:t>
             </a:r>
@@ -107,6 +114,7 @@
                       <a:srgbClr val="000000"/>
                     </a:solidFill>
                     <a:latin typeface="Cambria"/>
+                    <a:ea typeface="DejaVu Sans"/>
                   </a:defRPr>
                 </a:pPr>
               </a:p>
@@ -191,6 +199,7 @@
                       <a:srgbClr val="000000"/>
                     </a:solidFill>
                     <a:latin typeface="Cambria"/>
+                    <a:ea typeface="DejaVu Sans"/>
                   </a:defRPr>
                 </a:pPr>
               </a:p>
@@ -275,6 +284,7 @@
                       <a:srgbClr val="000000"/>
                     </a:solidFill>
                     <a:latin typeface="Cambria"/>
+                    <a:ea typeface="DejaVu Sans"/>
                   </a:defRPr>
                 </a:pPr>
               </a:p>
@@ -359,6 +369,7 @@
                       <a:srgbClr val="000000"/>
                     </a:solidFill>
                     <a:latin typeface="Cambria"/>
+                    <a:ea typeface="DejaVu Sans"/>
                   </a:defRPr>
                 </a:pPr>
               </a:p>
@@ -443,6 +454,7 @@
                       <a:srgbClr val="000000"/>
                     </a:solidFill>
                     <a:latin typeface="Cambria"/>
+                    <a:ea typeface="DejaVu Sans"/>
                   </a:defRPr>
                 </a:pPr>
               </a:p>
@@ -487,11 +499,11 @@
         </c:ser>
         <c:gapWidth val="115"/>
         <c:overlap val="-20"/>
-        <c:axId val="13299187"/>
-        <c:axId val="48173328"/>
+        <c:axId val="1607109"/>
+        <c:axId val="33358470"/>
       </c:barChart>
       <c:catAx>
-        <c:axId val="13299187"/>
+        <c:axId val="1607109"/>
         <c:scaling>
           <c:orientation val="minMax"/>
         </c:scaling>
@@ -521,11 +533,12 @@
                   <a:srgbClr val="d9d9d9"/>
                 </a:solidFill>
                 <a:latin typeface="Cambria"/>
+                <a:ea typeface="DejaVu Sans"/>
               </a:defRPr>
             </a:pPr>
           </a:p>
         </c:txPr>
-        <c:crossAx val="48173328"/>
+        <c:crossAx val="33358470"/>
         <c:crosses val="autoZero"/>
         <c:auto val="1"/>
         <c:lblAlgn val="ctr"/>
@@ -533,7 +546,7 @@
         <c:noMultiLvlLbl val="0"/>
       </c:catAx>
       <c:valAx>
-        <c:axId val="48173328"/>
+        <c:axId val="33358470"/>
         <c:scaling>
           <c:orientation val="minMax"/>
         </c:scaling>
@@ -570,11 +583,12 @@
                   <a:srgbClr val="d9d9d9"/>
                 </a:solidFill>
                 <a:latin typeface="Cambria"/>
+                <a:ea typeface="DejaVu Sans"/>
               </a:defRPr>
             </a:pPr>
           </a:p>
         </c:txPr>
-        <c:crossAx val="13299187"/>
+        <c:crossAx val="1607109"/>
         <c:crosses val="autoZero"/>
         <c:crossBetween val="between"/>
       </c:valAx>
@@ -604,6 +618,7 @@
                 <a:srgbClr val="d9d9d9"/>
               </a:solidFill>
               <a:latin typeface="Cambria"/>
+              <a:ea typeface="DejaVu Sans"/>
             </a:defRPr>
           </a:pPr>
         </a:p>
@@ -674,7 +689,11 @@
               <a:p>
                 <a:pPr>
                   <a:defRPr b="0" sz="1000" spc="-1" strike="noStrike">
+                    <a:solidFill>
+                      <a:srgbClr val="000000"/>
+                    </a:solidFill>
                     <a:latin typeface="Arial"/>
+                    <a:ea typeface="DejaVu Sans"/>
                   </a:defRPr>
                 </a:pPr>
               </a:p>
@@ -722,7 +741,7 @@
           <c:order val="1"/>
           <c:tx>
             <c:strRef>
-              <c:f>label 3</c:f>
+              <c:f>label 1</c:f>
               <c:strCache>
                 <c:ptCount val="1"/>
                 <c:pt idx="0">
@@ -747,11 +766,16 @@
               <a:p>
                 <a:pPr>
                   <a:defRPr b="0" sz="1000" spc="-1" strike="noStrike">
+                    <a:solidFill>
+                      <a:srgbClr val="000000"/>
+                    </a:solidFill>
                     <a:latin typeface="Arial"/>
+                    <a:ea typeface="DejaVu Sans"/>
                   </a:defRPr>
                 </a:pPr>
               </a:p>
             </c:txPr>
+            <c:dLblPos val="outEnd"/>
             <c:showLegendKey val="0"/>
             <c:showVal val="0"/>
             <c:showCatName val="0"/>
@@ -778,7 +802,7 @@
           </c:cat>
           <c:val>
             <c:numRef>
-              <c:f>3</c:f>
+              <c:f>1</c:f>
               <c:numCache>
                 <c:formatCode>General</c:formatCode>
                 <c:ptCount val="1"/>
@@ -819,11 +843,16 @@
               <a:p>
                 <a:pPr>
                   <a:defRPr b="0" sz="1000" spc="-1" strike="noStrike">
+                    <a:solidFill>
+                      <a:srgbClr val="000000"/>
+                    </a:solidFill>
                     <a:latin typeface="Arial"/>
+                    <a:ea typeface="DejaVu Sans"/>
                   </a:defRPr>
                 </a:pPr>
               </a:p>
             </c:txPr>
+            <c:dLblPos val="outEnd"/>
             <c:showLegendKey val="0"/>
             <c:showVal val="0"/>
             <c:showCatName val="0"/>
@@ -866,7 +895,7 @@
           <c:order val="3"/>
           <c:tx>
             <c:strRef>
-              <c:f>label 4</c:f>
+              <c:f>label 3</c:f>
               <c:strCache>
                 <c:ptCount val="1"/>
                 <c:pt idx="0">
@@ -891,11 +920,93 @@
               <a:p>
                 <a:pPr>
                   <a:defRPr b="0" sz="1000" spc="-1" strike="noStrike">
+                    <a:solidFill>
+                      <a:srgbClr val="000000"/>
+                    </a:solidFill>
                     <a:latin typeface="Arial"/>
+                    <a:ea typeface="DejaVu Sans"/>
                   </a:defRPr>
                 </a:pPr>
               </a:p>
             </c:txPr>
+            <c:dLblPos val="outEnd"/>
+            <c:showLegendKey val="0"/>
+            <c:showVal val="0"/>
+            <c:showCatName val="0"/>
+            <c:showSerName val="0"/>
+            <c:showPercent val="0"/>
+            <c:separator> </c:separator>
+            <c:showLeaderLines val="0"/>
+            <c:extLst>
+              <c:ext xmlns:c15="http://schemas.microsoft.com/office/drawing/2012/chart" uri="{CE6537A1-D6FC-4f65-9D91-7224C49458BB}">
+                <c15:showLeaderLines val="1"/>
+              </c:ext>
+            </c:extLst>
+          </c:dLbls>
+          <c:cat>
+            <c:strRef>
+              <c:f>categories</c:f>
+              <c:strCache>
+                <c:ptCount val="1"/>
+                <c:pt idx="0">
+                  <c:v>Tempo</c:v>
+                </c:pt>
+              </c:strCache>
+            </c:strRef>
+          </c:cat>
+          <c:val>
+            <c:numRef>
+              <c:f>3</c:f>
+              <c:numCache>
+                <c:formatCode>General</c:formatCode>
+                <c:ptCount val="1"/>
+                <c:pt idx="0">
+                  <c:v>4.0452</c:v>
+                </c:pt>
+              </c:numCache>
+            </c:numRef>
+          </c:val>
+        </c:ser>
+        <c:ser>
+          <c:idx val="4"/>
+          <c:order val="4"/>
+          <c:tx>
+            <c:strRef>
+              <c:f>label 4</c:f>
+              <c:strCache>
+                <c:ptCount val="1"/>
+                <c:pt idx="0">
+                  <c:v>MPI(4 Processos)</c:v>
+                </c:pt>
+              </c:strCache>
+            </c:strRef>
+          </c:tx>
+          <c:spPr>
+            <a:solidFill>
+              <a:srgbClr val="7e0021"/>
+            </a:solidFill>
+            <a:ln w="0">
+              <a:noFill/>
+            </a:ln>
+          </c:spPr>
+          <c:invertIfNegative val="0"/>
+          <c:dLbls>
+            <c:txPr>
+              <a:bodyPr wrap="none"/>
+              <a:lstStyle/>
+              <a:p>
+                <a:pPr>
+                  <a:defRPr b="0" sz="1000" spc="-1" strike="noStrike">
+                    <a:solidFill>
+                      <a:srgbClr val="000000"/>
+                    </a:solidFill>
+                    <a:latin typeface="Arial"/>
+                    <a:ea typeface="DejaVu Sans"/>
+                  </a:defRPr>
+                </a:pPr>
+              </a:p>
+            </c:txPr>
+            <c:dLblPos val="outEnd"/>
             <c:showLegendKey val="0"/>
             <c:showVal val="0"/>
             <c:showCatName val="0"/>
@@ -927,78 +1038,6 @@
                 <c:formatCode>General</c:formatCode>
                 <c:ptCount val="1"/>
                 <c:pt idx="0">
-                  <c:v>4.0452</c:v>
-                </c:pt>
-              </c:numCache>
-            </c:numRef>
-          </c:val>
-        </c:ser>
-        <c:ser>
-          <c:idx val="4"/>
-          <c:order val="4"/>
-          <c:tx>
-            <c:strRef>
-              <c:f>label 1</c:f>
-              <c:strCache>
-                <c:ptCount val="1"/>
-                <c:pt idx="0">
-                  <c:v>MPI(4 Processos)</c:v>
-                </c:pt>
-              </c:strCache>
-            </c:strRef>
-          </c:tx>
-          <c:spPr>
-            <a:solidFill>
-              <a:srgbClr val="7e0021"/>
-            </a:solidFill>
-            <a:ln w="0">
-              <a:noFill/>
-            </a:ln>
-          </c:spPr>
-          <c:invertIfNegative val="0"/>
-          <c:dLbls>
-            <c:txPr>
-              <a:bodyPr wrap="none"/>
-              <a:lstStyle/>
-              <a:p>
-                <a:pPr>
-                  <a:defRPr b="0" sz="1000" spc="-1" strike="noStrike">
-                    <a:latin typeface="Arial"/>
-                  </a:defRPr>
-                </a:pPr>
-              </a:p>
-            </c:txPr>
-            <c:showLegendKey val="0"/>
-            <c:showVal val="0"/>
-            <c:showCatName val="0"/>
-            <c:showSerName val="0"/>
-            <c:showPercent val="0"/>
-            <c:separator> </c:separator>
-            <c:showLeaderLines val="0"/>
-            <c:extLst>
-              <c:ext xmlns:c15="http://schemas.microsoft.com/office/drawing/2012/chart" uri="{CE6537A1-D6FC-4f65-9D91-7224C49458BB}">
-                <c15:showLeaderLines val="1"/>
-              </c:ext>
-            </c:extLst>
-          </c:dLbls>
-          <c:cat>
-            <c:strRef>
-              <c:f>categories</c:f>
-              <c:strCache>
-                <c:ptCount val="1"/>
-                <c:pt idx="0">
-                  <c:v>Tempo</c:v>
-                </c:pt>
-              </c:strCache>
-            </c:strRef>
-          </c:cat>
-          <c:val>
-            <c:numRef>
-              <c:f>1</c:f>
-              <c:numCache>
-                <c:formatCode>General</c:formatCode>
-                <c:ptCount val="1"/>
-                <c:pt idx="0">
                   <c:v>2.2804</c:v>
                 </c:pt>
               </c:numCache>
@@ -1007,17 +1046,17 @@
         </c:ser>
         <c:gapWidth val="100"/>
         <c:overlap val="0"/>
-        <c:axId val="29882727"/>
-        <c:axId val="29477827"/>
+        <c:axId val="28298714"/>
+        <c:axId val="91330244"/>
       </c:barChart>
       <c:catAx>
-        <c:axId val="29882727"/>
+        <c:axId val="28298714"/>
         <c:scaling>
           <c:orientation val="minMax"/>
         </c:scaling>
         <c:delete val="0"/>
         <c:axPos val="b"/>
-        <c:numFmt formatCode="[$-416]dd/mm/yyyy" sourceLinked="1"/>
+        <c:numFmt formatCode="[$-416]dd/mm/yyyy" sourceLinked="0"/>
         <c:majorTickMark val="out"/>
         <c:minorTickMark val="none"/>
         <c:tickLblPos val="nextTo"/>
@@ -1034,12 +1073,16 @@
           <a:p>
             <a:pPr>
               <a:defRPr b="0" sz="1000" spc="-1" strike="noStrike">
+                <a:solidFill>
+                  <a:srgbClr val="000000"/>
+                </a:solidFill>
                 <a:latin typeface="Arial"/>
+                <a:ea typeface="DejaVu Sans"/>
               </a:defRPr>
             </a:pPr>
           </a:p>
         </c:txPr>
-        <c:crossAx val="29477827"/>
+        <c:crossAx val="91330244"/>
         <c:crosses val="autoZero"/>
         <c:auto val="1"/>
         <c:lblAlgn val="ctr"/>
@@ -1047,7 +1090,7 @@
         <c:noMultiLvlLbl val="0"/>
       </c:catAx>
       <c:valAx>
-        <c:axId val="29477827"/>
+        <c:axId val="91330244"/>
         <c:scaling>
           <c:orientation val="minMax"/>
         </c:scaling>
@@ -1062,7 +1105,7 @@
             </a:ln>
           </c:spPr>
         </c:majorGridlines>
-        <c:numFmt formatCode="General" sourceLinked="1"/>
+        <c:numFmt formatCode="General" sourceLinked="0"/>
         <c:majorTickMark val="out"/>
         <c:minorTickMark val="none"/>
         <c:tickLblPos val="nextTo"/>
@@ -1079,12 +1122,16 @@
           <a:p>
             <a:pPr>
               <a:defRPr b="0" sz="1000" spc="-1" strike="noStrike">
+                <a:solidFill>
+                  <a:srgbClr val="000000"/>
+                </a:solidFill>
                 <a:latin typeface="Arial"/>
+                <a:ea typeface="DejaVu Sans"/>
               </a:defRPr>
             </a:pPr>
           </a:p>
         </c:txPr>
-        <c:crossAx val="29882727"/>
+        <c:crossAx val="28298714"/>
         <c:crosses val="autoZero"/>
         <c:crossBetween val="between"/>
       </c:valAx>
@@ -1112,7 +1159,11 @@
         <a:p>
           <a:pPr>
             <a:defRPr b="0" sz="1000" spc="-1" strike="noStrike">
-              <a:latin typeface="Arial"/>
+              <a:solidFill>
+                <a:srgbClr val="000000"/>
+              </a:solidFill>
+              <a:latin typeface="Arial"/>
+              <a:ea typeface="DejaVu Sans"/>
             </a:defRPr>
           </a:pPr>
         </a:p>
@@ -1182,7 +1233,7 @@
         <p:spPr>
           <a:xfrm>
             <a:off x="609480" y="273600"/>
-            <a:ext cx="10972080" cy="1144440"/>
+            <a:ext cx="10971720" cy="1144080"/>
           </a:xfrm>
           <a:prstGeom prst="rect">
             <a:avLst/>
@@ -1213,7 +1264,7 @@
         <p:spPr>
           <a:xfrm>
             <a:off x="609480" y="1604520"/>
-            <a:ext cx="10972080" cy="1896840"/>
+            <a:ext cx="10971720" cy="1896480"/>
           </a:xfrm>
           <a:prstGeom prst="rect">
             <a:avLst/>
@@ -1242,8 +1293,8 @@
         </p:nvSpPr>
         <p:spPr>
           <a:xfrm>
-            <a:off x="609480" y="3682080"/>
-            <a:ext cx="10972080" cy="1896840"/>
+            <a:off x="609480" y="3681720"/>
+            <a:ext cx="10971720" cy="1896480"/>
           </a:xfrm>
           <a:prstGeom prst="rect">
             <a:avLst/>
@@ -1295,7 +1346,7 @@
         <p:spPr>
           <a:xfrm>
             <a:off x="609480" y="273600"/>
-            <a:ext cx="10972080" cy="1144440"/>
+            <a:ext cx="10971720" cy="1144080"/>
           </a:xfrm>
           <a:prstGeom prst="rect">
             <a:avLst/>
@@ -1326,7 +1377,7 @@
         <p:spPr>
           <a:xfrm>
             <a:off x="609480" y="1604520"/>
-            <a:ext cx="5354280" cy="1896840"/>
+            <a:ext cx="5353920" cy="1896480"/>
           </a:xfrm>
           <a:prstGeom prst="rect">
             <a:avLst/>
@@ -1355,8 +1406,8 @@
         </p:nvSpPr>
         <p:spPr>
           <a:xfrm>
-            <a:off x="6231960" y="1604520"/>
-            <a:ext cx="5354280" cy="1896840"/>
+            <a:off x="6231600" y="1604520"/>
+            <a:ext cx="5353920" cy="1896480"/>
           </a:xfrm>
           <a:prstGeom prst="rect">
             <a:avLst/>
@@ -1385,8 +1436,8 @@
         </p:nvSpPr>
         <p:spPr>
           <a:xfrm>
-            <a:off x="609480" y="3682080"/>
-            <a:ext cx="5354280" cy="1896840"/>
+            <a:off x="609480" y="3681720"/>
+            <a:ext cx="5353920" cy="1896480"/>
           </a:xfrm>
           <a:prstGeom prst="rect">
             <a:avLst/>
@@ -1415,8 +1466,8 @@
         </p:nvSpPr>
         <p:spPr>
           <a:xfrm>
-            <a:off x="6231960" y="3682080"/>
-            <a:ext cx="5354280" cy="1896840"/>
+            <a:off x="6231600" y="3681720"/>
+            <a:ext cx="5353920" cy="1896480"/>
           </a:xfrm>
           <a:prstGeom prst="rect">
             <a:avLst/>
@@ -1468,7 +1519,7 @@
         <p:spPr>
           <a:xfrm>
             <a:off x="609480" y="273600"/>
-            <a:ext cx="10972080" cy="1144440"/>
+            <a:ext cx="10971720" cy="1144080"/>
           </a:xfrm>
           <a:prstGeom prst="rect">
             <a:avLst/>
@@ -1499,7 +1550,7 @@
         <p:spPr>
           <a:xfrm>
             <a:off x="609480" y="1604520"/>
-            <a:ext cx="3532680" cy="1896840"/>
+            <a:ext cx="3532680" cy="1896480"/>
           </a:xfrm>
           <a:prstGeom prst="rect">
             <a:avLst/>
@@ -1529,7 +1580,7 @@
         <p:spPr>
           <a:xfrm>
             <a:off x="4319280" y="1604520"/>
-            <a:ext cx="3532680" cy="1896840"/>
+            <a:ext cx="3532680" cy="1896480"/>
           </a:xfrm>
           <a:prstGeom prst="rect">
             <a:avLst/>
@@ -1559,7 +1610,7 @@
         <p:spPr>
           <a:xfrm>
             <a:off x="8028720" y="1604520"/>
-            <a:ext cx="3532680" cy="1896840"/>
+            <a:ext cx="3532680" cy="1896480"/>
           </a:xfrm>
           <a:prstGeom prst="rect">
             <a:avLst/>
@@ -1588,8 +1639,8 @@
         </p:nvSpPr>
         <p:spPr>
           <a:xfrm>
-            <a:off x="609480" y="3682080"/>
-            <a:ext cx="3532680" cy="1896840"/>
+            <a:off x="609480" y="3681720"/>
+            <a:ext cx="3532680" cy="1896480"/>
           </a:xfrm>
           <a:prstGeom prst="rect">
             <a:avLst/>
@@ -1618,8 +1669,8 @@
         </p:nvSpPr>
         <p:spPr>
           <a:xfrm>
-            <a:off x="4319280" y="3682080"/>
-            <a:ext cx="3532680" cy="1896840"/>
+            <a:off x="4319280" y="3681720"/>
+            <a:ext cx="3532680" cy="1896480"/>
           </a:xfrm>
           <a:prstGeom prst="rect">
             <a:avLst/>
@@ -1648,8 +1699,8 @@
         </p:nvSpPr>
         <p:spPr>
           <a:xfrm>
-            <a:off x="8028720" y="3682080"/>
-            <a:ext cx="3532680" cy="1896840"/>
+            <a:off x="8028720" y="3681720"/>
+            <a:ext cx="3532680" cy="1896480"/>
           </a:xfrm>
           <a:prstGeom prst="rect">
             <a:avLst/>
@@ -1723,7 +1774,7 @@
         <p:spPr>
           <a:xfrm>
             <a:off x="609480" y="273600"/>
-            <a:ext cx="10972080" cy="1144440"/>
+            <a:ext cx="10971720" cy="1144080"/>
           </a:xfrm>
           <a:prstGeom prst="rect">
             <a:avLst/>
@@ -1754,7 +1805,7 @@
         <p:spPr>
           <a:xfrm>
             <a:off x="609480" y="1604520"/>
-            <a:ext cx="10972080" cy="3976920"/>
+            <a:ext cx="10971720" cy="3976560"/>
           </a:xfrm>
           <a:prstGeom prst="rect">
             <a:avLst/>
@@ -1807,7 +1858,7 @@
         <p:spPr>
           <a:xfrm>
             <a:off x="609480" y="273600"/>
-            <a:ext cx="10972080" cy="1144440"/>
+            <a:ext cx="10971720" cy="1144080"/>
           </a:xfrm>
           <a:prstGeom prst="rect">
             <a:avLst/>
@@ -1838,7 +1889,7 @@
         <p:spPr>
           <a:xfrm>
             <a:off x="609480" y="1604520"/>
-            <a:ext cx="10972080" cy="3976920"/>
+            <a:ext cx="10971720" cy="3976560"/>
           </a:xfrm>
           <a:prstGeom prst="rect">
             <a:avLst/>
@@ -1890,7 +1941,7 @@
         <p:spPr>
           <a:xfrm>
             <a:off x="609480" y="273600"/>
-            <a:ext cx="10972080" cy="1144440"/>
+            <a:ext cx="10971720" cy="1144080"/>
           </a:xfrm>
           <a:prstGeom prst="rect">
             <a:avLst/>
@@ -1921,7 +1972,7 @@
         <p:spPr>
           <a:xfrm>
             <a:off x="609480" y="1604520"/>
-            <a:ext cx="5354280" cy="3976920"/>
+            <a:ext cx="5353920" cy="3976560"/>
           </a:xfrm>
           <a:prstGeom prst="rect">
             <a:avLst/>
@@ -1950,8 +2001,8 @@
         </p:nvSpPr>
         <p:spPr>
           <a:xfrm>
-            <a:off x="6231960" y="1604520"/>
-            <a:ext cx="5354280" cy="3976920"/>
+            <a:off x="6231600" y="1604520"/>
+            <a:ext cx="5353920" cy="3976560"/>
           </a:xfrm>
           <a:prstGeom prst="rect">
             <a:avLst/>
@@ -2003,7 +2054,7 @@
         <p:spPr>
           <a:xfrm>
             <a:off x="609480" y="273600"/>
-            <a:ext cx="10972080" cy="1144440"/>
+            <a:ext cx="10971720" cy="1144080"/>
           </a:xfrm>
           <a:prstGeom prst="rect">
             <a:avLst/>
@@ -2056,7 +2107,7 @@
         <p:spPr>
           <a:xfrm>
             <a:off x="609480" y="273600"/>
-            <a:ext cx="10972080" cy="5306400"/>
+            <a:ext cx="10971720" cy="5304600"/>
           </a:xfrm>
           <a:prstGeom prst="rect">
             <a:avLst/>
@@ -2109,7 +2160,7 @@
         <p:spPr>
           <a:xfrm>
             <a:off x="609480" y="273600"/>
-            <a:ext cx="10972080" cy="1144440"/>
+            <a:ext cx="10971720" cy="1144080"/>
           </a:xfrm>
           <a:prstGeom prst="rect">
             <a:avLst/>
@@ -2140,7 +2191,7 @@
         <p:spPr>
           <a:xfrm>
             <a:off x="609480" y="1604520"/>
-            <a:ext cx="5354280" cy="1896840"/>
+            <a:ext cx="5353920" cy="1896480"/>
           </a:xfrm>
           <a:prstGeom prst="rect">
             <a:avLst/>
@@ -2169,8 +2220,8 @@
         </p:nvSpPr>
         <p:spPr>
           <a:xfrm>
-            <a:off x="6231960" y="1604520"/>
-            <a:ext cx="5354280" cy="3976920"/>
+            <a:off x="6231600" y="1604520"/>
+            <a:ext cx="5353920" cy="3976560"/>
           </a:xfrm>
           <a:prstGeom prst="rect">
             <a:avLst/>
@@ -2199,8 +2250,8 @@
         </p:nvSpPr>
         <p:spPr>
           <a:xfrm>
-            <a:off x="609480" y="3682080"/>
-            <a:ext cx="5354280" cy="1896840"/>
+            <a:off x="609480" y="3681720"/>
+            <a:ext cx="5353920" cy="1896480"/>
           </a:xfrm>
           <a:prstGeom prst="rect">
             <a:avLst/>
@@ -2252,7 +2303,7 @@
         <p:spPr>
           <a:xfrm>
             <a:off x="609480" y="273600"/>
-            <a:ext cx="10972080" cy="1144440"/>
+            <a:ext cx="10971720" cy="1144080"/>
           </a:xfrm>
           <a:prstGeom prst="rect">
             <a:avLst/>
@@ -2283,7 +2334,7 @@
         <p:spPr>
           <a:xfrm>
             <a:off x="609480" y="1604520"/>
-            <a:ext cx="10972080" cy="3976920"/>
+            <a:ext cx="10971720" cy="3976560"/>
           </a:xfrm>
           <a:prstGeom prst="rect">
             <a:avLst/>
@@ -2336,7 +2387,7 @@
         <p:spPr>
           <a:xfrm>
             <a:off x="609480" y="273600"/>
-            <a:ext cx="10972080" cy="1144440"/>
+            <a:ext cx="10971720" cy="1144080"/>
           </a:xfrm>
           <a:prstGeom prst="rect">
             <a:avLst/>
@@ -2367,7 +2418,7 @@
         <p:spPr>
           <a:xfrm>
             <a:off x="609480" y="1604520"/>
-            <a:ext cx="5354280" cy="3976920"/>
+            <a:ext cx="5353920" cy="3976560"/>
           </a:xfrm>
           <a:prstGeom prst="rect">
             <a:avLst/>
@@ -2396,8 +2447,8 @@
         </p:nvSpPr>
         <p:spPr>
           <a:xfrm>
-            <a:off x="6231960" y="1604520"/>
-            <a:ext cx="5354280" cy="1896840"/>
+            <a:off x="6231600" y="1604520"/>
+            <a:ext cx="5353920" cy="1896480"/>
           </a:xfrm>
           <a:prstGeom prst="rect">
             <a:avLst/>
@@ -2426,8 +2477,8 @@
         </p:nvSpPr>
         <p:spPr>
           <a:xfrm>
-            <a:off x="6231960" y="3682080"/>
-            <a:ext cx="5354280" cy="1896840"/>
+            <a:off x="6231600" y="3681720"/>
+            <a:ext cx="5353920" cy="1896480"/>
           </a:xfrm>
           <a:prstGeom prst="rect">
             <a:avLst/>
@@ -2479,7 +2530,7 @@
         <p:spPr>
           <a:xfrm>
             <a:off x="609480" y="273600"/>
-            <a:ext cx="10972080" cy="1144440"/>
+            <a:ext cx="10971720" cy="1144080"/>
           </a:xfrm>
           <a:prstGeom prst="rect">
             <a:avLst/>
@@ -2510,7 +2561,7 @@
         <p:spPr>
           <a:xfrm>
             <a:off x="609480" y="1604520"/>
-            <a:ext cx="5354280" cy="1896840"/>
+            <a:ext cx="5353920" cy="1896480"/>
           </a:xfrm>
           <a:prstGeom prst="rect">
             <a:avLst/>
@@ -2539,8 +2590,8 @@
         </p:nvSpPr>
         <p:spPr>
           <a:xfrm>
-            <a:off x="6231960" y="1604520"/>
-            <a:ext cx="5354280" cy="1896840"/>
+            <a:off x="6231600" y="1604520"/>
+            <a:ext cx="5353920" cy="1896480"/>
           </a:xfrm>
           <a:prstGeom prst="rect">
             <a:avLst/>
@@ -2569,8 +2620,8 @@
         </p:nvSpPr>
         <p:spPr>
           <a:xfrm>
-            <a:off x="609480" y="3682080"/>
-            <a:ext cx="10972080" cy="1896840"/>
+            <a:off x="609480" y="3681720"/>
+            <a:ext cx="10971720" cy="1896480"/>
           </a:xfrm>
           <a:prstGeom prst="rect">
             <a:avLst/>
@@ -2622,7 +2673,7 @@
         <p:spPr>
           <a:xfrm>
             <a:off x="609480" y="273600"/>
-            <a:ext cx="10972080" cy="1144440"/>
+            <a:ext cx="10971720" cy="1144080"/>
           </a:xfrm>
           <a:prstGeom prst="rect">
             <a:avLst/>
@@ -2653,7 +2704,7 @@
         <p:spPr>
           <a:xfrm>
             <a:off x="609480" y="1604520"/>
-            <a:ext cx="10972080" cy="1896840"/>
+            <a:ext cx="10971720" cy="1896480"/>
           </a:xfrm>
           <a:prstGeom prst="rect">
             <a:avLst/>
@@ -2682,8 +2733,8 @@
         </p:nvSpPr>
         <p:spPr>
           <a:xfrm>
-            <a:off x="609480" y="3682080"/>
-            <a:ext cx="10972080" cy="1896840"/>
+            <a:off x="609480" y="3681720"/>
+            <a:ext cx="10971720" cy="1896480"/>
           </a:xfrm>
           <a:prstGeom prst="rect">
             <a:avLst/>
@@ -2735,7 +2786,7 @@
         <p:spPr>
           <a:xfrm>
             <a:off x="609480" y="273600"/>
-            <a:ext cx="10972080" cy="1144440"/>
+            <a:ext cx="10971720" cy="1144080"/>
           </a:xfrm>
           <a:prstGeom prst="rect">
             <a:avLst/>
@@ -2766,7 +2817,7 @@
         <p:spPr>
           <a:xfrm>
             <a:off x="609480" y="1604520"/>
-            <a:ext cx="5354280" cy="1896840"/>
+            <a:ext cx="5353920" cy="1896480"/>
           </a:xfrm>
           <a:prstGeom prst="rect">
             <a:avLst/>
@@ -2795,8 +2846,8 @@
         </p:nvSpPr>
         <p:spPr>
           <a:xfrm>
-            <a:off x="6231960" y="1604520"/>
-            <a:ext cx="5354280" cy="1896840"/>
+            <a:off x="6231600" y="1604520"/>
+            <a:ext cx="5353920" cy="1896480"/>
           </a:xfrm>
           <a:prstGeom prst="rect">
             <a:avLst/>
@@ -2825,8 +2876,8 @@
         </p:nvSpPr>
         <p:spPr>
           <a:xfrm>
-            <a:off x="609480" y="3682080"/>
-            <a:ext cx="5354280" cy="1896840"/>
+            <a:off x="609480" y="3681720"/>
+            <a:ext cx="5353920" cy="1896480"/>
           </a:xfrm>
           <a:prstGeom prst="rect">
             <a:avLst/>
@@ -2855,8 +2906,8 @@
         </p:nvSpPr>
         <p:spPr>
           <a:xfrm>
-            <a:off x="6231960" y="3682080"/>
-            <a:ext cx="5354280" cy="1896840"/>
+            <a:off x="6231600" y="3681720"/>
+            <a:ext cx="5353920" cy="1896480"/>
           </a:xfrm>
           <a:prstGeom prst="rect">
             <a:avLst/>
@@ -2908,7 +2959,7 @@
         <p:spPr>
           <a:xfrm>
             <a:off x="609480" y="273600"/>
-            <a:ext cx="10972080" cy="1144440"/>
+            <a:ext cx="10971720" cy="1144080"/>
           </a:xfrm>
           <a:prstGeom prst="rect">
             <a:avLst/>
@@ -2939,7 +2990,7 @@
         <p:spPr>
           <a:xfrm>
             <a:off x="609480" y="1604520"/>
-            <a:ext cx="3532680" cy="1896840"/>
+            <a:ext cx="3532680" cy="1896480"/>
           </a:xfrm>
           <a:prstGeom prst="rect">
             <a:avLst/>
@@ -2969,7 +3020,7 @@
         <p:spPr>
           <a:xfrm>
             <a:off x="4319280" y="1604520"/>
-            <a:ext cx="3532680" cy="1896840"/>
+            <a:ext cx="3532680" cy="1896480"/>
           </a:xfrm>
           <a:prstGeom prst="rect">
             <a:avLst/>
@@ -2999,7 +3050,7 @@
         <p:spPr>
           <a:xfrm>
             <a:off x="8028720" y="1604520"/>
-            <a:ext cx="3532680" cy="1896840"/>
+            <a:ext cx="3532680" cy="1896480"/>
           </a:xfrm>
           <a:prstGeom prst="rect">
             <a:avLst/>
@@ -3028,8 +3079,8 @@
         </p:nvSpPr>
         <p:spPr>
           <a:xfrm>
-            <a:off x="609480" y="3682080"/>
-            <a:ext cx="3532680" cy="1896840"/>
+            <a:off x="609480" y="3681720"/>
+            <a:ext cx="3532680" cy="1896480"/>
           </a:xfrm>
           <a:prstGeom prst="rect">
             <a:avLst/>
@@ -3058,8 +3109,8 @@
         </p:nvSpPr>
         <p:spPr>
           <a:xfrm>
-            <a:off x="4319280" y="3682080"/>
-            <a:ext cx="3532680" cy="1896840"/>
+            <a:off x="4319280" y="3681720"/>
+            <a:ext cx="3532680" cy="1896480"/>
           </a:xfrm>
           <a:prstGeom prst="rect">
             <a:avLst/>
@@ -3088,8 +3139,8 @@
         </p:nvSpPr>
         <p:spPr>
           <a:xfrm>
-            <a:off x="8028720" y="3682080"/>
-            <a:ext cx="3532680" cy="1896840"/>
+            <a:off x="8028720" y="3681720"/>
+            <a:ext cx="3532680" cy="1896480"/>
           </a:xfrm>
           <a:prstGeom prst="rect">
             <a:avLst/>
@@ -3101,6 +3152,361 @@
           </a:bodyPr>
           <a:p>
             <a:endParaRPr b="0" lang="pt-BR" sz="3200" spc="-1" strike="noStrike">
+              <a:latin typeface="Arial"/>
+            </a:endParaRPr>
+          </a:p>
+        </p:txBody>
+      </p:sp>
+    </p:spTree>
+  </p:cSld>
+</p:sldLayout>
+</file>
+
+<file path=ppt/slideLayouts/slideLayout25.xml><?xml version="1.0" encoding="utf-8"?>
+<p:sldLayout xmlns:a="http://schemas.openxmlformats.org/drawingml/2006/main" xmlns:p="http://schemas.openxmlformats.org/presentationml/2006/main" xmlns:r="http://schemas.openxmlformats.org/officeDocument/2006/relationships" xmlns:p14="http://schemas.microsoft.com/office/powerpoint/2010/main" xmlns:p15="http://schemas.microsoft.com/office/powerpoint/2012/main" xmlns:mc="http://schemas.openxmlformats.org/markup-compatibility/2006" type="blank" preserve="1">
+  <p:cSld name="Blank Slide">
+    <p:spTree>
+      <p:nvGrpSpPr>
+        <p:cNvPr id="1" name=""/>
+        <p:cNvGrpSpPr/>
+        <p:nvPr/>
+      </p:nvGrpSpPr>
+      <p:grpSpPr>
+        <a:xfrm>
+          <a:off x="0" y="0"/>
+          <a:ext cx="0" cy="0"/>
+          <a:chOff x="0" y="0"/>
+          <a:chExt cx="0" cy="0"/>
+        </a:xfrm>
+      </p:grpSpPr>
+    </p:spTree>
+  </p:cSld>
+</p:sldLayout>
+</file>
+
+<file path=ppt/slideLayouts/slideLayout26.xml><?xml version="1.0" encoding="utf-8"?>
+<p:sldLayout xmlns:a="http://schemas.openxmlformats.org/drawingml/2006/main" xmlns:p="http://schemas.openxmlformats.org/presentationml/2006/main" xmlns:r="http://schemas.openxmlformats.org/officeDocument/2006/relationships" xmlns:p14="http://schemas.microsoft.com/office/powerpoint/2010/main" xmlns:p15="http://schemas.microsoft.com/office/powerpoint/2012/main" xmlns:mc="http://schemas.openxmlformats.org/markup-compatibility/2006" type="tx" preserve="1">
+  <p:cSld name="Title Slide">
+    <p:spTree>
+      <p:nvGrpSpPr>
+        <p:cNvPr id="1" name=""/>
+        <p:cNvGrpSpPr/>
+        <p:nvPr/>
+      </p:nvGrpSpPr>
+      <p:grpSpPr>
+        <a:xfrm>
+          <a:off x="0" y="0"/>
+          <a:ext cx="0" cy="0"/>
+          <a:chOff x="0" y="0"/>
+          <a:chExt cx="0" cy="0"/>
+        </a:xfrm>
+      </p:grpSpPr>
+      <p:sp>
+        <p:nvSpPr>
+          <p:cNvPr id="81" name="PlaceHolder 1"/>
+          <p:cNvSpPr>
+            <a:spLocks noGrp="1"/>
+          </p:cNvSpPr>
+          <p:nvPr>
+            <p:ph type="title"/>
+          </p:nvPr>
+        </p:nvSpPr>
+        <p:spPr>
+          <a:xfrm>
+            <a:off x="609480" y="273600"/>
+            <a:ext cx="10971720" cy="1144080"/>
+          </a:xfrm>
+          <a:prstGeom prst="rect">
+            <a:avLst/>
+          </a:prstGeom>
+        </p:spPr>
+        <p:txBody>
+          <a:bodyPr lIns="0" rIns="0" tIns="0" bIns="0" anchor="ctr">
+            <a:noAutofit/>
+          </a:bodyPr>
+          <a:p>
+            <a:pPr algn="ctr"/>
+            <a:endParaRPr b="0" lang="pt-BR" sz="4400" spc="-1" strike="noStrike">
+              <a:latin typeface="Arial"/>
+            </a:endParaRPr>
+          </a:p>
+        </p:txBody>
+      </p:sp>
+      <p:sp>
+        <p:nvSpPr>
+          <p:cNvPr id="82" name="PlaceHolder 2"/>
+          <p:cNvSpPr>
+            <a:spLocks noGrp="1"/>
+          </p:cNvSpPr>
+          <p:nvPr>
+            <p:ph type="subTitle"/>
+          </p:nvPr>
+        </p:nvSpPr>
+        <p:spPr>
+          <a:xfrm>
+            <a:off x="609480" y="1604520"/>
+            <a:ext cx="10971720" cy="3976560"/>
+          </a:xfrm>
+          <a:prstGeom prst="rect">
+            <a:avLst/>
+          </a:prstGeom>
+        </p:spPr>
+        <p:txBody>
+          <a:bodyPr lIns="0" rIns="0" tIns="0" bIns="0" anchor="ctr">
+            <a:noAutofit/>
+          </a:bodyPr>
+          <a:p>
+            <a:pPr algn="ctr"/>
+            <a:endParaRPr b="0" lang="pt-BR" sz="3200" spc="-1" strike="noStrike">
+              <a:latin typeface="Arial"/>
+            </a:endParaRPr>
+          </a:p>
+        </p:txBody>
+      </p:sp>
+    </p:spTree>
+  </p:cSld>
+</p:sldLayout>
+</file>
+
+<file path=ppt/slideLayouts/slideLayout27.xml><?xml version="1.0" encoding="utf-8"?>
+<p:sldLayout xmlns:a="http://schemas.openxmlformats.org/drawingml/2006/main" xmlns:p="http://schemas.openxmlformats.org/presentationml/2006/main" xmlns:r="http://schemas.openxmlformats.org/officeDocument/2006/relationships" xmlns:p14="http://schemas.microsoft.com/office/powerpoint/2010/main" xmlns:p15="http://schemas.microsoft.com/office/powerpoint/2012/main" xmlns:mc="http://schemas.openxmlformats.org/markup-compatibility/2006" type="obj" preserve="1">
+  <p:cSld name="Title, Content">
+    <p:spTree>
+      <p:nvGrpSpPr>
+        <p:cNvPr id="1" name=""/>
+        <p:cNvGrpSpPr/>
+        <p:nvPr/>
+      </p:nvGrpSpPr>
+      <p:grpSpPr>
+        <a:xfrm>
+          <a:off x="0" y="0"/>
+          <a:ext cx="0" cy="0"/>
+          <a:chOff x="0" y="0"/>
+          <a:chExt cx="0" cy="0"/>
+        </a:xfrm>
+      </p:grpSpPr>
+      <p:sp>
+        <p:nvSpPr>
+          <p:cNvPr id="83" name="PlaceHolder 1"/>
+          <p:cNvSpPr>
+            <a:spLocks noGrp="1"/>
+          </p:cNvSpPr>
+          <p:nvPr>
+            <p:ph type="title"/>
+          </p:nvPr>
+        </p:nvSpPr>
+        <p:spPr>
+          <a:xfrm>
+            <a:off x="609480" y="273600"/>
+            <a:ext cx="10971720" cy="1144080"/>
+          </a:xfrm>
+          <a:prstGeom prst="rect">
+            <a:avLst/>
+          </a:prstGeom>
+        </p:spPr>
+        <p:txBody>
+          <a:bodyPr lIns="0" rIns="0" tIns="0" bIns="0" anchor="ctr">
+            <a:noAutofit/>
+          </a:bodyPr>
+          <a:p>
+            <a:pPr algn="ctr"/>
+            <a:endParaRPr b="0" lang="pt-BR" sz="4400" spc="-1" strike="noStrike">
+              <a:latin typeface="Arial"/>
+            </a:endParaRPr>
+          </a:p>
+        </p:txBody>
+      </p:sp>
+      <p:sp>
+        <p:nvSpPr>
+          <p:cNvPr id="84" name="PlaceHolder 2"/>
+          <p:cNvSpPr>
+            <a:spLocks noGrp="1"/>
+          </p:cNvSpPr>
+          <p:nvPr>
+            <p:ph type="body"/>
+          </p:nvPr>
+        </p:nvSpPr>
+        <p:spPr>
+          <a:xfrm>
+            <a:off x="609480" y="1604520"/>
+            <a:ext cx="10971720" cy="3976560"/>
+          </a:xfrm>
+          <a:prstGeom prst="rect">
+            <a:avLst/>
+          </a:prstGeom>
+        </p:spPr>
+        <p:txBody>
+          <a:bodyPr lIns="0" rIns="0" tIns="0" bIns="0">
+            <a:normAutofit/>
+          </a:bodyPr>
+          <a:p>
+            <a:endParaRPr b="0" lang="pt-BR" sz="3200" spc="-1" strike="noStrike">
+              <a:latin typeface="Arial"/>
+            </a:endParaRPr>
+          </a:p>
+        </p:txBody>
+      </p:sp>
+    </p:spTree>
+  </p:cSld>
+</p:sldLayout>
+</file>
+
+<file path=ppt/slideLayouts/slideLayout28.xml><?xml version="1.0" encoding="utf-8"?>
+<p:sldLayout xmlns:a="http://schemas.openxmlformats.org/drawingml/2006/main" xmlns:p="http://schemas.openxmlformats.org/presentationml/2006/main" xmlns:r="http://schemas.openxmlformats.org/officeDocument/2006/relationships" xmlns:p14="http://schemas.microsoft.com/office/powerpoint/2010/main" xmlns:p15="http://schemas.microsoft.com/office/powerpoint/2012/main" xmlns:mc="http://schemas.openxmlformats.org/markup-compatibility/2006" type="twoObj" preserve="1">
+  <p:cSld name="Title, 2 Content">
+    <p:spTree>
+      <p:nvGrpSpPr>
+        <p:cNvPr id="1" name=""/>
+        <p:cNvGrpSpPr/>
+        <p:nvPr/>
+      </p:nvGrpSpPr>
+      <p:grpSpPr>
+        <a:xfrm>
+          <a:off x="0" y="0"/>
+          <a:ext cx="0" cy="0"/>
+          <a:chOff x="0" y="0"/>
+          <a:chExt cx="0" cy="0"/>
+        </a:xfrm>
+      </p:grpSpPr>
+      <p:sp>
+        <p:nvSpPr>
+          <p:cNvPr id="85" name="PlaceHolder 1"/>
+          <p:cNvSpPr>
+            <a:spLocks noGrp="1"/>
+          </p:cNvSpPr>
+          <p:nvPr>
+            <p:ph type="title"/>
+          </p:nvPr>
+        </p:nvSpPr>
+        <p:spPr>
+          <a:xfrm>
+            <a:off x="609480" y="273600"/>
+            <a:ext cx="10971720" cy="1144080"/>
+          </a:xfrm>
+          <a:prstGeom prst="rect">
+            <a:avLst/>
+          </a:prstGeom>
+        </p:spPr>
+        <p:txBody>
+          <a:bodyPr lIns="0" rIns="0" tIns="0" bIns="0" anchor="ctr">
+            <a:noAutofit/>
+          </a:bodyPr>
+          <a:p>
+            <a:pPr algn="ctr"/>
+            <a:endParaRPr b="0" lang="pt-BR" sz="4400" spc="-1" strike="noStrike">
+              <a:latin typeface="Arial"/>
+            </a:endParaRPr>
+          </a:p>
+        </p:txBody>
+      </p:sp>
+      <p:sp>
+        <p:nvSpPr>
+          <p:cNvPr id="86" name="PlaceHolder 2"/>
+          <p:cNvSpPr>
+            <a:spLocks noGrp="1"/>
+          </p:cNvSpPr>
+          <p:nvPr>
+            <p:ph type="body"/>
+          </p:nvPr>
+        </p:nvSpPr>
+        <p:spPr>
+          <a:xfrm>
+            <a:off x="609480" y="1604520"/>
+            <a:ext cx="5353920" cy="3976560"/>
+          </a:xfrm>
+          <a:prstGeom prst="rect">
+            <a:avLst/>
+          </a:prstGeom>
+        </p:spPr>
+        <p:txBody>
+          <a:bodyPr lIns="0" rIns="0" tIns="0" bIns="0">
+            <a:normAutofit/>
+          </a:bodyPr>
+          <a:p>
+            <a:endParaRPr b="0" lang="pt-BR" sz="3200" spc="-1" strike="noStrike">
+              <a:latin typeface="Arial"/>
+            </a:endParaRPr>
+          </a:p>
+        </p:txBody>
+      </p:sp>
+      <p:sp>
+        <p:nvSpPr>
+          <p:cNvPr id="87" name="PlaceHolder 3"/>
+          <p:cNvSpPr>
+            <a:spLocks noGrp="1"/>
+          </p:cNvSpPr>
+          <p:nvPr>
+            <p:ph type="body"/>
+          </p:nvPr>
+        </p:nvSpPr>
+        <p:spPr>
+          <a:xfrm>
+            <a:off x="6231600" y="1604520"/>
+            <a:ext cx="5353920" cy="3976560"/>
+          </a:xfrm>
+          <a:prstGeom prst="rect">
+            <a:avLst/>
+          </a:prstGeom>
+        </p:spPr>
+        <p:txBody>
+          <a:bodyPr lIns="0" rIns="0" tIns="0" bIns="0">
+            <a:normAutofit/>
+          </a:bodyPr>
+          <a:p>
+            <a:endParaRPr b="0" lang="pt-BR" sz="3200" spc="-1" strike="noStrike">
+              <a:latin typeface="Arial"/>
+            </a:endParaRPr>
+          </a:p>
+        </p:txBody>
+      </p:sp>
+    </p:spTree>
+  </p:cSld>
+</p:sldLayout>
+</file>
+
+<file path=ppt/slideLayouts/slideLayout29.xml><?xml version="1.0" encoding="utf-8"?>
+<p:sldLayout xmlns:a="http://schemas.openxmlformats.org/drawingml/2006/main" xmlns:p="http://schemas.openxmlformats.org/presentationml/2006/main" xmlns:r="http://schemas.openxmlformats.org/officeDocument/2006/relationships" xmlns:p14="http://schemas.microsoft.com/office/powerpoint/2010/main" xmlns:p15="http://schemas.microsoft.com/office/powerpoint/2012/main" xmlns:mc="http://schemas.openxmlformats.org/markup-compatibility/2006" type="titleOnly" preserve="1">
+  <p:cSld name="Title Only">
+    <p:spTree>
+      <p:nvGrpSpPr>
+        <p:cNvPr id="1" name=""/>
+        <p:cNvGrpSpPr/>
+        <p:nvPr/>
+      </p:nvGrpSpPr>
+      <p:grpSpPr>
+        <a:xfrm>
+          <a:off x="0" y="0"/>
+          <a:ext cx="0" cy="0"/>
+          <a:chOff x="0" y="0"/>
+          <a:chExt cx="0" cy="0"/>
+        </a:xfrm>
+      </p:grpSpPr>
+      <p:sp>
+        <p:nvSpPr>
+          <p:cNvPr id="88" name="PlaceHolder 1"/>
+          <p:cNvSpPr>
+            <a:spLocks noGrp="1"/>
+          </p:cNvSpPr>
+          <p:nvPr>
+            <p:ph type="title"/>
+          </p:nvPr>
+        </p:nvSpPr>
+        <p:spPr>
+          <a:xfrm>
+            <a:off x="609480" y="273600"/>
+            <a:ext cx="10971720" cy="1144080"/>
+          </a:xfrm>
+          <a:prstGeom prst="rect">
+            <a:avLst/>
+          </a:prstGeom>
+        </p:spPr>
+        <p:txBody>
+          <a:bodyPr lIns="0" rIns="0" tIns="0" bIns="0" anchor="ctr">
+            <a:noAutofit/>
+          </a:bodyPr>
+          <a:p>
+            <a:pPr algn="ctr"/>
+            <a:endParaRPr b="0" lang="pt-BR" sz="4400" spc="-1" strike="noStrike">
               <a:latin typeface="Arial"/>
             </a:endParaRPr>
           </a:p>
@@ -3141,7 +3547,7 @@
         <p:spPr>
           <a:xfrm>
             <a:off x="609480" y="273600"/>
-            <a:ext cx="10972080" cy="1144440"/>
+            <a:ext cx="10971720" cy="1144080"/>
           </a:xfrm>
           <a:prstGeom prst="rect">
             <a:avLst/>
@@ -3172,7 +3578,1197 @@
         <p:spPr>
           <a:xfrm>
             <a:off x="609480" y="1604520"/>
-            <a:ext cx="10972080" cy="3976920"/>
+            <a:ext cx="10971720" cy="3976560"/>
+          </a:xfrm>
+          <a:prstGeom prst="rect">
+            <a:avLst/>
+          </a:prstGeom>
+        </p:spPr>
+        <p:txBody>
+          <a:bodyPr lIns="0" rIns="0" tIns="0" bIns="0">
+            <a:normAutofit/>
+          </a:bodyPr>
+          <a:p>
+            <a:endParaRPr b="0" lang="pt-BR" sz="3200" spc="-1" strike="noStrike">
+              <a:latin typeface="Arial"/>
+            </a:endParaRPr>
+          </a:p>
+        </p:txBody>
+      </p:sp>
+    </p:spTree>
+  </p:cSld>
+</p:sldLayout>
+</file>
+
+<file path=ppt/slideLayouts/slideLayout30.xml><?xml version="1.0" encoding="utf-8"?>
+<p:sldLayout xmlns:a="http://schemas.openxmlformats.org/drawingml/2006/main" xmlns:p="http://schemas.openxmlformats.org/presentationml/2006/main" xmlns:r="http://schemas.openxmlformats.org/officeDocument/2006/relationships" xmlns:p14="http://schemas.microsoft.com/office/powerpoint/2010/main" xmlns:p15="http://schemas.microsoft.com/office/powerpoint/2012/main" xmlns:mc="http://schemas.openxmlformats.org/markup-compatibility/2006" type="objOnly" preserve="1">
+  <p:cSld name="Centered Text">
+    <p:spTree>
+      <p:nvGrpSpPr>
+        <p:cNvPr id="1" name=""/>
+        <p:cNvGrpSpPr/>
+        <p:nvPr/>
+      </p:nvGrpSpPr>
+      <p:grpSpPr>
+        <a:xfrm>
+          <a:off x="0" y="0"/>
+          <a:ext cx="0" cy="0"/>
+          <a:chOff x="0" y="0"/>
+          <a:chExt cx="0" cy="0"/>
+        </a:xfrm>
+      </p:grpSpPr>
+      <p:sp>
+        <p:nvSpPr>
+          <p:cNvPr id="89" name="PlaceHolder 1"/>
+          <p:cNvSpPr>
+            <a:spLocks noGrp="1"/>
+          </p:cNvSpPr>
+          <p:nvPr>
+            <p:ph type="subTitle"/>
+          </p:nvPr>
+        </p:nvSpPr>
+        <p:spPr>
+          <a:xfrm>
+            <a:off x="609480" y="273600"/>
+            <a:ext cx="10971720" cy="5304600"/>
+          </a:xfrm>
+          <a:prstGeom prst="rect">
+            <a:avLst/>
+          </a:prstGeom>
+        </p:spPr>
+        <p:txBody>
+          <a:bodyPr lIns="0" rIns="0" tIns="0" bIns="0" anchor="ctr">
+            <a:noAutofit/>
+          </a:bodyPr>
+          <a:p>
+            <a:pPr algn="ctr"/>
+            <a:endParaRPr b="0" lang="pt-BR" sz="3200" spc="-1" strike="noStrike">
+              <a:latin typeface="Arial"/>
+            </a:endParaRPr>
+          </a:p>
+        </p:txBody>
+      </p:sp>
+    </p:spTree>
+  </p:cSld>
+</p:sldLayout>
+</file>
+
+<file path=ppt/slideLayouts/slideLayout31.xml><?xml version="1.0" encoding="utf-8"?>
+<p:sldLayout xmlns:a="http://schemas.openxmlformats.org/drawingml/2006/main" xmlns:p="http://schemas.openxmlformats.org/presentationml/2006/main" xmlns:r="http://schemas.openxmlformats.org/officeDocument/2006/relationships" xmlns:p14="http://schemas.microsoft.com/office/powerpoint/2010/main" xmlns:p15="http://schemas.microsoft.com/office/powerpoint/2012/main" xmlns:mc="http://schemas.openxmlformats.org/markup-compatibility/2006" type="twoObjAndObj" preserve="1">
+  <p:cSld name="Title, 2 Content and Content">
+    <p:spTree>
+      <p:nvGrpSpPr>
+        <p:cNvPr id="1" name=""/>
+        <p:cNvGrpSpPr/>
+        <p:nvPr/>
+      </p:nvGrpSpPr>
+      <p:grpSpPr>
+        <a:xfrm>
+          <a:off x="0" y="0"/>
+          <a:ext cx="0" cy="0"/>
+          <a:chOff x="0" y="0"/>
+          <a:chExt cx="0" cy="0"/>
+        </a:xfrm>
+      </p:grpSpPr>
+      <p:sp>
+        <p:nvSpPr>
+          <p:cNvPr id="90" name="PlaceHolder 1"/>
+          <p:cNvSpPr>
+            <a:spLocks noGrp="1"/>
+          </p:cNvSpPr>
+          <p:nvPr>
+            <p:ph type="title"/>
+          </p:nvPr>
+        </p:nvSpPr>
+        <p:spPr>
+          <a:xfrm>
+            <a:off x="609480" y="273600"/>
+            <a:ext cx="10971720" cy="1144080"/>
+          </a:xfrm>
+          <a:prstGeom prst="rect">
+            <a:avLst/>
+          </a:prstGeom>
+        </p:spPr>
+        <p:txBody>
+          <a:bodyPr lIns="0" rIns="0" tIns="0" bIns="0" anchor="ctr">
+            <a:noAutofit/>
+          </a:bodyPr>
+          <a:p>
+            <a:pPr algn="ctr"/>
+            <a:endParaRPr b="0" lang="pt-BR" sz="4400" spc="-1" strike="noStrike">
+              <a:latin typeface="Arial"/>
+            </a:endParaRPr>
+          </a:p>
+        </p:txBody>
+      </p:sp>
+      <p:sp>
+        <p:nvSpPr>
+          <p:cNvPr id="91" name="PlaceHolder 2"/>
+          <p:cNvSpPr>
+            <a:spLocks noGrp="1"/>
+          </p:cNvSpPr>
+          <p:nvPr>
+            <p:ph type="body"/>
+          </p:nvPr>
+        </p:nvSpPr>
+        <p:spPr>
+          <a:xfrm>
+            <a:off x="609480" y="1604520"/>
+            <a:ext cx="5353920" cy="1896480"/>
+          </a:xfrm>
+          <a:prstGeom prst="rect">
+            <a:avLst/>
+          </a:prstGeom>
+        </p:spPr>
+        <p:txBody>
+          <a:bodyPr lIns="0" rIns="0" tIns="0" bIns="0">
+            <a:normAutofit/>
+          </a:bodyPr>
+          <a:p>
+            <a:endParaRPr b="0" lang="pt-BR" sz="3200" spc="-1" strike="noStrike">
+              <a:latin typeface="Arial"/>
+            </a:endParaRPr>
+          </a:p>
+        </p:txBody>
+      </p:sp>
+      <p:sp>
+        <p:nvSpPr>
+          <p:cNvPr id="92" name="PlaceHolder 3"/>
+          <p:cNvSpPr>
+            <a:spLocks noGrp="1"/>
+          </p:cNvSpPr>
+          <p:nvPr>
+            <p:ph type="body"/>
+          </p:nvPr>
+        </p:nvSpPr>
+        <p:spPr>
+          <a:xfrm>
+            <a:off x="6231600" y="1604520"/>
+            <a:ext cx="5353920" cy="3976560"/>
+          </a:xfrm>
+          <a:prstGeom prst="rect">
+            <a:avLst/>
+          </a:prstGeom>
+        </p:spPr>
+        <p:txBody>
+          <a:bodyPr lIns="0" rIns="0" tIns="0" bIns="0">
+            <a:normAutofit/>
+          </a:bodyPr>
+          <a:p>
+            <a:endParaRPr b="0" lang="pt-BR" sz="3200" spc="-1" strike="noStrike">
+              <a:latin typeface="Arial"/>
+            </a:endParaRPr>
+          </a:p>
+        </p:txBody>
+      </p:sp>
+      <p:sp>
+        <p:nvSpPr>
+          <p:cNvPr id="93" name="PlaceHolder 4"/>
+          <p:cNvSpPr>
+            <a:spLocks noGrp="1"/>
+          </p:cNvSpPr>
+          <p:nvPr>
+            <p:ph type="body"/>
+          </p:nvPr>
+        </p:nvSpPr>
+        <p:spPr>
+          <a:xfrm>
+            <a:off x="609480" y="3681720"/>
+            <a:ext cx="5353920" cy="1896480"/>
+          </a:xfrm>
+          <a:prstGeom prst="rect">
+            <a:avLst/>
+          </a:prstGeom>
+        </p:spPr>
+        <p:txBody>
+          <a:bodyPr lIns="0" rIns="0" tIns="0" bIns="0">
+            <a:normAutofit/>
+          </a:bodyPr>
+          <a:p>
+            <a:endParaRPr b="0" lang="pt-BR" sz="3200" spc="-1" strike="noStrike">
+              <a:latin typeface="Arial"/>
+            </a:endParaRPr>
+          </a:p>
+        </p:txBody>
+      </p:sp>
+    </p:spTree>
+  </p:cSld>
+</p:sldLayout>
+</file>
+
+<file path=ppt/slideLayouts/slideLayout32.xml><?xml version="1.0" encoding="utf-8"?>
+<p:sldLayout xmlns:a="http://schemas.openxmlformats.org/drawingml/2006/main" xmlns:p="http://schemas.openxmlformats.org/presentationml/2006/main" xmlns:r="http://schemas.openxmlformats.org/officeDocument/2006/relationships" xmlns:p14="http://schemas.microsoft.com/office/powerpoint/2010/main" xmlns:p15="http://schemas.microsoft.com/office/powerpoint/2012/main" xmlns:mc="http://schemas.openxmlformats.org/markup-compatibility/2006" type="objAndTwoObj" preserve="1">
+  <p:cSld name="Title Content and 2 Content">
+    <p:spTree>
+      <p:nvGrpSpPr>
+        <p:cNvPr id="1" name=""/>
+        <p:cNvGrpSpPr/>
+        <p:nvPr/>
+      </p:nvGrpSpPr>
+      <p:grpSpPr>
+        <a:xfrm>
+          <a:off x="0" y="0"/>
+          <a:ext cx="0" cy="0"/>
+          <a:chOff x="0" y="0"/>
+          <a:chExt cx="0" cy="0"/>
+        </a:xfrm>
+      </p:grpSpPr>
+      <p:sp>
+        <p:nvSpPr>
+          <p:cNvPr id="94" name="PlaceHolder 1"/>
+          <p:cNvSpPr>
+            <a:spLocks noGrp="1"/>
+          </p:cNvSpPr>
+          <p:nvPr>
+            <p:ph type="title"/>
+          </p:nvPr>
+        </p:nvSpPr>
+        <p:spPr>
+          <a:xfrm>
+            <a:off x="609480" y="273600"/>
+            <a:ext cx="10971720" cy="1144080"/>
+          </a:xfrm>
+          <a:prstGeom prst="rect">
+            <a:avLst/>
+          </a:prstGeom>
+        </p:spPr>
+        <p:txBody>
+          <a:bodyPr lIns="0" rIns="0" tIns="0" bIns="0" anchor="ctr">
+            <a:noAutofit/>
+          </a:bodyPr>
+          <a:p>
+            <a:pPr algn="ctr"/>
+            <a:endParaRPr b="0" lang="pt-BR" sz="4400" spc="-1" strike="noStrike">
+              <a:latin typeface="Arial"/>
+            </a:endParaRPr>
+          </a:p>
+        </p:txBody>
+      </p:sp>
+      <p:sp>
+        <p:nvSpPr>
+          <p:cNvPr id="95" name="PlaceHolder 2"/>
+          <p:cNvSpPr>
+            <a:spLocks noGrp="1"/>
+          </p:cNvSpPr>
+          <p:nvPr>
+            <p:ph type="body"/>
+          </p:nvPr>
+        </p:nvSpPr>
+        <p:spPr>
+          <a:xfrm>
+            <a:off x="609480" y="1604520"/>
+            <a:ext cx="5353920" cy="3976560"/>
+          </a:xfrm>
+          <a:prstGeom prst="rect">
+            <a:avLst/>
+          </a:prstGeom>
+        </p:spPr>
+        <p:txBody>
+          <a:bodyPr lIns="0" rIns="0" tIns="0" bIns="0">
+            <a:normAutofit/>
+          </a:bodyPr>
+          <a:p>
+            <a:endParaRPr b="0" lang="pt-BR" sz="3200" spc="-1" strike="noStrike">
+              <a:latin typeface="Arial"/>
+            </a:endParaRPr>
+          </a:p>
+        </p:txBody>
+      </p:sp>
+      <p:sp>
+        <p:nvSpPr>
+          <p:cNvPr id="96" name="PlaceHolder 3"/>
+          <p:cNvSpPr>
+            <a:spLocks noGrp="1"/>
+          </p:cNvSpPr>
+          <p:nvPr>
+            <p:ph type="body"/>
+          </p:nvPr>
+        </p:nvSpPr>
+        <p:spPr>
+          <a:xfrm>
+            <a:off x="6231600" y="1604520"/>
+            <a:ext cx="5353920" cy="1896480"/>
+          </a:xfrm>
+          <a:prstGeom prst="rect">
+            <a:avLst/>
+          </a:prstGeom>
+        </p:spPr>
+        <p:txBody>
+          <a:bodyPr lIns="0" rIns="0" tIns="0" bIns="0">
+            <a:normAutofit/>
+          </a:bodyPr>
+          <a:p>
+            <a:endParaRPr b="0" lang="pt-BR" sz="3200" spc="-1" strike="noStrike">
+              <a:latin typeface="Arial"/>
+            </a:endParaRPr>
+          </a:p>
+        </p:txBody>
+      </p:sp>
+      <p:sp>
+        <p:nvSpPr>
+          <p:cNvPr id="97" name="PlaceHolder 4"/>
+          <p:cNvSpPr>
+            <a:spLocks noGrp="1"/>
+          </p:cNvSpPr>
+          <p:nvPr>
+            <p:ph type="body"/>
+          </p:nvPr>
+        </p:nvSpPr>
+        <p:spPr>
+          <a:xfrm>
+            <a:off x="6231600" y="3681720"/>
+            <a:ext cx="5353920" cy="1896480"/>
+          </a:xfrm>
+          <a:prstGeom prst="rect">
+            <a:avLst/>
+          </a:prstGeom>
+        </p:spPr>
+        <p:txBody>
+          <a:bodyPr lIns="0" rIns="0" tIns="0" bIns="0">
+            <a:normAutofit/>
+          </a:bodyPr>
+          <a:p>
+            <a:endParaRPr b="0" lang="pt-BR" sz="3200" spc="-1" strike="noStrike">
+              <a:latin typeface="Arial"/>
+            </a:endParaRPr>
+          </a:p>
+        </p:txBody>
+      </p:sp>
+    </p:spTree>
+  </p:cSld>
+</p:sldLayout>
+</file>
+
+<file path=ppt/slideLayouts/slideLayout33.xml><?xml version="1.0" encoding="utf-8"?>
+<p:sldLayout xmlns:a="http://schemas.openxmlformats.org/drawingml/2006/main" xmlns:p="http://schemas.openxmlformats.org/presentationml/2006/main" xmlns:r="http://schemas.openxmlformats.org/officeDocument/2006/relationships" xmlns:p14="http://schemas.microsoft.com/office/powerpoint/2010/main" xmlns:p15="http://schemas.microsoft.com/office/powerpoint/2012/main" xmlns:mc="http://schemas.openxmlformats.org/markup-compatibility/2006" type="twoObjOverTx" preserve="1">
+  <p:cSld name="Title, 2 Content over Content">
+    <p:spTree>
+      <p:nvGrpSpPr>
+        <p:cNvPr id="1" name=""/>
+        <p:cNvGrpSpPr/>
+        <p:nvPr/>
+      </p:nvGrpSpPr>
+      <p:grpSpPr>
+        <a:xfrm>
+          <a:off x="0" y="0"/>
+          <a:ext cx="0" cy="0"/>
+          <a:chOff x="0" y="0"/>
+          <a:chExt cx="0" cy="0"/>
+        </a:xfrm>
+      </p:grpSpPr>
+      <p:sp>
+        <p:nvSpPr>
+          <p:cNvPr id="98" name="PlaceHolder 1"/>
+          <p:cNvSpPr>
+            <a:spLocks noGrp="1"/>
+          </p:cNvSpPr>
+          <p:nvPr>
+            <p:ph type="title"/>
+          </p:nvPr>
+        </p:nvSpPr>
+        <p:spPr>
+          <a:xfrm>
+            <a:off x="609480" y="273600"/>
+            <a:ext cx="10971720" cy="1144080"/>
+          </a:xfrm>
+          <a:prstGeom prst="rect">
+            <a:avLst/>
+          </a:prstGeom>
+        </p:spPr>
+        <p:txBody>
+          <a:bodyPr lIns="0" rIns="0" tIns="0" bIns="0" anchor="ctr">
+            <a:noAutofit/>
+          </a:bodyPr>
+          <a:p>
+            <a:pPr algn="ctr"/>
+            <a:endParaRPr b="0" lang="pt-BR" sz="4400" spc="-1" strike="noStrike">
+              <a:latin typeface="Arial"/>
+            </a:endParaRPr>
+          </a:p>
+        </p:txBody>
+      </p:sp>
+      <p:sp>
+        <p:nvSpPr>
+          <p:cNvPr id="99" name="PlaceHolder 2"/>
+          <p:cNvSpPr>
+            <a:spLocks noGrp="1"/>
+          </p:cNvSpPr>
+          <p:nvPr>
+            <p:ph type="body"/>
+          </p:nvPr>
+        </p:nvSpPr>
+        <p:spPr>
+          <a:xfrm>
+            <a:off x="609480" y="1604520"/>
+            <a:ext cx="5353920" cy="1896480"/>
+          </a:xfrm>
+          <a:prstGeom prst="rect">
+            <a:avLst/>
+          </a:prstGeom>
+        </p:spPr>
+        <p:txBody>
+          <a:bodyPr lIns="0" rIns="0" tIns="0" bIns="0">
+            <a:normAutofit/>
+          </a:bodyPr>
+          <a:p>
+            <a:endParaRPr b="0" lang="pt-BR" sz="3200" spc="-1" strike="noStrike">
+              <a:latin typeface="Arial"/>
+            </a:endParaRPr>
+          </a:p>
+        </p:txBody>
+      </p:sp>
+      <p:sp>
+        <p:nvSpPr>
+          <p:cNvPr id="100" name="PlaceHolder 3"/>
+          <p:cNvSpPr>
+            <a:spLocks noGrp="1"/>
+          </p:cNvSpPr>
+          <p:nvPr>
+            <p:ph type="body"/>
+          </p:nvPr>
+        </p:nvSpPr>
+        <p:spPr>
+          <a:xfrm>
+            <a:off x="6231600" y="1604520"/>
+            <a:ext cx="5353920" cy="1896480"/>
+          </a:xfrm>
+          <a:prstGeom prst="rect">
+            <a:avLst/>
+          </a:prstGeom>
+        </p:spPr>
+        <p:txBody>
+          <a:bodyPr lIns="0" rIns="0" tIns="0" bIns="0">
+            <a:normAutofit/>
+          </a:bodyPr>
+          <a:p>
+            <a:endParaRPr b="0" lang="pt-BR" sz="3200" spc="-1" strike="noStrike">
+              <a:latin typeface="Arial"/>
+            </a:endParaRPr>
+          </a:p>
+        </p:txBody>
+      </p:sp>
+      <p:sp>
+        <p:nvSpPr>
+          <p:cNvPr id="101" name="PlaceHolder 4"/>
+          <p:cNvSpPr>
+            <a:spLocks noGrp="1"/>
+          </p:cNvSpPr>
+          <p:nvPr>
+            <p:ph type="body"/>
+          </p:nvPr>
+        </p:nvSpPr>
+        <p:spPr>
+          <a:xfrm>
+            <a:off x="609480" y="3681720"/>
+            <a:ext cx="10971720" cy="1896480"/>
+          </a:xfrm>
+          <a:prstGeom prst="rect">
+            <a:avLst/>
+          </a:prstGeom>
+        </p:spPr>
+        <p:txBody>
+          <a:bodyPr lIns="0" rIns="0" tIns="0" bIns="0">
+            <a:normAutofit/>
+          </a:bodyPr>
+          <a:p>
+            <a:endParaRPr b="0" lang="pt-BR" sz="3200" spc="-1" strike="noStrike">
+              <a:latin typeface="Arial"/>
+            </a:endParaRPr>
+          </a:p>
+        </p:txBody>
+      </p:sp>
+    </p:spTree>
+  </p:cSld>
+</p:sldLayout>
+</file>
+
+<file path=ppt/slideLayouts/slideLayout34.xml><?xml version="1.0" encoding="utf-8"?>
+<p:sldLayout xmlns:a="http://schemas.openxmlformats.org/drawingml/2006/main" xmlns:p="http://schemas.openxmlformats.org/presentationml/2006/main" xmlns:r="http://schemas.openxmlformats.org/officeDocument/2006/relationships" xmlns:p14="http://schemas.microsoft.com/office/powerpoint/2010/main" xmlns:p15="http://schemas.microsoft.com/office/powerpoint/2012/main" xmlns:mc="http://schemas.openxmlformats.org/markup-compatibility/2006" type="objOverTx" preserve="1">
+  <p:cSld name="Title, Content over Content">
+    <p:spTree>
+      <p:nvGrpSpPr>
+        <p:cNvPr id="1" name=""/>
+        <p:cNvGrpSpPr/>
+        <p:nvPr/>
+      </p:nvGrpSpPr>
+      <p:grpSpPr>
+        <a:xfrm>
+          <a:off x="0" y="0"/>
+          <a:ext cx="0" cy="0"/>
+          <a:chOff x="0" y="0"/>
+          <a:chExt cx="0" cy="0"/>
+        </a:xfrm>
+      </p:grpSpPr>
+      <p:sp>
+        <p:nvSpPr>
+          <p:cNvPr id="102" name="PlaceHolder 1"/>
+          <p:cNvSpPr>
+            <a:spLocks noGrp="1"/>
+          </p:cNvSpPr>
+          <p:nvPr>
+            <p:ph type="title"/>
+          </p:nvPr>
+        </p:nvSpPr>
+        <p:spPr>
+          <a:xfrm>
+            <a:off x="609480" y="273600"/>
+            <a:ext cx="10971720" cy="1144080"/>
+          </a:xfrm>
+          <a:prstGeom prst="rect">
+            <a:avLst/>
+          </a:prstGeom>
+        </p:spPr>
+        <p:txBody>
+          <a:bodyPr lIns="0" rIns="0" tIns="0" bIns="0" anchor="ctr">
+            <a:noAutofit/>
+          </a:bodyPr>
+          <a:p>
+            <a:pPr algn="ctr"/>
+            <a:endParaRPr b="0" lang="pt-BR" sz="4400" spc="-1" strike="noStrike">
+              <a:latin typeface="Arial"/>
+            </a:endParaRPr>
+          </a:p>
+        </p:txBody>
+      </p:sp>
+      <p:sp>
+        <p:nvSpPr>
+          <p:cNvPr id="103" name="PlaceHolder 2"/>
+          <p:cNvSpPr>
+            <a:spLocks noGrp="1"/>
+          </p:cNvSpPr>
+          <p:nvPr>
+            <p:ph type="body"/>
+          </p:nvPr>
+        </p:nvSpPr>
+        <p:spPr>
+          <a:xfrm>
+            <a:off x="609480" y="1604520"/>
+            <a:ext cx="10971720" cy="1896480"/>
+          </a:xfrm>
+          <a:prstGeom prst="rect">
+            <a:avLst/>
+          </a:prstGeom>
+        </p:spPr>
+        <p:txBody>
+          <a:bodyPr lIns="0" rIns="0" tIns="0" bIns="0">
+            <a:normAutofit/>
+          </a:bodyPr>
+          <a:p>
+            <a:endParaRPr b="0" lang="pt-BR" sz="3200" spc="-1" strike="noStrike">
+              <a:latin typeface="Arial"/>
+            </a:endParaRPr>
+          </a:p>
+        </p:txBody>
+      </p:sp>
+      <p:sp>
+        <p:nvSpPr>
+          <p:cNvPr id="104" name="PlaceHolder 3"/>
+          <p:cNvSpPr>
+            <a:spLocks noGrp="1"/>
+          </p:cNvSpPr>
+          <p:nvPr>
+            <p:ph type="body"/>
+          </p:nvPr>
+        </p:nvSpPr>
+        <p:spPr>
+          <a:xfrm>
+            <a:off x="609480" y="3681720"/>
+            <a:ext cx="10971720" cy="1896480"/>
+          </a:xfrm>
+          <a:prstGeom prst="rect">
+            <a:avLst/>
+          </a:prstGeom>
+        </p:spPr>
+        <p:txBody>
+          <a:bodyPr lIns="0" rIns="0" tIns="0" bIns="0">
+            <a:normAutofit/>
+          </a:bodyPr>
+          <a:p>
+            <a:endParaRPr b="0" lang="pt-BR" sz="3200" spc="-1" strike="noStrike">
+              <a:latin typeface="Arial"/>
+            </a:endParaRPr>
+          </a:p>
+        </p:txBody>
+      </p:sp>
+    </p:spTree>
+  </p:cSld>
+</p:sldLayout>
+</file>
+
+<file path=ppt/slideLayouts/slideLayout35.xml><?xml version="1.0" encoding="utf-8"?>
+<p:sldLayout xmlns:a="http://schemas.openxmlformats.org/drawingml/2006/main" xmlns:p="http://schemas.openxmlformats.org/presentationml/2006/main" xmlns:r="http://schemas.openxmlformats.org/officeDocument/2006/relationships" xmlns:p14="http://schemas.microsoft.com/office/powerpoint/2010/main" xmlns:p15="http://schemas.microsoft.com/office/powerpoint/2012/main" xmlns:mc="http://schemas.openxmlformats.org/markup-compatibility/2006" type="fourObj" preserve="1">
+  <p:cSld name="Title, 4 Content">
+    <p:spTree>
+      <p:nvGrpSpPr>
+        <p:cNvPr id="1" name=""/>
+        <p:cNvGrpSpPr/>
+        <p:nvPr/>
+      </p:nvGrpSpPr>
+      <p:grpSpPr>
+        <a:xfrm>
+          <a:off x="0" y="0"/>
+          <a:ext cx="0" cy="0"/>
+          <a:chOff x="0" y="0"/>
+          <a:chExt cx="0" cy="0"/>
+        </a:xfrm>
+      </p:grpSpPr>
+      <p:sp>
+        <p:nvSpPr>
+          <p:cNvPr id="105" name="PlaceHolder 1"/>
+          <p:cNvSpPr>
+            <a:spLocks noGrp="1"/>
+          </p:cNvSpPr>
+          <p:nvPr>
+            <p:ph type="title"/>
+          </p:nvPr>
+        </p:nvSpPr>
+        <p:spPr>
+          <a:xfrm>
+            <a:off x="609480" y="273600"/>
+            <a:ext cx="10971720" cy="1144080"/>
+          </a:xfrm>
+          <a:prstGeom prst="rect">
+            <a:avLst/>
+          </a:prstGeom>
+        </p:spPr>
+        <p:txBody>
+          <a:bodyPr lIns="0" rIns="0" tIns="0" bIns="0" anchor="ctr">
+            <a:noAutofit/>
+          </a:bodyPr>
+          <a:p>
+            <a:pPr algn="ctr"/>
+            <a:endParaRPr b="0" lang="pt-BR" sz="4400" spc="-1" strike="noStrike">
+              <a:latin typeface="Arial"/>
+            </a:endParaRPr>
+          </a:p>
+        </p:txBody>
+      </p:sp>
+      <p:sp>
+        <p:nvSpPr>
+          <p:cNvPr id="106" name="PlaceHolder 2"/>
+          <p:cNvSpPr>
+            <a:spLocks noGrp="1"/>
+          </p:cNvSpPr>
+          <p:nvPr>
+            <p:ph type="body"/>
+          </p:nvPr>
+        </p:nvSpPr>
+        <p:spPr>
+          <a:xfrm>
+            <a:off x="609480" y="1604520"/>
+            <a:ext cx="5353920" cy="1896480"/>
+          </a:xfrm>
+          <a:prstGeom prst="rect">
+            <a:avLst/>
+          </a:prstGeom>
+        </p:spPr>
+        <p:txBody>
+          <a:bodyPr lIns="0" rIns="0" tIns="0" bIns="0">
+            <a:normAutofit/>
+          </a:bodyPr>
+          <a:p>
+            <a:endParaRPr b="0" lang="pt-BR" sz="3200" spc="-1" strike="noStrike">
+              <a:latin typeface="Arial"/>
+            </a:endParaRPr>
+          </a:p>
+        </p:txBody>
+      </p:sp>
+      <p:sp>
+        <p:nvSpPr>
+          <p:cNvPr id="107" name="PlaceHolder 3"/>
+          <p:cNvSpPr>
+            <a:spLocks noGrp="1"/>
+          </p:cNvSpPr>
+          <p:nvPr>
+            <p:ph type="body"/>
+          </p:nvPr>
+        </p:nvSpPr>
+        <p:spPr>
+          <a:xfrm>
+            <a:off x="6231600" y="1604520"/>
+            <a:ext cx="5353920" cy="1896480"/>
+          </a:xfrm>
+          <a:prstGeom prst="rect">
+            <a:avLst/>
+          </a:prstGeom>
+        </p:spPr>
+        <p:txBody>
+          <a:bodyPr lIns="0" rIns="0" tIns="0" bIns="0">
+            <a:normAutofit/>
+          </a:bodyPr>
+          <a:p>
+            <a:endParaRPr b="0" lang="pt-BR" sz="3200" spc="-1" strike="noStrike">
+              <a:latin typeface="Arial"/>
+            </a:endParaRPr>
+          </a:p>
+        </p:txBody>
+      </p:sp>
+      <p:sp>
+        <p:nvSpPr>
+          <p:cNvPr id="108" name="PlaceHolder 4"/>
+          <p:cNvSpPr>
+            <a:spLocks noGrp="1"/>
+          </p:cNvSpPr>
+          <p:nvPr>
+            <p:ph type="body"/>
+          </p:nvPr>
+        </p:nvSpPr>
+        <p:spPr>
+          <a:xfrm>
+            <a:off x="609480" y="3681720"/>
+            <a:ext cx="5353920" cy="1896480"/>
+          </a:xfrm>
+          <a:prstGeom prst="rect">
+            <a:avLst/>
+          </a:prstGeom>
+        </p:spPr>
+        <p:txBody>
+          <a:bodyPr lIns="0" rIns="0" tIns="0" bIns="0">
+            <a:normAutofit/>
+          </a:bodyPr>
+          <a:p>
+            <a:endParaRPr b="0" lang="pt-BR" sz="3200" spc="-1" strike="noStrike">
+              <a:latin typeface="Arial"/>
+            </a:endParaRPr>
+          </a:p>
+        </p:txBody>
+      </p:sp>
+      <p:sp>
+        <p:nvSpPr>
+          <p:cNvPr id="109" name="PlaceHolder 5"/>
+          <p:cNvSpPr>
+            <a:spLocks noGrp="1"/>
+          </p:cNvSpPr>
+          <p:nvPr>
+            <p:ph type="body"/>
+          </p:nvPr>
+        </p:nvSpPr>
+        <p:spPr>
+          <a:xfrm>
+            <a:off x="6231600" y="3681720"/>
+            <a:ext cx="5353920" cy="1896480"/>
+          </a:xfrm>
+          <a:prstGeom prst="rect">
+            <a:avLst/>
+          </a:prstGeom>
+        </p:spPr>
+        <p:txBody>
+          <a:bodyPr lIns="0" rIns="0" tIns="0" bIns="0">
+            <a:normAutofit/>
+          </a:bodyPr>
+          <a:p>
+            <a:endParaRPr b="0" lang="pt-BR" sz="3200" spc="-1" strike="noStrike">
+              <a:latin typeface="Arial"/>
+            </a:endParaRPr>
+          </a:p>
+        </p:txBody>
+      </p:sp>
+    </p:spTree>
+  </p:cSld>
+</p:sldLayout>
+</file>
+
+<file path=ppt/slideLayouts/slideLayout36.xml><?xml version="1.0" encoding="utf-8"?>
+<p:sldLayout xmlns:a="http://schemas.openxmlformats.org/drawingml/2006/main" xmlns:p="http://schemas.openxmlformats.org/presentationml/2006/main" xmlns:r="http://schemas.openxmlformats.org/officeDocument/2006/relationships" xmlns:p14="http://schemas.microsoft.com/office/powerpoint/2010/main" xmlns:p15="http://schemas.microsoft.com/office/powerpoint/2012/main" xmlns:mc="http://schemas.openxmlformats.org/markup-compatibility/2006" type="blank" preserve="1">
+  <p:cSld name="Title, 6 Content">
+    <p:spTree>
+      <p:nvGrpSpPr>
+        <p:cNvPr id="1" name=""/>
+        <p:cNvGrpSpPr/>
+        <p:nvPr/>
+      </p:nvGrpSpPr>
+      <p:grpSpPr>
+        <a:xfrm>
+          <a:off x="0" y="0"/>
+          <a:ext cx="0" cy="0"/>
+          <a:chOff x="0" y="0"/>
+          <a:chExt cx="0" cy="0"/>
+        </a:xfrm>
+      </p:grpSpPr>
+      <p:sp>
+        <p:nvSpPr>
+          <p:cNvPr id="110" name="PlaceHolder 1"/>
+          <p:cNvSpPr>
+            <a:spLocks noGrp="1"/>
+          </p:cNvSpPr>
+          <p:nvPr>
+            <p:ph type="title"/>
+          </p:nvPr>
+        </p:nvSpPr>
+        <p:spPr>
+          <a:xfrm>
+            <a:off x="609480" y="273600"/>
+            <a:ext cx="10971720" cy="1144080"/>
+          </a:xfrm>
+          <a:prstGeom prst="rect">
+            <a:avLst/>
+          </a:prstGeom>
+        </p:spPr>
+        <p:txBody>
+          <a:bodyPr lIns="0" rIns="0" tIns="0" bIns="0" anchor="ctr">
+            <a:noAutofit/>
+          </a:bodyPr>
+          <a:p>
+            <a:pPr algn="ctr"/>
+            <a:endParaRPr b="0" lang="pt-BR" sz="4400" spc="-1" strike="noStrike">
+              <a:latin typeface="Arial"/>
+            </a:endParaRPr>
+          </a:p>
+        </p:txBody>
+      </p:sp>
+      <p:sp>
+        <p:nvSpPr>
+          <p:cNvPr id="111" name="PlaceHolder 2"/>
+          <p:cNvSpPr>
+            <a:spLocks noGrp="1"/>
+          </p:cNvSpPr>
+          <p:nvPr>
+            <p:ph type="body"/>
+          </p:nvPr>
+        </p:nvSpPr>
+        <p:spPr>
+          <a:xfrm>
+            <a:off x="609480" y="1604520"/>
+            <a:ext cx="3532680" cy="1896480"/>
+          </a:xfrm>
+          <a:prstGeom prst="rect">
+            <a:avLst/>
+          </a:prstGeom>
+        </p:spPr>
+        <p:txBody>
+          <a:bodyPr lIns="0" rIns="0" tIns="0" bIns="0">
+            <a:normAutofit/>
+          </a:bodyPr>
+          <a:p>
+            <a:endParaRPr b="0" lang="pt-BR" sz="3200" spc="-1" strike="noStrike">
+              <a:latin typeface="Arial"/>
+            </a:endParaRPr>
+          </a:p>
+        </p:txBody>
+      </p:sp>
+      <p:sp>
+        <p:nvSpPr>
+          <p:cNvPr id="112" name="PlaceHolder 3"/>
+          <p:cNvSpPr>
+            <a:spLocks noGrp="1"/>
+          </p:cNvSpPr>
+          <p:nvPr>
+            <p:ph type="body"/>
+          </p:nvPr>
+        </p:nvSpPr>
+        <p:spPr>
+          <a:xfrm>
+            <a:off x="4319280" y="1604520"/>
+            <a:ext cx="3532680" cy="1896480"/>
+          </a:xfrm>
+          <a:prstGeom prst="rect">
+            <a:avLst/>
+          </a:prstGeom>
+        </p:spPr>
+        <p:txBody>
+          <a:bodyPr lIns="0" rIns="0" tIns="0" bIns="0">
+            <a:normAutofit/>
+          </a:bodyPr>
+          <a:p>
+            <a:endParaRPr b="0" lang="pt-BR" sz="3200" spc="-1" strike="noStrike">
+              <a:latin typeface="Arial"/>
+            </a:endParaRPr>
+          </a:p>
+        </p:txBody>
+      </p:sp>
+      <p:sp>
+        <p:nvSpPr>
+          <p:cNvPr id="113" name="PlaceHolder 4"/>
+          <p:cNvSpPr>
+            <a:spLocks noGrp="1"/>
+          </p:cNvSpPr>
+          <p:nvPr>
+            <p:ph type="body"/>
+          </p:nvPr>
+        </p:nvSpPr>
+        <p:spPr>
+          <a:xfrm>
+            <a:off x="8028720" y="1604520"/>
+            <a:ext cx="3532680" cy="1896480"/>
+          </a:xfrm>
+          <a:prstGeom prst="rect">
+            <a:avLst/>
+          </a:prstGeom>
+        </p:spPr>
+        <p:txBody>
+          <a:bodyPr lIns="0" rIns="0" tIns="0" bIns="0">
+            <a:normAutofit/>
+          </a:bodyPr>
+          <a:p>
+            <a:endParaRPr b="0" lang="pt-BR" sz="3200" spc="-1" strike="noStrike">
+              <a:latin typeface="Arial"/>
+            </a:endParaRPr>
+          </a:p>
+        </p:txBody>
+      </p:sp>
+      <p:sp>
+        <p:nvSpPr>
+          <p:cNvPr id="114" name="PlaceHolder 5"/>
+          <p:cNvSpPr>
+            <a:spLocks noGrp="1"/>
+          </p:cNvSpPr>
+          <p:nvPr>
+            <p:ph type="body"/>
+          </p:nvPr>
+        </p:nvSpPr>
+        <p:spPr>
+          <a:xfrm>
+            <a:off x="609480" y="3681720"/>
+            <a:ext cx="3532680" cy="1896480"/>
+          </a:xfrm>
+          <a:prstGeom prst="rect">
+            <a:avLst/>
+          </a:prstGeom>
+        </p:spPr>
+        <p:txBody>
+          <a:bodyPr lIns="0" rIns="0" tIns="0" bIns="0">
+            <a:normAutofit/>
+          </a:bodyPr>
+          <a:p>
+            <a:endParaRPr b="0" lang="pt-BR" sz="3200" spc="-1" strike="noStrike">
+              <a:latin typeface="Arial"/>
+            </a:endParaRPr>
+          </a:p>
+        </p:txBody>
+      </p:sp>
+      <p:sp>
+        <p:nvSpPr>
+          <p:cNvPr id="115" name="PlaceHolder 6"/>
+          <p:cNvSpPr>
+            <a:spLocks noGrp="1"/>
+          </p:cNvSpPr>
+          <p:nvPr>
+            <p:ph type="body"/>
+          </p:nvPr>
+        </p:nvSpPr>
+        <p:spPr>
+          <a:xfrm>
+            <a:off x="4319280" y="3681720"/>
+            <a:ext cx="3532680" cy="1896480"/>
+          </a:xfrm>
+          <a:prstGeom prst="rect">
+            <a:avLst/>
+          </a:prstGeom>
+        </p:spPr>
+        <p:txBody>
+          <a:bodyPr lIns="0" rIns="0" tIns="0" bIns="0">
+            <a:normAutofit/>
+          </a:bodyPr>
+          <a:p>
+            <a:endParaRPr b="0" lang="pt-BR" sz="3200" spc="-1" strike="noStrike">
+              <a:latin typeface="Arial"/>
+            </a:endParaRPr>
+          </a:p>
+        </p:txBody>
+      </p:sp>
+      <p:sp>
+        <p:nvSpPr>
+          <p:cNvPr id="116" name="PlaceHolder 7"/>
+          <p:cNvSpPr>
+            <a:spLocks noGrp="1"/>
+          </p:cNvSpPr>
+          <p:nvPr>
+            <p:ph type="body"/>
+          </p:nvPr>
+        </p:nvSpPr>
+        <p:spPr>
+          <a:xfrm>
+            <a:off x="8028720" y="3681720"/>
+            <a:ext cx="3532680" cy="1896480"/>
+          </a:xfrm>
+          <a:prstGeom prst="rect">
+            <a:avLst/>
+          </a:prstGeom>
+        </p:spPr>
+        <p:txBody>
+          <a:bodyPr lIns="0" rIns="0" tIns="0" bIns="0">
+            <a:normAutofit/>
+          </a:bodyPr>
+          <a:p>
+            <a:endParaRPr b="0" lang="pt-BR" sz="3200" spc="-1" strike="noStrike">
+              <a:latin typeface="Arial"/>
+            </a:endParaRPr>
+          </a:p>
+        </p:txBody>
+      </p:sp>
+    </p:spTree>
+  </p:cSld>
+</p:sldLayout>
+</file>
+
+<file path=ppt/slideLayouts/slideLayout37.xml><?xml version="1.0" encoding="utf-8"?>
+<p:sldLayout xmlns:a="http://schemas.openxmlformats.org/drawingml/2006/main" xmlns:p="http://schemas.openxmlformats.org/presentationml/2006/main" xmlns:r="http://schemas.openxmlformats.org/officeDocument/2006/relationships" xmlns:p14="http://schemas.microsoft.com/office/powerpoint/2010/main" xmlns:p15="http://schemas.microsoft.com/office/powerpoint/2012/main" xmlns:mc="http://schemas.openxmlformats.org/markup-compatibility/2006" type="blank" preserve="1">
+  <p:cSld name="Blank Slide">
+    <p:spTree>
+      <p:nvGrpSpPr>
+        <p:cNvPr id="1" name=""/>
+        <p:cNvGrpSpPr/>
+        <p:nvPr/>
+      </p:nvGrpSpPr>
+      <p:grpSpPr>
+        <a:xfrm>
+          <a:off x="0" y="0"/>
+          <a:ext cx="0" cy="0"/>
+          <a:chOff x="0" y="0"/>
+          <a:chExt cx="0" cy="0"/>
+        </a:xfrm>
+      </p:grpSpPr>
+    </p:spTree>
+  </p:cSld>
+</p:sldLayout>
+</file>
+
+<file path=ppt/slideLayouts/slideLayout38.xml><?xml version="1.0" encoding="utf-8"?>
+<p:sldLayout xmlns:a="http://schemas.openxmlformats.org/drawingml/2006/main" xmlns:p="http://schemas.openxmlformats.org/presentationml/2006/main" xmlns:r="http://schemas.openxmlformats.org/officeDocument/2006/relationships" xmlns:p14="http://schemas.microsoft.com/office/powerpoint/2010/main" xmlns:p15="http://schemas.microsoft.com/office/powerpoint/2012/main" xmlns:mc="http://schemas.openxmlformats.org/markup-compatibility/2006" type="tx" preserve="1">
+  <p:cSld name="Title Slide">
+    <p:spTree>
+      <p:nvGrpSpPr>
+        <p:cNvPr id="1" name=""/>
+        <p:cNvGrpSpPr/>
+        <p:nvPr/>
+      </p:nvGrpSpPr>
+      <p:grpSpPr>
+        <a:xfrm>
+          <a:off x="0" y="0"/>
+          <a:ext cx="0" cy="0"/>
+          <a:chOff x="0" y="0"/>
+          <a:chExt cx="0" cy="0"/>
+        </a:xfrm>
+      </p:grpSpPr>
+      <p:sp>
+        <p:nvSpPr>
+          <p:cNvPr id="121" name="PlaceHolder 1"/>
+          <p:cNvSpPr>
+            <a:spLocks noGrp="1"/>
+          </p:cNvSpPr>
+          <p:nvPr>
+            <p:ph type="title"/>
+          </p:nvPr>
+        </p:nvSpPr>
+        <p:spPr>
+          <a:xfrm>
+            <a:off x="609480" y="273600"/>
+            <a:ext cx="10971720" cy="1144080"/>
+          </a:xfrm>
+          <a:prstGeom prst="rect">
+            <a:avLst/>
+          </a:prstGeom>
+        </p:spPr>
+        <p:txBody>
+          <a:bodyPr lIns="0" rIns="0" tIns="0" bIns="0" anchor="ctr">
+            <a:noAutofit/>
+          </a:bodyPr>
+          <a:p>
+            <a:pPr algn="ctr"/>
+            <a:endParaRPr b="0" lang="pt-BR" sz="4400" spc="-1" strike="noStrike">
+              <a:latin typeface="Arial"/>
+            </a:endParaRPr>
+          </a:p>
+        </p:txBody>
+      </p:sp>
+      <p:sp>
+        <p:nvSpPr>
+          <p:cNvPr id="122" name="PlaceHolder 2"/>
+          <p:cNvSpPr>
+            <a:spLocks noGrp="1"/>
+          </p:cNvSpPr>
+          <p:nvPr>
+            <p:ph type="subTitle"/>
+          </p:nvPr>
+        </p:nvSpPr>
+        <p:spPr>
+          <a:xfrm>
+            <a:off x="609480" y="1604520"/>
+            <a:ext cx="10971720" cy="3976560"/>
+          </a:xfrm>
+          <a:prstGeom prst="rect">
+            <a:avLst/>
+          </a:prstGeom>
+        </p:spPr>
+        <p:txBody>
+          <a:bodyPr lIns="0" rIns="0" tIns="0" bIns="0" anchor="ctr">
+            <a:noAutofit/>
+          </a:bodyPr>
+          <a:p>
+            <a:pPr algn="ctr"/>
+            <a:endParaRPr b="0" lang="pt-BR" sz="3200" spc="-1" strike="noStrike">
+              <a:latin typeface="Arial"/>
+            </a:endParaRPr>
+          </a:p>
+        </p:txBody>
+      </p:sp>
+    </p:spTree>
+  </p:cSld>
+</p:sldLayout>
+</file>
+
+<file path=ppt/slideLayouts/slideLayout39.xml><?xml version="1.0" encoding="utf-8"?>
+<p:sldLayout xmlns:a="http://schemas.openxmlformats.org/drawingml/2006/main" xmlns:p="http://schemas.openxmlformats.org/presentationml/2006/main" xmlns:r="http://schemas.openxmlformats.org/officeDocument/2006/relationships" xmlns:p14="http://schemas.microsoft.com/office/powerpoint/2010/main" xmlns:p15="http://schemas.microsoft.com/office/powerpoint/2012/main" xmlns:mc="http://schemas.openxmlformats.org/markup-compatibility/2006" type="obj" preserve="1">
+  <p:cSld name="Title, Content">
+    <p:spTree>
+      <p:nvGrpSpPr>
+        <p:cNvPr id="1" name=""/>
+        <p:cNvGrpSpPr/>
+        <p:nvPr/>
+      </p:nvGrpSpPr>
+      <p:grpSpPr>
+        <a:xfrm>
+          <a:off x="0" y="0"/>
+          <a:ext cx="0" cy="0"/>
+          <a:chOff x="0" y="0"/>
+          <a:chExt cx="0" cy="0"/>
+        </a:xfrm>
+      </p:grpSpPr>
+      <p:sp>
+        <p:nvSpPr>
+          <p:cNvPr id="123" name="PlaceHolder 1"/>
+          <p:cNvSpPr>
+            <a:spLocks noGrp="1"/>
+          </p:cNvSpPr>
+          <p:nvPr>
+            <p:ph type="title"/>
+          </p:nvPr>
+        </p:nvSpPr>
+        <p:spPr>
+          <a:xfrm>
+            <a:off x="609480" y="273600"/>
+            <a:ext cx="10971720" cy="1144080"/>
+          </a:xfrm>
+          <a:prstGeom prst="rect">
+            <a:avLst/>
+          </a:prstGeom>
+        </p:spPr>
+        <p:txBody>
+          <a:bodyPr lIns="0" rIns="0" tIns="0" bIns="0" anchor="ctr">
+            <a:noAutofit/>
+          </a:bodyPr>
+          <a:p>
+            <a:pPr algn="ctr"/>
+            <a:endParaRPr b="0" lang="pt-BR" sz="4400" spc="-1" strike="noStrike">
+              <a:latin typeface="Arial"/>
+            </a:endParaRPr>
+          </a:p>
+        </p:txBody>
+      </p:sp>
+      <p:sp>
+        <p:nvSpPr>
+          <p:cNvPr id="124" name="PlaceHolder 2"/>
+          <p:cNvSpPr>
+            <a:spLocks noGrp="1"/>
+          </p:cNvSpPr>
+          <p:nvPr>
+            <p:ph type="body"/>
+          </p:nvPr>
+        </p:nvSpPr>
+        <p:spPr>
+          <a:xfrm>
+            <a:off x="609480" y="1604520"/>
+            <a:ext cx="10971720" cy="3976560"/>
           </a:xfrm>
           <a:prstGeom prst="rect">
             <a:avLst/>
@@ -3224,7 +4820,7 @@
         <p:spPr>
           <a:xfrm>
             <a:off x="609480" y="273600"/>
-            <a:ext cx="10972080" cy="1144440"/>
+            <a:ext cx="10971720" cy="1144080"/>
           </a:xfrm>
           <a:prstGeom prst="rect">
             <a:avLst/>
@@ -3255,7 +4851,7 @@
         <p:spPr>
           <a:xfrm>
             <a:off x="609480" y="1604520"/>
-            <a:ext cx="5354280" cy="3976920"/>
+            <a:ext cx="5353920" cy="3976560"/>
           </a:xfrm>
           <a:prstGeom prst="rect">
             <a:avLst/>
@@ -3284,8 +4880,1175 @@
         </p:nvSpPr>
         <p:spPr>
           <a:xfrm>
-            <a:off x="6231960" y="1604520"/>
-            <a:ext cx="5354280" cy="3976920"/>
+            <a:off x="6231600" y="1604520"/>
+            <a:ext cx="5353920" cy="3976560"/>
+          </a:xfrm>
+          <a:prstGeom prst="rect">
+            <a:avLst/>
+          </a:prstGeom>
+        </p:spPr>
+        <p:txBody>
+          <a:bodyPr lIns="0" rIns="0" tIns="0" bIns="0">
+            <a:normAutofit/>
+          </a:bodyPr>
+          <a:p>
+            <a:endParaRPr b="0" lang="pt-BR" sz="3200" spc="-1" strike="noStrike">
+              <a:latin typeface="Arial"/>
+            </a:endParaRPr>
+          </a:p>
+        </p:txBody>
+      </p:sp>
+    </p:spTree>
+  </p:cSld>
+</p:sldLayout>
+</file>
+
+<file path=ppt/slideLayouts/slideLayout40.xml><?xml version="1.0" encoding="utf-8"?>
+<p:sldLayout xmlns:a="http://schemas.openxmlformats.org/drawingml/2006/main" xmlns:p="http://schemas.openxmlformats.org/presentationml/2006/main" xmlns:r="http://schemas.openxmlformats.org/officeDocument/2006/relationships" xmlns:p14="http://schemas.microsoft.com/office/powerpoint/2010/main" xmlns:p15="http://schemas.microsoft.com/office/powerpoint/2012/main" xmlns:mc="http://schemas.openxmlformats.org/markup-compatibility/2006" type="twoObj" preserve="1">
+  <p:cSld name="Title, 2 Content">
+    <p:spTree>
+      <p:nvGrpSpPr>
+        <p:cNvPr id="1" name=""/>
+        <p:cNvGrpSpPr/>
+        <p:nvPr/>
+      </p:nvGrpSpPr>
+      <p:grpSpPr>
+        <a:xfrm>
+          <a:off x="0" y="0"/>
+          <a:ext cx="0" cy="0"/>
+          <a:chOff x="0" y="0"/>
+          <a:chExt cx="0" cy="0"/>
+        </a:xfrm>
+      </p:grpSpPr>
+      <p:sp>
+        <p:nvSpPr>
+          <p:cNvPr id="125" name="PlaceHolder 1"/>
+          <p:cNvSpPr>
+            <a:spLocks noGrp="1"/>
+          </p:cNvSpPr>
+          <p:nvPr>
+            <p:ph type="title"/>
+          </p:nvPr>
+        </p:nvSpPr>
+        <p:spPr>
+          <a:xfrm>
+            <a:off x="609480" y="273600"/>
+            <a:ext cx="10971720" cy="1144080"/>
+          </a:xfrm>
+          <a:prstGeom prst="rect">
+            <a:avLst/>
+          </a:prstGeom>
+        </p:spPr>
+        <p:txBody>
+          <a:bodyPr lIns="0" rIns="0" tIns="0" bIns="0" anchor="ctr">
+            <a:noAutofit/>
+          </a:bodyPr>
+          <a:p>
+            <a:pPr algn="ctr"/>
+            <a:endParaRPr b="0" lang="pt-BR" sz="4400" spc="-1" strike="noStrike">
+              <a:latin typeface="Arial"/>
+            </a:endParaRPr>
+          </a:p>
+        </p:txBody>
+      </p:sp>
+      <p:sp>
+        <p:nvSpPr>
+          <p:cNvPr id="126" name="PlaceHolder 2"/>
+          <p:cNvSpPr>
+            <a:spLocks noGrp="1"/>
+          </p:cNvSpPr>
+          <p:nvPr>
+            <p:ph type="body"/>
+          </p:nvPr>
+        </p:nvSpPr>
+        <p:spPr>
+          <a:xfrm>
+            <a:off x="609480" y="1604520"/>
+            <a:ext cx="5353920" cy="3976560"/>
+          </a:xfrm>
+          <a:prstGeom prst="rect">
+            <a:avLst/>
+          </a:prstGeom>
+        </p:spPr>
+        <p:txBody>
+          <a:bodyPr lIns="0" rIns="0" tIns="0" bIns="0">
+            <a:normAutofit/>
+          </a:bodyPr>
+          <a:p>
+            <a:endParaRPr b="0" lang="pt-BR" sz="3200" spc="-1" strike="noStrike">
+              <a:latin typeface="Arial"/>
+            </a:endParaRPr>
+          </a:p>
+        </p:txBody>
+      </p:sp>
+      <p:sp>
+        <p:nvSpPr>
+          <p:cNvPr id="127" name="PlaceHolder 3"/>
+          <p:cNvSpPr>
+            <a:spLocks noGrp="1"/>
+          </p:cNvSpPr>
+          <p:nvPr>
+            <p:ph type="body"/>
+          </p:nvPr>
+        </p:nvSpPr>
+        <p:spPr>
+          <a:xfrm>
+            <a:off x="6231600" y="1604520"/>
+            <a:ext cx="5353920" cy="3976560"/>
+          </a:xfrm>
+          <a:prstGeom prst="rect">
+            <a:avLst/>
+          </a:prstGeom>
+        </p:spPr>
+        <p:txBody>
+          <a:bodyPr lIns="0" rIns="0" tIns="0" bIns="0">
+            <a:normAutofit/>
+          </a:bodyPr>
+          <a:p>
+            <a:endParaRPr b="0" lang="pt-BR" sz="3200" spc="-1" strike="noStrike">
+              <a:latin typeface="Arial"/>
+            </a:endParaRPr>
+          </a:p>
+        </p:txBody>
+      </p:sp>
+    </p:spTree>
+  </p:cSld>
+</p:sldLayout>
+</file>
+
+<file path=ppt/slideLayouts/slideLayout41.xml><?xml version="1.0" encoding="utf-8"?>
+<p:sldLayout xmlns:a="http://schemas.openxmlformats.org/drawingml/2006/main" xmlns:p="http://schemas.openxmlformats.org/presentationml/2006/main" xmlns:r="http://schemas.openxmlformats.org/officeDocument/2006/relationships" xmlns:p14="http://schemas.microsoft.com/office/powerpoint/2010/main" xmlns:p15="http://schemas.microsoft.com/office/powerpoint/2012/main" xmlns:mc="http://schemas.openxmlformats.org/markup-compatibility/2006" type="titleOnly" preserve="1">
+  <p:cSld name="Title Only">
+    <p:spTree>
+      <p:nvGrpSpPr>
+        <p:cNvPr id="1" name=""/>
+        <p:cNvGrpSpPr/>
+        <p:nvPr/>
+      </p:nvGrpSpPr>
+      <p:grpSpPr>
+        <a:xfrm>
+          <a:off x="0" y="0"/>
+          <a:ext cx="0" cy="0"/>
+          <a:chOff x="0" y="0"/>
+          <a:chExt cx="0" cy="0"/>
+        </a:xfrm>
+      </p:grpSpPr>
+      <p:sp>
+        <p:nvSpPr>
+          <p:cNvPr id="128" name="PlaceHolder 1"/>
+          <p:cNvSpPr>
+            <a:spLocks noGrp="1"/>
+          </p:cNvSpPr>
+          <p:nvPr>
+            <p:ph type="title"/>
+          </p:nvPr>
+        </p:nvSpPr>
+        <p:spPr>
+          <a:xfrm>
+            <a:off x="609480" y="273600"/>
+            <a:ext cx="10971720" cy="1144080"/>
+          </a:xfrm>
+          <a:prstGeom prst="rect">
+            <a:avLst/>
+          </a:prstGeom>
+        </p:spPr>
+        <p:txBody>
+          <a:bodyPr lIns="0" rIns="0" tIns="0" bIns="0" anchor="ctr">
+            <a:noAutofit/>
+          </a:bodyPr>
+          <a:p>
+            <a:pPr algn="ctr"/>
+            <a:endParaRPr b="0" lang="pt-BR" sz="4400" spc="-1" strike="noStrike">
+              <a:latin typeface="Arial"/>
+            </a:endParaRPr>
+          </a:p>
+        </p:txBody>
+      </p:sp>
+    </p:spTree>
+  </p:cSld>
+</p:sldLayout>
+</file>
+
+<file path=ppt/slideLayouts/slideLayout42.xml><?xml version="1.0" encoding="utf-8"?>
+<p:sldLayout xmlns:a="http://schemas.openxmlformats.org/drawingml/2006/main" xmlns:p="http://schemas.openxmlformats.org/presentationml/2006/main" xmlns:r="http://schemas.openxmlformats.org/officeDocument/2006/relationships" xmlns:p14="http://schemas.microsoft.com/office/powerpoint/2010/main" xmlns:p15="http://schemas.microsoft.com/office/powerpoint/2012/main" xmlns:mc="http://schemas.openxmlformats.org/markup-compatibility/2006" type="objOnly" preserve="1">
+  <p:cSld name="Centered Text">
+    <p:spTree>
+      <p:nvGrpSpPr>
+        <p:cNvPr id="1" name=""/>
+        <p:cNvGrpSpPr/>
+        <p:nvPr/>
+      </p:nvGrpSpPr>
+      <p:grpSpPr>
+        <a:xfrm>
+          <a:off x="0" y="0"/>
+          <a:ext cx="0" cy="0"/>
+          <a:chOff x="0" y="0"/>
+          <a:chExt cx="0" cy="0"/>
+        </a:xfrm>
+      </p:grpSpPr>
+      <p:sp>
+        <p:nvSpPr>
+          <p:cNvPr id="129" name="PlaceHolder 1"/>
+          <p:cNvSpPr>
+            <a:spLocks noGrp="1"/>
+          </p:cNvSpPr>
+          <p:nvPr>
+            <p:ph type="subTitle"/>
+          </p:nvPr>
+        </p:nvSpPr>
+        <p:spPr>
+          <a:xfrm>
+            <a:off x="609480" y="273600"/>
+            <a:ext cx="10971720" cy="5304600"/>
+          </a:xfrm>
+          <a:prstGeom prst="rect">
+            <a:avLst/>
+          </a:prstGeom>
+        </p:spPr>
+        <p:txBody>
+          <a:bodyPr lIns="0" rIns="0" tIns="0" bIns="0" anchor="ctr">
+            <a:noAutofit/>
+          </a:bodyPr>
+          <a:p>
+            <a:pPr algn="ctr"/>
+            <a:endParaRPr b="0" lang="pt-BR" sz="3200" spc="-1" strike="noStrike">
+              <a:latin typeface="Arial"/>
+            </a:endParaRPr>
+          </a:p>
+        </p:txBody>
+      </p:sp>
+    </p:spTree>
+  </p:cSld>
+</p:sldLayout>
+</file>
+
+<file path=ppt/slideLayouts/slideLayout43.xml><?xml version="1.0" encoding="utf-8"?>
+<p:sldLayout xmlns:a="http://schemas.openxmlformats.org/drawingml/2006/main" xmlns:p="http://schemas.openxmlformats.org/presentationml/2006/main" xmlns:r="http://schemas.openxmlformats.org/officeDocument/2006/relationships" xmlns:p14="http://schemas.microsoft.com/office/powerpoint/2010/main" xmlns:p15="http://schemas.microsoft.com/office/powerpoint/2012/main" xmlns:mc="http://schemas.openxmlformats.org/markup-compatibility/2006" type="twoObjAndObj" preserve="1">
+  <p:cSld name="Title, 2 Content and Content">
+    <p:spTree>
+      <p:nvGrpSpPr>
+        <p:cNvPr id="1" name=""/>
+        <p:cNvGrpSpPr/>
+        <p:nvPr/>
+      </p:nvGrpSpPr>
+      <p:grpSpPr>
+        <a:xfrm>
+          <a:off x="0" y="0"/>
+          <a:ext cx="0" cy="0"/>
+          <a:chOff x="0" y="0"/>
+          <a:chExt cx="0" cy="0"/>
+        </a:xfrm>
+      </p:grpSpPr>
+      <p:sp>
+        <p:nvSpPr>
+          <p:cNvPr id="130" name="PlaceHolder 1"/>
+          <p:cNvSpPr>
+            <a:spLocks noGrp="1"/>
+          </p:cNvSpPr>
+          <p:nvPr>
+            <p:ph type="title"/>
+          </p:nvPr>
+        </p:nvSpPr>
+        <p:spPr>
+          <a:xfrm>
+            <a:off x="609480" y="273600"/>
+            <a:ext cx="10971720" cy="1144080"/>
+          </a:xfrm>
+          <a:prstGeom prst="rect">
+            <a:avLst/>
+          </a:prstGeom>
+        </p:spPr>
+        <p:txBody>
+          <a:bodyPr lIns="0" rIns="0" tIns="0" bIns="0" anchor="ctr">
+            <a:noAutofit/>
+          </a:bodyPr>
+          <a:p>
+            <a:pPr algn="ctr"/>
+            <a:endParaRPr b="0" lang="pt-BR" sz="4400" spc="-1" strike="noStrike">
+              <a:latin typeface="Arial"/>
+            </a:endParaRPr>
+          </a:p>
+        </p:txBody>
+      </p:sp>
+      <p:sp>
+        <p:nvSpPr>
+          <p:cNvPr id="131" name="PlaceHolder 2"/>
+          <p:cNvSpPr>
+            <a:spLocks noGrp="1"/>
+          </p:cNvSpPr>
+          <p:nvPr>
+            <p:ph type="body"/>
+          </p:nvPr>
+        </p:nvSpPr>
+        <p:spPr>
+          <a:xfrm>
+            <a:off x="609480" y="1604520"/>
+            <a:ext cx="5353920" cy="1896480"/>
+          </a:xfrm>
+          <a:prstGeom prst="rect">
+            <a:avLst/>
+          </a:prstGeom>
+        </p:spPr>
+        <p:txBody>
+          <a:bodyPr lIns="0" rIns="0" tIns="0" bIns="0">
+            <a:normAutofit/>
+          </a:bodyPr>
+          <a:p>
+            <a:endParaRPr b="0" lang="pt-BR" sz="3200" spc="-1" strike="noStrike">
+              <a:latin typeface="Arial"/>
+            </a:endParaRPr>
+          </a:p>
+        </p:txBody>
+      </p:sp>
+      <p:sp>
+        <p:nvSpPr>
+          <p:cNvPr id="132" name="PlaceHolder 3"/>
+          <p:cNvSpPr>
+            <a:spLocks noGrp="1"/>
+          </p:cNvSpPr>
+          <p:nvPr>
+            <p:ph type="body"/>
+          </p:nvPr>
+        </p:nvSpPr>
+        <p:spPr>
+          <a:xfrm>
+            <a:off x="6231600" y="1604520"/>
+            <a:ext cx="5353920" cy="3976560"/>
+          </a:xfrm>
+          <a:prstGeom prst="rect">
+            <a:avLst/>
+          </a:prstGeom>
+        </p:spPr>
+        <p:txBody>
+          <a:bodyPr lIns="0" rIns="0" tIns="0" bIns="0">
+            <a:normAutofit/>
+          </a:bodyPr>
+          <a:p>
+            <a:endParaRPr b="0" lang="pt-BR" sz="3200" spc="-1" strike="noStrike">
+              <a:latin typeface="Arial"/>
+            </a:endParaRPr>
+          </a:p>
+        </p:txBody>
+      </p:sp>
+      <p:sp>
+        <p:nvSpPr>
+          <p:cNvPr id="133" name="PlaceHolder 4"/>
+          <p:cNvSpPr>
+            <a:spLocks noGrp="1"/>
+          </p:cNvSpPr>
+          <p:nvPr>
+            <p:ph type="body"/>
+          </p:nvPr>
+        </p:nvSpPr>
+        <p:spPr>
+          <a:xfrm>
+            <a:off x="609480" y="3681720"/>
+            <a:ext cx="5353920" cy="1896480"/>
+          </a:xfrm>
+          <a:prstGeom prst="rect">
+            <a:avLst/>
+          </a:prstGeom>
+        </p:spPr>
+        <p:txBody>
+          <a:bodyPr lIns="0" rIns="0" tIns="0" bIns="0">
+            <a:normAutofit/>
+          </a:bodyPr>
+          <a:p>
+            <a:endParaRPr b="0" lang="pt-BR" sz="3200" spc="-1" strike="noStrike">
+              <a:latin typeface="Arial"/>
+            </a:endParaRPr>
+          </a:p>
+        </p:txBody>
+      </p:sp>
+    </p:spTree>
+  </p:cSld>
+</p:sldLayout>
+</file>
+
+<file path=ppt/slideLayouts/slideLayout44.xml><?xml version="1.0" encoding="utf-8"?>
+<p:sldLayout xmlns:a="http://schemas.openxmlformats.org/drawingml/2006/main" xmlns:p="http://schemas.openxmlformats.org/presentationml/2006/main" xmlns:r="http://schemas.openxmlformats.org/officeDocument/2006/relationships" xmlns:p14="http://schemas.microsoft.com/office/powerpoint/2010/main" xmlns:p15="http://schemas.microsoft.com/office/powerpoint/2012/main" xmlns:mc="http://schemas.openxmlformats.org/markup-compatibility/2006" type="objAndTwoObj" preserve="1">
+  <p:cSld name="Title Content and 2 Content">
+    <p:spTree>
+      <p:nvGrpSpPr>
+        <p:cNvPr id="1" name=""/>
+        <p:cNvGrpSpPr/>
+        <p:nvPr/>
+      </p:nvGrpSpPr>
+      <p:grpSpPr>
+        <a:xfrm>
+          <a:off x="0" y="0"/>
+          <a:ext cx="0" cy="0"/>
+          <a:chOff x="0" y="0"/>
+          <a:chExt cx="0" cy="0"/>
+        </a:xfrm>
+      </p:grpSpPr>
+      <p:sp>
+        <p:nvSpPr>
+          <p:cNvPr id="134" name="PlaceHolder 1"/>
+          <p:cNvSpPr>
+            <a:spLocks noGrp="1"/>
+          </p:cNvSpPr>
+          <p:nvPr>
+            <p:ph type="title"/>
+          </p:nvPr>
+        </p:nvSpPr>
+        <p:spPr>
+          <a:xfrm>
+            <a:off x="609480" y="273600"/>
+            <a:ext cx="10971720" cy="1144080"/>
+          </a:xfrm>
+          <a:prstGeom prst="rect">
+            <a:avLst/>
+          </a:prstGeom>
+        </p:spPr>
+        <p:txBody>
+          <a:bodyPr lIns="0" rIns="0" tIns="0" bIns="0" anchor="ctr">
+            <a:noAutofit/>
+          </a:bodyPr>
+          <a:p>
+            <a:pPr algn="ctr"/>
+            <a:endParaRPr b="0" lang="pt-BR" sz="4400" spc="-1" strike="noStrike">
+              <a:latin typeface="Arial"/>
+            </a:endParaRPr>
+          </a:p>
+        </p:txBody>
+      </p:sp>
+      <p:sp>
+        <p:nvSpPr>
+          <p:cNvPr id="135" name="PlaceHolder 2"/>
+          <p:cNvSpPr>
+            <a:spLocks noGrp="1"/>
+          </p:cNvSpPr>
+          <p:nvPr>
+            <p:ph type="body"/>
+          </p:nvPr>
+        </p:nvSpPr>
+        <p:spPr>
+          <a:xfrm>
+            <a:off x="609480" y="1604520"/>
+            <a:ext cx="5353920" cy="3976560"/>
+          </a:xfrm>
+          <a:prstGeom prst="rect">
+            <a:avLst/>
+          </a:prstGeom>
+        </p:spPr>
+        <p:txBody>
+          <a:bodyPr lIns="0" rIns="0" tIns="0" bIns="0">
+            <a:normAutofit/>
+          </a:bodyPr>
+          <a:p>
+            <a:endParaRPr b="0" lang="pt-BR" sz="3200" spc="-1" strike="noStrike">
+              <a:latin typeface="Arial"/>
+            </a:endParaRPr>
+          </a:p>
+        </p:txBody>
+      </p:sp>
+      <p:sp>
+        <p:nvSpPr>
+          <p:cNvPr id="136" name="PlaceHolder 3"/>
+          <p:cNvSpPr>
+            <a:spLocks noGrp="1"/>
+          </p:cNvSpPr>
+          <p:nvPr>
+            <p:ph type="body"/>
+          </p:nvPr>
+        </p:nvSpPr>
+        <p:spPr>
+          <a:xfrm>
+            <a:off x="6231600" y="1604520"/>
+            <a:ext cx="5353920" cy="1896480"/>
+          </a:xfrm>
+          <a:prstGeom prst="rect">
+            <a:avLst/>
+          </a:prstGeom>
+        </p:spPr>
+        <p:txBody>
+          <a:bodyPr lIns="0" rIns="0" tIns="0" bIns="0">
+            <a:normAutofit/>
+          </a:bodyPr>
+          <a:p>
+            <a:endParaRPr b="0" lang="pt-BR" sz="3200" spc="-1" strike="noStrike">
+              <a:latin typeface="Arial"/>
+            </a:endParaRPr>
+          </a:p>
+        </p:txBody>
+      </p:sp>
+      <p:sp>
+        <p:nvSpPr>
+          <p:cNvPr id="137" name="PlaceHolder 4"/>
+          <p:cNvSpPr>
+            <a:spLocks noGrp="1"/>
+          </p:cNvSpPr>
+          <p:nvPr>
+            <p:ph type="body"/>
+          </p:nvPr>
+        </p:nvSpPr>
+        <p:spPr>
+          <a:xfrm>
+            <a:off x="6231600" y="3681720"/>
+            <a:ext cx="5353920" cy="1896480"/>
+          </a:xfrm>
+          <a:prstGeom prst="rect">
+            <a:avLst/>
+          </a:prstGeom>
+        </p:spPr>
+        <p:txBody>
+          <a:bodyPr lIns="0" rIns="0" tIns="0" bIns="0">
+            <a:normAutofit/>
+          </a:bodyPr>
+          <a:p>
+            <a:endParaRPr b="0" lang="pt-BR" sz="3200" spc="-1" strike="noStrike">
+              <a:latin typeface="Arial"/>
+            </a:endParaRPr>
+          </a:p>
+        </p:txBody>
+      </p:sp>
+    </p:spTree>
+  </p:cSld>
+</p:sldLayout>
+</file>
+
+<file path=ppt/slideLayouts/slideLayout45.xml><?xml version="1.0" encoding="utf-8"?>
+<p:sldLayout xmlns:a="http://schemas.openxmlformats.org/drawingml/2006/main" xmlns:p="http://schemas.openxmlformats.org/presentationml/2006/main" xmlns:r="http://schemas.openxmlformats.org/officeDocument/2006/relationships" xmlns:p14="http://schemas.microsoft.com/office/powerpoint/2010/main" xmlns:p15="http://schemas.microsoft.com/office/powerpoint/2012/main" xmlns:mc="http://schemas.openxmlformats.org/markup-compatibility/2006" type="twoObjOverTx" preserve="1">
+  <p:cSld name="Title, 2 Content over Content">
+    <p:spTree>
+      <p:nvGrpSpPr>
+        <p:cNvPr id="1" name=""/>
+        <p:cNvGrpSpPr/>
+        <p:nvPr/>
+      </p:nvGrpSpPr>
+      <p:grpSpPr>
+        <a:xfrm>
+          <a:off x="0" y="0"/>
+          <a:ext cx="0" cy="0"/>
+          <a:chOff x="0" y="0"/>
+          <a:chExt cx="0" cy="0"/>
+        </a:xfrm>
+      </p:grpSpPr>
+      <p:sp>
+        <p:nvSpPr>
+          <p:cNvPr id="138" name="PlaceHolder 1"/>
+          <p:cNvSpPr>
+            <a:spLocks noGrp="1"/>
+          </p:cNvSpPr>
+          <p:nvPr>
+            <p:ph type="title"/>
+          </p:nvPr>
+        </p:nvSpPr>
+        <p:spPr>
+          <a:xfrm>
+            <a:off x="609480" y="273600"/>
+            <a:ext cx="10971720" cy="1144080"/>
+          </a:xfrm>
+          <a:prstGeom prst="rect">
+            <a:avLst/>
+          </a:prstGeom>
+        </p:spPr>
+        <p:txBody>
+          <a:bodyPr lIns="0" rIns="0" tIns="0" bIns="0" anchor="ctr">
+            <a:noAutofit/>
+          </a:bodyPr>
+          <a:p>
+            <a:pPr algn="ctr"/>
+            <a:endParaRPr b="0" lang="pt-BR" sz="4400" spc="-1" strike="noStrike">
+              <a:latin typeface="Arial"/>
+            </a:endParaRPr>
+          </a:p>
+        </p:txBody>
+      </p:sp>
+      <p:sp>
+        <p:nvSpPr>
+          <p:cNvPr id="139" name="PlaceHolder 2"/>
+          <p:cNvSpPr>
+            <a:spLocks noGrp="1"/>
+          </p:cNvSpPr>
+          <p:nvPr>
+            <p:ph type="body"/>
+          </p:nvPr>
+        </p:nvSpPr>
+        <p:spPr>
+          <a:xfrm>
+            <a:off x="609480" y="1604520"/>
+            <a:ext cx="5353920" cy="1896480"/>
+          </a:xfrm>
+          <a:prstGeom prst="rect">
+            <a:avLst/>
+          </a:prstGeom>
+        </p:spPr>
+        <p:txBody>
+          <a:bodyPr lIns="0" rIns="0" tIns="0" bIns="0">
+            <a:normAutofit/>
+          </a:bodyPr>
+          <a:p>
+            <a:endParaRPr b="0" lang="pt-BR" sz="3200" spc="-1" strike="noStrike">
+              <a:latin typeface="Arial"/>
+            </a:endParaRPr>
+          </a:p>
+        </p:txBody>
+      </p:sp>
+      <p:sp>
+        <p:nvSpPr>
+          <p:cNvPr id="140" name="PlaceHolder 3"/>
+          <p:cNvSpPr>
+            <a:spLocks noGrp="1"/>
+          </p:cNvSpPr>
+          <p:nvPr>
+            <p:ph type="body"/>
+          </p:nvPr>
+        </p:nvSpPr>
+        <p:spPr>
+          <a:xfrm>
+            <a:off x="6231600" y="1604520"/>
+            <a:ext cx="5353920" cy="1896480"/>
+          </a:xfrm>
+          <a:prstGeom prst="rect">
+            <a:avLst/>
+          </a:prstGeom>
+        </p:spPr>
+        <p:txBody>
+          <a:bodyPr lIns="0" rIns="0" tIns="0" bIns="0">
+            <a:normAutofit/>
+          </a:bodyPr>
+          <a:p>
+            <a:endParaRPr b="0" lang="pt-BR" sz="3200" spc="-1" strike="noStrike">
+              <a:latin typeface="Arial"/>
+            </a:endParaRPr>
+          </a:p>
+        </p:txBody>
+      </p:sp>
+      <p:sp>
+        <p:nvSpPr>
+          <p:cNvPr id="141" name="PlaceHolder 4"/>
+          <p:cNvSpPr>
+            <a:spLocks noGrp="1"/>
+          </p:cNvSpPr>
+          <p:nvPr>
+            <p:ph type="body"/>
+          </p:nvPr>
+        </p:nvSpPr>
+        <p:spPr>
+          <a:xfrm>
+            <a:off x="609480" y="3681720"/>
+            <a:ext cx="10971720" cy="1896480"/>
+          </a:xfrm>
+          <a:prstGeom prst="rect">
+            <a:avLst/>
+          </a:prstGeom>
+        </p:spPr>
+        <p:txBody>
+          <a:bodyPr lIns="0" rIns="0" tIns="0" bIns="0">
+            <a:normAutofit/>
+          </a:bodyPr>
+          <a:p>
+            <a:endParaRPr b="0" lang="pt-BR" sz="3200" spc="-1" strike="noStrike">
+              <a:latin typeface="Arial"/>
+            </a:endParaRPr>
+          </a:p>
+        </p:txBody>
+      </p:sp>
+    </p:spTree>
+  </p:cSld>
+</p:sldLayout>
+</file>
+
+<file path=ppt/slideLayouts/slideLayout46.xml><?xml version="1.0" encoding="utf-8"?>
+<p:sldLayout xmlns:a="http://schemas.openxmlformats.org/drawingml/2006/main" xmlns:p="http://schemas.openxmlformats.org/presentationml/2006/main" xmlns:r="http://schemas.openxmlformats.org/officeDocument/2006/relationships" xmlns:p14="http://schemas.microsoft.com/office/powerpoint/2010/main" xmlns:p15="http://schemas.microsoft.com/office/powerpoint/2012/main" xmlns:mc="http://schemas.openxmlformats.org/markup-compatibility/2006" type="objOverTx" preserve="1">
+  <p:cSld name="Title, Content over Content">
+    <p:spTree>
+      <p:nvGrpSpPr>
+        <p:cNvPr id="1" name=""/>
+        <p:cNvGrpSpPr/>
+        <p:nvPr/>
+      </p:nvGrpSpPr>
+      <p:grpSpPr>
+        <a:xfrm>
+          <a:off x="0" y="0"/>
+          <a:ext cx="0" cy="0"/>
+          <a:chOff x="0" y="0"/>
+          <a:chExt cx="0" cy="0"/>
+        </a:xfrm>
+      </p:grpSpPr>
+      <p:sp>
+        <p:nvSpPr>
+          <p:cNvPr id="142" name="PlaceHolder 1"/>
+          <p:cNvSpPr>
+            <a:spLocks noGrp="1"/>
+          </p:cNvSpPr>
+          <p:nvPr>
+            <p:ph type="title"/>
+          </p:nvPr>
+        </p:nvSpPr>
+        <p:spPr>
+          <a:xfrm>
+            <a:off x="609480" y="273600"/>
+            <a:ext cx="10971720" cy="1144080"/>
+          </a:xfrm>
+          <a:prstGeom prst="rect">
+            <a:avLst/>
+          </a:prstGeom>
+        </p:spPr>
+        <p:txBody>
+          <a:bodyPr lIns="0" rIns="0" tIns="0" bIns="0" anchor="ctr">
+            <a:noAutofit/>
+          </a:bodyPr>
+          <a:p>
+            <a:pPr algn="ctr"/>
+            <a:endParaRPr b="0" lang="pt-BR" sz="4400" spc="-1" strike="noStrike">
+              <a:latin typeface="Arial"/>
+            </a:endParaRPr>
+          </a:p>
+        </p:txBody>
+      </p:sp>
+      <p:sp>
+        <p:nvSpPr>
+          <p:cNvPr id="143" name="PlaceHolder 2"/>
+          <p:cNvSpPr>
+            <a:spLocks noGrp="1"/>
+          </p:cNvSpPr>
+          <p:nvPr>
+            <p:ph type="body"/>
+          </p:nvPr>
+        </p:nvSpPr>
+        <p:spPr>
+          <a:xfrm>
+            <a:off x="609480" y="1604520"/>
+            <a:ext cx="10971720" cy="1896480"/>
+          </a:xfrm>
+          <a:prstGeom prst="rect">
+            <a:avLst/>
+          </a:prstGeom>
+        </p:spPr>
+        <p:txBody>
+          <a:bodyPr lIns="0" rIns="0" tIns="0" bIns="0">
+            <a:normAutofit/>
+          </a:bodyPr>
+          <a:p>
+            <a:endParaRPr b="0" lang="pt-BR" sz="3200" spc="-1" strike="noStrike">
+              <a:latin typeface="Arial"/>
+            </a:endParaRPr>
+          </a:p>
+        </p:txBody>
+      </p:sp>
+      <p:sp>
+        <p:nvSpPr>
+          <p:cNvPr id="144" name="PlaceHolder 3"/>
+          <p:cNvSpPr>
+            <a:spLocks noGrp="1"/>
+          </p:cNvSpPr>
+          <p:nvPr>
+            <p:ph type="body"/>
+          </p:nvPr>
+        </p:nvSpPr>
+        <p:spPr>
+          <a:xfrm>
+            <a:off x="609480" y="3681720"/>
+            <a:ext cx="10971720" cy="1896480"/>
+          </a:xfrm>
+          <a:prstGeom prst="rect">
+            <a:avLst/>
+          </a:prstGeom>
+        </p:spPr>
+        <p:txBody>
+          <a:bodyPr lIns="0" rIns="0" tIns="0" bIns="0">
+            <a:normAutofit/>
+          </a:bodyPr>
+          <a:p>
+            <a:endParaRPr b="0" lang="pt-BR" sz="3200" spc="-1" strike="noStrike">
+              <a:latin typeface="Arial"/>
+            </a:endParaRPr>
+          </a:p>
+        </p:txBody>
+      </p:sp>
+    </p:spTree>
+  </p:cSld>
+</p:sldLayout>
+</file>
+
+<file path=ppt/slideLayouts/slideLayout47.xml><?xml version="1.0" encoding="utf-8"?>
+<p:sldLayout xmlns:a="http://schemas.openxmlformats.org/drawingml/2006/main" xmlns:p="http://schemas.openxmlformats.org/presentationml/2006/main" xmlns:r="http://schemas.openxmlformats.org/officeDocument/2006/relationships" xmlns:p14="http://schemas.microsoft.com/office/powerpoint/2010/main" xmlns:p15="http://schemas.microsoft.com/office/powerpoint/2012/main" xmlns:mc="http://schemas.openxmlformats.org/markup-compatibility/2006" type="fourObj" preserve="1">
+  <p:cSld name="Title, 4 Content">
+    <p:spTree>
+      <p:nvGrpSpPr>
+        <p:cNvPr id="1" name=""/>
+        <p:cNvGrpSpPr/>
+        <p:nvPr/>
+      </p:nvGrpSpPr>
+      <p:grpSpPr>
+        <a:xfrm>
+          <a:off x="0" y="0"/>
+          <a:ext cx="0" cy="0"/>
+          <a:chOff x="0" y="0"/>
+          <a:chExt cx="0" cy="0"/>
+        </a:xfrm>
+      </p:grpSpPr>
+      <p:sp>
+        <p:nvSpPr>
+          <p:cNvPr id="145" name="PlaceHolder 1"/>
+          <p:cNvSpPr>
+            <a:spLocks noGrp="1"/>
+          </p:cNvSpPr>
+          <p:nvPr>
+            <p:ph type="title"/>
+          </p:nvPr>
+        </p:nvSpPr>
+        <p:spPr>
+          <a:xfrm>
+            <a:off x="609480" y="273600"/>
+            <a:ext cx="10971720" cy="1144080"/>
+          </a:xfrm>
+          <a:prstGeom prst="rect">
+            <a:avLst/>
+          </a:prstGeom>
+        </p:spPr>
+        <p:txBody>
+          <a:bodyPr lIns="0" rIns="0" tIns="0" bIns="0" anchor="ctr">
+            <a:noAutofit/>
+          </a:bodyPr>
+          <a:p>
+            <a:pPr algn="ctr"/>
+            <a:endParaRPr b="0" lang="pt-BR" sz="4400" spc="-1" strike="noStrike">
+              <a:latin typeface="Arial"/>
+            </a:endParaRPr>
+          </a:p>
+        </p:txBody>
+      </p:sp>
+      <p:sp>
+        <p:nvSpPr>
+          <p:cNvPr id="146" name="PlaceHolder 2"/>
+          <p:cNvSpPr>
+            <a:spLocks noGrp="1"/>
+          </p:cNvSpPr>
+          <p:nvPr>
+            <p:ph type="body"/>
+          </p:nvPr>
+        </p:nvSpPr>
+        <p:spPr>
+          <a:xfrm>
+            <a:off x="609480" y="1604520"/>
+            <a:ext cx="5353920" cy="1896480"/>
+          </a:xfrm>
+          <a:prstGeom prst="rect">
+            <a:avLst/>
+          </a:prstGeom>
+        </p:spPr>
+        <p:txBody>
+          <a:bodyPr lIns="0" rIns="0" tIns="0" bIns="0">
+            <a:normAutofit/>
+          </a:bodyPr>
+          <a:p>
+            <a:endParaRPr b="0" lang="pt-BR" sz="3200" spc="-1" strike="noStrike">
+              <a:latin typeface="Arial"/>
+            </a:endParaRPr>
+          </a:p>
+        </p:txBody>
+      </p:sp>
+      <p:sp>
+        <p:nvSpPr>
+          <p:cNvPr id="147" name="PlaceHolder 3"/>
+          <p:cNvSpPr>
+            <a:spLocks noGrp="1"/>
+          </p:cNvSpPr>
+          <p:nvPr>
+            <p:ph type="body"/>
+          </p:nvPr>
+        </p:nvSpPr>
+        <p:spPr>
+          <a:xfrm>
+            <a:off x="6231600" y="1604520"/>
+            <a:ext cx="5353920" cy="1896480"/>
+          </a:xfrm>
+          <a:prstGeom prst="rect">
+            <a:avLst/>
+          </a:prstGeom>
+        </p:spPr>
+        <p:txBody>
+          <a:bodyPr lIns="0" rIns="0" tIns="0" bIns="0">
+            <a:normAutofit/>
+          </a:bodyPr>
+          <a:p>
+            <a:endParaRPr b="0" lang="pt-BR" sz="3200" spc="-1" strike="noStrike">
+              <a:latin typeface="Arial"/>
+            </a:endParaRPr>
+          </a:p>
+        </p:txBody>
+      </p:sp>
+      <p:sp>
+        <p:nvSpPr>
+          <p:cNvPr id="148" name="PlaceHolder 4"/>
+          <p:cNvSpPr>
+            <a:spLocks noGrp="1"/>
+          </p:cNvSpPr>
+          <p:nvPr>
+            <p:ph type="body"/>
+          </p:nvPr>
+        </p:nvSpPr>
+        <p:spPr>
+          <a:xfrm>
+            <a:off x="609480" y="3681720"/>
+            <a:ext cx="5353920" cy="1896480"/>
+          </a:xfrm>
+          <a:prstGeom prst="rect">
+            <a:avLst/>
+          </a:prstGeom>
+        </p:spPr>
+        <p:txBody>
+          <a:bodyPr lIns="0" rIns="0" tIns="0" bIns="0">
+            <a:normAutofit/>
+          </a:bodyPr>
+          <a:p>
+            <a:endParaRPr b="0" lang="pt-BR" sz="3200" spc="-1" strike="noStrike">
+              <a:latin typeface="Arial"/>
+            </a:endParaRPr>
+          </a:p>
+        </p:txBody>
+      </p:sp>
+      <p:sp>
+        <p:nvSpPr>
+          <p:cNvPr id="149" name="PlaceHolder 5"/>
+          <p:cNvSpPr>
+            <a:spLocks noGrp="1"/>
+          </p:cNvSpPr>
+          <p:nvPr>
+            <p:ph type="body"/>
+          </p:nvPr>
+        </p:nvSpPr>
+        <p:spPr>
+          <a:xfrm>
+            <a:off x="6231600" y="3681720"/>
+            <a:ext cx="5353920" cy="1896480"/>
+          </a:xfrm>
+          <a:prstGeom prst="rect">
+            <a:avLst/>
+          </a:prstGeom>
+        </p:spPr>
+        <p:txBody>
+          <a:bodyPr lIns="0" rIns="0" tIns="0" bIns="0">
+            <a:normAutofit/>
+          </a:bodyPr>
+          <a:p>
+            <a:endParaRPr b="0" lang="pt-BR" sz="3200" spc="-1" strike="noStrike">
+              <a:latin typeface="Arial"/>
+            </a:endParaRPr>
+          </a:p>
+        </p:txBody>
+      </p:sp>
+    </p:spTree>
+  </p:cSld>
+</p:sldLayout>
+</file>
+
+<file path=ppt/slideLayouts/slideLayout48.xml><?xml version="1.0" encoding="utf-8"?>
+<p:sldLayout xmlns:a="http://schemas.openxmlformats.org/drawingml/2006/main" xmlns:p="http://schemas.openxmlformats.org/presentationml/2006/main" xmlns:r="http://schemas.openxmlformats.org/officeDocument/2006/relationships" xmlns:p14="http://schemas.microsoft.com/office/powerpoint/2010/main" xmlns:p15="http://schemas.microsoft.com/office/powerpoint/2012/main" xmlns:mc="http://schemas.openxmlformats.org/markup-compatibility/2006" type="blank" preserve="1">
+  <p:cSld name="Title, 6 Content">
+    <p:spTree>
+      <p:nvGrpSpPr>
+        <p:cNvPr id="1" name=""/>
+        <p:cNvGrpSpPr/>
+        <p:nvPr/>
+      </p:nvGrpSpPr>
+      <p:grpSpPr>
+        <a:xfrm>
+          <a:off x="0" y="0"/>
+          <a:ext cx="0" cy="0"/>
+          <a:chOff x="0" y="0"/>
+          <a:chExt cx="0" cy="0"/>
+        </a:xfrm>
+      </p:grpSpPr>
+      <p:sp>
+        <p:nvSpPr>
+          <p:cNvPr id="150" name="PlaceHolder 1"/>
+          <p:cNvSpPr>
+            <a:spLocks noGrp="1"/>
+          </p:cNvSpPr>
+          <p:nvPr>
+            <p:ph type="title"/>
+          </p:nvPr>
+        </p:nvSpPr>
+        <p:spPr>
+          <a:xfrm>
+            <a:off x="609480" y="273600"/>
+            <a:ext cx="10971720" cy="1144080"/>
+          </a:xfrm>
+          <a:prstGeom prst="rect">
+            <a:avLst/>
+          </a:prstGeom>
+        </p:spPr>
+        <p:txBody>
+          <a:bodyPr lIns="0" rIns="0" tIns="0" bIns="0" anchor="ctr">
+            <a:noAutofit/>
+          </a:bodyPr>
+          <a:p>
+            <a:pPr algn="ctr"/>
+            <a:endParaRPr b="0" lang="pt-BR" sz="4400" spc="-1" strike="noStrike">
+              <a:latin typeface="Arial"/>
+            </a:endParaRPr>
+          </a:p>
+        </p:txBody>
+      </p:sp>
+      <p:sp>
+        <p:nvSpPr>
+          <p:cNvPr id="151" name="PlaceHolder 2"/>
+          <p:cNvSpPr>
+            <a:spLocks noGrp="1"/>
+          </p:cNvSpPr>
+          <p:nvPr>
+            <p:ph type="body"/>
+          </p:nvPr>
+        </p:nvSpPr>
+        <p:spPr>
+          <a:xfrm>
+            <a:off x="609480" y="1604520"/>
+            <a:ext cx="3532680" cy="1896480"/>
+          </a:xfrm>
+          <a:prstGeom prst="rect">
+            <a:avLst/>
+          </a:prstGeom>
+        </p:spPr>
+        <p:txBody>
+          <a:bodyPr lIns="0" rIns="0" tIns="0" bIns="0">
+            <a:normAutofit/>
+          </a:bodyPr>
+          <a:p>
+            <a:endParaRPr b="0" lang="pt-BR" sz="3200" spc="-1" strike="noStrike">
+              <a:latin typeface="Arial"/>
+            </a:endParaRPr>
+          </a:p>
+        </p:txBody>
+      </p:sp>
+      <p:sp>
+        <p:nvSpPr>
+          <p:cNvPr id="152" name="PlaceHolder 3"/>
+          <p:cNvSpPr>
+            <a:spLocks noGrp="1"/>
+          </p:cNvSpPr>
+          <p:nvPr>
+            <p:ph type="body"/>
+          </p:nvPr>
+        </p:nvSpPr>
+        <p:spPr>
+          <a:xfrm>
+            <a:off x="4319280" y="1604520"/>
+            <a:ext cx="3532680" cy="1896480"/>
+          </a:xfrm>
+          <a:prstGeom prst="rect">
+            <a:avLst/>
+          </a:prstGeom>
+        </p:spPr>
+        <p:txBody>
+          <a:bodyPr lIns="0" rIns="0" tIns="0" bIns="0">
+            <a:normAutofit/>
+          </a:bodyPr>
+          <a:p>
+            <a:endParaRPr b="0" lang="pt-BR" sz="3200" spc="-1" strike="noStrike">
+              <a:latin typeface="Arial"/>
+            </a:endParaRPr>
+          </a:p>
+        </p:txBody>
+      </p:sp>
+      <p:sp>
+        <p:nvSpPr>
+          <p:cNvPr id="153" name="PlaceHolder 4"/>
+          <p:cNvSpPr>
+            <a:spLocks noGrp="1"/>
+          </p:cNvSpPr>
+          <p:nvPr>
+            <p:ph type="body"/>
+          </p:nvPr>
+        </p:nvSpPr>
+        <p:spPr>
+          <a:xfrm>
+            <a:off x="8028720" y="1604520"/>
+            <a:ext cx="3532680" cy="1896480"/>
+          </a:xfrm>
+          <a:prstGeom prst="rect">
+            <a:avLst/>
+          </a:prstGeom>
+        </p:spPr>
+        <p:txBody>
+          <a:bodyPr lIns="0" rIns="0" tIns="0" bIns="0">
+            <a:normAutofit/>
+          </a:bodyPr>
+          <a:p>
+            <a:endParaRPr b="0" lang="pt-BR" sz="3200" spc="-1" strike="noStrike">
+              <a:latin typeface="Arial"/>
+            </a:endParaRPr>
+          </a:p>
+        </p:txBody>
+      </p:sp>
+      <p:sp>
+        <p:nvSpPr>
+          <p:cNvPr id="154" name="PlaceHolder 5"/>
+          <p:cNvSpPr>
+            <a:spLocks noGrp="1"/>
+          </p:cNvSpPr>
+          <p:nvPr>
+            <p:ph type="body"/>
+          </p:nvPr>
+        </p:nvSpPr>
+        <p:spPr>
+          <a:xfrm>
+            <a:off x="609480" y="3681720"/>
+            <a:ext cx="3532680" cy="1896480"/>
+          </a:xfrm>
+          <a:prstGeom prst="rect">
+            <a:avLst/>
+          </a:prstGeom>
+        </p:spPr>
+        <p:txBody>
+          <a:bodyPr lIns="0" rIns="0" tIns="0" bIns="0">
+            <a:normAutofit/>
+          </a:bodyPr>
+          <a:p>
+            <a:endParaRPr b="0" lang="pt-BR" sz="3200" spc="-1" strike="noStrike">
+              <a:latin typeface="Arial"/>
+            </a:endParaRPr>
+          </a:p>
+        </p:txBody>
+      </p:sp>
+      <p:sp>
+        <p:nvSpPr>
+          <p:cNvPr id="155" name="PlaceHolder 6"/>
+          <p:cNvSpPr>
+            <a:spLocks noGrp="1"/>
+          </p:cNvSpPr>
+          <p:nvPr>
+            <p:ph type="body"/>
+          </p:nvPr>
+        </p:nvSpPr>
+        <p:spPr>
+          <a:xfrm>
+            <a:off x="4319280" y="3681720"/>
+            <a:ext cx="3532680" cy="1896480"/>
+          </a:xfrm>
+          <a:prstGeom prst="rect">
+            <a:avLst/>
+          </a:prstGeom>
+        </p:spPr>
+        <p:txBody>
+          <a:bodyPr lIns="0" rIns="0" tIns="0" bIns="0">
+            <a:normAutofit/>
+          </a:bodyPr>
+          <a:p>
+            <a:endParaRPr b="0" lang="pt-BR" sz="3200" spc="-1" strike="noStrike">
+              <a:latin typeface="Arial"/>
+            </a:endParaRPr>
+          </a:p>
+        </p:txBody>
+      </p:sp>
+      <p:sp>
+        <p:nvSpPr>
+          <p:cNvPr id="156" name="PlaceHolder 7"/>
+          <p:cNvSpPr>
+            <a:spLocks noGrp="1"/>
+          </p:cNvSpPr>
+          <p:nvPr>
+            <p:ph type="body"/>
+          </p:nvPr>
+        </p:nvSpPr>
+        <p:spPr>
+          <a:xfrm>
+            <a:off x="8028720" y="3681720"/>
+            <a:ext cx="3532680" cy="1896480"/>
           </a:xfrm>
           <a:prstGeom prst="rect">
             <a:avLst/>
@@ -3337,7 +6100,7 @@
         <p:spPr>
           <a:xfrm>
             <a:off x="609480" y="273600"/>
-            <a:ext cx="10972080" cy="1144440"/>
+            <a:ext cx="10971720" cy="1144080"/>
           </a:xfrm>
           <a:prstGeom prst="rect">
             <a:avLst/>
@@ -3390,7 +6153,7 @@
         <p:spPr>
           <a:xfrm>
             <a:off x="609480" y="273600"/>
-            <a:ext cx="10972080" cy="5306400"/>
+            <a:ext cx="10971720" cy="5304600"/>
           </a:xfrm>
           <a:prstGeom prst="rect">
             <a:avLst/>
@@ -3443,7 +6206,7 @@
         <p:spPr>
           <a:xfrm>
             <a:off x="609480" y="273600"/>
-            <a:ext cx="10972080" cy="1144440"/>
+            <a:ext cx="10971720" cy="1144080"/>
           </a:xfrm>
           <a:prstGeom prst="rect">
             <a:avLst/>
@@ -3474,7 +6237,7 @@
         <p:spPr>
           <a:xfrm>
             <a:off x="609480" y="1604520"/>
-            <a:ext cx="5354280" cy="1896840"/>
+            <a:ext cx="5353920" cy="1896480"/>
           </a:xfrm>
           <a:prstGeom prst="rect">
             <a:avLst/>
@@ -3503,8 +6266,8 @@
         </p:nvSpPr>
         <p:spPr>
           <a:xfrm>
-            <a:off x="6231960" y="1604520"/>
-            <a:ext cx="5354280" cy="3976920"/>
+            <a:off x="6231600" y="1604520"/>
+            <a:ext cx="5353920" cy="3976560"/>
           </a:xfrm>
           <a:prstGeom prst="rect">
             <a:avLst/>
@@ -3533,8 +6296,8 @@
         </p:nvSpPr>
         <p:spPr>
           <a:xfrm>
-            <a:off x="609480" y="3682080"/>
-            <a:ext cx="5354280" cy="1896840"/>
+            <a:off x="609480" y="3681720"/>
+            <a:ext cx="5353920" cy="1896480"/>
           </a:xfrm>
           <a:prstGeom prst="rect">
             <a:avLst/>
@@ -3586,7 +6349,7 @@
         <p:spPr>
           <a:xfrm>
             <a:off x="609480" y="273600"/>
-            <a:ext cx="10972080" cy="1144440"/>
+            <a:ext cx="10971720" cy="1144080"/>
           </a:xfrm>
           <a:prstGeom prst="rect">
             <a:avLst/>
@@ -3617,7 +6380,7 @@
         <p:spPr>
           <a:xfrm>
             <a:off x="609480" y="1604520"/>
-            <a:ext cx="5354280" cy="3976920"/>
+            <a:ext cx="5353920" cy="3976560"/>
           </a:xfrm>
           <a:prstGeom prst="rect">
             <a:avLst/>
@@ -3646,8 +6409,8 @@
         </p:nvSpPr>
         <p:spPr>
           <a:xfrm>
-            <a:off x="6231960" y="1604520"/>
-            <a:ext cx="5354280" cy="1896840"/>
+            <a:off x="6231600" y="1604520"/>
+            <a:ext cx="5353920" cy="1896480"/>
           </a:xfrm>
           <a:prstGeom prst="rect">
             <a:avLst/>
@@ -3676,8 +6439,8 @@
         </p:nvSpPr>
         <p:spPr>
           <a:xfrm>
-            <a:off x="6231960" y="3682080"/>
-            <a:ext cx="5354280" cy="1896840"/>
+            <a:off x="6231600" y="3681720"/>
+            <a:ext cx="5353920" cy="1896480"/>
           </a:xfrm>
           <a:prstGeom prst="rect">
             <a:avLst/>
@@ -3729,7 +6492,7 @@
         <p:spPr>
           <a:xfrm>
             <a:off x="609480" y="273600"/>
-            <a:ext cx="10972080" cy="1144440"/>
+            <a:ext cx="10971720" cy="1144080"/>
           </a:xfrm>
           <a:prstGeom prst="rect">
             <a:avLst/>
@@ -3760,7 +6523,7 @@
         <p:spPr>
           <a:xfrm>
             <a:off x="609480" y="1604520"/>
-            <a:ext cx="5354280" cy="1896840"/>
+            <a:ext cx="5353920" cy="1896480"/>
           </a:xfrm>
           <a:prstGeom prst="rect">
             <a:avLst/>
@@ -3789,8 +6552,8 @@
         </p:nvSpPr>
         <p:spPr>
           <a:xfrm>
-            <a:off x="6231960" y="1604520"/>
-            <a:ext cx="5354280" cy="1896840"/>
+            <a:off x="6231600" y="1604520"/>
+            <a:ext cx="5353920" cy="1896480"/>
           </a:xfrm>
           <a:prstGeom prst="rect">
             <a:avLst/>
@@ -3819,8 +6582,8 @@
         </p:nvSpPr>
         <p:spPr>
           <a:xfrm>
-            <a:off x="609480" y="3682080"/>
-            <a:ext cx="10972080" cy="1896840"/>
+            <a:off x="609480" y="3681720"/>
+            <a:ext cx="10971720" cy="1896480"/>
           </a:xfrm>
           <a:prstGeom prst="rect">
             <a:avLst/>
@@ -3880,7 +6643,7 @@
         <p:spPr>
           <a:xfrm>
             <a:off x="0" y="0"/>
-            <a:ext cx="12188160" cy="6855480"/>
+            <a:ext cx="12187800" cy="6855120"/>
           </a:xfrm>
           <a:prstGeom prst="rect">
             <a:avLst/>
@@ -3903,7 +6666,7 @@
         <p:spPr>
           <a:xfrm>
             <a:off x="609480" y="273600"/>
-            <a:ext cx="10972080" cy="1144440"/>
+            <a:ext cx="10971720" cy="1144080"/>
           </a:xfrm>
           <a:prstGeom prst="rect">
             <a:avLst/>
@@ -3939,7 +6702,7 @@
         <p:spPr>
           <a:xfrm>
             <a:off x="609480" y="1604520"/>
-            <a:ext cx="10972440" cy="3977280"/>
+            <a:ext cx="10971720" cy="3976560"/>
           </a:xfrm>
           <a:prstGeom prst="rect">
             <a:avLst/>
@@ -3962,12 +6725,12 @@
               <a:buChar char=""/>
             </a:pPr>
             <a:r>
-              <a:rPr b="0" lang="pt-BR" sz="3200" spc="-1" strike="noStrike">
+              <a:rPr b="0" lang="pt-BR" sz="1800" spc="-1" strike="noStrike">
                 <a:latin typeface="Arial"/>
               </a:rPr>
               <a:t>Clique para editar o formato do texto da estrutura de tópicos</a:t>
             </a:r>
-            <a:endParaRPr b="0" lang="pt-BR" sz="3200" spc="-1" strike="noStrike">
+            <a:endParaRPr b="0" lang="pt-BR" sz="1800" spc="-1" strike="noStrike">
               <a:latin typeface="Arial"/>
             </a:endParaRPr>
           </a:p>
@@ -3984,12 +6747,12 @@
               <a:buChar char=""/>
             </a:pPr>
             <a:r>
-              <a:rPr b="0" lang="pt-BR" sz="2800" spc="-1" strike="noStrike">
+              <a:rPr b="0" lang="pt-BR" sz="1800" spc="-1" strike="noStrike">
                 <a:latin typeface="Arial"/>
               </a:rPr>
               <a:t>2.º nível da estrutura de tópicos</a:t>
             </a:r>
-            <a:endParaRPr b="0" lang="pt-BR" sz="2800" spc="-1" strike="noStrike">
+            <a:endParaRPr b="0" lang="pt-BR" sz="1800" spc="-1" strike="noStrike">
               <a:latin typeface="Arial"/>
             </a:endParaRPr>
           </a:p>
@@ -4006,12 +6769,12 @@
               <a:buChar char=""/>
             </a:pPr>
             <a:r>
-              <a:rPr b="0" lang="pt-BR" sz="2400" spc="-1" strike="noStrike">
+              <a:rPr b="0" lang="pt-BR" sz="1800" spc="-1" strike="noStrike">
                 <a:latin typeface="Arial"/>
               </a:rPr>
               <a:t>3.º nível da estrutura de tópicos</a:t>
             </a:r>
-            <a:endParaRPr b="0" lang="pt-BR" sz="2400" spc="-1" strike="noStrike">
+            <a:endParaRPr b="0" lang="pt-BR" sz="1800" spc="-1" strike="noStrike">
               <a:latin typeface="Arial"/>
             </a:endParaRPr>
           </a:p>
@@ -4028,12 +6791,12 @@
               <a:buChar char=""/>
             </a:pPr>
             <a:r>
-              <a:rPr b="0" lang="pt-BR" sz="2000" spc="-1" strike="noStrike">
+              <a:rPr b="0" lang="pt-BR" sz="1800" spc="-1" strike="noStrike">
                 <a:latin typeface="Arial"/>
               </a:rPr>
               <a:t>4.º nível da estrutura de tópicos</a:t>
             </a:r>
-            <a:endParaRPr b="0" lang="pt-BR" sz="2000" spc="-1" strike="noStrike">
+            <a:endParaRPr b="0" lang="pt-BR" sz="1800" spc="-1" strike="noStrike">
               <a:latin typeface="Arial"/>
             </a:endParaRPr>
           </a:p>
@@ -4050,12 +6813,12 @@
               <a:buChar char=""/>
             </a:pPr>
             <a:r>
-              <a:rPr b="0" lang="pt-BR" sz="2000" spc="-1" strike="noStrike">
+              <a:rPr b="0" lang="pt-BR" sz="1800" spc="-1" strike="noStrike">
                 <a:latin typeface="Arial"/>
               </a:rPr>
               <a:t>5.º nível da estrutura de tópicos</a:t>
             </a:r>
-            <a:endParaRPr b="0" lang="pt-BR" sz="2000" spc="-1" strike="noStrike">
+            <a:endParaRPr b="0" lang="pt-BR" sz="1800" spc="-1" strike="noStrike">
               <a:latin typeface="Arial"/>
             </a:endParaRPr>
           </a:p>
@@ -4072,12 +6835,12 @@
               <a:buChar char=""/>
             </a:pPr>
             <a:r>
-              <a:rPr b="0" lang="pt-BR" sz="2000" spc="-1" strike="noStrike">
+              <a:rPr b="0" lang="pt-BR" sz="1800" spc="-1" strike="noStrike">
                 <a:latin typeface="Arial"/>
               </a:rPr>
               <a:t>6.º nível da estrutura de tópicos</a:t>
             </a:r>
-            <a:endParaRPr b="0" lang="pt-BR" sz="2000" spc="-1" strike="noStrike">
+            <a:endParaRPr b="0" lang="pt-BR" sz="1800" spc="-1" strike="noStrike">
               <a:latin typeface="Arial"/>
             </a:endParaRPr>
           </a:p>
@@ -4094,12 +6857,12 @@
               <a:buChar char=""/>
             </a:pPr>
             <a:r>
-              <a:rPr b="0" lang="pt-BR" sz="2000" spc="-1" strike="noStrike">
+              <a:rPr b="0" lang="pt-BR" sz="1800" spc="-1" strike="noStrike">
                 <a:latin typeface="Arial"/>
               </a:rPr>
               <a:t>7.º nível da estrutura de tópicos</a:t>
             </a:r>
-            <a:endParaRPr b="0" lang="pt-BR" sz="2000" spc="-1" strike="noStrike">
+            <a:endParaRPr b="0" lang="pt-BR" sz="1800" spc="-1" strike="noStrike">
               <a:latin typeface="Arial"/>
             </a:endParaRPr>
           </a:p>
@@ -4163,7 +6926,7 @@
         <p:spPr>
           <a:xfrm>
             <a:off x="0" y="0"/>
-            <a:ext cx="12188160" cy="6855480"/>
+            <a:ext cx="12187800" cy="6855120"/>
           </a:xfrm>
           <a:prstGeom prst="rect">
             <a:avLst/>
@@ -4186,7 +6949,291 @@
         <p:spPr>
           <a:xfrm>
             <a:off x="609480" y="273600"/>
-            <a:ext cx="10972080" cy="1144440"/>
+            <a:ext cx="10972440" cy="1144800"/>
+          </a:xfrm>
+          <a:prstGeom prst="rect">
+            <a:avLst/>
+          </a:prstGeom>
+        </p:spPr>
+        <p:txBody>
+          <a:bodyPr lIns="0" rIns="0" tIns="0" bIns="0" anchor="ctr">
+            <a:noAutofit/>
+          </a:bodyPr>
+          <a:p>
+            <a:pPr algn="ctr"/>
+            <a:r>
+              <a:rPr b="0" lang="pt-BR" sz="4400" spc="-1" strike="noStrike">
+                <a:latin typeface="Arial"/>
+              </a:rPr>
+              <a:t>Clique para editar o formato do texto do título</a:t>
+            </a:r>
+            <a:endParaRPr b="0" lang="pt-BR" sz="4400" spc="-1" strike="noStrike">
+              <a:latin typeface="Arial"/>
+            </a:endParaRPr>
+          </a:p>
+        </p:txBody>
+      </p:sp>
+      <p:sp>
+        <p:nvSpPr>
+          <p:cNvPr id="41" name="PlaceHolder 2"/>
+          <p:cNvSpPr>
+            <a:spLocks noGrp="1"/>
+          </p:cNvSpPr>
+          <p:nvPr>
+            <p:ph type="body"/>
+          </p:nvPr>
+        </p:nvSpPr>
+        <p:spPr>
+          <a:xfrm>
+            <a:off x="609480" y="1604520"/>
+            <a:ext cx="10972440" cy="3977280"/>
+          </a:xfrm>
+          <a:prstGeom prst="rect">
+            <a:avLst/>
+          </a:prstGeom>
+        </p:spPr>
+        <p:txBody>
+          <a:bodyPr lIns="0" rIns="0" tIns="0" bIns="0">
+            <a:normAutofit/>
+          </a:bodyPr>
+          <a:p>
+            <a:pPr marL="432000" indent="-324000">
+              <a:spcBef>
+                <a:spcPts val="1417"/>
+              </a:spcBef>
+              <a:buClr>
+                <a:srgbClr val="000000"/>
+              </a:buClr>
+              <a:buSzPct val="45000"/>
+              <a:buFont typeface="Wingdings" charset="2"/>
+              <a:buChar char=""/>
+            </a:pPr>
+            <a:r>
+              <a:rPr b="0" lang="pt-BR" sz="3200" spc="-1" strike="noStrike">
+                <a:latin typeface="Arial"/>
+              </a:rPr>
+              <a:t>Clique para editar o formato do texto da estrutura de tópicos</a:t>
+            </a:r>
+            <a:endParaRPr b="0" lang="pt-BR" sz="3200" spc="-1" strike="noStrike">
+              <a:latin typeface="Arial"/>
+            </a:endParaRPr>
+          </a:p>
+          <a:p>
+            <a:pPr lvl="1" marL="864000" indent="-324000">
+              <a:spcBef>
+                <a:spcPts val="1134"/>
+              </a:spcBef>
+              <a:buClr>
+                <a:srgbClr val="000000"/>
+              </a:buClr>
+              <a:buSzPct val="75000"/>
+              <a:buFont typeface="Symbol" charset="2"/>
+              <a:buChar char=""/>
+            </a:pPr>
+            <a:r>
+              <a:rPr b="0" lang="pt-BR" sz="2800" spc="-1" strike="noStrike">
+                <a:latin typeface="Arial"/>
+              </a:rPr>
+              <a:t>2.º nível da estrutura de tópicos</a:t>
+            </a:r>
+            <a:endParaRPr b="0" lang="pt-BR" sz="2800" spc="-1" strike="noStrike">
+              <a:latin typeface="Arial"/>
+            </a:endParaRPr>
+          </a:p>
+          <a:p>
+            <a:pPr lvl="2" marL="1296000" indent="-288000">
+              <a:spcBef>
+                <a:spcPts val="850"/>
+              </a:spcBef>
+              <a:buClr>
+                <a:srgbClr val="000000"/>
+              </a:buClr>
+              <a:buSzPct val="45000"/>
+              <a:buFont typeface="Wingdings" charset="2"/>
+              <a:buChar char=""/>
+            </a:pPr>
+            <a:r>
+              <a:rPr b="0" lang="pt-BR" sz="2400" spc="-1" strike="noStrike">
+                <a:latin typeface="Arial"/>
+              </a:rPr>
+              <a:t>3.º nível da estrutura de tópicos</a:t>
+            </a:r>
+            <a:endParaRPr b="0" lang="pt-BR" sz="2400" spc="-1" strike="noStrike">
+              <a:latin typeface="Arial"/>
+            </a:endParaRPr>
+          </a:p>
+          <a:p>
+            <a:pPr lvl="3" marL="1728000" indent="-216000">
+              <a:spcBef>
+                <a:spcPts val="567"/>
+              </a:spcBef>
+              <a:buClr>
+                <a:srgbClr val="000000"/>
+              </a:buClr>
+              <a:buSzPct val="75000"/>
+              <a:buFont typeface="Symbol" charset="2"/>
+              <a:buChar char=""/>
+            </a:pPr>
+            <a:r>
+              <a:rPr b="0" lang="pt-BR" sz="2000" spc="-1" strike="noStrike">
+                <a:latin typeface="Arial"/>
+              </a:rPr>
+              <a:t>4.º nível da estrutura de tópicos</a:t>
+            </a:r>
+            <a:endParaRPr b="0" lang="pt-BR" sz="2000" spc="-1" strike="noStrike">
+              <a:latin typeface="Arial"/>
+            </a:endParaRPr>
+          </a:p>
+          <a:p>
+            <a:pPr lvl="4" marL="2160000" indent="-216000">
+              <a:spcBef>
+                <a:spcPts val="283"/>
+              </a:spcBef>
+              <a:buClr>
+                <a:srgbClr val="000000"/>
+              </a:buClr>
+              <a:buSzPct val="45000"/>
+              <a:buFont typeface="Wingdings" charset="2"/>
+              <a:buChar char=""/>
+            </a:pPr>
+            <a:r>
+              <a:rPr b="0" lang="pt-BR" sz="2000" spc="-1" strike="noStrike">
+                <a:latin typeface="Arial"/>
+              </a:rPr>
+              <a:t>5.º nível da estrutura de tópicos</a:t>
+            </a:r>
+            <a:endParaRPr b="0" lang="pt-BR" sz="2000" spc="-1" strike="noStrike">
+              <a:latin typeface="Arial"/>
+            </a:endParaRPr>
+          </a:p>
+          <a:p>
+            <a:pPr lvl="5" marL="2592000" indent="-216000">
+              <a:spcBef>
+                <a:spcPts val="283"/>
+              </a:spcBef>
+              <a:buClr>
+                <a:srgbClr val="000000"/>
+              </a:buClr>
+              <a:buSzPct val="45000"/>
+              <a:buFont typeface="Wingdings" charset="2"/>
+              <a:buChar char=""/>
+            </a:pPr>
+            <a:r>
+              <a:rPr b="0" lang="pt-BR" sz="2000" spc="-1" strike="noStrike">
+                <a:latin typeface="Arial"/>
+              </a:rPr>
+              <a:t>6.º nível da estrutura de tópicos</a:t>
+            </a:r>
+            <a:endParaRPr b="0" lang="pt-BR" sz="2000" spc="-1" strike="noStrike">
+              <a:latin typeface="Arial"/>
+            </a:endParaRPr>
+          </a:p>
+          <a:p>
+            <a:pPr lvl="6" marL="3024000" indent="-216000">
+              <a:spcBef>
+                <a:spcPts val="283"/>
+              </a:spcBef>
+              <a:buClr>
+                <a:srgbClr val="000000"/>
+              </a:buClr>
+              <a:buSzPct val="45000"/>
+              <a:buFont typeface="Wingdings" charset="2"/>
+              <a:buChar char=""/>
+            </a:pPr>
+            <a:r>
+              <a:rPr b="0" lang="pt-BR" sz="2000" spc="-1" strike="noStrike">
+                <a:latin typeface="Arial"/>
+              </a:rPr>
+              <a:t>7.º nível da estrutura de tópicos</a:t>
+            </a:r>
+            <a:endParaRPr b="0" lang="pt-BR" sz="2000" spc="-1" strike="noStrike">
+              <a:latin typeface="Arial"/>
+            </a:endParaRPr>
+          </a:p>
+        </p:txBody>
+      </p:sp>
+    </p:spTree>
+  </p:cSld>
+  <p:clrMap bg1="lt1" bg2="lt2" tx1="dk1" tx2="dk2" accent1="accent1" accent2="accent2" accent3="accent3" accent4="accent4" accent5="accent5" accent6="accent6" hlink="hlink" folHlink="folHlink"/>
+  <p:sldLayoutIdLst>
+    <p:sldLayoutId id="2147483662" r:id="rId4"/>
+    <p:sldLayoutId id="2147483663" r:id="rId5"/>
+    <p:sldLayoutId id="2147483664" r:id="rId6"/>
+    <p:sldLayoutId id="2147483665" r:id="rId7"/>
+    <p:sldLayoutId id="2147483666" r:id="rId8"/>
+    <p:sldLayoutId id="2147483667" r:id="rId9"/>
+    <p:sldLayoutId id="2147483668" r:id="rId10"/>
+    <p:sldLayoutId id="2147483669" r:id="rId11"/>
+    <p:sldLayoutId id="2147483670" r:id="rId12"/>
+    <p:sldLayoutId id="2147483671" r:id="rId13"/>
+    <p:sldLayoutId id="2147483672" r:id="rId14"/>
+    <p:sldLayoutId id="2147483673" r:id="rId15"/>
+  </p:sldLayoutIdLst>
+</p:sldMaster>
+</file>
+
+<file path=ppt/slideMasters/slideMaster3.xml><?xml version="1.0" encoding="utf-8"?>
+<p:sldMaster xmlns:a="http://schemas.openxmlformats.org/drawingml/2006/main" xmlns:p="http://schemas.openxmlformats.org/presentationml/2006/main" xmlns:r="http://schemas.openxmlformats.org/officeDocument/2006/relationships" xmlns:p14="http://schemas.microsoft.com/office/powerpoint/2010/main" xmlns:p15="http://schemas.microsoft.com/office/powerpoint/2012/main" xmlns:mc="http://schemas.openxmlformats.org/markup-compatibility/2006">
+  <p:cSld>
+    <p:bg>
+      <p:bgPr>
+        <a:blipFill rotWithShape="0">
+          <a:blip r:embed="rId2"/>
+          <a:stretch/>
+        </a:blipFill>
+      </p:bgPr>
+    </p:bg>
+    <p:spTree>
+      <p:nvGrpSpPr>
+        <p:cNvPr id="1" name=""/>
+        <p:cNvGrpSpPr/>
+        <p:nvPr/>
+      </p:nvGrpSpPr>
+      <p:grpSpPr>
+        <a:xfrm>
+          <a:off x="0" y="0"/>
+          <a:ext cx="0" cy="0"/>
+          <a:chOff x="0" y="0"/>
+          <a:chExt cx="0" cy="0"/>
+        </a:xfrm>
+      </p:grpSpPr>
+      <p:pic>
+        <p:nvPicPr>
+          <p:cNvPr id="78" name="Picture 4" descr="Celestia-R1---OverlayContentHD.png"/>
+          <p:cNvPicPr/>
+          <p:nvPr/>
+        </p:nvPicPr>
+        <p:blipFill>
+          <a:blip r:embed="rId3"/>
+          <a:stretch/>
+        </p:blipFill>
+        <p:spPr>
+          <a:xfrm>
+            <a:off x="0" y="0"/>
+            <a:ext cx="12187800" cy="6855120"/>
+          </a:xfrm>
+          <a:prstGeom prst="rect">
+            <a:avLst/>
+          </a:prstGeom>
+          <a:ln w="0">
+            <a:noFill/>
+          </a:ln>
+        </p:spPr>
+      </p:pic>
+      <p:sp>
+        <p:nvSpPr>
+          <p:cNvPr id="79" name="PlaceHolder 1"/>
+          <p:cNvSpPr>
+            <a:spLocks noGrp="1"/>
+          </p:cNvSpPr>
+          <p:nvPr>
+            <p:ph type="title"/>
+          </p:nvPr>
+        </p:nvSpPr>
+        <p:spPr>
+          <a:xfrm>
+            <a:off x="609480" y="273600"/>
+            <a:ext cx="10971720" cy="1144080"/>
           </a:xfrm>
           <a:prstGeom prst="rect">
             <a:avLst/>
@@ -4211,7 +7258,7 @@
       </p:sp>
       <p:sp>
         <p:nvSpPr>
-          <p:cNvPr id="41" name="PlaceHolder 2"/>
+          <p:cNvPr id="80" name="PlaceHolder 2"/>
           <p:cNvSpPr>
             <a:spLocks noGrp="1"/>
           </p:cNvSpPr>
@@ -4222,7 +7269,7 @@
         <p:spPr>
           <a:xfrm>
             <a:off x="609480" y="1604520"/>
-            <a:ext cx="10972080" cy="3976920"/>
+            <a:ext cx="10971720" cy="3976560"/>
           </a:xfrm>
           <a:prstGeom prst="rect">
             <a:avLst/>
@@ -4392,18 +7439,480 @@
   </p:cSld>
   <p:clrMap bg1="lt1" bg2="lt2" tx1="dk1" tx2="dk2" accent1="accent1" accent2="accent2" accent3="accent3" accent4="accent4" accent5="accent5" accent6="accent6" hlink="hlink" folHlink="folHlink"/>
   <p:sldLayoutIdLst>
-    <p:sldLayoutId id="2147483662" r:id="rId4"/>
-    <p:sldLayoutId id="2147483663" r:id="rId5"/>
-    <p:sldLayoutId id="2147483664" r:id="rId6"/>
-    <p:sldLayoutId id="2147483665" r:id="rId7"/>
-    <p:sldLayoutId id="2147483666" r:id="rId8"/>
-    <p:sldLayoutId id="2147483667" r:id="rId9"/>
-    <p:sldLayoutId id="2147483668" r:id="rId10"/>
-    <p:sldLayoutId id="2147483669" r:id="rId11"/>
-    <p:sldLayoutId id="2147483670" r:id="rId12"/>
-    <p:sldLayoutId id="2147483671" r:id="rId13"/>
-    <p:sldLayoutId id="2147483672" r:id="rId14"/>
-    <p:sldLayoutId id="2147483673" r:id="rId15"/>
+    <p:sldLayoutId id="2147483675" r:id="rId4"/>
+    <p:sldLayoutId id="2147483676" r:id="rId5"/>
+    <p:sldLayoutId id="2147483677" r:id="rId6"/>
+    <p:sldLayoutId id="2147483678" r:id="rId7"/>
+    <p:sldLayoutId id="2147483679" r:id="rId8"/>
+    <p:sldLayoutId id="2147483680" r:id="rId9"/>
+    <p:sldLayoutId id="2147483681" r:id="rId10"/>
+    <p:sldLayoutId id="2147483682" r:id="rId11"/>
+    <p:sldLayoutId id="2147483683" r:id="rId12"/>
+    <p:sldLayoutId id="2147483684" r:id="rId13"/>
+    <p:sldLayoutId id="2147483685" r:id="rId14"/>
+    <p:sldLayoutId id="2147483686" r:id="rId15"/>
+  </p:sldLayoutIdLst>
+</p:sldMaster>
+</file>
+
+<file path=ppt/slideMasters/slideMaster4.xml><?xml version="1.0" encoding="utf-8"?>
+<p:sldMaster xmlns:a="http://schemas.openxmlformats.org/drawingml/2006/main" xmlns:p="http://schemas.openxmlformats.org/presentationml/2006/main" xmlns:r="http://schemas.openxmlformats.org/officeDocument/2006/relationships" xmlns:p14="http://schemas.microsoft.com/office/powerpoint/2010/main" xmlns:p15="http://schemas.microsoft.com/office/powerpoint/2012/main" xmlns:mc="http://schemas.openxmlformats.org/markup-compatibility/2006">
+  <p:cSld>
+    <p:bg>
+      <p:bgPr>
+        <a:blipFill rotWithShape="0">
+          <a:blip r:embed="rId2"/>
+          <a:stretch/>
+        </a:blipFill>
+      </p:bgPr>
+    </p:bg>
+    <p:spTree>
+      <p:nvGrpSpPr>
+        <p:cNvPr id="1" name=""/>
+        <p:cNvGrpSpPr/>
+        <p:nvPr/>
+      </p:nvGrpSpPr>
+      <p:grpSpPr>
+        <a:xfrm>
+          <a:off x="0" y="0"/>
+          <a:ext cx="0" cy="0"/>
+          <a:chOff x="0" y="0"/>
+          <a:chExt cx="0" cy="0"/>
+        </a:xfrm>
+      </p:grpSpPr>
+      <p:pic>
+        <p:nvPicPr>
+          <p:cNvPr id="117" name="Picture 4" descr="Celestia-R1---OverlayContentHD.png"/>
+          <p:cNvPicPr/>
+          <p:nvPr/>
+        </p:nvPicPr>
+        <p:blipFill>
+          <a:blip r:embed="rId3"/>
+          <a:stretch/>
+        </p:blipFill>
+        <p:spPr>
+          <a:xfrm>
+            <a:off x="0" y="0"/>
+            <a:ext cx="12187800" cy="6855120"/>
+          </a:xfrm>
+          <a:prstGeom prst="rect">
+            <a:avLst/>
+          </a:prstGeom>
+          <a:ln w="0">
+            <a:noFill/>
+          </a:ln>
+        </p:spPr>
+      </p:pic>
+      <p:sp>
+        <p:nvSpPr>
+          <p:cNvPr id="118" name="PlaceHolder 1"/>
+          <p:cNvSpPr>
+            <a:spLocks noGrp="1"/>
+          </p:cNvSpPr>
+          <p:nvPr>
+            <p:ph type="title"/>
+          </p:nvPr>
+        </p:nvSpPr>
+        <p:spPr>
+          <a:xfrm>
+            <a:off x="609480" y="273600"/>
+            <a:ext cx="10971720" cy="1144080"/>
+          </a:xfrm>
+          <a:prstGeom prst="rect">
+            <a:avLst/>
+          </a:prstGeom>
+        </p:spPr>
+        <p:txBody>
+          <a:bodyPr lIns="0" rIns="0" tIns="0" bIns="0" anchor="ctr">
+            <a:noAutofit/>
+          </a:bodyPr>
+          <a:p>
+            <a:r>
+              <a:rPr b="0" lang="pt-BR" sz="1800" spc="-1" strike="noStrike">
+                <a:latin typeface="Arial"/>
+              </a:rPr>
+              <a:t>Clique para editar o formato do texto do título</a:t>
+            </a:r>
+            <a:endParaRPr b="0" lang="pt-BR" sz="1800" spc="-1" strike="noStrike">
+              <a:latin typeface="Arial"/>
+            </a:endParaRPr>
+          </a:p>
+        </p:txBody>
+      </p:sp>
+      <p:sp>
+        <p:nvSpPr>
+          <p:cNvPr id="119" name="PlaceHolder 2"/>
+          <p:cNvSpPr>
+            <a:spLocks noGrp="1"/>
+          </p:cNvSpPr>
+          <p:nvPr>
+            <p:ph type="body"/>
+          </p:nvPr>
+        </p:nvSpPr>
+        <p:spPr>
+          <a:xfrm>
+            <a:off x="609480" y="1604520"/>
+            <a:ext cx="5353920" cy="3976560"/>
+          </a:xfrm>
+          <a:prstGeom prst="rect">
+            <a:avLst/>
+          </a:prstGeom>
+        </p:spPr>
+        <p:txBody>
+          <a:bodyPr lIns="0" rIns="0" tIns="0" bIns="0">
+            <a:normAutofit/>
+          </a:bodyPr>
+          <a:p>
+            <a:pPr marL="432000" indent="-324000">
+              <a:spcBef>
+                <a:spcPts val="1417"/>
+              </a:spcBef>
+              <a:buClr>
+                <a:srgbClr val="000000"/>
+              </a:buClr>
+              <a:buSzPct val="45000"/>
+              <a:buFont typeface="Wingdings" charset="2"/>
+              <a:buChar char=""/>
+            </a:pPr>
+            <a:r>
+              <a:rPr b="0" lang="pt-BR" sz="1800" spc="-1" strike="noStrike">
+                <a:latin typeface="Arial"/>
+              </a:rPr>
+              <a:t>Clique para editar o formato do texto da estrutura de tópicos</a:t>
+            </a:r>
+            <a:endParaRPr b="0" lang="pt-BR" sz="1800" spc="-1" strike="noStrike">
+              <a:latin typeface="Arial"/>
+            </a:endParaRPr>
+          </a:p>
+          <a:p>
+            <a:pPr lvl="1" marL="864000" indent="-324000">
+              <a:spcBef>
+                <a:spcPts val="1134"/>
+              </a:spcBef>
+              <a:buClr>
+                <a:srgbClr val="000000"/>
+              </a:buClr>
+              <a:buSzPct val="75000"/>
+              <a:buFont typeface="Symbol" charset="2"/>
+              <a:buChar char=""/>
+            </a:pPr>
+            <a:r>
+              <a:rPr b="0" lang="pt-BR" sz="1800" spc="-1" strike="noStrike">
+                <a:latin typeface="Arial"/>
+              </a:rPr>
+              <a:t>2.º nível da estrutura de tópicos</a:t>
+            </a:r>
+            <a:endParaRPr b="0" lang="pt-BR" sz="1800" spc="-1" strike="noStrike">
+              <a:latin typeface="Arial"/>
+            </a:endParaRPr>
+          </a:p>
+          <a:p>
+            <a:pPr lvl="2" marL="1296000" indent="-288000">
+              <a:spcBef>
+                <a:spcPts val="850"/>
+              </a:spcBef>
+              <a:buClr>
+                <a:srgbClr val="000000"/>
+              </a:buClr>
+              <a:buSzPct val="45000"/>
+              <a:buFont typeface="Wingdings" charset="2"/>
+              <a:buChar char=""/>
+            </a:pPr>
+            <a:r>
+              <a:rPr b="0" lang="pt-BR" sz="1800" spc="-1" strike="noStrike">
+                <a:latin typeface="Arial"/>
+              </a:rPr>
+              <a:t>3.º nível da estrutura de tópicos</a:t>
+            </a:r>
+            <a:endParaRPr b="0" lang="pt-BR" sz="1800" spc="-1" strike="noStrike">
+              <a:latin typeface="Arial"/>
+            </a:endParaRPr>
+          </a:p>
+          <a:p>
+            <a:pPr lvl="3" marL="1728000" indent="-216000">
+              <a:spcBef>
+                <a:spcPts val="567"/>
+              </a:spcBef>
+              <a:buClr>
+                <a:srgbClr val="000000"/>
+              </a:buClr>
+              <a:buSzPct val="75000"/>
+              <a:buFont typeface="Symbol" charset="2"/>
+              <a:buChar char=""/>
+            </a:pPr>
+            <a:r>
+              <a:rPr b="0" lang="pt-BR" sz="1800" spc="-1" strike="noStrike">
+                <a:latin typeface="Arial"/>
+              </a:rPr>
+              <a:t>4.º nível da estrutura de tópicos</a:t>
+            </a:r>
+            <a:endParaRPr b="0" lang="pt-BR" sz="1800" spc="-1" strike="noStrike">
+              <a:latin typeface="Arial"/>
+            </a:endParaRPr>
+          </a:p>
+          <a:p>
+            <a:pPr lvl="4" marL="2160000" indent="-216000">
+              <a:spcBef>
+                <a:spcPts val="283"/>
+              </a:spcBef>
+              <a:buClr>
+                <a:srgbClr val="000000"/>
+              </a:buClr>
+              <a:buSzPct val="45000"/>
+              <a:buFont typeface="Wingdings" charset="2"/>
+              <a:buChar char=""/>
+            </a:pPr>
+            <a:r>
+              <a:rPr b="0" lang="pt-BR" sz="1800" spc="-1" strike="noStrike">
+                <a:latin typeface="Arial"/>
+              </a:rPr>
+              <a:t>5.º nível da estrutura de tópicos</a:t>
+            </a:r>
+            <a:endParaRPr b="0" lang="pt-BR" sz="1800" spc="-1" strike="noStrike">
+              <a:latin typeface="Arial"/>
+            </a:endParaRPr>
+          </a:p>
+          <a:p>
+            <a:pPr lvl="5" marL="2592000" indent="-216000">
+              <a:spcBef>
+                <a:spcPts val="283"/>
+              </a:spcBef>
+              <a:buClr>
+                <a:srgbClr val="000000"/>
+              </a:buClr>
+              <a:buSzPct val="45000"/>
+              <a:buFont typeface="Wingdings" charset="2"/>
+              <a:buChar char=""/>
+            </a:pPr>
+            <a:r>
+              <a:rPr b="0" lang="pt-BR" sz="1800" spc="-1" strike="noStrike">
+                <a:latin typeface="Arial"/>
+              </a:rPr>
+              <a:t>6.º nível da estrutura de tópicos</a:t>
+            </a:r>
+            <a:endParaRPr b="0" lang="pt-BR" sz="1800" spc="-1" strike="noStrike">
+              <a:latin typeface="Arial"/>
+            </a:endParaRPr>
+          </a:p>
+          <a:p>
+            <a:pPr lvl="6" marL="3024000" indent="-216000">
+              <a:spcBef>
+                <a:spcPts val="283"/>
+              </a:spcBef>
+              <a:buClr>
+                <a:srgbClr val="000000"/>
+              </a:buClr>
+              <a:buSzPct val="45000"/>
+              <a:buFont typeface="Wingdings" charset="2"/>
+              <a:buChar char=""/>
+            </a:pPr>
+            <a:r>
+              <a:rPr b="0" lang="pt-BR" sz="1800" spc="-1" strike="noStrike">
+                <a:latin typeface="Arial"/>
+              </a:rPr>
+              <a:t>7.º nível da estrutura de tópicos</a:t>
+            </a:r>
+            <a:endParaRPr b="0" lang="pt-BR" sz="1800" spc="-1" strike="noStrike">
+              <a:latin typeface="Arial"/>
+            </a:endParaRPr>
+          </a:p>
+        </p:txBody>
+      </p:sp>
+      <p:sp>
+        <p:nvSpPr>
+          <p:cNvPr id="120" name="PlaceHolder 3"/>
+          <p:cNvSpPr>
+            <a:spLocks noGrp="1"/>
+          </p:cNvSpPr>
+          <p:nvPr>
+            <p:ph type="body"/>
+          </p:nvPr>
+        </p:nvSpPr>
+        <p:spPr>
+          <a:xfrm>
+            <a:off x="6231960" y="1604520"/>
+            <a:ext cx="5353920" cy="3976560"/>
+          </a:xfrm>
+          <a:prstGeom prst="rect">
+            <a:avLst/>
+          </a:prstGeom>
+        </p:spPr>
+        <p:txBody>
+          <a:bodyPr lIns="0" rIns="0" tIns="0" bIns="0">
+            <a:normAutofit/>
+          </a:bodyPr>
+          <a:p>
+            <a:pPr marL="432000" indent="-324000">
+              <a:spcBef>
+                <a:spcPts val="1417"/>
+              </a:spcBef>
+              <a:buClr>
+                <a:srgbClr val="000000"/>
+              </a:buClr>
+              <a:buSzPct val="45000"/>
+              <a:buFont typeface="Wingdings" charset="2"/>
+              <a:buChar char=""/>
+            </a:pPr>
+            <a:r>
+              <a:rPr b="0" lang="pt-BR" sz="1800" spc="-1" strike="noStrike">
+                <a:latin typeface="Arial"/>
+              </a:rPr>
+              <a:t>Clique para editar o formato do texto da estrutura de tópicos</a:t>
+            </a:r>
+            <a:endParaRPr b="0" lang="pt-BR" sz="1800" spc="-1" strike="noStrike">
+              <a:latin typeface="Arial"/>
+            </a:endParaRPr>
+          </a:p>
+          <a:p>
+            <a:pPr lvl="1" marL="864000" indent="-324000">
+              <a:spcBef>
+                <a:spcPts val="1134"/>
+              </a:spcBef>
+              <a:buClr>
+                <a:srgbClr val="000000"/>
+              </a:buClr>
+              <a:buSzPct val="75000"/>
+              <a:buFont typeface="Symbol" charset="2"/>
+              <a:buChar char=""/>
+            </a:pPr>
+            <a:r>
+              <a:rPr b="0" lang="pt-BR" sz="1800" spc="-1" strike="noStrike">
+                <a:latin typeface="Arial"/>
+              </a:rPr>
+              <a:t>2.º nível da estrutura de tópicos</a:t>
+            </a:r>
+            <a:endParaRPr b="0" lang="pt-BR" sz="1800" spc="-1" strike="noStrike">
+              <a:latin typeface="Arial"/>
+            </a:endParaRPr>
+          </a:p>
+          <a:p>
+            <a:pPr lvl="2" marL="1296000" indent="-288000">
+              <a:spcBef>
+                <a:spcPts val="850"/>
+              </a:spcBef>
+              <a:buClr>
+                <a:srgbClr val="000000"/>
+              </a:buClr>
+              <a:buSzPct val="45000"/>
+              <a:buFont typeface="Wingdings" charset="2"/>
+              <a:buChar char=""/>
+            </a:pPr>
+            <a:r>
+              <a:rPr b="0" lang="pt-BR" sz="1800" spc="-1" strike="noStrike">
+                <a:latin typeface="Arial"/>
+              </a:rPr>
+              <a:t>3.º nível da estrutura de tópicos</a:t>
+            </a:r>
+            <a:endParaRPr b="0" lang="pt-BR" sz="1800" spc="-1" strike="noStrike">
+              <a:latin typeface="Arial"/>
+            </a:endParaRPr>
+          </a:p>
+          <a:p>
+            <a:pPr lvl="3" marL="1728000" indent="-216000">
+              <a:spcBef>
+                <a:spcPts val="567"/>
+              </a:spcBef>
+              <a:buClr>
+                <a:srgbClr val="000000"/>
+              </a:buClr>
+              <a:buSzPct val="75000"/>
+              <a:buFont typeface="Symbol" charset="2"/>
+              <a:buChar char=""/>
+            </a:pPr>
+            <a:r>
+              <a:rPr b="0" lang="pt-BR" sz="1800" spc="-1" strike="noStrike">
+                <a:latin typeface="Arial"/>
+              </a:rPr>
+              <a:t>4.º nível da estrutura de tópicos</a:t>
+            </a:r>
+            <a:endParaRPr b="0" lang="pt-BR" sz="1800" spc="-1" strike="noStrike">
+              <a:latin typeface="Arial"/>
+            </a:endParaRPr>
+          </a:p>
+          <a:p>
+            <a:pPr lvl="4" marL="2160000" indent="-216000">
+              <a:spcBef>
+                <a:spcPts val="283"/>
+              </a:spcBef>
+              <a:buClr>
+                <a:srgbClr val="000000"/>
+              </a:buClr>
+              <a:buSzPct val="45000"/>
+              <a:buFont typeface="Wingdings" charset="2"/>
+              <a:buChar char=""/>
+            </a:pPr>
+            <a:r>
+              <a:rPr b="0" lang="pt-BR" sz="1800" spc="-1" strike="noStrike">
+                <a:latin typeface="Arial"/>
+              </a:rPr>
+              <a:t>5.º nível da estrutura de tópicos</a:t>
+            </a:r>
+            <a:endParaRPr b="0" lang="pt-BR" sz="1800" spc="-1" strike="noStrike">
+              <a:latin typeface="Arial"/>
+            </a:endParaRPr>
+          </a:p>
+          <a:p>
+            <a:pPr lvl="5" marL="2592000" indent="-216000">
+              <a:spcBef>
+                <a:spcPts val="283"/>
+              </a:spcBef>
+              <a:buClr>
+                <a:srgbClr val="000000"/>
+              </a:buClr>
+              <a:buSzPct val="45000"/>
+              <a:buFont typeface="Wingdings" charset="2"/>
+              <a:buChar char=""/>
+            </a:pPr>
+            <a:r>
+              <a:rPr b="0" lang="pt-BR" sz="1800" spc="-1" strike="noStrike">
+                <a:latin typeface="Arial"/>
+              </a:rPr>
+              <a:t>6.º nível da estrutura de tópicos</a:t>
+            </a:r>
+            <a:endParaRPr b="0" lang="pt-BR" sz="1800" spc="-1" strike="noStrike">
+              <a:latin typeface="Arial"/>
+            </a:endParaRPr>
+          </a:p>
+          <a:p>
+            <a:pPr lvl="6" marL="3024000" indent="-216000">
+              <a:spcBef>
+                <a:spcPts val="283"/>
+              </a:spcBef>
+              <a:buClr>
+                <a:srgbClr val="000000"/>
+              </a:buClr>
+              <a:buSzPct val="45000"/>
+              <a:buFont typeface="Wingdings" charset="2"/>
+              <a:buChar char=""/>
+            </a:pPr>
+            <a:r>
+              <a:rPr b="0" lang="pt-BR" sz="1800" spc="-1" strike="noStrike">
+                <a:latin typeface="Arial"/>
+              </a:rPr>
+              <a:t>7.º nível da estrutura de tópicos</a:t>
+            </a:r>
+            <a:endParaRPr b="0" lang="pt-BR" sz="1800" spc="-1" strike="noStrike">
+              <a:latin typeface="Arial"/>
+            </a:endParaRPr>
+          </a:p>
+        </p:txBody>
+      </p:sp>
+    </p:spTree>
+  </p:cSld>
+  <p:clrMap bg1="lt1" bg2="lt2" tx1="dk1" tx2="dk2" accent1="accent1" accent2="accent2" accent3="accent3" accent4="accent4" accent5="accent5" accent6="accent6" hlink="hlink" folHlink="folHlink"/>
+  <p:sldLayoutIdLst>
+    <p:sldLayoutId id="2147483688" r:id="rId4"/>
+    <p:sldLayoutId id="2147483689" r:id="rId5"/>
+    <p:sldLayoutId id="2147483690" r:id="rId6"/>
+    <p:sldLayoutId id="2147483691" r:id="rId7"/>
+    <p:sldLayoutId id="2147483692" r:id="rId8"/>
+    <p:sldLayoutId id="2147483693" r:id="rId9"/>
+    <p:sldLayoutId id="2147483694" r:id="rId10"/>
+    <p:sldLayoutId id="2147483695" r:id="rId11"/>
+    <p:sldLayoutId id="2147483696" r:id="rId12"/>
+    <p:sldLayoutId id="2147483697" r:id="rId13"/>
+    <p:sldLayoutId id="2147483698" r:id="rId14"/>
+    <p:sldLayoutId id="2147483699" r:id="rId15"/>
   </p:sldLayoutIdLst>
 </p:sldMaster>
 </file>
@@ -4427,14 +7936,14 @@
       </p:grpSpPr>
       <p:sp>
         <p:nvSpPr>
-          <p:cNvPr id="78" name="CustomShape 1"/>
+          <p:cNvPr id="157" name="CustomShape 1"/>
           <p:cNvSpPr/>
           <p:nvPr/>
         </p:nvSpPr>
         <p:spPr>
           <a:xfrm>
             <a:off x="3962520" y="1964160"/>
-            <a:ext cx="7197120" cy="2420640"/>
+            <a:ext cx="7196760" cy="2420280"/>
           </a:xfrm>
           <a:prstGeom prst="rect">
             <a:avLst/>
@@ -4466,6 +7975,7 @@
                   <a:srgbClr val="ffffff"/>
                 </a:solidFill>
                 <a:latin typeface="Calibri Light"/>
+                <a:ea typeface="DejaVu Sans"/>
               </a:rPr>
               <a:t>Projeto de Programação</a:t>
             </a:r>
@@ -4476,6 +7986,7 @@
                   <a:srgbClr val="ffffff"/>
                 </a:solidFill>
                 <a:latin typeface="Calibri Light"/>
+                <a:ea typeface="DejaVu Sans"/>
               </a:rPr>
               <a:t>Concorrente</a:t>
             </a:r>
@@ -4487,14 +7998,14 @@
       </p:sp>
       <p:sp>
         <p:nvSpPr>
-          <p:cNvPr id="79" name="CustomShape 2"/>
+          <p:cNvPr id="158" name="CustomShape 2"/>
           <p:cNvSpPr/>
           <p:nvPr/>
         </p:nvSpPr>
         <p:spPr>
           <a:xfrm>
             <a:off x="3962520" y="4385880"/>
-            <a:ext cx="7197120" cy="1404720"/>
+            <a:ext cx="7196760" cy="1404360"/>
           </a:xfrm>
           <a:prstGeom prst="rect">
             <a:avLst/>
@@ -4532,6 +8043,7 @@
                   <a:srgbClr val="ffffff"/>
                 </a:solidFill>
                 <a:latin typeface="Calibri"/>
+                <a:ea typeface="DejaVu Sans"/>
               </a:rPr>
               <a:t>Tema : Quantidade de livros de cada tipo de gênero</a:t>
             </a:r>
@@ -4557,6 +8069,7 @@
                   <a:srgbClr val="ffffff"/>
                 </a:solidFill>
                 <a:latin typeface="Calibri"/>
+                <a:ea typeface="DejaVu Sans"/>
               </a:rPr>
               <a:t>Membro: Alexandre Marques Cabral</a:t>
             </a:r>
@@ -4577,6 +8090,277 @@
               </a:tabLst>
             </a:pPr>
             <a:endParaRPr b="0" lang="pt-BR" sz="1800" spc="-1" strike="noStrike">
+              <a:latin typeface="Arial"/>
+            </a:endParaRPr>
+          </a:p>
+        </p:txBody>
+      </p:sp>
+    </p:spTree>
+  </p:cSld>
+  <mc:AlternateContent>
+    <mc:Choice Requires="p14">
+      <p:transition spd="slow" p14:dur="2000"/>
+    </mc:Choice>
+    <mc:Fallback>
+      <p:transition spd="slow"/>
+    </mc:Fallback>
+  </mc:AlternateContent>
+</p:sld>
+</file>
+
+<file path=ppt/slides/slide10.xml><?xml version="1.0" encoding="utf-8"?>
+<p:sld xmlns:a="http://schemas.openxmlformats.org/drawingml/2006/main" xmlns:p="http://schemas.openxmlformats.org/presentationml/2006/main" xmlns:r="http://schemas.openxmlformats.org/officeDocument/2006/relationships" xmlns:p14="http://schemas.microsoft.com/office/powerpoint/2010/main" xmlns:p15="http://schemas.microsoft.com/office/powerpoint/2012/main" xmlns:mc="http://schemas.openxmlformats.org/markup-compatibility/2006">
+  <p:cSld>
+    <p:spTree>
+      <p:nvGrpSpPr>
+        <p:cNvPr id="1" name=""/>
+        <p:cNvGrpSpPr/>
+        <p:nvPr/>
+      </p:nvGrpSpPr>
+      <p:grpSpPr>
+        <a:xfrm>
+          <a:off x="0" y="0"/>
+          <a:ext cx="0" cy="0"/>
+          <a:chOff x="0" y="0"/>
+          <a:chExt cx="0" cy="0"/>
+        </a:xfrm>
+      </p:grpSpPr>
+      <p:sp>
+        <p:nvSpPr>
+          <p:cNvPr id="178" name="CustomShape 1"/>
+          <p:cNvSpPr/>
+          <p:nvPr/>
+        </p:nvSpPr>
+        <p:spPr>
+          <a:xfrm>
+            <a:off x="609480" y="273600"/>
+            <a:ext cx="10971720" cy="1144080"/>
+          </a:xfrm>
+          <a:prstGeom prst="rect">
+            <a:avLst/>
+          </a:prstGeom>
+          <a:noFill/>
+          <a:ln w="0">
+            <a:noFill/>
+          </a:ln>
+        </p:spPr>
+        <p:style>
+          <a:lnRef idx="0"/>
+          <a:fillRef idx="0"/>
+          <a:effectRef idx="0"/>
+          <a:fontRef idx="minor"/>
+        </p:style>
+        <p:txBody>
+          <a:bodyPr lIns="0" rIns="0" tIns="0" bIns="0" anchor="ctr">
+            <a:noAutofit/>
+          </a:bodyPr>
+          <a:p>
+            <a:pPr algn="ctr">
+              <a:lnSpc>
+                <a:spcPct val="100000"/>
+              </a:lnSpc>
+            </a:pPr>
+            <a:r>
+              <a:rPr b="0" lang="pt-BR" sz="4400" spc="-1" strike="noStrike">
+                <a:latin typeface="Arial"/>
+              </a:rPr>
+              <a:t>Gráficos</a:t>
+            </a:r>
+            <a:endParaRPr b="0" lang="pt-BR" sz="4400" spc="-1" strike="noStrike">
+              <a:latin typeface="Arial"/>
+            </a:endParaRPr>
+          </a:p>
+        </p:txBody>
+      </p:sp>
+      <p:graphicFrame>
+        <p:nvGraphicFramePr>
+          <p:cNvPr id="179" name=""/>
+          <p:cNvGraphicFramePr/>
+          <p:nvPr/>
+        </p:nvGraphicFramePr>
+        <p:xfrm>
+          <a:off x="720000" y="1980000"/>
+          <a:ext cx="4571280" cy="2742480"/>
+        </p:xfrm>
+        <a:graphic>
+          <a:graphicData uri="http://schemas.openxmlformats.org/drawingml/2006/chart">
+            <c:chart xmlns:c="http://schemas.openxmlformats.org/drawingml/2006/chart" xmlns:r="http://schemas.openxmlformats.org/officeDocument/2006/relationships" r:id="rId1"/>
+          </a:graphicData>
+        </a:graphic>
+      </p:graphicFrame>
+      <p:graphicFrame>
+        <p:nvGraphicFramePr>
+          <p:cNvPr id="180" name=""/>
+          <p:cNvGraphicFramePr/>
+          <p:nvPr/>
+        </p:nvGraphicFramePr>
+        <p:xfrm>
+          <a:off x="5783760" y="1895040"/>
+          <a:ext cx="5753880" cy="3240000"/>
+        </p:xfrm>
+        <a:graphic>
+          <a:graphicData uri="http://schemas.openxmlformats.org/drawingml/2006/chart">
+            <c:chart xmlns:c="http://schemas.openxmlformats.org/drawingml/2006/chart" xmlns:r="http://schemas.openxmlformats.org/officeDocument/2006/relationships" r:id="rId2"/>
+          </a:graphicData>
+        </a:graphic>
+      </p:graphicFrame>
+    </p:spTree>
+  </p:cSld>
+  <mc:AlternateContent>
+    <mc:Choice Requires="p14">
+      <p:transition spd="slow" p14:dur="2000"/>
+    </mc:Choice>
+    <mc:Fallback>
+      <p:transition spd="slow"/>
+    </mc:Fallback>
+  </mc:AlternateContent>
+</p:sld>
+</file>
+
+<file path=ppt/slides/slide11.xml><?xml version="1.0" encoding="utf-8"?>
+<p:sld xmlns:a="http://schemas.openxmlformats.org/drawingml/2006/main" xmlns:p="http://schemas.openxmlformats.org/presentationml/2006/main" xmlns:r="http://schemas.openxmlformats.org/officeDocument/2006/relationships" xmlns:p14="http://schemas.microsoft.com/office/powerpoint/2010/main" xmlns:p15="http://schemas.microsoft.com/office/powerpoint/2012/main" xmlns:mc="http://schemas.openxmlformats.org/markup-compatibility/2006">
+  <p:cSld>
+    <p:spTree>
+      <p:nvGrpSpPr>
+        <p:cNvPr id="1" name=""/>
+        <p:cNvGrpSpPr/>
+        <p:nvPr/>
+      </p:nvGrpSpPr>
+      <p:grpSpPr>
+        <a:xfrm>
+          <a:off x="0" y="0"/>
+          <a:ext cx="0" cy="0"/>
+          <a:chOff x="0" y="0"/>
+          <a:chExt cx="0" cy="0"/>
+        </a:xfrm>
+      </p:grpSpPr>
+      <p:sp>
+        <p:nvSpPr>
+          <p:cNvPr id="181" name="CustomShape 1"/>
+          <p:cNvSpPr/>
+          <p:nvPr/>
+        </p:nvSpPr>
+        <p:spPr>
+          <a:xfrm>
+            <a:off x="609480" y="273600"/>
+            <a:ext cx="10971720" cy="1144080"/>
+          </a:xfrm>
+          <a:prstGeom prst="rect">
+            <a:avLst/>
+          </a:prstGeom>
+          <a:noFill/>
+          <a:ln w="0">
+            <a:noFill/>
+          </a:ln>
+        </p:spPr>
+        <p:style>
+          <a:lnRef idx="0"/>
+          <a:fillRef idx="0"/>
+          <a:effectRef idx="0"/>
+          <a:fontRef idx="minor"/>
+        </p:style>
+        <p:txBody>
+          <a:bodyPr lIns="0" rIns="0" tIns="0" bIns="0" anchor="ctr">
+            <a:noAutofit/>
+          </a:bodyPr>
+          <a:p>
+            <a:pPr algn="ctr">
+              <a:lnSpc>
+                <a:spcPct val="100000"/>
+              </a:lnSpc>
+            </a:pPr>
+            <a:r>
+              <a:rPr b="0" lang="pt-BR" sz="4400" spc="-1" strike="noStrike">
+                <a:latin typeface="Arial"/>
+              </a:rPr>
+              <a:t>Referências</a:t>
+            </a:r>
+            <a:endParaRPr b="0" lang="pt-BR" sz="4400" spc="-1" strike="noStrike">
+              <a:latin typeface="Arial"/>
+            </a:endParaRPr>
+          </a:p>
+        </p:txBody>
+      </p:sp>
+      <p:sp>
+        <p:nvSpPr>
+          <p:cNvPr id="182" name="CustomShape 2"/>
+          <p:cNvSpPr/>
+          <p:nvPr/>
+        </p:nvSpPr>
+        <p:spPr>
+          <a:xfrm>
+            <a:off x="609480" y="1604520"/>
+            <a:ext cx="10971720" cy="3976560"/>
+          </a:xfrm>
+          <a:prstGeom prst="rect">
+            <a:avLst/>
+          </a:prstGeom>
+          <a:noFill/>
+          <a:ln w="0">
+            <a:noFill/>
+          </a:ln>
+        </p:spPr>
+        <p:style>
+          <a:lnRef idx="0"/>
+          <a:fillRef idx="0"/>
+          <a:effectRef idx="0"/>
+          <a:fontRef idx="minor"/>
+        </p:style>
+        <p:txBody>
+          <a:bodyPr lIns="0" rIns="0" tIns="0" bIns="0">
+            <a:normAutofit/>
+          </a:bodyPr>
+          <a:p>
+            <a:pPr>
+              <a:lnSpc>
+                <a:spcPct val="100000"/>
+              </a:lnSpc>
+            </a:pPr>
+            <a:r>
+              <a:rPr b="0" lang="pt-BR" sz="2000" spc="-1" strike="noStrike" u="sng">
+                <a:solidFill>
+                  <a:srgbClr val="71ddab"/>
+                </a:solidFill>
+                <a:uFillTx/>
+                <a:latin typeface="Arial"/>
+                <a:ea typeface="Bitstream Vera Sans"/>
+                <a:hlinkClick r:id="rId1"/>
+              </a:rPr>
+              <a:t>https://sci01-ter-jne.ufca.edu.br/computacao/course/view.php?id=12</a:t>
+            </a:r>
+            <a:endParaRPr b="0" lang="pt-BR" sz="2000" spc="-1" strike="noStrike">
+              <a:latin typeface="Arial"/>
+            </a:endParaRPr>
+          </a:p>
+          <a:p>
+            <a:pPr>
+              <a:lnSpc>
+                <a:spcPct val="100000"/>
+              </a:lnSpc>
+            </a:pPr>
+            <a:r>
+              <a:rPr b="0" lang="pt-BR" sz="2000" spc="-1" strike="noStrike" u="sng">
+                <a:solidFill>
+                  <a:srgbClr val="71ddab"/>
+                </a:solidFill>
+                <a:uFillTx/>
+                <a:latin typeface="Arial"/>
+                <a:ea typeface="Bitstream Vera Sans"/>
+                <a:hlinkClick r:id="rId2"/>
+              </a:rPr>
+              <a:t>https://stackoverflow.com/questions/20413995/reducing-on-array-in-openmp</a:t>
+            </a:r>
+            <a:endParaRPr b="0" lang="pt-BR" sz="2000" spc="-1" strike="noStrike">
+              <a:latin typeface="Arial"/>
+            </a:endParaRPr>
+          </a:p>
+          <a:p>
+            <a:pPr>
+              <a:lnSpc>
+                <a:spcPct val="100000"/>
+              </a:lnSpc>
+            </a:pPr>
+            <a:endParaRPr b="0" lang="pt-BR" sz="2000" spc="-1" strike="noStrike">
               <a:latin typeface="Arial"/>
             </a:endParaRPr>
           </a:p>
@@ -4614,14 +8398,14 @@
       </p:grpSpPr>
       <p:sp>
         <p:nvSpPr>
-          <p:cNvPr id="80" name="CustomShape 1"/>
+          <p:cNvPr id="159" name="CustomShape 1"/>
           <p:cNvSpPr/>
           <p:nvPr/>
         </p:nvSpPr>
         <p:spPr>
           <a:xfrm>
             <a:off x="609480" y="137160"/>
-            <a:ext cx="10972080" cy="1417680"/>
+            <a:ext cx="10971720" cy="1417320"/>
           </a:xfrm>
           <a:prstGeom prst="rect">
             <a:avLst/>
@@ -4653,6 +8437,7 @@
                   <a:srgbClr val="ffffff"/>
                 </a:solidFill>
                 <a:latin typeface="Calibri"/>
+                <a:ea typeface="DejaVu Sans"/>
               </a:rPr>
               <a:t>               </a:t>
             </a:r>
@@ -4662,6 +8447,7 @@
                   <a:srgbClr val="ffffff"/>
                 </a:solidFill>
                 <a:latin typeface="Calibri"/>
+                <a:ea typeface="DejaVu Sans"/>
               </a:rPr>
               <a:t>Especificações                                 </a:t>
             </a:r>
@@ -4673,14 +8459,14 @@
       </p:sp>
       <p:sp>
         <p:nvSpPr>
-          <p:cNvPr id="81" name="CustomShape 2"/>
+          <p:cNvPr id="160" name="CustomShape 2"/>
           <p:cNvSpPr/>
           <p:nvPr/>
         </p:nvSpPr>
         <p:spPr>
           <a:xfrm>
             <a:off x="540000" y="1782720"/>
-            <a:ext cx="10972080" cy="3976920"/>
+            <a:ext cx="10971720" cy="3976560"/>
           </a:xfrm>
           <a:prstGeom prst="rect">
             <a:avLst/>
@@ -4715,6 +8501,7 @@
                   <a:srgbClr val="ffffff"/>
                 </a:solidFill>
                 <a:latin typeface="Calibri"/>
+                <a:ea typeface="DejaVu Sans"/>
               </a:rPr>
               <a:t>Repositório</a:t>
             </a:r>
@@ -4724,14 +8511,16 @@
                   <a:srgbClr val="ffffff"/>
                 </a:solidFill>
                 <a:latin typeface="Calibri"/>
+                <a:ea typeface="DejaVu Sans"/>
               </a:rPr>
               <a:t>: </a:t>
             </a:r>
             <a:r>
-              <a:rPr b="0" lang="pt-BR" sz="1800" spc="-1" strike="noStrike">
+              <a:rPr b="0" lang="pt-BR" sz="1800" spc="-1" strike="noStrike" u="sng">
                 <a:solidFill>
-                  <a:srgbClr val="481d32"/>
+                  <a:srgbClr val="71ddab"/>
                 </a:solidFill>
+                <a:uFillTx/>
                 <a:latin typeface="Calibri"/>
                 <a:ea typeface="Bitstream Vera Sans"/>
                 <a:hlinkClick r:id="rId1"/>
@@ -4792,10 +8581,11 @@
               <a:t>    </a:t>
             </a:r>
             <a:r>
-              <a:rPr b="0" lang="pt-BR" sz="1800" spc="-1" strike="noStrike">
+              <a:rPr b="0" lang="pt-BR" sz="1800" spc="-1" strike="noStrike" u="sng">
                 <a:solidFill>
-                  <a:srgbClr val="481d32"/>
+                  <a:srgbClr val="71ddab"/>
                 </a:solidFill>
+                <a:uFillTx/>
                 <a:latin typeface="Calibri"/>
                 <a:ea typeface="Bitstream Vera Sans"/>
                 <a:hlinkClick r:id="rId2"/>
@@ -4856,10 +8646,11 @@
               <a:t>    </a:t>
             </a:r>
             <a:r>
-              <a:rPr b="0" lang="pt-BR" sz="1800" spc="-1" strike="noStrike">
+              <a:rPr b="0" lang="pt-BR" sz="1800" spc="-1" strike="noStrike" u="sng">
                 <a:solidFill>
-                  <a:srgbClr val="481d32"/>
+                  <a:srgbClr val="71ddab"/>
                 </a:solidFill>
+                <a:uFillTx/>
                 <a:latin typeface="Calibri"/>
                 <a:ea typeface="Bitstream Vera Sans"/>
                 <a:hlinkClick r:id="rId3"/>
@@ -4885,6 +8676,7 @@
                   <a:srgbClr val="ffffff"/>
                 </a:solidFill>
                 <a:latin typeface="Calibri"/>
+                <a:ea typeface="DejaVu Sans"/>
               </a:rPr>
               <a:t>Máquina: </a:t>
             </a:r>
@@ -4903,7 +8695,7 @@
             </a:endParaRPr>
           </a:p>
           <a:p>
-            <a:pPr marL="432000" indent="-323640">
+            <a:pPr marL="432000" indent="-323280">
               <a:lnSpc>
                 <a:spcPct val="100000"/>
               </a:lnSpc>
@@ -4923,6 +8715,7 @@
                   <a:srgbClr val="ffffff"/>
                 </a:solidFill>
                 <a:latin typeface="Calibri"/>
+                <a:ea typeface="DejaVu Sans"/>
               </a:rPr>
               <a:t>Implementação</a:t>
             </a:r>
@@ -4932,6 +8725,7 @@
                   <a:srgbClr val="ffffff"/>
                 </a:solidFill>
                 <a:latin typeface="Calibri"/>
+                <a:ea typeface="DejaVu Sans"/>
               </a:rPr>
               <a:t>: Linguagem C utilizando OpenMP com 2-4 threads e MPICH com 2-4 processos, ambos com entrada de 150.000.000</a:t>
             </a:r>
@@ -4954,6 +8748,7 @@
                   <a:srgbClr val="ffffff"/>
                 </a:solidFill>
                 <a:latin typeface="Calibri"/>
+                <a:ea typeface="DejaVu Sans"/>
               </a:rPr>
               <a:t>O problema: </a:t>
             </a:r>
@@ -4963,6 +8758,7 @@
                   <a:srgbClr val="ffffff"/>
                 </a:solidFill>
                 <a:latin typeface="Calibri"/>
+                <a:ea typeface="DejaVu Sans"/>
               </a:rPr>
               <a:t>O código irá receber um vetor representando um estoque de livros com 20 gêneros e separá-los por gênero, mostrando quantos livros há de cada gênero, ou seja, será feita a l</a:t>
             </a:r>
@@ -5014,14 +8810,14 @@
       </p:grpSpPr>
       <p:sp>
         <p:nvSpPr>
-          <p:cNvPr id="82" name="TextShape 1"/>
-          <p:cNvSpPr txBox="1"/>
+          <p:cNvPr id="161" name="CustomShape 1"/>
+          <p:cNvSpPr/>
           <p:nvPr/>
         </p:nvSpPr>
         <p:spPr>
           <a:xfrm>
             <a:off x="609480" y="273600"/>
-            <a:ext cx="10972080" cy="1144440"/>
+            <a:ext cx="10971720" cy="1144080"/>
           </a:xfrm>
           <a:prstGeom prst="rect">
             <a:avLst/>
@@ -5031,12 +8827,22 @@
             <a:noFill/>
           </a:ln>
         </p:spPr>
+        <p:style>
+          <a:lnRef idx="0"/>
+          <a:fillRef idx="0"/>
+          <a:effectRef idx="0"/>
+          <a:fontRef idx="minor"/>
+        </p:style>
         <p:txBody>
           <a:bodyPr lIns="0" rIns="0" tIns="0" bIns="0" anchor="ctr">
             <a:noAutofit/>
           </a:bodyPr>
           <a:p>
-            <a:pPr algn="ctr"/>
+            <a:pPr algn="ctr">
+              <a:lnSpc>
+                <a:spcPct val="100000"/>
+              </a:lnSpc>
+            </a:pPr>
             <a:r>
               <a:rPr b="0" lang="pt-BR" sz="4400" spc="-1" strike="noStrike">
                 <a:latin typeface="Arial"/>
@@ -5051,14 +8857,14 @@
       </p:sp>
       <p:sp>
         <p:nvSpPr>
-          <p:cNvPr id="83" name="TextShape 2"/>
-          <p:cNvSpPr txBox="1"/>
+          <p:cNvPr id="162" name="CustomShape 2"/>
+          <p:cNvSpPr/>
           <p:nvPr/>
         </p:nvSpPr>
         <p:spPr>
           <a:xfrm>
             <a:off x="609480" y="1604520"/>
-            <a:ext cx="10972080" cy="3976920"/>
+            <a:ext cx="10971720" cy="3976560"/>
           </a:xfrm>
           <a:prstGeom prst="rect">
             <a:avLst/>
@@ -5068,6 +8874,12 @@
             <a:noFill/>
           </a:ln>
         </p:spPr>
+        <p:style>
+          <a:lnRef idx="0"/>
+          <a:fillRef idx="0"/>
+          <a:effectRef idx="0"/>
+          <a:fontRef idx="minor"/>
+        </p:style>
         <p:txBody>
           <a:bodyPr lIns="0" rIns="0" tIns="0" bIns="0">
             <a:normAutofit/>
@@ -5081,7 +8893,7 @@
                 <a:spcPts val="1417"/>
               </a:spcBef>
             </a:pPr>
-            <a:endParaRPr b="0" lang="pt-BR" sz="1500" spc="-1" strike="noStrike">
+            <a:endParaRPr b="0" lang="pt-BR" sz="1800" spc="-1" strike="noStrike">
               <a:latin typeface="Arial"/>
             </a:endParaRPr>
           </a:p>
@@ -5118,6 +8930,9 @@
             </a:pPr>
             <a:r>
               <a:rPr b="0" lang="pt-BR" sz="1500" spc="-1" strike="noStrike">
+                <a:solidFill>
+                  <a:srgbClr val="861141"/>
+                </a:solidFill>
                 <a:latin typeface="Arial"/>
               </a:rPr>
               <a:t>-Cria um vetor v de tamanho 150.000.000 com números aleatórios de 0 a 1</a:t>
@@ -5137,6 +8952,9 @@
             </a:pPr>
             <a:r>
               <a:rPr b="0" lang="pt-BR" sz="1500" spc="-1" strike="noStrike">
+                <a:solidFill>
+                  <a:srgbClr val="861141"/>
+                </a:solidFill>
                 <a:latin typeface="Arial"/>
               </a:rPr>
               <a:t>-Cria um vetor c de tamanho 20 com valor 0 em todas as posições</a:t>
@@ -5156,6 +8974,9 @@
             </a:pPr>
             <a:r>
               <a:rPr b="0" lang="pt-BR" sz="1500" spc="-1" strike="noStrike">
+                <a:solidFill>
+                  <a:srgbClr val="861141"/>
+                </a:solidFill>
                 <a:latin typeface="Arial"/>
               </a:rPr>
               <a:t>-Percorre v e, para cada posição i de v, verifica qual das posições j de c corresponde ao inteiro contido em i e incrementa o valor contido em j em 1.</a:t>
@@ -5175,6 +8996,9 @@
             </a:pPr>
             <a:r>
               <a:rPr b="0" lang="pt-BR" sz="1500" spc="-1" strike="noStrike">
+                <a:solidFill>
+                  <a:srgbClr val="861141"/>
+                </a:solidFill>
                 <a:latin typeface="Arial"/>
               </a:rPr>
               <a:t>-Percorre c e imprime o valor de cada posição dele, com as posições representando cada inteiro possível</a:t>
@@ -5217,14 +9041,14 @@
       </p:grpSpPr>
       <p:sp>
         <p:nvSpPr>
-          <p:cNvPr id="84" name="TextShape 1"/>
-          <p:cNvSpPr txBox="1"/>
+          <p:cNvPr id="163" name="CustomShape 1"/>
+          <p:cNvSpPr/>
           <p:nvPr/>
         </p:nvSpPr>
         <p:spPr>
           <a:xfrm>
             <a:off x="609480" y="273600"/>
-            <a:ext cx="10972080" cy="1144440"/>
+            <a:ext cx="10971720" cy="1144080"/>
           </a:xfrm>
           <a:prstGeom prst="rect">
             <a:avLst/>
@@ -5234,12 +9058,22 @@
             <a:noFill/>
           </a:ln>
         </p:spPr>
+        <p:style>
+          <a:lnRef idx="0"/>
+          <a:fillRef idx="0"/>
+          <a:effectRef idx="0"/>
+          <a:fontRef idx="minor"/>
+        </p:style>
         <p:txBody>
           <a:bodyPr lIns="0" rIns="0" tIns="0" bIns="0" anchor="ctr">
             <a:noAutofit/>
           </a:bodyPr>
           <a:p>
-            <a:pPr algn="ctr"/>
+            <a:pPr algn="ctr">
+              <a:lnSpc>
+                <a:spcPct val="100000"/>
+              </a:lnSpc>
+            </a:pPr>
             <a:r>
               <a:rPr b="0" lang="pt-BR" sz="4400" spc="-1" strike="noStrike">
                 <a:latin typeface="Arial"/>
@@ -5254,14 +9088,14 @@
       </p:sp>
       <p:sp>
         <p:nvSpPr>
-          <p:cNvPr id="85" name="TextShape 2"/>
-          <p:cNvSpPr txBox="1"/>
+          <p:cNvPr id="164" name="CustomShape 2"/>
+          <p:cNvSpPr/>
           <p:nvPr/>
         </p:nvSpPr>
         <p:spPr>
           <a:xfrm>
             <a:off x="609480" y="1604520"/>
-            <a:ext cx="10972080" cy="3976920"/>
+            <a:ext cx="10971720" cy="3976560"/>
           </a:xfrm>
           <a:prstGeom prst="rect">
             <a:avLst/>
@@ -5271,12 +9105,21 @@
             <a:noFill/>
           </a:ln>
         </p:spPr>
+        <p:style>
+          <a:lnRef idx="0"/>
+          <a:fillRef idx="0"/>
+          <a:effectRef idx="0"/>
+          <a:fontRef idx="minor"/>
+        </p:style>
         <p:txBody>
           <a:bodyPr lIns="0" rIns="0" tIns="0" bIns="0">
             <a:normAutofit fontScale="31000"/>
           </a:bodyPr>
           <a:p>
-            <a:pPr marL="432000" indent="-324000" algn="ctr">
+            <a:pPr marL="432000" indent="-323640" algn="ctr">
+              <a:lnSpc>
+                <a:spcPct val="100000"/>
+              </a:lnSpc>
               <a:spcBef>
                 <a:spcPts val="1417"/>
               </a:spcBef>
@@ -5296,10 +9139,7 @@
               </a:rPr>
               <a:t>Paralelo em OpenMP</a:t>
             </a:r>
-            <a:endParaRPr b="1" lang="pt-BR" sz="3200" spc="-1" strike="noStrike">
-              <a:solidFill>
-                <a:srgbClr val="861141"/>
-              </a:solidFill>
+            <a:endParaRPr b="0" lang="pt-BR" sz="3200" spc="-1" strike="noStrike">
               <a:latin typeface="Arial"/>
             </a:endParaRPr>
           </a:p>
@@ -5491,14 +9331,14 @@
       </p:grpSpPr>
       <p:sp>
         <p:nvSpPr>
-          <p:cNvPr id="86" name="TextShape 1"/>
-          <p:cNvSpPr txBox="1"/>
+          <p:cNvPr id="165" name="CustomShape 1"/>
+          <p:cNvSpPr/>
           <p:nvPr/>
         </p:nvSpPr>
         <p:spPr>
           <a:xfrm>
             <a:off x="609480" y="273600"/>
-            <a:ext cx="10972080" cy="1144440"/>
+            <a:ext cx="10971720" cy="1144080"/>
           </a:xfrm>
           <a:prstGeom prst="rect">
             <a:avLst/>
@@ -5508,12 +9348,22 @@
             <a:noFill/>
           </a:ln>
         </p:spPr>
+        <p:style>
+          <a:lnRef idx="0"/>
+          <a:fillRef idx="0"/>
+          <a:effectRef idx="0"/>
+          <a:fontRef idx="minor"/>
+        </p:style>
         <p:txBody>
           <a:bodyPr lIns="0" rIns="0" tIns="0" bIns="0" anchor="ctr">
             <a:noAutofit/>
           </a:bodyPr>
           <a:p>
-            <a:pPr algn="ctr"/>
+            <a:pPr algn="ctr">
+              <a:lnSpc>
+                <a:spcPct val="100000"/>
+              </a:lnSpc>
+            </a:pPr>
             <a:r>
               <a:rPr b="0" lang="pt-BR" sz="4400" spc="-1" strike="noStrike">
                 <a:latin typeface="Arial"/>
@@ -5528,14 +9378,14 @@
       </p:sp>
       <p:sp>
         <p:nvSpPr>
-          <p:cNvPr id="87" name="TextShape 2"/>
-          <p:cNvSpPr txBox="1"/>
+          <p:cNvPr id="166" name="CustomShape 2"/>
+          <p:cNvSpPr/>
           <p:nvPr/>
         </p:nvSpPr>
         <p:spPr>
           <a:xfrm>
             <a:off x="609480" y="1604520"/>
-            <a:ext cx="10972080" cy="3976920"/>
+            <a:ext cx="10971720" cy="3976560"/>
           </a:xfrm>
           <a:prstGeom prst="rect">
             <a:avLst/>
@@ -5545,12 +9395,21 @@
             <a:noFill/>
           </a:ln>
         </p:spPr>
+        <p:style>
+          <a:lnRef idx="0"/>
+          <a:fillRef idx="0"/>
+          <a:effectRef idx="0"/>
+          <a:fontRef idx="minor"/>
+        </p:style>
         <p:txBody>
           <a:bodyPr lIns="0" rIns="0" tIns="0" bIns="0">
             <a:normAutofit fontScale="27000"/>
           </a:bodyPr>
           <a:p>
-            <a:pPr marL="432000" indent="-324000" algn="ctr">
+            <a:pPr marL="432000" indent="-323640" algn="ctr">
+              <a:lnSpc>
+                <a:spcPct val="100000"/>
+              </a:lnSpc>
               <a:spcBef>
                 <a:spcPts val="1417"/>
               </a:spcBef>
@@ -5585,6 +9444,9 @@
             </a:pPr>
             <a:r>
               <a:rPr b="0" lang="pt-BR" sz="3200" spc="-1" strike="noStrike">
+                <a:solidFill>
+                  <a:srgbClr val="861141"/>
+                </a:solidFill>
                 <a:latin typeface="Arial"/>
               </a:rPr>
               <a:t>-Cria um vetor v de tamanho 150.000.000 com números aleatórios de 0 a 19 em um dos processos (geralmente rank 0)</a:t>
@@ -5604,6 +9466,9 @@
             </a:pPr>
             <a:r>
               <a:rPr b="0" lang="pt-BR" sz="3200" spc="-1" strike="noStrike">
+                <a:solidFill>
+                  <a:srgbClr val="861141"/>
+                </a:solidFill>
                 <a:latin typeface="Arial"/>
               </a:rPr>
               <a:t>-Cria um vetor c de tamanho 20 com valor 0 em todas as posições para cada processo</a:t>
@@ -5623,6 +9488,9 @@
             </a:pPr>
             <a:r>
               <a:rPr b="0" lang="pt-BR" sz="3200" spc="-1" strike="noStrike">
+                <a:solidFill>
+                  <a:srgbClr val="861141"/>
+                </a:solidFill>
                 <a:latin typeface="Arial"/>
               </a:rPr>
               <a:t>- Cria um subvetor sub para cada processo</a:t>
@@ -5642,6 +9510,9 @@
             </a:pPr>
             <a:r>
               <a:rPr b="0" lang="pt-BR" sz="3200" spc="-1" strike="noStrike">
+                <a:solidFill>
+                  <a:srgbClr val="861141"/>
+                </a:solidFill>
                 <a:latin typeface="Arial"/>
               </a:rPr>
               <a:t>- Divide v entre os sub</a:t>
@@ -5661,6 +9532,9 @@
             </a:pPr>
             <a:r>
               <a:rPr b="0" lang="pt-BR" sz="3200" spc="-1" strike="noStrike">
+                <a:solidFill>
+                  <a:srgbClr val="861141"/>
+                </a:solidFill>
                 <a:latin typeface="Arial"/>
               </a:rPr>
               <a:t>-Cada processo realiza a mesma ação do serial, só que com um vetor menor para percorrer</a:t>
@@ -5680,6 +9554,9 @@
             </a:pPr>
             <a:r>
               <a:rPr b="0" lang="pt-BR" sz="3200" spc="-1" strike="noStrike">
+                <a:solidFill>
+                  <a:srgbClr val="861141"/>
+                </a:solidFill>
                 <a:latin typeface="Arial"/>
               </a:rPr>
               <a:t>- Cria, em apenas um dos processos, um vetor c’ de tamanho 20 com valor 0 em todas as posições</a:t>
@@ -5699,6 +9576,9 @@
             </a:pPr>
             <a:r>
               <a:rPr b="0" lang="pt-BR" sz="3200" spc="-1" strike="noStrike">
+                <a:solidFill>
+                  <a:srgbClr val="861141"/>
+                </a:solidFill>
                 <a:latin typeface="Arial"/>
               </a:rPr>
               <a:t>- Para cada posição j, é executada a soma dos valores de cada c em j e o resultado enviado para a respectiva posição em c’</a:t>
@@ -5718,6 +9598,9 @@
             </a:pPr>
             <a:r>
               <a:rPr b="0" lang="pt-BR" sz="3200" spc="-1" strike="noStrike">
+                <a:solidFill>
+                  <a:srgbClr val="861141"/>
+                </a:solidFill>
                 <a:latin typeface="Arial"/>
               </a:rPr>
               <a:t>-Percorre c’ e imprime os valores de cada posição sua, com as posições representando os inteiros possíveis</a:t>
@@ -5760,14 +9643,14 @@
       </p:grpSpPr>
       <p:sp>
         <p:nvSpPr>
-          <p:cNvPr id="88" name="TextShape 1"/>
+          <p:cNvPr id="167" name="TextShape 1"/>
           <p:cNvSpPr txBox="1"/>
           <p:nvPr/>
         </p:nvSpPr>
         <p:spPr>
           <a:xfrm>
             <a:off x="609480" y="273600"/>
-            <a:ext cx="10972080" cy="1144440"/>
+            <a:ext cx="10971720" cy="1144080"/>
           </a:xfrm>
           <a:prstGeom prst="rect">
             <a:avLst/>
@@ -5783,6 +9666,394 @@
           </a:bodyPr>
           <a:p>
             <a:pPr algn="ctr"/>
+            <a:r>
+              <a:rPr b="0" lang="pt-BR" sz="4400" spc="-1" strike="noStrike">
+                <a:latin typeface="Arial"/>
+              </a:rPr>
+              <a:t>Implementação</a:t>
+            </a:r>
+            <a:endParaRPr b="0" lang="pt-BR" sz="4400" spc="-1" strike="noStrike">
+              <a:latin typeface="Arial"/>
+            </a:endParaRPr>
+          </a:p>
+        </p:txBody>
+      </p:sp>
+      <p:pic>
+        <p:nvPicPr>
+          <p:cNvPr id="168" name="" descr=""/>
+          <p:cNvPicPr/>
+          <p:nvPr/>
+        </p:nvPicPr>
+        <p:blipFill>
+          <a:blip r:embed="rId1"/>
+          <a:stretch/>
+        </p:blipFill>
+        <p:spPr>
+          <a:xfrm>
+            <a:off x="3240000" y="1417680"/>
+            <a:ext cx="5760000" cy="4924800"/>
+          </a:xfrm>
+          <a:prstGeom prst="rect">
+            <a:avLst/>
+          </a:prstGeom>
+          <a:ln w="0">
+            <a:noFill/>
+          </a:ln>
+        </p:spPr>
+      </p:pic>
+      <p:sp>
+        <p:nvSpPr>
+          <p:cNvPr id="169" name="TextShape 2"/>
+          <p:cNvSpPr txBox="1"/>
+          <p:nvPr/>
+        </p:nvSpPr>
+        <p:spPr>
+          <a:xfrm>
+            <a:off x="540000" y="1980000"/>
+            <a:ext cx="2160000" cy="430200"/>
+          </a:xfrm>
+          <a:prstGeom prst="rect">
+            <a:avLst/>
+          </a:prstGeom>
+          <a:noFill/>
+          <a:ln w="0">
+            <a:noFill/>
+          </a:ln>
+        </p:spPr>
+        <p:txBody>
+          <a:bodyPr lIns="90000" rIns="90000" tIns="45000" bIns="45000">
+            <a:noAutofit/>
+          </a:bodyPr>
+          <a:p>
+            <a:r>
+              <a:rPr b="1" lang="pt-BR" sz="2400" spc="-1" strike="noStrike">
+                <a:latin typeface="Arial"/>
+              </a:rPr>
+              <a:t>Série :</a:t>
+            </a:r>
+            <a:endParaRPr b="1" lang="pt-BR" sz="2400" spc="-1" strike="noStrike">
+              <a:latin typeface="Arial"/>
+            </a:endParaRPr>
+          </a:p>
+        </p:txBody>
+      </p:sp>
+    </p:spTree>
+  </p:cSld>
+  <mc:AlternateContent>
+    <mc:Choice Requires="p14">
+      <p:transition spd="slow" p14:dur="2000"/>
+    </mc:Choice>
+    <mc:Fallback>
+      <p:transition spd="slow"/>
+    </mc:Fallback>
+  </mc:AlternateContent>
+</p:sld>
+</file>
+
+<file path=ppt/slides/slide7.xml><?xml version="1.0" encoding="utf-8"?>
+<p:sld xmlns:a="http://schemas.openxmlformats.org/drawingml/2006/main" xmlns:p="http://schemas.openxmlformats.org/presentationml/2006/main" xmlns:r="http://schemas.openxmlformats.org/officeDocument/2006/relationships" xmlns:p14="http://schemas.microsoft.com/office/powerpoint/2010/main" xmlns:p15="http://schemas.microsoft.com/office/powerpoint/2012/main" xmlns:mc="http://schemas.openxmlformats.org/markup-compatibility/2006">
+  <p:cSld>
+    <p:spTree>
+      <p:nvGrpSpPr>
+        <p:cNvPr id="1" name=""/>
+        <p:cNvGrpSpPr/>
+        <p:nvPr/>
+      </p:nvGrpSpPr>
+      <p:grpSpPr>
+        <a:xfrm>
+          <a:off x="0" y="0"/>
+          <a:ext cx="0" cy="0"/>
+          <a:chOff x="0" y="0"/>
+          <a:chExt cx="0" cy="0"/>
+        </a:xfrm>
+      </p:grpSpPr>
+      <p:sp>
+        <p:nvSpPr>
+          <p:cNvPr id="170" name="TextShape 1"/>
+          <p:cNvSpPr txBox="1"/>
+          <p:nvPr/>
+        </p:nvSpPr>
+        <p:spPr>
+          <a:xfrm>
+            <a:off x="609480" y="273600"/>
+            <a:ext cx="10971720" cy="1144080"/>
+          </a:xfrm>
+          <a:prstGeom prst="rect">
+            <a:avLst/>
+          </a:prstGeom>
+          <a:noFill/>
+          <a:ln w="0">
+            <a:noFill/>
+          </a:ln>
+        </p:spPr>
+        <p:txBody>
+          <a:bodyPr lIns="0" rIns="0" tIns="0" bIns="0" anchor="ctr">
+            <a:noAutofit/>
+          </a:bodyPr>
+          <a:p>
+            <a:pPr algn="ctr"/>
+            <a:r>
+              <a:rPr b="0" lang="pt-BR" sz="4400" spc="-1" strike="noStrike">
+                <a:latin typeface="Arial"/>
+              </a:rPr>
+              <a:t>Implementação</a:t>
+            </a:r>
+            <a:endParaRPr b="0" lang="pt-BR" sz="4400" spc="-1" strike="noStrike">
+              <a:latin typeface="Arial"/>
+            </a:endParaRPr>
+          </a:p>
+        </p:txBody>
+      </p:sp>
+      <p:pic>
+        <p:nvPicPr>
+          <p:cNvPr id="171" name="" descr=""/>
+          <p:cNvPicPr/>
+          <p:nvPr/>
+        </p:nvPicPr>
+        <p:blipFill>
+          <a:blip r:embed="rId1"/>
+          <a:stretch/>
+        </p:blipFill>
+        <p:spPr>
+          <a:xfrm>
+            <a:off x="4349520" y="1604520"/>
+            <a:ext cx="5010480" cy="4695480"/>
+          </a:xfrm>
+          <a:prstGeom prst="rect">
+            <a:avLst/>
+          </a:prstGeom>
+          <a:ln w="0">
+            <a:noFill/>
+          </a:ln>
+        </p:spPr>
+      </p:pic>
+      <p:sp>
+        <p:nvSpPr>
+          <p:cNvPr id="172" name="TextShape 2"/>
+          <p:cNvSpPr txBox="1"/>
+          <p:nvPr/>
+        </p:nvSpPr>
+        <p:spPr>
+          <a:xfrm>
+            <a:off x="360000" y="3240000"/>
+            <a:ext cx="3240000" cy="430200"/>
+          </a:xfrm>
+          <a:prstGeom prst="rect">
+            <a:avLst/>
+          </a:prstGeom>
+          <a:noFill/>
+          <a:ln w="0">
+            <a:noFill/>
+          </a:ln>
+        </p:spPr>
+        <p:txBody>
+          <a:bodyPr lIns="90000" rIns="90000" tIns="45000" bIns="45000">
+            <a:noAutofit/>
+          </a:bodyPr>
+          <a:p>
+            <a:r>
+              <a:rPr b="1" lang="pt-BR" sz="2400" spc="-1" strike="noStrike">
+                <a:latin typeface="Arial"/>
+              </a:rPr>
+              <a:t>Paralelo – OpenMP :</a:t>
+            </a:r>
+            <a:endParaRPr b="1" lang="pt-BR" sz="2400" spc="-1" strike="noStrike">
+              <a:latin typeface="Arial"/>
+            </a:endParaRPr>
+          </a:p>
+        </p:txBody>
+      </p:sp>
+    </p:spTree>
+  </p:cSld>
+  <mc:AlternateContent>
+    <mc:Choice Requires="p14">
+      <p:transition spd="slow" p14:dur="2000"/>
+    </mc:Choice>
+    <mc:Fallback>
+      <p:transition spd="slow"/>
+    </mc:Fallback>
+  </mc:AlternateContent>
+</p:sld>
+</file>
+
+<file path=ppt/slides/slide8.xml><?xml version="1.0" encoding="utf-8"?>
+<p:sld xmlns:a="http://schemas.openxmlformats.org/drawingml/2006/main" xmlns:p="http://schemas.openxmlformats.org/presentationml/2006/main" xmlns:r="http://schemas.openxmlformats.org/officeDocument/2006/relationships" xmlns:p14="http://schemas.microsoft.com/office/powerpoint/2010/main" xmlns:p15="http://schemas.microsoft.com/office/powerpoint/2012/main" xmlns:mc="http://schemas.openxmlformats.org/markup-compatibility/2006">
+  <p:cSld>
+    <p:spTree>
+      <p:nvGrpSpPr>
+        <p:cNvPr id="1" name=""/>
+        <p:cNvGrpSpPr/>
+        <p:nvPr/>
+      </p:nvGrpSpPr>
+      <p:grpSpPr>
+        <a:xfrm>
+          <a:off x="0" y="0"/>
+          <a:ext cx="0" cy="0"/>
+          <a:chOff x="0" y="0"/>
+          <a:chExt cx="0" cy="0"/>
+        </a:xfrm>
+      </p:grpSpPr>
+      <p:sp>
+        <p:nvSpPr>
+          <p:cNvPr id="173" name="TextShape 1"/>
+          <p:cNvSpPr txBox="1"/>
+          <p:nvPr/>
+        </p:nvSpPr>
+        <p:spPr>
+          <a:xfrm>
+            <a:off x="609480" y="273600"/>
+            <a:ext cx="10971720" cy="1144080"/>
+          </a:xfrm>
+          <a:prstGeom prst="rect">
+            <a:avLst/>
+          </a:prstGeom>
+          <a:noFill/>
+          <a:ln w="0">
+            <a:noFill/>
+          </a:ln>
+        </p:spPr>
+        <p:txBody>
+          <a:bodyPr lIns="0" rIns="0" tIns="0" bIns="0" anchor="ctr">
+            <a:noAutofit/>
+          </a:bodyPr>
+          <a:p>
+            <a:pPr algn="ctr"/>
+            <a:r>
+              <a:rPr b="0" lang="pt-BR" sz="4400" spc="-1" strike="noStrike">
+                <a:latin typeface="Arial"/>
+              </a:rPr>
+              <a:t>Implementação</a:t>
+            </a:r>
+            <a:endParaRPr b="0" lang="pt-BR" sz="4400" spc="-1" strike="noStrike">
+              <a:latin typeface="Arial"/>
+            </a:endParaRPr>
+          </a:p>
+        </p:txBody>
+      </p:sp>
+      <p:pic>
+        <p:nvPicPr>
+          <p:cNvPr id="174" name="" descr=""/>
+          <p:cNvPicPr/>
+          <p:nvPr/>
+        </p:nvPicPr>
+        <p:blipFill>
+          <a:blip r:embed="rId1"/>
+          <a:stretch/>
+        </p:blipFill>
+        <p:spPr>
+          <a:xfrm>
+            <a:off x="3499560" y="1604520"/>
+            <a:ext cx="5860440" cy="4489560"/>
+          </a:xfrm>
+          <a:prstGeom prst="rect">
+            <a:avLst/>
+          </a:prstGeom>
+          <a:ln w="0">
+            <a:noFill/>
+          </a:ln>
+        </p:spPr>
+      </p:pic>
+      <p:sp>
+        <p:nvSpPr>
+          <p:cNvPr id="175" name="TextShape 2"/>
+          <p:cNvSpPr txBox="1"/>
+          <p:nvPr/>
+        </p:nvSpPr>
+        <p:spPr>
+          <a:xfrm>
+            <a:off x="180000" y="2880000"/>
+            <a:ext cx="3240000" cy="430200"/>
+          </a:xfrm>
+          <a:prstGeom prst="rect">
+            <a:avLst/>
+          </a:prstGeom>
+          <a:noFill/>
+          <a:ln w="0">
+            <a:noFill/>
+          </a:ln>
+        </p:spPr>
+        <p:txBody>
+          <a:bodyPr lIns="90000" rIns="90000" tIns="45000" bIns="45000">
+            <a:noAutofit/>
+          </a:bodyPr>
+          <a:p>
+            <a:r>
+              <a:rPr b="1" lang="pt-BR" sz="2400" spc="-1" strike="noStrike">
+                <a:latin typeface="Arial"/>
+              </a:rPr>
+              <a:t>Paralelo – MPI :</a:t>
+            </a:r>
+            <a:endParaRPr b="1" lang="pt-BR" sz="2400" spc="-1" strike="noStrike">
+              <a:latin typeface="Arial"/>
+            </a:endParaRPr>
+          </a:p>
+        </p:txBody>
+      </p:sp>
+    </p:spTree>
+  </p:cSld>
+  <mc:AlternateContent>
+    <mc:Choice Requires="p14">
+      <p:transition spd="slow" p14:dur="2000"/>
+    </mc:Choice>
+    <mc:Fallback>
+      <p:transition spd="slow"/>
+    </mc:Fallback>
+  </mc:AlternateContent>
+</p:sld>
+</file>
+
+<file path=ppt/slides/slide9.xml><?xml version="1.0" encoding="utf-8"?>
+<p:sld xmlns:a="http://schemas.openxmlformats.org/drawingml/2006/main" xmlns:p="http://schemas.openxmlformats.org/presentationml/2006/main" xmlns:r="http://schemas.openxmlformats.org/officeDocument/2006/relationships" xmlns:p14="http://schemas.microsoft.com/office/powerpoint/2010/main" xmlns:p15="http://schemas.microsoft.com/office/powerpoint/2012/main" xmlns:mc="http://schemas.openxmlformats.org/markup-compatibility/2006">
+  <p:cSld>
+    <p:spTree>
+      <p:nvGrpSpPr>
+        <p:cNvPr id="1" name=""/>
+        <p:cNvGrpSpPr/>
+        <p:nvPr/>
+      </p:nvGrpSpPr>
+      <p:grpSpPr>
+        <a:xfrm>
+          <a:off x="0" y="0"/>
+          <a:ext cx="0" cy="0"/>
+          <a:chOff x="0" y="0"/>
+          <a:chExt cx="0" cy="0"/>
+        </a:xfrm>
+      </p:grpSpPr>
+      <p:sp>
+        <p:nvSpPr>
+          <p:cNvPr id="176" name="CustomShape 1"/>
+          <p:cNvSpPr/>
+          <p:nvPr/>
+        </p:nvSpPr>
+        <p:spPr>
+          <a:xfrm>
+            <a:off x="609480" y="273600"/>
+            <a:ext cx="10971720" cy="1144080"/>
+          </a:xfrm>
+          <a:prstGeom prst="rect">
+            <a:avLst/>
+          </a:prstGeom>
+          <a:noFill/>
+          <a:ln w="0">
+            <a:noFill/>
+          </a:ln>
+        </p:spPr>
+        <p:style>
+          <a:lnRef idx="0"/>
+          <a:fillRef idx="0"/>
+          <a:effectRef idx="0"/>
+          <a:fontRef idx="minor"/>
+        </p:style>
+        <p:txBody>
+          <a:bodyPr lIns="0" rIns="0" tIns="0" bIns="0" anchor="ctr">
+            <a:noAutofit/>
+          </a:bodyPr>
+          <a:p>
+            <a:pPr algn="ctr">
+              <a:lnSpc>
+                <a:spcPct val="100000"/>
+              </a:lnSpc>
+            </a:pPr>
             <a:r>
               <a:rPr b="0" lang="pt-BR" sz="4400" spc="-1" strike="noStrike">
                 <a:latin typeface="Arial"/>
@@ -5797,13 +10068,13 @@
       </p:sp>
       <p:graphicFrame>
         <p:nvGraphicFramePr>
-          <p:cNvPr id="89" name="Table 2"/>
+          <p:cNvPr id="177" name="Table 2"/>
           <p:cNvGraphicFramePr/>
           <p:nvPr/>
         </p:nvGraphicFramePr>
         <p:xfrm>
           <a:off x="609480" y="1604520"/>
-          <a:ext cx="10971720" cy="3435480"/>
+          <a:ext cx="10971720" cy="3435120"/>
         </p:xfrm>
         <a:graphic>
           <a:graphicData uri="http://schemas.openxmlformats.org/drawingml/2006/table">
@@ -5819,7 +10090,7 @@
               <a:tr h="572040">
                 <a:tc>
                   <a:txBody>
-                    <a:bodyPr lIns="90000" rIns="90000" tIns="46800" bIns="46800">
+                    <a:bodyPr lIns="90000" rIns="90000">
                       <a:noAutofit/>
                     </a:bodyPr>
                     <a:p>
@@ -5835,8 +10106,8 @@
                         </a:rPr>
                         <a:t>Algoritmo</a:t>
                       </a:r>
-                      <a:endParaRPr b="1" lang="pt-BR" sz="1800" spc="-1" strike="noStrike">
-                        <a:latin typeface="Times New Roman"/>
+                      <a:endParaRPr b="0" lang="pt-BR" sz="1800" spc="-1" strike="noStrike">
+                        <a:latin typeface="Arial"/>
                       </a:endParaRPr>
                     </a:p>
                   </a:txBody>
@@ -5868,7 +10139,7 @@
                 </a:tc>
                 <a:tc>
                   <a:txBody>
-                    <a:bodyPr lIns="90000" rIns="90000" tIns="46800" bIns="46800">
+                    <a:bodyPr lIns="90000" rIns="90000">
                       <a:noAutofit/>
                     </a:bodyPr>
                     <a:p>
@@ -5884,8 +10155,8 @@
                         </a:rPr>
                         <a:t>Quantidade de elementos</a:t>
                       </a:r>
-                      <a:endParaRPr b="1" lang="pt-BR" sz="1800" spc="-1" strike="noStrike">
-                        <a:latin typeface="Times New Roman"/>
+                      <a:endParaRPr b="0" lang="pt-BR" sz="1800" spc="-1" strike="noStrike">
+                        <a:latin typeface="Arial"/>
                       </a:endParaRPr>
                     </a:p>
                   </a:txBody>
@@ -5917,7 +10188,7 @@
                 </a:tc>
                 <a:tc>
                   <a:txBody>
-                    <a:bodyPr lIns="90000" rIns="90000" tIns="46800" bIns="46800">
+                    <a:bodyPr lIns="90000" rIns="90000">
                       <a:noAutofit/>
                     </a:bodyPr>
                     <a:p>
@@ -5933,8 +10204,8 @@
                         </a:rPr>
                         <a:t>Tempo (segundos)</a:t>
                       </a:r>
-                      <a:endParaRPr b="1" lang="pt-BR" sz="1800" spc="-1" strike="noStrike">
-                        <a:latin typeface="Times New Roman"/>
+                      <a:endParaRPr b="0" lang="pt-BR" sz="1800" spc="-1" strike="noStrike">
+                        <a:latin typeface="Arial"/>
                       </a:endParaRPr>
                     </a:p>
                   </a:txBody>
@@ -5966,7 +10237,7 @@
                 </a:tc>
                 <a:tc>
                   <a:txBody>
-                    <a:bodyPr lIns="90000" rIns="90000" tIns="46800" bIns="46800">
+                    <a:bodyPr lIns="90000" rIns="90000">
                       <a:noAutofit/>
                     </a:bodyPr>
                     <a:p>
@@ -5982,8 +10253,8 @@
                         </a:rPr>
                         <a:t>Speedup</a:t>
                       </a:r>
-                      <a:endParaRPr b="1" lang="pt-BR" sz="1800" spc="-1" strike="noStrike">
-                        <a:latin typeface="Times New Roman"/>
+                      <a:endParaRPr b="0" lang="pt-BR" sz="1800" spc="-1" strike="noStrike">
+                        <a:latin typeface="Arial"/>
                       </a:endParaRPr>
                     </a:p>
                   </a:txBody>
@@ -6015,10 +10286,15 @@
                 </a:tc>
                 <a:tc>
                   <a:txBody>
-                    <a:bodyPr lIns="90000" rIns="90000" tIns="46800" bIns="46800">
+                    <a:bodyPr lIns="90000" rIns="90000">
                       <a:noAutofit/>
                     </a:bodyPr>
                     <a:p>
+                      <a:pPr>
+                        <a:lnSpc>
+                          <a:spcPct val="100000"/>
+                        </a:lnSpc>
+                      </a:pPr>
                       <a:r>
                         <a:rPr b="1" lang="pt-BR" sz="1800" spc="-1" strike="noStrike">
                           <a:latin typeface="Arial"/>
@@ -6066,7 +10342,7 @@
               <a:tr h="572040">
                 <a:tc>
                   <a:txBody>
-                    <a:bodyPr lIns="90000" rIns="90000" tIns="46800" bIns="46800">
+                    <a:bodyPr lIns="90000" rIns="90000">
                       <a:noAutofit/>
                     </a:bodyPr>
                     <a:p>
@@ -6083,7 +10359,7 @@
                         <a:t>Sequencial</a:t>
                       </a:r>
                       <a:endParaRPr b="0" lang="pt-BR" sz="1800" spc="-1" strike="noStrike">
-                        <a:latin typeface="Times New Roman"/>
+                        <a:latin typeface="Arial"/>
                       </a:endParaRPr>
                     </a:p>
                   </a:txBody>
@@ -6115,7 +10391,7 @@
                 </a:tc>
                 <a:tc>
                   <a:txBody>
-                    <a:bodyPr lIns="90000" rIns="90000" tIns="46800" bIns="46800">
+                    <a:bodyPr lIns="90000" rIns="90000">
                       <a:noAutofit/>
                     </a:bodyPr>
                     <a:p>
@@ -6132,7 +10408,7 @@
                         <a:t>150.000.000</a:t>
                       </a:r>
                       <a:endParaRPr b="0" lang="pt-BR" sz="1800" spc="-1" strike="noStrike">
-                        <a:latin typeface="Times New Roman"/>
+                        <a:latin typeface="Arial"/>
                       </a:endParaRPr>
                     </a:p>
                   </a:txBody>
@@ -6164,7 +10440,7 @@
                 </a:tc>
                 <a:tc>
                   <a:txBody>
-                    <a:bodyPr lIns="90000" rIns="90000" tIns="46800" bIns="46800">
+                    <a:bodyPr lIns="90000" rIns="90000">
                       <a:noAutofit/>
                     </a:bodyPr>
                     <a:p>
@@ -6181,7 +10457,7 @@
                         <a:t>7.1406</a:t>
                       </a:r>
                       <a:endParaRPr b="0" lang="pt-BR" sz="1800" spc="-1" strike="noStrike">
-                        <a:latin typeface="Times New Roman"/>
+                        <a:latin typeface="Arial"/>
                       </a:endParaRPr>
                     </a:p>
                   </a:txBody>
@@ -6213,7 +10489,7 @@
                 </a:tc>
                 <a:tc>
                   <a:txBody>
-                    <a:bodyPr lIns="90000" rIns="90000" tIns="46800" bIns="46800">
+                    <a:bodyPr lIns="90000" rIns="90000">
                       <a:noAutofit/>
                     </a:bodyPr>
                     <a:p>
@@ -6230,7 +10506,7 @@
                         <a:t>1.0x</a:t>
                       </a:r>
                       <a:endParaRPr b="0" lang="pt-BR" sz="1800" spc="-1" strike="noStrike">
-                        <a:latin typeface="Times New Roman"/>
+                        <a:latin typeface="Arial"/>
                       </a:endParaRPr>
                     </a:p>
                   </a:txBody>
@@ -6262,10 +10538,15 @@
                 </a:tc>
                 <a:tc>
                   <a:txBody>
-                    <a:bodyPr lIns="90000" rIns="90000" tIns="46800" bIns="46800">
+                    <a:bodyPr lIns="90000" rIns="90000">
                       <a:noAutofit/>
                     </a:bodyPr>
                     <a:p>
+                      <a:pPr>
+                        <a:lnSpc>
+                          <a:spcPct val="100000"/>
+                        </a:lnSpc>
+                      </a:pPr>
                       <a:r>
                         <a:rPr b="0" lang="pt-BR" sz="1800" spc="-1" strike="noStrike">
                           <a:latin typeface="Arial"/>
@@ -6313,7 +10594,7 @@
               <a:tr h="572040">
                 <a:tc>
                   <a:txBody>
-                    <a:bodyPr lIns="90000" rIns="90000" tIns="46800" bIns="46800">
+                    <a:bodyPr lIns="90000" rIns="90000">
                       <a:noAutofit/>
                     </a:bodyPr>
                     <a:p>
@@ -6330,7 +10611,7 @@
                         <a:t>OpenMP (4 threads)</a:t>
                       </a:r>
                       <a:endParaRPr b="0" lang="pt-BR" sz="1800" spc="-1" strike="noStrike">
-                        <a:latin typeface="Times New Roman"/>
+                        <a:latin typeface="Arial"/>
                       </a:endParaRPr>
                     </a:p>
                   </a:txBody>
@@ -6362,7 +10643,7 @@
                 </a:tc>
                 <a:tc>
                   <a:txBody>
-                    <a:bodyPr lIns="90000" rIns="90000" tIns="46800" bIns="46800">
+                    <a:bodyPr lIns="90000" rIns="90000">
                       <a:noAutofit/>
                     </a:bodyPr>
                     <a:p>
@@ -6379,7 +10660,7 @@
                         <a:t>150.000.000</a:t>
                       </a:r>
                       <a:endParaRPr b="0" lang="pt-BR" sz="1800" spc="-1" strike="noStrike">
-                        <a:latin typeface="Times New Roman"/>
+                        <a:latin typeface="Arial"/>
                       </a:endParaRPr>
                     </a:p>
                   </a:txBody>
@@ -6411,7 +10692,7 @@
                 </a:tc>
                 <a:tc>
                   <a:txBody>
-                    <a:bodyPr lIns="90000" rIns="90000" tIns="46800" bIns="46800">
+                    <a:bodyPr lIns="90000" rIns="90000">
                       <a:noAutofit/>
                     </a:bodyPr>
                     <a:p>
@@ -6428,7 +10709,7 @@
                         <a:t>2,0364</a:t>
                       </a:r>
                       <a:endParaRPr b="0" lang="pt-BR" sz="1800" spc="-1" strike="noStrike">
-                        <a:latin typeface="Times New Roman"/>
+                        <a:latin typeface="Arial"/>
                       </a:endParaRPr>
                     </a:p>
                   </a:txBody>
@@ -6460,7 +10741,7 @@
                 </a:tc>
                 <a:tc>
                   <a:txBody>
-                    <a:bodyPr lIns="90000" rIns="90000" tIns="46800" bIns="46800">
+                    <a:bodyPr lIns="90000" rIns="90000">
                       <a:noAutofit/>
                     </a:bodyPr>
                     <a:p>
@@ -6477,7 +10758,7 @@
                         <a:t>3.51x</a:t>
                       </a:r>
                       <a:endParaRPr b="0" lang="pt-BR" sz="1800" spc="-1" strike="noStrike">
-                        <a:latin typeface="Times New Roman"/>
+                        <a:latin typeface="Arial"/>
                       </a:endParaRPr>
                     </a:p>
                   </a:txBody>
@@ -6509,7 +10790,7 @@
                 </a:tc>
                 <a:tc>
                   <a:txBody>
-                    <a:bodyPr lIns="90000" rIns="90000" tIns="46800" bIns="46800">
+                    <a:bodyPr lIns="90000" rIns="90000">
                       <a:noAutofit/>
                     </a:bodyPr>
                     <a:p>
@@ -6533,7 +10814,7 @@
                         <a:t>87,75%</a:t>
                       </a:r>
                       <a:endParaRPr b="0" lang="pt-BR" sz="1800" spc="-1" strike="noStrike">
-                        <a:latin typeface="Times New Roman"/>
+                        <a:latin typeface="Arial"/>
                       </a:endParaRPr>
                     </a:p>
                   </a:txBody>
@@ -6567,7 +10848,7 @@
               <a:tr h="572040">
                 <a:tc>
                   <a:txBody>
-                    <a:bodyPr lIns="90000" rIns="90000" tIns="46800" bIns="46800">
+                    <a:bodyPr lIns="90000" rIns="90000">
                       <a:noAutofit/>
                     </a:bodyPr>
                     <a:p>
@@ -6584,7 +10865,7 @@
                         <a:t>OpenMP (2 threads)</a:t>
                       </a:r>
                       <a:endParaRPr b="0" lang="pt-BR" sz="1800" spc="-1" strike="noStrike">
-                        <a:latin typeface="Times New Roman"/>
+                        <a:latin typeface="Arial"/>
                       </a:endParaRPr>
                     </a:p>
                   </a:txBody>
@@ -6616,7 +10897,7 @@
                 </a:tc>
                 <a:tc>
                   <a:txBody>
-                    <a:bodyPr lIns="90000" rIns="90000" tIns="46800" bIns="46800">
+                    <a:bodyPr lIns="90000" rIns="90000">
                       <a:noAutofit/>
                     </a:bodyPr>
                     <a:p>
@@ -6633,7 +10914,7 @@
                         <a:t>150.000.000</a:t>
                       </a:r>
                       <a:endParaRPr b="0" lang="pt-BR" sz="1800" spc="-1" strike="noStrike">
-                        <a:latin typeface="Times New Roman"/>
+                        <a:latin typeface="Arial"/>
                       </a:endParaRPr>
                     </a:p>
                   </a:txBody>
@@ -6665,7 +10946,7 @@
                 </a:tc>
                 <a:tc>
                   <a:txBody>
-                    <a:bodyPr lIns="90000" rIns="90000" tIns="46800" bIns="46800">
+                    <a:bodyPr lIns="90000" rIns="90000">
                       <a:noAutofit/>
                     </a:bodyPr>
                     <a:p>
@@ -6682,7 +10963,7 @@
                         <a:t>3.8976</a:t>
                       </a:r>
                       <a:endParaRPr b="0" lang="pt-BR" sz="1800" spc="-1" strike="noStrike">
-                        <a:latin typeface="Times New Roman"/>
+                        <a:latin typeface="Arial"/>
                       </a:endParaRPr>
                     </a:p>
                   </a:txBody>
@@ -6714,7 +10995,7 @@
                 </a:tc>
                 <a:tc>
                   <a:txBody>
-                    <a:bodyPr lIns="90000" rIns="90000" tIns="46800" bIns="46800">
+                    <a:bodyPr lIns="90000" rIns="90000">
                       <a:noAutofit/>
                     </a:bodyPr>
                     <a:p>
@@ -6731,7 +11012,7 @@
                         <a:t>1.83x</a:t>
                       </a:r>
                       <a:endParaRPr b="0" lang="pt-BR" sz="1800" spc="-1" strike="noStrike">
-                        <a:latin typeface="Times New Roman"/>
+                        <a:latin typeface="Arial"/>
                       </a:endParaRPr>
                     </a:p>
                   </a:txBody>
@@ -6763,7 +11044,7 @@
                 </a:tc>
                 <a:tc>
                   <a:txBody>
-                    <a:bodyPr lIns="90000" rIns="90000" tIns="46800" bIns="46800">
+                    <a:bodyPr lIns="90000" rIns="90000">
                       <a:noAutofit/>
                     </a:bodyPr>
                     <a:p>
@@ -6787,7 +11068,7 @@
                         <a:t>91,5% </a:t>
                       </a:r>
                       <a:endParaRPr b="0" lang="pt-BR" sz="1800" spc="-1" strike="noStrike">
-                        <a:latin typeface="Times New Roman"/>
+                        <a:latin typeface="Arial"/>
                       </a:endParaRPr>
                     </a:p>
                   </a:txBody>
@@ -6821,7 +11102,7 @@
               <a:tr h="572040">
                 <a:tc>
                   <a:txBody>
-                    <a:bodyPr lIns="90000" rIns="90000" tIns="46800" bIns="46800">
+                    <a:bodyPr lIns="90000" rIns="90000">
                       <a:noAutofit/>
                     </a:bodyPr>
                     <a:p>
@@ -6838,7 +11119,7 @@
                         <a:t>MPI (2 processos)</a:t>
                       </a:r>
                       <a:endParaRPr b="0" lang="pt-BR" sz="1800" spc="-1" strike="noStrike">
-                        <a:latin typeface="Times New Roman"/>
+                        <a:latin typeface="Arial"/>
                       </a:endParaRPr>
                     </a:p>
                   </a:txBody>
@@ -6870,7 +11151,7 @@
                 </a:tc>
                 <a:tc>
                   <a:txBody>
-                    <a:bodyPr lIns="90000" rIns="90000" tIns="46800" bIns="46800">
+                    <a:bodyPr lIns="90000" rIns="90000">
                       <a:noAutofit/>
                     </a:bodyPr>
                     <a:p>
@@ -6887,7 +11168,7 @@
                         <a:t>150.000.000</a:t>
                       </a:r>
                       <a:endParaRPr b="0" lang="pt-BR" sz="1800" spc="-1" strike="noStrike">
-                        <a:latin typeface="Times New Roman"/>
+                        <a:latin typeface="Arial"/>
                       </a:endParaRPr>
                     </a:p>
                   </a:txBody>
@@ -6919,7 +11200,7 @@
                 </a:tc>
                 <a:tc>
                   <a:txBody>
-                    <a:bodyPr lIns="90000" rIns="90000" tIns="46800" bIns="46800">
+                    <a:bodyPr lIns="90000" rIns="90000">
                       <a:noAutofit/>
                     </a:bodyPr>
                     <a:p>
@@ -6936,7 +11217,7 @@
                         <a:t>4.0452</a:t>
                       </a:r>
                       <a:endParaRPr b="0" lang="pt-BR" sz="1800" spc="-1" strike="noStrike">
-                        <a:latin typeface="Times New Roman"/>
+                        <a:latin typeface="Arial"/>
                       </a:endParaRPr>
                     </a:p>
                   </a:txBody>
@@ -6968,7 +11249,7 @@
                 </a:tc>
                 <a:tc>
                   <a:txBody>
-                    <a:bodyPr lIns="90000" rIns="90000" tIns="46800" bIns="46800">
+                    <a:bodyPr lIns="90000" rIns="90000">
                       <a:noAutofit/>
                     </a:bodyPr>
                     <a:p>
@@ -6985,7 +11266,7 @@
                         <a:t>1.76x</a:t>
                       </a:r>
                       <a:endParaRPr b="0" lang="pt-BR" sz="1800" spc="-1" strike="noStrike">
-                        <a:latin typeface="Times New Roman"/>
+                        <a:latin typeface="Arial"/>
                       </a:endParaRPr>
                     </a:p>
                   </a:txBody>
@@ -7017,10 +11298,15 @@
                 </a:tc>
                 <a:tc>
                   <a:txBody>
-                    <a:bodyPr lIns="90000" rIns="90000" tIns="46800" bIns="46800">
+                    <a:bodyPr lIns="90000" rIns="90000">
                       <a:noAutofit/>
                     </a:bodyPr>
                     <a:p>
+                      <a:pPr>
+                        <a:lnSpc>
+                          <a:spcPct val="100000"/>
+                        </a:lnSpc>
+                      </a:pPr>
                       <a:r>
                         <a:rPr b="0" lang="pt-BR" sz="2400" spc="-1" strike="noStrike">
                           <a:latin typeface="Times New Roman"/>
@@ -7035,7 +11321,7 @@
                         <a:t>88%</a:t>
                       </a:r>
                       <a:endParaRPr b="0" lang="pt-BR" sz="1800" spc="-1" strike="noStrike">
-                        <a:latin typeface="Times New Roman"/>
+                        <a:latin typeface="Arial"/>
                       </a:endParaRPr>
                     </a:p>
                   </a:txBody>
@@ -7069,7 +11355,7 @@
               <a:tr h="575280">
                 <a:tc>
                   <a:txBody>
-                    <a:bodyPr lIns="90000" rIns="90000" tIns="46800" bIns="46800">
+                    <a:bodyPr lIns="90000" rIns="90000">
                       <a:noAutofit/>
                     </a:bodyPr>
                     <a:p>
@@ -7086,7 +11372,7 @@
                         <a:t>MPI (4 processos)</a:t>
                       </a:r>
                       <a:endParaRPr b="0" lang="pt-BR" sz="1800" spc="-1" strike="noStrike">
-                        <a:latin typeface="Times New Roman"/>
+                        <a:latin typeface="Arial"/>
                       </a:endParaRPr>
                     </a:p>
                   </a:txBody>
@@ -7118,7 +11404,7 @@
                 </a:tc>
                 <a:tc>
                   <a:txBody>
-                    <a:bodyPr lIns="90000" rIns="90000" tIns="46800" bIns="46800">
+                    <a:bodyPr lIns="90000" rIns="90000">
                       <a:noAutofit/>
                     </a:bodyPr>
                     <a:p>
@@ -7135,7 +11421,7 @@
                         <a:t>150.000.000</a:t>
                       </a:r>
                       <a:endParaRPr b="0" lang="pt-BR" sz="1800" spc="-1" strike="noStrike">
-                        <a:latin typeface="Times New Roman"/>
+                        <a:latin typeface="Arial"/>
                       </a:endParaRPr>
                     </a:p>
                   </a:txBody>
@@ -7167,7 +11453,7 @@
                 </a:tc>
                 <a:tc>
                   <a:txBody>
-                    <a:bodyPr lIns="90000" rIns="90000" tIns="46800" bIns="46800">
+                    <a:bodyPr lIns="90000" rIns="90000">
                       <a:noAutofit/>
                     </a:bodyPr>
                     <a:p>
@@ -7184,7 +11470,7 @@
                         <a:t>2.2804</a:t>
                       </a:r>
                       <a:endParaRPr b="0" lang="pt-BR" sz="1800" spc="-1" strike="noStrike">
-                        <a:latin typeface="Times New Roman"/>
+                        <a:latin typeface="Arial"/>
                       </a:endParaRPr>
                     </a:p>
                   </a:txBody>
@@ -7216,7 +11502,7 @@
                 </a:tc>
                 <a:tc>
                   <a:txBody>
-                    <a:bodyPr lIns="90000" rIns="90000" tIns="46800" bIns="46800">
+                    <a:bodyPr lIns="90000" rIns="90000">
                       <a:noAutofit/>
                     </a:bodyPr>
                     <a:p>
@@ -7233,7 +11519,7 @@
                         <a:t>3.13x</a:t>
                       </a:r>
                       <a:endParaRPr b="0" lang="pt-BR" sz="1800" spc="-1" strike="noStrike">
-                        <a:latin typeface="Times New Roman"/>
+                        <a:latin typeface="Arial"/>
                       </a:endParaRPr>
                     </a:p>
                   </a:txBody>
@@ -7265,10 +11551,15 @@
                 </a:tc>
                 <a:tc>
                   <a:txBody>
-                    <a:bodyPr lIns="90000" rIns="90000" tIns="46800" bIns="46800">
+                    <a:bodyPr lIns="90000" rIns="90000">
                       <a:noAutofit/>
                     </a:bodyPr>
                     <a:p>
+                      <a:pPr>
+                        <a:lnSpc>
+                          <a:spcPct val="100000"/>
+                        </a:lnSpc>
+                      </a:pPr>
                       <a:r>
                         <a:rPr b="0" lang="pt-BR" sz="2400" spc="-1" strike="noStrike">
                           <a:latin typeface="Times New Roman"/>
@@ -7283,7 +11574,7 @@
                         <a:t>78,25%</a:t>
                       </a:r>
                       <a:endParaRPr b="0" lang="pt-BR" sz="1800" spc="-1" strike="noStrike">
-                        <a:latin typeface="Times New Roman"/>
+                        <a:latin typeface="Arial"/>
                       </a:endParaRPr>
                     </a:p>
                   </a:txBody>
@@ -7318,234 +11609,6 @@
           </a:graphicData>
         </a:graphic>
       </p:graphicFrame>
-    </p:spTree>
-  </p:cSld>
-  <mc:AlternateContent>
-    <mc:Choice Requires="p14">
-      <p:transition spd="slow" p14:dur="2000"/>
-    </mc:Choice>
-    <mc:Fallback>
-      <p:transition spd="slow"/>
-    </mc:Fallback>
-  </mc:AlternateContent>
-</p:sld>
-</file>
-
-<file path=ppt/slides/slide7.xml><?xml version="1.0" encoding="utf-8"?>
-<p:sld xmlns:a="http://schemas.openxmlformats.org/drawingml/2006/main" xmlns:p="http://schemas.openxmlformats.org/presentationml/2006/main" xmlns:r="http://schemas.openxmlformats.org/officeDocument/2006/relationships" xmlns:p14="http://schemas.microsoft.com/office/powerpoint/2010/main" xmlns:p15="http://schemas.microsoft.com/office/powerpoint/2012/main" xmlns:mc="http://schemas.openxmlformats.org/markup-compatibility/2006">
-  <p:cSld>
-    <p:spTree>
-      <p:nvGrpSpPr>
-        <p:cNvPr id="1" name=""/>
-        <p:cNvGrpSpPr/>
-        <p:nvPr/>
-      </p:nvGrpSpPr>
-      <p:grpSpPr>
-        <a:xfrm>
-          <a:off x="0" y="0"/>
-          <a:ext cx="0" cy="0"/>
-          <a:chOff x="0" y="0"/>
-          <a:chExt cx="0" cy="0"/>
-        </a:xfrm>
-      </p:grpSpPr>
-      <p:sp>
-        <p:nvSpPr>
-          <p:cNvPr id="90" name="TextShape 1"/>
-          <p:cNvSpPr txBox="1"/>
-          <p:nvPr/>
-        </p:nvSpPr>
-        <p:spPr>
-          <a:xfrm>
-            <a:off x="609480" y="273600"/>
-            <a:ext cx="10972080" cy="1144440"/>
-          </a:xfrm>
-          <a:prstGeom prst="rect">
-            <a:avLst/>
-          </a:prstGeom>
-          <a:noFill/>
-          <a:ln w="0">
-            <a:noFill/>
-          </a:ln>
-        </p:spPr>
-        <p:txBody>
-          <a:bodyPr lIns="0" rIns="0" tIns="0" bIns="0" anchor="ctr">
-            <a:noAutofit/>
-          </a:bodyPr>
-          <a:p>
-            <a:pPr algn="ctr"/>
-            <a:r>
-              <a:rPr b="0" lang="pt-BR" sz="4400" spc="-1" strike="noStrike">
-                <a:latin typeface="Arial"/>
-              </a:rPr>
-              <a:t>Gráficos</a:t>
-            </a:r>
-            <a:endParaRPr b="0" lang="pt-BR" sz="4400" spc="-1" strike="noStrike">
-              <a:latin typeface="Arial"/>
-            </a:endParaRPr>
-          </a:p>
-        </p:txBody>
-      </p:sp>
-      <p:graphicFrame>
-        <p:nvGraphicFramePr>
-          <p:cNvPr id="91" name=""/>
-          <p:cNvGraphicFramePr/>
-          <p:nvPr/>
-        </p:nvGraphicFramePr>
-        <p:xfrm>
-          <a:off x="720000" y="1980000"/>
-          <a:ext cx="4571640" cy="2742840"/>
-        </p:xfrm>
-        <a:graphic>
-          <a:graphicData uri="http://schemas.openxmlformats.org/drawingml/2006/chart">
-            <c:chart xmlns:c="http://schemas.openxmlformats.org/drawingml/2006/chart" xmlns:r="http://schemas.openxmlformats.org/officeDocument/2006/relationships" r:id="rId1"/>
-          </a:graphicData>
-        </a:graphic>
-      </p:graphicFrame>
-      <p:graphicFrame>
-        <p:nvGraphicFramePr>
-          <p:cNvPr id="92" name=""/>
-          <p:cNvGraphicFramePr/>
-          <p:nvPr/>
-        </p:nvGraphicFramePr>
-        <p:xfrm>
-          <a:off x="5783760" y="1895040"/>
-          <a:ext cx="5754240" cy="3240360"/>
-        </p:xfrm>
-        <a:graphic>
-          <a:graphicData uri="http://schemas.openxmlformats.org/drawingml/2006/chart">
-            <c:chart xmlns:c="http://schemas.openxmlformats.org/drawingml/2006/chart" xmlns:r="http://schemas.openxmlformats.org/officeDocument/2006/relationships" r:id="rId2"/>
-          </a:graphicData>
-        </a:graphic>
-      </p:graphicFrame>
-    </p:spTree>
-  </p:cSld>
-  <mc:AlternateContent>
-    <mc:Choice Requires="p14">
-      <p:transition spd="slow" p14:dur="2000"/>
-    </mc:Choice>
-    <mc:Fallback>
-      <p:transition spd="slow"/>
-    </mc:Fallback>
-  </mc:AlternateContent>
-</p:sld>
-</file>
-
-<file path=ppt/slides/slide8.xml><?xml version="1.0" encoding="utf-8"?>
-<p:sld xmlns:a="http://schemas.openxmlformats.org/drawingml/2006/main" xmlns:p="http://schemas.openxmlformats.org/presentationml/2006/main" xmlns:r="http://schemas.openxmlformats.org/officeDocument/2006/relationships" xmlns:p14="http://schemas.microsoft.com/office/powerpoint/2010/main" xmlns:p15="http://schemas.microsoft.com/office/powerpoint/2012/main" xmlns:mc="http://schemas.openxmlformats.org/markup-compatibility/2006">
-  <p:cSld>
-    <p:spTree>
-      <p:nvGrpSpPr>
-        <p:cNvPr id="1" name=""/>
-        <p:cNvGrpSpPr/>
-        <p:nvPr/>
-      </p:nvGrpSpPr>
-      <p:grpSpPr>
-        <a:xfrm>
-          <a:off x="0" y="0"/>
-          <a:ext cx="0" cy="0"/>
-          <a:chOff x="0" y="0"/>
-          <a:chExt cx="0" cy="0"/>
-        </a:xfrm>
-      </p:grpSpPr>
-      <p:sp>
-        <p:nvSpPr>
-          <p:cNvPr id="93" name="TextShape 1"/>
-          <p:cNvSpPr txBox="1"/>
-          <p:nvPr/>
-        </p:nvSpPr>
-        <p:spPr>
-          <a:xfrm>
-            <a:off x="609480" y="273600"/>
-            <a:ext cx="10972080" cy="1144440"/>
-          </a:xfrm>
-          <a:prstGeom prst="rect">
-            <a:avLst/>
-          </a:prstGeom>
-          <a:noFill/>
-          <a:ln w="0">
-            <a:noFill/>
-          </a:ln>
-        </p:spPr>
-        <p:txBody>
-          <a:bodyPr lIns="0" rIns="0" tIns="0" bIns="0" anchor="ctr">
-            <a:noAutofit/>
-          </a:bodyPr>
-          <a:p>
-            <a:pPr algn="ctr"/>
-            <a:r>
-              <a:rPr b="0" lang="pt-BR" sz="4400" spc="-1" strike="noStrike">
-                <a:latin typeface="Arial"/>
-              </a:rPr>
-              <a:t>Referências</a:t>
-            </a:r>
-            <a:endParaRPr b="0" lang="pt-BR" sz="4400" spc="-1" strike="noStrike">
-              <a:latin typeface="Arial"/>
-            </a:endParaRPr>
-          </a:p>
-        </p:txBody>
-      </p:sp>
-      <p:sp>
-        <p:nvSpPr>
-          <p:cNvPr id="94" name="TextShape 2"/>
-          <p:cNvSpPr txBox="1"/>
-          <p:nvPr/>
-        </p:nvSpPr>
-        <p:spPr>
-          <a:xfrm>
-            <a:off x="609480" y="1604520"/>
-            <a:ext cx="10972080" cy="3976920"/>
-          </a:xfrm>
-          <a:prstGeom prst="rect">
-            <a:avLst/>
-          </a:prstGeom>
-          <a:noFill/>
-          <a:ln w="0">
-            <a:noFill/>
-          </a:ln>
-        </p:spPr>
-        <p:txBody>
-          <a:bodyPr lIns="0" rIns="0" tIns="0" bIns="0">
-            <a:normAutofit/>
-          </a:bodyPr>
-          <a:p>
-            <a:r>
-              <a:rPr b="0" lang="pt-BR" sz="2000" spc="-1" strike="noStrike">
-                <a:solidFill>
-                  <a:srgbClr val="481d32"/>
-                </a:solidFill>
-                <a:latin typeface="Arial"/>
-                <a:ea typeface="Bitstream Vera Sans"/>
-                <a:hlinkClick r:id="rId1"/>
-              </a:rPr>
-              <a:t>https://sci01-ter-jne.ufca.edu.br/computacao/course/view.php?id=12</a:t>
-            </a:r>
-            <a:endParaRPr b="0" lang="pt-BR" sz="2000" spc="-1" strike="noStrike">
-              <a:latin typeface="Arial"/>
-            </a:endParaRPr>
-          </a:p>
-          <a:p>
-            <a:r>
-              <a:rPr b="0" lang="pt-BR" sz="2000" spc="-1" strike="noStrike">
-                <a:solidFill>
-                  <a:srgbClr val="481d32"/>
-                </a:solidFill>
-                <a:latin typeface="Arial"/>
-                <a:ea typeface="Bitstream Vera Sans"/>
-                <a:hlinkClick r:id="rId2"/>
-              </a:rPr>
-              <a:t>https://stackoverflow.com/questions/20413995/reducing-on-array-in-openmp</a:t>
-            </a:r>
-            <a:endParaRPr b="0" lang="pt-BR" sz="2000" spc="-1" strike="noStrike">
-              <a:latin typeface="Arial"/>
-            </a:endParaRPr>
-          </a:p>
-          <a:p>
-            <a:endParaRPr b="0" lang="pt-BR" sz="2000" spc="-1" strike="noStrike">
-              <a:latin typeface="Arial"/>
-            </a:endParaRPr>
-          </a:p>
-        </p:txBody>
-      </p:sp>
     </p:spTree>
   </p:cSld>
   <mc:AlternateContent>
@@ -8009,4 +12072,456 @@
     </a:fmtScheme>
   </a:themeElements>
 </a:theme>
+</file>
+
+<file path=ppt/theme/theme3.xml><?xml version="1.0" encoding="utf-8"?>
+<a:theme xmlns:a="http://schemas.openxmlformats.org/drawingml/2006/main" name="Office Theme">
+  <a:themeElements>
+    <a:clrScheme name="Office">
+      <a:dk1>
+        <a:sysClr val="windowText" lastClr="000000"/>
+      </a:dk1>
+      <a:lt1>
+        <a:sysClr val="window" lastClr="FFFFFF"/>
+      </a:lt1>
+      <a:dk2>
+        <a:srgbClr val="16476f"/>
+      </a:dk2>
+      <a:lt2>
+        <a:srgbClr val="ebebeb"/>
+      </a:lt2>
+      <a:accent1>
+        <a:srgbClr val="e5b458"/>
+      </a:accent1>
+      <a:accent2>
+        <a:srgbClr val="f77754"/>
+      </a:accent2>
+      <a:accent3>
+        <a:srgbClr val="d8507e"/>
+      </a:accent3>
+      <a:accent4>
+        <a:srgbClr val="bc70ee"/>
+      </a:accent4>
+      <a:accent5>
+        <a:srgbClr val="3ca2e2"/>
+      </a:accent5>
+      <a:accent6>
+        <a:srgbClr val="91bf77"/>
+      </a:accent6>
+      <a:hlink>
+        <a:srgbClr val="71ddab"/>
+      </a:hlink>
+      <a:folHlink>
+        <a:srgbClr val="a6e4c7"/>
+      </a:folHlink>
+    </a:clrScheme>
+    <a:fontScheme name="Office">
+      <a:majorFont>
+        <a:latin typeface="Arial"/>
+        <a:ea typeface="DejaVu Sans"/>
+        <a:cs typeface="DejaVu Sans"/>
+      </a:majorFont>
+      <a:minorFont>
+        <a:latin typeface="Arial"/>
+        <a:ea typeface="DejaVu Sans"/>
+        <a:cs typeface="DejaVu Sans"/>
+      </a:minorFont>
+    </a:fontScheme>
+    <a:fmtScheme name="Office">
+      <a:fillStyleLst>
+        <a:solidFill>
+          <a:schemeClr val="phClr"/>
+        </a:solidFill>
+        <a:gradFill rotWithShape="1">
+          <a:gsLst>
+            <a:gs pos="0">
+              <a:schemeClr val="phClr">
+                <a:tint val="50000"/>
+                <a:satMod val="300000"/>
+              </a:schemeClr>
+            </a:gs>
+            <a:gs pos="35000">
+              <a:schemeClr val="phClr">
+                <a:tint val="37000"/>
+                <a:satMod val="300000"/>
+              </a:schemeClr>
+            </a:gs>
+            <a:gs pos="100000">
+              <a:schemeClr val="phClr">
+                <a:tint val="15000"/>
+                <a:satMod val="350000"/>
+              </a:schemeClr>
+            </a:gs>
+          </a:gsLst>
+          <a:lin ang="16200000" scaled="1"/>
+        </a:gradFill>
+        <a:gradFill rotWithShape="1">
+          <a:gsLst>
+            <a:gs pos="0">
+              <a:schemeClr val="phClr">
+                <a:shade val="51000"/>
+                <a:satMod val="130000"/>
+              </a:schemeClr>
+            </a:gs>
+            <a:gs pos="80000">
+              <a:schemeClr val="phClr">
+                <a:shade val="93000"/>
+                <a:satMod val="130000"/>
+              </a:schemeClr>
+            </a:gs>
+            <a:gs pos="100000">
+              <a:schemeClr val="phClr">
+                <a:shade val="94000"/>
+                <a:satMod val="135000"/>
+              </a:schemeClr>
+            </a:gs>
+          </a:gsLst>
+          <a:lin ang="16200000" scaled="0"/>
+        </a:gradFill>
+      </a:fillStyleLst>
+      <a:lnStyleLst>
+        <a:ln w="9525" cap="flat" cmpd="sng" algn="ctr">
+          <a:solidFill>
+            <a:schemeClr val="phClr">
+              <a:shade val="95000"/>
+              <a:satMod val="105000"/>
+            </a:schemeClr>
+          </a:solidFill>
+          <a:prstDash val="solid"/>
+          <a:miter/>
+        </a:ln>
+        <a:ln w="25400" cap="flat" cmpd="sng" algn="ctr">
+          <a:solidFill>
+            <a:schemeClr val="phClr"/>
+          </a:solidFill>
+          <a:prstDash val="solid"/>
+          <a:miter/>
+        </a:ln>
+        <a:ln w="38100" cap="flat" cmpd="sng" algn="ctr">
+          <a:solidFill>
+            <a:schemeClr val="phClr"/>
+          </a:solidFill>
+          <a:prstDash val="solid"/>
+          <a:miter/>
+        </a:ln>
+      </a:lnStyleLst>
+      <a:effectStyleLst>
+        <a:effectStyle>
+          <a:effectLst>
+            <a:outerShdw blurRad="40000" dist="20000" dir="5400000" rotWithShape="0">
+              <a:srgbClr val="000000">
+                <a:alpha val="38000"/>
+              </a:srgbClr>
+            </a:outerShdw>
+          </a:effectLst>
+        </a:effectStyle>
+        <a:effectStyle>
+          <a:effectLst>
+            <a:outerShdw blurRad="40000" dist="23000" dir="5400000" rotWithShape="0">
+              <a:srgbClr val="000000">
+                <a:alpha val="35000"/>
+              </a:srgbClr>
+            </a:outerShdw>
+          </a:effectLst>
+        </a:effectStyle>
+        <a:effectStyle>
+          <a:effectLst>
+            <a:outerShdw blurRad="40000" dist="23000" dir="5400000" rotWithShape="0">
+              <a:srgbClr val="000000">
+                <a:alpha val="35000"/>
+              </a:srgbClr>
+            </a:outerShdw>
+          </a:effectLst>
+          <a:scene3d>
+            <a:camera prst="orthographicFront">
+              <a:rot lat="0" lon="0" rev="0"/>
+            </a:camera>
+            <a:lightRig rig="threePt" dir="t">
+              <a:rot lat="0" lon="0" rev="1200000"/>
+            </a:lightRig>
+          </a:scene3d>
+          <a:sp3d>
+            <a:bevelT w="63500" h="25400"/>
+          </a:sp3d>
+        </a:effectStyle>
+      </a:effectStyleLst>
+      <a:bgFillStyleLst>
+        <a:solidFill>
+          <a:schemeClr val="phClr"/>
+        </a:solidFill>
+        <a:gradFill rotWithShape="1">
+          <a:gsLst>
+            <a:gs pos="0">
+              <a:schemeClr val="phClr">
+                <a:tint val="40000"/>
+                <a:satMod val="350000"/>
+              </a:schemeClr>
+            </a:gs>
+            <a:gs pos="40000">
+              <a:schemeClr val="phClr">
+                <a:tint val="45000"/>
+                <a:shade val="99000"/>
+                <a:satMod val="350000"/>
+              </a:schemeClr>
+            </a:gs>
+            <a:gs pos="100000">
+              <a:schemeClr val="phClr">
+                <a:shade val="20000"/>
+                <a:satMod val="255000"/>
+              </a:schemeClr>
+            </a:gs>
+          </a:gsLst>
+          <a:path path="circle">
+            <a:fillToRect l="50000" t="-80000" r="50000" b="180000"/>
+          </a:path>
+        </a:gradFill>
+        <a:gradFill rotWithShape="1">
+          <a:gsLst>
+            <a:gs pos="0">
+              <a:schemeClr val="phClr">
+                <a:tint val="80000"/>
+                <a:satMod val="300000"/>
+              </a:schemeClr>
+            </a:gs>
+            <a:gs pos="100000">
+              <a:schemeClr val="phClr">
+                <a:shade val="30000"/>
+                <a:satMod val="200000"/>
+              </a:schemeClr>
+            </a:gs>
+          </a:gsLst>
+          <a:path path="circle">
+            <a:fillToRect l="50000" t="50000" r="50000" b="50000"/>
+          </a:path>
+        </a:gradFill>
+      </a:bgFillStyleLst>
+    </a:fmtScheme>
+  </a:themeElements>
+</a:theme>
+</file>
+
+<file path=ppt/theme/theme4.xml><?xml version="1.0" encoding="utf-8"?>
+<a:theme xmlns:a="http://schemas.openxmlformats.org/drawingml/2006/main" name="Office Theme">
+  <a:themeElements>
+    <a:clrScheme name="Office">
+      <a:dk1>
+        <a:sysClr val="windowText" lastClr="000000"/>
+      </a:dk1>
+      <a:lt1>
+        <a:sysClr val="window" lastClr="FFFFFF"/>
+      </a:lt1>
+      <a:dk2>
+        <a:srgbClr val="16476f"/>
+      </a:dk2>
+      <a:lt2>
+        <a:srgbClr val="ebebeb"/>
+      </a:lt2>
+      <a:accent1>
+        <a:srgbClr val="e5b458"/>
+      </a:accent1>
+      <a:accent2>
+        <a:srgbClr val="f77754"/>
+      </a:accent2>
+      <a:accent3>
+        <a:srgbClr val="d8507e"/>
+      </a:accent3>
+      <a:accent4>
+        <a:srgbClr val="bc70ee"/>
+      </a:accent4>
+      <a:accent5>
+        <a:srgbClr val="3ca2e2"/>
+      </a:accent5>
+      <a:accent6>
+        <a:srgbClr val="91bf77"/>
+      </a:accent6>
+      <a:hlink>
+        <a:srgbClr val="71ddab"/>
+      </a:hlink>
+      <a:folHlink>
+        <a:srgbClr val="a6e4c7"/>
+      </a:folHlink>
+    </a:clrScheme>
+    <a:fontScheme name="Office">
+      <a:majorFont>
+        <a:latin typeface="Arial"/>
+        <a:ea typeface="DejaVu Sans"/>
+        <a:cs typeface="DejaVu Sans"/>
+      </a:majorFont>
+      <a:minorFont>
+        <a:latin typeface="Arial"/>
+        <a:ea typeface="DejaVu Sans"/>
+        <a:cs typeface="DejaVu Sans"/>
+      </a:minorFont>
+    </a:fontScheme>
+    <a:fmtScheme name="Office">
+      <a:fillStyleLst>
+        <a:solidFill>
+          <a:schemeClr val="phClr"/>
+        </a:solidFill>
+        <a:gradFill rotWithShape="1">
+          <a:gsLst>
+            <a:gs pos="0">
+              <a:schemeClr val="phClr">
+                <a:tint val="50000"/>
+                <a:satMod val="300000"/>
+              </a:schemeClr>
+            </a:gs>
+            <a:gs pos="35000">
+              <a:schemeClr val="phClr">
+                <a:tint val="37000"/>
+                <a:satMod val="300000"/>
+              </a:schemeClr>
+            </a:gs>
+            <a:gs pos="100000">
+              <a:schemeClr val="phClr">
+                <a:tint val="15000"/>
+                <a:satMod val="350000"/>
+              </a:schemeClr>
+            </a:gs>
+          </a:gsLst>
+          <a:lin ang="16200000" scaled="1"/>
+        </a:gradFill>
+        <a:gradFill rotWithShape="1">
+          <a:gsLst>
+            <a:gs pos="0">
+              <a:schemeClr val="phClr">
+                <a:shade val="51000"/>
+                <a:satMod val="130000"/>
+              </a:schemeClr>
+            </a:gs>
+            <a:gs pos="80000">
+              <a:schemeClr val="phClr">
+                <a:shade val="93000"/>
+                <a:satMod val="130000"/>
+              </a:schemeClr>
+            </a:gs>
+            <a:gs pos="100000">
+              <a:schemeClr val="phClr">
+                <a:shade val="94000"/>
+                <a:satMod val="135000"/>
+              </a:schemeClr>
+            </a:gs>
+          </a:gsLst>
+          <a:lin ang="16200000" scaled="0"/>
+        </a:gradFill>
+      </a:fillStyleLst>
+      <a:lnStyleLst>
+        <a:ln w="9525" cap="flat" cmpd="sng" algn="ctr">
+          <a:solidFill>
+            <a:schemeClr val="phClr">
+              <a:shade val="95000"/>
+              <a:satMod val="105000"/>
+            </a:schemeClr>
+          </a:solidFill>
+          <a:prstDash val="solid"/>
+          <a:miter/>
+        </a:ln>
+        <a:ln w="25400" cap="flat" cmpd="sng" algn="ctr">
+          <a:solidFill>
+            <a:schemeClr val="phClr"/>
+          </a:solidFill>
+          <a:prstDash val="solid"/>
+          <a:miter/>
+        </a:ln>
+        <a:ln w="38100" cap="flat" cmpd="sng" algn="ctr">
+          <a:solidFill>
+            <a:schemeClr val="phClr"/>
+          </a:solidFill>
+          <a:prstDash val="solid"/>
+          <a:miter/>
+        </a:ln>
+      </a:lnStyleLst>
+      <a:effectStyleLst>
+        <a:effectStyle>
+          <a:effectLst>
+            <a:outerShdw blurRad="40000" dist="20000" dir="5400000" rotWithShape="0">
+              <a:srgbClr val="000000">
+                <a:alpha val="38000"/>
+              </a:srgbClr>
+            </a:outerShdw>
+          </a:effectLst>
+        </a:effectStyle>
+        <a:effectStyle>
+          <a:effectLst>
+            <a:outerShdw blurRad="40000" dist="23000" dir="5400000" rotWithShape="0">
+              <a:srgbClr val="000000">
+                <a:alpha val="35000"/>
+              </a:srgbClr>
+            </a:outerShdw>
+          </a:effectLst>
+        </a:effectStyle>
+        <a:effectStyle>
+          <a:effectLst>
+            <a:outerShdw blurRad="40000" dist="23000" dir="5400000" rotWithShape="0">
+              <a:srgbClr val="000000">
+                <a:alpha val="35000"/>
+              </a:srgbClr>
+            </a:outerShdw>
+          </a:effectLst>
+          <a:scene3d>
+            <a:camera prst="orthographicFront">
+              <a:rot lat="0" lon="0" rev="0"/>
+            </a:camera>
+            <a:lightRig rig="threePt" dir="t">
+              <a:rot lat="0" lon="0" rev="1200000"/>
+            </a:lightRig>
+          </a:scene3d>
+          <a:sp3d>
+            <a:bevelT w="63500" h="25400"/>
+          </a:sp3d>
+        </a:effectStyle>
+      </a:effectStyleLst>
+      <a:bgFillStyleLst>
+        <a:solidFill>
+          <a:schemeClr val="phClr"/>
+        </a:solidFill>
+        <a:gradFill rotWithShape="1">
+          <a:gsLst>
+            <a:gs pos="0">
+              <a:schemeClr val="phClr">
+                <a:tint val="40000"/>
+                <a:satMod val="350000"/>
+              </a:schemeClr>
+            </a:gs>
+            <a:gs pos="40000">
+              <a:schemeClr val="phClr">
+                <a:tint val="45000"/>
+                <a:shade val="99000"/>
+                <a:satMod val="350000"/>
+              </a:schemeClr>
+            </a:gs>
+            <a:gs pos="100000">
+              <a:schemeClr val="phClr">
+                <a:shade val="20000"/>
+                <a:satMod val="255000"/>
+              </a:schemeClr>
+            </a:gs>
+          </a:gsLst>
+          <a:path path="circle">
+            <a:fillToRect l="50000" t="-80000" r="50000" b="180000"/>
+          </a:path>
+        </a:gradFill>
+        <a:gradFill rotWithShape="1">
+          <a:gsLst>
+            <a:gs pos="0">
+              <a:schemeClr val="phClr">
+                <a:tint val="80000"/>
+                <a:satMod val="300000"/>
+              </a:schemeClr>
+            </a:gs>
+            <a:gs pos="100000">
+              <a:schemeClr val="phClr">
+                <a:shade val="30000"/>
+                <a:satMod val="200000"/>
+              </a:schemeClr>
+            </a:gs>
+          </a:gsLst>
+          <a:path path="circle">
+            <a:fillToRect l="50000" t="50000" r="50000" b="50000"/>
+          </a:path>
+        </a:gradFill>
+      </a:bgFillStyleLst>
+    </a:fmtScheme>
+  </a:themeElements>
+</a:theme>
 </file>